--- a/Projektgruppenpräsention.pptx
+++ b/Projektgruppenpräsention.pptx
@@ -284,7 +284,7 @@
           <a:p>
             <a:fld id="{12B02018-622B-4362-A7B0-CD82CAA889B3}" type="datetimeFigureOut">
               <a:rPr lang="de-DE" smtClean="0"/>
-              <a:t>24.01.2020</a:t>
+              <a:t>27.01.2020</a:t>
             </a:fld>
             <a:endParaRPr lang="de-DE"/>
           </a:p>
@@ -482,7 +482,7 @@
           <a:p>
             <a:fld id="{12B02018-622B-4362-A7B0-CD82CAA889B3}" type="datetimeFigureOut">
               <a:rPr lang="de-DE" smtClean="0"/>
-              <a:t>24.01.2020</a:t>
+              <a:t>27.01.2020</a:t>
             </a:fld>
             <a:endParaRPr lang="de-DE"/>
           </a:p>
@@ -690,7 +690,7 @@
           <a:p>
             <a:fld id="{12B02018-622B-4362-A7B0-CD82CAA889B3}" type="datetimeFigureOut">
               <a:rPr lang="de-DE" smtClean="0"/>
-              <a:t>24.01.2020</a:t>
+              <a:t>27.01.2020</a:t>
             </a:fld>
             <a:endParaRPr lang="de-DE"/>
           </a:p>
@@ -888,7 +888,7 @@
           <a:p>
             <a:fld id="{12B02018-622B-4362-A7B0-CD82CAA889B3}" type="datetimeFigureOut">
               <a:rPr lang="de-DE" smtClean="0"/>
-              <a:t>24.01.2020</a:t>
+              <a:t>27.01.2020</a:t>
             </a:fld>
             <a:endParaRPr lang="de-DE"/>
           </a:p>
@@ -1163,7 +1163,7 @@
           <a:p>
             <a:fld id="{12B02018-622B-4362-A7B0-CD82CAA889B3}" type="datetimeFigureOut">
               <a:rPr lang="de-DE" smtClean="0"/>
-              <a:t>24.01.2020</a:t>
+              <a:t>27.01.2020</a:t>
             </a:fld>
             <a:endParaRPr lang="de-DE"/>
           </a:p>
@@ -1428,7 +1428,7 @@
           <a:p>
             <a:fld id="{12B02018-622B-4362-A7B0-CD82CAA889B3}" type="datetimeFigureOut">
               <a:rPr lang="de-DE" smtClean="0"/>
-              <a:t>24.01.2020</a:t>
+              <a:t>27.01.2020</a:t>
             </a:fld>
             <a:endParaRPr lang="de-DE"/>
           </a:p>
@@ -1840,7 +1840,7 @@
           <a:p>
             <a:fld id="{12B02018-622B-4362-A7B0-CD82CAA889B3}" type="datetimeFigureOut">
               <a:rPr lang="de-DE" smtClean="0"/>
-              <a:t>24.01.2020</a:t>
+              <a:t>27.01.2020</a:t>
             </a:fld>
             <a:endParaRPr lang="de-DE"/>
           </a:p>
@@ -1981,7 +1981,7 @@
           <a:p>
             <a:fld id="{12B02018-622B-4362-A7B0-CD82CAA889B3}" type="datetimeFigureOut">
               <a:rPr lang="de-DE" smtClean="0"/>
-              <a:t>24.01.2020</a:t>
+              <a:t>27.01.2020</a:t>
             </a:fld>
             <a:endParaRPr lang="de-DE"/>
           </a:p>
@@ -2094,7 +2094,7 @@
           <a:p>
             <a:fld id="{12B02018-622B-4362-A7B0-CD82CAA889B3}" type="datetimeFigureOut">
               <a:rPr lang="de-DE" smtClean="0"/>
-              <a:t>24.01.2020</a:t>
+              <a:t>27.01.2020</a:t>
             </a:fld>
             <a:endParaRPr lang="de-DE"/>
           </a:p>
@@ -2405,7 +2405,7 @@
           <a:p>
             <a:fld id="{12B02018-622B-4362-A7B0-CD82CAA889B3}" type="datetimeFigureOut">
               <a:rPr lang="de-DE" smtClean="0"/>
-              <a:t>24.01.2020</a:t>
+              <a:t>27.01.2020</a:t>
             </a:fld>
             <a:endParaRPr lang="de-DE"/>
           </a:p>
@@ -2693,7 +2693,7 @@
           <a:p>
             <a:fld id="{12B02018-622B-4362-A7B0-CD82CAA889B3}" type="datetimeFigureOut">
               <a:rPr lang="de-DE" smtClean="0"/>
-              <a:t>24.01.2020</a:t>
+              <a:t>27.01.2020</a:t>
             </a:fld>
             <a:endParaRPr lang="de-DE"/>
           </a:p>
@@ -2934,7 +2934,7 @@
           <a:p>
             <a:fld id="{12B02018-622B-4362-A7B0-CD82CAA889B3}" type="datetimeFigureOut">
               <a:rPr lang="de-DE" smtClean="0"/>
-              <a:t>24.01.2020</a:t>
+              <a:t>27.01.2020</a:t>
             </a:fld>
             <a:endParaRPr lang="de-DE"/>
           </a:p>
@@ -3403,7 +3403,15 @@
           <a:p>
             <a:r>
               <a:rPr lang="de-DE" dirty="0"/>
-              <a:t>von Jan König, Lennart Keller, Timo Günther</a:t>
+              <a:t>von Jan </a:t>
+            </a:r>
+            <a:r>
+              <a:rPr lang="de-DE" dirty="0" err="1"/>
+              <a:t>Königer</a:t>
+            </a:r>
+            <a:r>
+              <a:rPr lang="de-DE" dirty="0"/>
+              <a:t>, Lennart Keller, Timo Günther</a:t>
             </a:r>
           </a:p>
           <a:p>
@@ -3988,7 +3996,7 @@
         </p:blipFill>
         <p:spPr>
           <a:xfrm>
-            <a:off x="3306881" y="1848561"/>
+            <a:off x="1245607" y="1848561"/>
             <a:ext cx="5578238" cy="4111794"/>
           </a:xfrm>
           <a:prstGeom prst="rect">
@@ -3998,57 +4006,60 @@
       </p:pic>
       <p:sp>
         <p:nvSpPr>
-          <p:cNvPr id="4" name="Ellipse 3">
-            <a:extLst>
-              <a:ext uri="{FF2B5EF4-FFF2-40B4-BE49-F238E27FC236}">
-                <a16:creationId xmlns:a16="http://schemas.microsoft.com/office/drawing/2014/main" id="{F590DA69-567E-4782-A85F-D12F7F4B0A98}"/>
-              </a:ext>
-            </a:extLst>
-          </p:cNvPr>
-          <p:cNvSpPr/>
+          <p:cNvPr id="7" name="Textfeld 6">
+            <a:extLst>
+              <a:ext uri="{FF2B5EF4-FFF2-40B4-BE49-F238E27FC236}">
+                <a16:creationId xmlns:a16="http://schemas.microsoft.com/office/drawing/2014/main" id="{37E7F4E0-AB6C-44F7-9EA3-3CD646742C41}"/>
+              </a:ext>
+            </a:extLst>
+          </p:cNvPr>
+          <p:cNvSpPr txBox="1"/>
           <p:nvPr/>
         </p:nvSpPr>
         <p:spPr>
           <a:xfrm>
-            <a:off x="6096000" y="5913860"/>
-            <a:ext cx="92990" cy="92990"/>
+            <a:off x="7382682" y="2844224"/>
+            <a:ext cx="3142463" cy="1169551"/>
           </a:xfrm>
-          <a:prstGeom prst="ellipse">
+          <a:prstGeom prst="rect">
             <a:avLst/>
           </a:prstGeom>
-          <a:solidFill>
-            <a:srgbClr val="FF0000"/>
-          </a:solidFill>
-          <a:ln>
-            <a:noFill/>
-          </a:ln>
+          <a:noFill/>
         </p:spPr>
-        <p:style>
-          <a:lnRef idx="2">
-            <a:schemeClr val="accent1">
-              <a:shade val="50000"/>
-            </a:schemeClr>
-          </a:lnRef>
-          <a:fillRef idx="1">
-            <a:schemeClr val="accent1"/>
-          </a:fillRef>
-          <a:effectRef idx="0">
-            <a:schemeClr val="accent1"/>
-          </a:effectRef>
-          <a:fontRef idx="minor">
-            <a:schemeClr val="lt1"/>
-          </a:fontRef>
-        </p:style>
-        <p:txBody>
-          <a:bodyPr rtlCol="0" anchor="ctr"/>
-          <a:lstStyle/>
-          <a:p>
-            <a:pPr algn="ctr"/>
-            <a:endParaRPr lang="de-DE">
-              <a:solidFill>
-                <a:srgbClr val="FF0000"/>
-              </a:solidFill>
-            </a:endParaRPr>
+        <p:txBody>
+          <a:bodyPr wrap="none" rtlCol="0">
+            <a:spAutoFit/>
+          </a:bodyPr>
+          <a:lstStyle/>
+          <a:p>
+            <a:r>
+              <a:rPr lang="de-DE" sz="1400" dirty="0"/>
+              <a:t>NOD	= Nord Deutschland</a:t>
+            </a:r>
+          </a:p>
+          <a:p>
+            <a:r>
+              <a:rPr lang="de-DE" sz="1400" dirty="0"/>
+              <a:t>OMD 	= Ost-Mittel Deutschland</a:t>
+            </a:r>
+          </a:p>
+          <a:p>
+            <a:r>
+              <a:rPr lang="de-DE" sz="1400" dirty="0"/>
+              <a:t>OOD	= Oberes Ost-Deutschland</a:t>
+            </a:r>
+          </a:p>
+          <a:p>
+            <a:r>
+              <a:rPr lang="de-DE" sz="1400" dirty="0"/>
+              <a:t>WMD	= Oberes West-Deutschland</a:t>
+            </a:r>
+          </a:p>
+          <a:p>
+            <a:r>
+              <a:rPr lang="de-DE" sz="1400" dirty="0"/>
+              <a:t>WOD	= Oberes West-Deutschland</a:t>
+            </a:r>
           </a:p>
         </p:txBody>
       </p:sp>

--- a/Projektgruppenpräsention.pptx
+++ b/Projektgruppenpräsention.pptx
@@ -284,7 +284,7 @@
           <a:p>
             <a:fld id="{12B02018-622B-4362-A7B0-CD82CAA889B3}" type="datetimeFigureOut">
               <a:rPr lang="de-DE" smtClean="0"/>
-              <a:t>27.01.2020</a:t>
+              <a:t>28.01.2020</a:t>
             </a:fld>
             <a:endParaRPr lang="de-DE"/>
           </a:p>
@@ -482,7 +482,7 @@
           <a:p>
             <a:fld id="{12B02018-622B-4362-A7B0-CD82CAA889B3}" type="datetimeFigureOut">
               <a:rPr lang="de-DE" smtClean="0"/>
-              <a:t>27.01.2020</a:t>
+              <a:t>28.01.2020</a:t>
             </a:fld>
             <a:endParaRPr lang="de-DE"/>
           </a:p>
@@ -690,7 +690,7 @@
           <a:p>
             <a:fld id="{12B02018-622B-4362-A7B0-CD82CAA889B3}" type="datetimeFigureOut">
               <a:rPr lang="de-DE" smtClean="0"/>
-              <a:t>27.01.2020</a:t>
+              <a:t>28.01.2020</a:t>
             </a:fld>
             <a:endParaRPr lang="de-DE"/>
           </a:p>
@@ -888,7 +888,7 @@
           <a:p>
             <a:fld id="{12B02018-622B-4362-A7B0-CD82CAA889B3}" type="datetimeFigureOut">
               <a:rPr lang="de-DE" smtClean="0"/>
-              <a:t>27.01.2020</a:t>
+              <a:t>28.01.2020</a:t>
             </a:fld>
             <a:endParaRPr lang="de-DE"/>
           </a:p>
@@ -1163,7 +1163,7 @@
           <a:p>
             <a:fld id="{12B02018-622B-4362-A7B0-CD82CAA889B3}" type="datetimeFigureOut">
               <a:rPr lang="de-DE" smtClean="0"/>
-              <a:t>27.01.2020</a:t>
+              <a:t>28.01.2020</a:t>
             </a:fld>
             <a:endParaRPr lang="de-DE"/>
           </a:p>
@@ -1428,7 +1428,7 @@
           <a:p>
             <a:fld id="{12B02018-622B-4362-A7B0-CD82CAA889B3}" type="datetimeFigureOut">
               <a:rPr lang="de-DE" smtClean="0"/>
-              <a:t>27.01.2020</a:t>
+              <a:t>28.01.2020</a:t>
             </a:fld>
             <a:endParaRPr lang="de-DE"/>
           </a:p>
@@ -1840,7 +1840,7 @@
           <a:p>
             <a:fld id="{12B02018-622B-4362-A7B0-CD82CAA889B3}" type="datetimeFigureOut">
               <a:rPr lang="de-DE" smtClean="0"/>
-              <a:t>27.01.2020</a:t>
+              <a:t>28.01.2020</a:t>
             </a:fld>
             <a:endParaRPr lang="de-DE"/>
           </a:p>
@@ -1981,7 +1981,7 @@
           <a:p>
             <a:fld id="{12B02018-622B-4362-A7B0-CD82CAA889B3}" type="datetimeFigureOut">
               <a:rPr lang="de-DE" smtClean="0"/>
-              <a:t>27.01.2020</a:t>
+              <a:t>28.01.2020</a:t>
             </a:fld>
             <a:endParaRPr lang="de-DE"/>
           </a:p>
@@ -2094,7 +2094,7 @@
           <a:p>
             <a:fld id="{12B02018-622B-4362-A7B0-CD82CAA889B3}" type="datetimeFigureOut">
               <a:rPr lang="de-DE" smtClean="0"/>
-              <a:t>27.01.2020</a:t>
+              <a:t>28.01.2020</a:t>
             </a:fld>
             <a:endParaRPr lang="de-DE"/>
           </a:p>
@@ -2405,7 +2405,7 @@
           <a:p>
             <a:fld id="{12B02018-622B-4362-A7B0-CD82CAA889B3}" type="datetimeFigureOut">
               <a:rPr lang="de-DE" smtClean="0"/>
-              <a:t>27.01.2020</a:t>
+              <a:t>28.01.2020</a:t>
             </a:fld>
             <a:endParaRPr lang="de-DE"/>
           </a:p>
@@ -2693,7 +2693,7 @@
           <a:p>
             <a:fld id="{12B02018-622B-4362-A7B0-CD82CAA889B3}" type="datetimeFigureOut">
               <a:rPr lang="de-DE" smtClean="0"/>
-              <a:t>27.01.2020</a:t>
+              <a:t>28.01.2020</a:t>
             </a:fld>
             <a:endParaRPr lang="de-DE"/>
           </a:p>
@@ -2934,7 +2934,7 @@
           <a:p>
             <a:fld id="{12B02018-622B-4362-A7B0-CD82CAA889B3}" type="datetimeFigureOut">
               <a:rPr lang="de-DE" smtClean="0"/>
-              <a:t>27.01.2020</a:t>
+              <a:t>28.01.2020</a:t>
             </a:fld>
             <a:endParaRPr lang="de-DE"/>
           </a:p>
@@ -3534,7 +3534,7 @@
             </a:pPr>
             <a:r>
               <a:rPr lang="de-DE" dirty="0"/>
-              <a:t>3. Bearbeitung des Datensatzes und verwendete Features</a:t>
+              <a:t>3. Verwendete Features und Hyperparameter</a:t>
             </a:r>
           </a:p>
           <a:p>
@@ -3546,7 +3546,7 @@
             </a:pPr>
             <a:r>
               <a:rPr lang="de-DE" dirty="0"/>
-              <a:t>4. Verwendete Hyperparameter und Ergebnisse</a:t>
+              <a:t>4. Ergebnisse</a:t>
             </a:r>
           </a:p>
         </p:txBody>
@@ -4052,7 +4052,7 @@
           <a:p>
             <a:r>
               <a:rPr lang="de-DE" sz="1400" dirty="0"/>
-              <a:t>WMD	= Oberes West-Deutschland</a:t>
+              <a:t>WMD	= West-Mittel Deutschland</a:t>
             </a:r>
           </a:p>
           <a:p>

--- a/Projektgruppenpräsention.pptx
+++ b/Projektgruppenpräsention.pptx
@@ -7,13 +7,18 @@
   <p:sldIdLst>
     <p:sldId id="256" r:id="rId2"/>
     <p:sldId id="257" r:id="rId3"/>
-    <p:sldId id="258" r:id="rId4"/>
-    <p:sldId id="259" r:id="rId5"/>
-    <p:sldId id="260" r:id="rId6"/>
-    <p:sldId id="261" r:id="rId7"/>
-    <p:sldId id="262" r:id="rId8"/>
-    <p:sldId id="263" r:id="rId9"/>
-    <p:sldId id="264" r:id="rId10"/>
+    <p:sldId id="259" r:id="rId4"/>
+    <p:sldId id="260" r:id="rId5"/>
+    <p:sldId id="261" r:id="rId6"/>
+    <p:sldId id="262" r:id="rId7"/>
+    <p:sldId id="263" r:id="rId8"/>
+    <p:sldId id="258" r:id="rId9"/>
+    <p:sldId id="265" r:id="rId10"/>
+    <p:sldId id="264" r:id="rId11"/>
+    <p:sldId id="269" r:id="rId12"/>
+    <p:sldId id="267" r:id="rId13"/>
+    <p:sldId id="266" r:id="rId14"/>
+    <p:sldId id="268" r:id="rId15"/>
   </p:sldIdLst>
   <p:sldSz cx="12192000" cy="6858000"/>
   <p:notesSz cx="6858000" cy="9144000"/>
@@ -119,13 +124,18 @@
           <p14:sldIdLst>
             <p14:sldId id="256"/>
             <p14:sldId id="257"/>
-            <p14:sldId id="258"/>
             <p14:sldId id="259"/>
             <p14:sldId id="260"/>
             <p14:sldId id="261"/>
             <p14:sldId id="262"/>
             <p14:sldId id="263"/>
+            <p14:sldId id="258"/>
+            <p14:sldId id="265"/>
             <p14:sldId id="264"/>
+            <p14:sldId id="269"/>
+            <p14:sldId id="267"/>
+            <p14:sldId id="266"/>
+            <p14:sldId id="268"/>
           </p14:sldIdLst>
         </p14:section>
       </p14:sectionLst>
@@ -3435,7 +3445,7 @@
 </p:sld>
 </file>
 
-<file path=ppt/slides/slide2.xml><?xml version="1.0" encoding="utf-8"?>
+<file path=ppt/slides/slide10.xml><?xml version="1.0" encoding="utf-8"?>
 <p:sld xmlns:a="http://schemas.openxmlformats.org/drawingml/2006/main" xmlns:r="http://schemas.openxmlformats.org/officeDocument/2006/relationships" xmlns:p="http://schemas.openxmlformats.org/presentationml/2006/main">
   <p:cSld>
     <p:spTree>
@@ -3457,7 +3467,7 @@
           <p:cNvPr id="2" name="Titel 1">
             <a:extLst>
               <a:ext uri="{FF2B5EF4-FFF2-40B4-BE49-F238E27FC236}">
-                <a16:creationId xmlns:a16="http://schemas.microsoft.com/office/drawing/2014/main" id="{E7447C29-9909-47C3-B836-25FC4F20BE00}"/>
+                <a16:creationId xmlns:a16="http://schemas.microsoft.com/office/drawing/2014/main" id="{52EAA132-7573-41C7-BFEF-2F3836266536}"/>
               </a:ext>
             </a:extLst>
           </p:cNvPr>
@@ -3476,7 +3486,7 @@
             <a:pPr algn="ctr"/>
             <a:r>
               <a:rPr lang="de-DE" dirty="0"/>
-              <a:t>Gliederung</a:t>
+              <a:t>Fragestellung</a:t>
             </a:r>
           </a:p>
         </p:txBody>
@@ -3486,7 +3496,7 @@
           <p:cNvPr id="3" name="Inhaltsplatzhalter 2">
             <a:extLst>
               <a:ext uri="{FF2B5EF4-FFF2-40B4-BE49-F238E27FC236}">
-                <a16:creationId xmlns:a16="http://schemas.microsoft.com/office/drawing/2014/main" id="{11785F32-8148-493C-A767-1DB1D0557E42}"/>
+                <a16:creationId xmlns:a16="http://schemas.microsoft.com/office/drawing/2014/main" id="{CD5E0549-B833-462A-97AB-56659BF3E7B7}"/>
               </a:ext>
             </a:extLst>
           </p:cNvPr>
@@ -3497,56 +3507,27 @@
             <p:ph idx="1"/>
           </p:nvPr>
         </p:nvSpPr>
-        <p:spPr/>
-        <p:txBody>
-          <a:bodyPr/>
-          <a:lstStyle/>
-          <a:p>
-            <a:pPr marL="0" indent="0">
+        <p:spPr>
+          <a:xfrm>
+            <a:off x="838200" y="3012981"/>
+            <a:ext cx="10515600" cy="1463485"/>
+          </a:xfrm>
+        </p:spPr>
+        <p:txBody>
+          <a:bodyPr>
+            <a:normAutofit/>
+          </a:bodyPr>
+          <a:lstStyle/>
+          <a:p>
+            <a:pPr marL="0" indent="0" algn="ctr">
               <a:lnSpc>
                 <a:spcPct val="150000"/>
               </a:lnSpc>
               <a:buNone/>
             </a:pPr>
             <a:r>
-              <a:rPr lang="de-DE" dirty="0"/>
-              <a:t>1. Vorstellung des Datensatzes</a:t>
-            </a:r>
-          </a:p>
-          <a:p>
-            <a:pPr marL="0" indent="0">
-              <a:lnSpc>
-                <a:spcPct val="150000"/>
-              </a:lnSpc>
-              <a:buNone/>
-            </a:pPr>
-            <a:r>
-              <a:rPr lang="de-DE" dirty="0"/>
-              <a:t>2. Forschungsfrage</a:t>
-            </a:r>
-          </a:p>
-          <a:p>
-            <a:pPr marL="0" indent="0">
-              <a:lnSpc>
-                <a:spcPct val="150000"/>
-              </a:lnSpc>
-              <a:buNone/>
-            </a:pPr>
-            <a:r>
-              <a:rPr lang="de-DE" dirty="0"/>
-              <a:t>3. Verwendete Features und Hyperparameter</a:t>
-            </a:r>
-          </a:p>
-          <a:p>
-            <a:pPr marL="0" indent="0">
-              <a:lnSpc>
-                <a:spcPct val="150000"/>
-              </a:lnSpc>
-              <a:buNone/>
-            </a:pPr>
-            <a:r>
-              <a:rPr lang="de-DE" dirty="0"/>
-              <a:t>4. Ergebnisse</a:t>
+              <a:rPr lang="de-DE" i="1" dirty="0"/>
+              <a:t>Können wir die Textsorten, ausgehend von einer Trainingsperiode, in anderen Zeitintervallen vorhersagen?</a:t>
             </a:r>
           </a:p>
         </p:txBody>
@@ -3554,7 +3535,7 @@
     </p:spTree>
     <p:extLst>
       <p:ext uri="{BB962C8B-B14F-4D97-AF65-F5344CB8AC3E}">
-        <p14:creationId xmlns:p14="http://schemas.microsoft.com/office/powerpoint/2010/main" val="1705384230"/>
+        <p14:creationId xmlns:p14="http://schemas.microsoft.com/office/powerpoint/2010/main" val="2068376141"/>
       </p:ext>
     </p:extLst>
   </p:cSld>
@@ -3564,7 +3545,7 @@
 </p:sld>
 </file>
 
-<file path=ppt/slides/slide3.xml><?xml version="1.0" encoding="utf-8"?>
+<file path=ppt/slides/slide11.xml><?xml version="1.0" encoding="utf-8"?>
 <p:sld xmlns:a="http://schemas.openxmlformats.org/drawingml/2006/main" xmlns:r="http://schemas.openxmlformats.org/officeDocument/2006/relationships" xmlns:p="http://schemas.openxmlformats.org/presentationml/2006/main">
   <p:cSld>
     <p:spTree>
@@ -3586,6 +3567,131 @@
           <p:cNvPr id="2" name="Titel 1">
             <a:extLst>
               <a:ext uri="{FF2B5EF4-FFF2-40B4-BE49-F238E27FC236}">
+                <a16:creationId xmlns:a16="http://schemas.microsoft.com/office/drawing/2014/main" id="{E4A6647A-3620-4114-B32A-A376A2214CA0}"/>
+              </a:ext>
+            </a:extLst>
+          </p:cNvPr>
+          <p:cNvSpPr>
+            <a:spLocks noGrp="1"/>
+          </p:cNvSpPr>
+          <p:nvPr>
+            <p:ph type="title"/>
+          </p:nvPr>
+        </p:nvSpPr>
+        <p:spPr/>
+        <p:txBody>
+          <a:bodyPr/>
+          <a:lstStyle/>
+          <a:p>
+            <a:pPr algn="ctr"/>
+            <a:r>
+              <a:rPr lang="de-DE" dirty="0"/>
+              <a:t>Versuchsdesign</a:t>
+            </a:r>
+          </a:p>
+        </p:txBody>
+      </p:sp>
+      <p:sp>
+        <p:nvSpPr>
+          <p:cNvPr id="3" name="Inhaltsplatzhalter 2">
+            <a:extLst>
+              <a:ext uri="{FF2B5EF4-FFF2-40B4-BE49-F238E27FC236}">
+                <a16:creationId xmlns:a16="http://schemas.microsoft.com/office/drawing/2014/main" id="{85F0AC1B-153D-48DA-915B-EBBB9E44FECF}"/>
+              </a:ext>
+            </a:extLst>
+          </p:cNvPr>
+          <p:cNvSpPr>
+            <a:spLocks noGrp="1"/>
+          </p:cNvSpPr>
+          <p:nvPr>
+            <p:ph idx="1"/>
+          </p:nvPr>
+        </p:nvSpPr>
+        <p:spPr/>
+        <p:txBody>
+          <a:bodyPr/>
+          <a:lstStyle/>
+          <a:p>
+            <a:r>
+              <a:rPr lang="de-DE" dirty="0"/>
+              <a:t>Trainingsdaten: Eine Periode (Periode 1)</a:t>
+            </a:r>
+          </a:p>
+          <a:p>
+            <a:r>
+              <a:rPr lang="de-DE" dirty="0"/>
+              <a:t>Testdaten: Restliche Perioden (Periode 2 – 6)</a:t>
+            </a:r>
+          </a:p>
+          <a:p>
+            <a:r>
+              <a:rPr lang="de-DE" dirty="0"/>
+              <a:t>Training eines Modells zur Genre-Klassifizierung</a:t>
+            </a:r>
+          </a:p>
+          <a:p>
+            <a:r>
+              <a:rPr lang="de-DE" dirty="0"/>
+              <a:t>Vorhersage der Genres auf allen anderen Perioden</a:t>
+            </a:r>
+          </a:p>
+          <a:p>
+            <a:r>
+              <a:rPr lang="de-DE" dirty="0"/>
+              <a:t>Metrik = F1-Score </a:t>
+            </a:r>
+            <a:r>
+              <a:rPr lang="de-DE" dirty="0" err="1"/>
+              <a:t>macro</a:t>
+            </a:r>
+            <a:endParaRPr lang="de-DE" dirty="0"/>
+          </a:p>
+          <a:p>
+            <a:r>
+              <a:rPr lang="de-DE" dirty="0"/>
+              <a:t>Textsorte News wurde entfernt</a:t>
+            </a:r>
+          </a:p>
+          <a:p>
+            <a:endParaRPr lang="de-DE" dirty="0"/>
+          </a:p>
+        </p:txBody>
+      </p:sp>
+    </p:spTree>
+    <p:extLst>
+      <p:ext uri="{BB962C8B-B14F-4D97-AF65-F5344CB8AC3E}">
+        <p14:creationId xmlns:p14="http://schemas.microsoft.com/office/powerpoint/2010/main" val="3929066626"/>
+      </p:ext>
+    </p:extLst>
+  </p:cSld>
+  <p:clrMapOvr>
+    <a:masterClrMapping/>
+  </p:clrMapOvr>
+</p:sld>
+</file>
+
+<file path=ppt/slides/slide12.xml><?xml version="1.0" encoding="utf-8"?>
+<p:sld xmlns:a="http://schemas.openxmlformats.org/drawingml/2006/main" xmlns:r="http://schemas.openxmlformats.org/officeDocument/2006/relationships" xmlns:p="http://schemas.openxmlformats.org/presentationml/2006/main">
+  <p:cSld>
+    <p:spTree>
+      <p:nvGrpSpPr>
+        <p:cNvPr id="1" name=""/>
+        <p:cNvGrpSpPr/>
+        <p:nvPr/>
+      </p:nvGrpSpPr>
+      <p:grpSpPr>
+        <a:xfrm>
+          <a:off x="0" y="0"/>
+          <a:ext cx="0" cy="0"/>
+          <a:chOff x="0" y="0"/>
+          <a:chExt cx="0" cy="0"/>
+        </a:xfrm>
+      </p:grpSpPr>
+      <p:sp>
+        <p:nvSpPr>
+          <p:cNvPr id="2" name="Titel 1">
+            <a:extLst>
+              <a:ext uri="{FF2B5EF4-FFF2-40B4-BE49-F238E27FC236}">
                 <a16:creationId xmlns:a16="http://schemas.microsoft.com/office/drawing/2014/main" id="{33C31535-2E54-41AC-8A74-1283CD8E2427}"/>
               </a:ext>
             </a:extLst>
@@ -3605,7 +3711,7 @@
             <a:pPr algn="ctr"/>
             <a:r>
               <a:rPr lang="de-DE" dirty="0"/>
-              <a:t>Vorstellung des Datensatzes</a:t>
+              <a:t>Verwendete Features und Hyperparameter</a:t>
             </a:r>
           </a:p>
         </p:txBody>
@@ -3761,7 +3867,7 @@
     </p:spTree>
     <p:extLst>
       <p:ext uri="{BB962C8B-B14F-4D97-AF65-F5344CB8AC3E}">
-        <p14:creationId xmlns:p14="http://schemas.microsoft.com/office/powerpoint/2010/main" val="504856519"/>
+        <p14:creationId xmlns:p14="http://schemas.microsoft.com/office/powerpoint/2010/main" val="1686934275"/>
       </p:ext>
     </p:extLst>
   </p:cSld>
@@ -3771,7 +3877,372 @@
 </p:sld>
 </file>
 
-<file path=ppt/slides/slide4.xml><?xml version="1.0" encoding="utf-8"?>
+<file path=ppt/slides/slide13.xml><?xml version="1.0" encoding="utf-8"?>
+<p:sld xmlns:a="http://schemas.openxmlformats.org/drawingml/2006/main" xmlns:r="http://schemas.openxmlformats.org/officeDocument/2006/relationships" xmlns:p="http://schemas.openxmlformats.org/presentationml/2006/main">
+  <p:cSld>
+    <p:spTree>
+      <p:nvGrpSpPr>
+        <p:cNvPr id="1" name=""/>
+        <p:cNvGrpSpPr/>
+        <p:nvPr/>
+      </p:nvGrpSpPr>
+      <p:grpSpPr>
+        <a:xfrm>
+          <a:off x="0" y="0"/>
+          <a:ext cx="0" cy="0"/>
+          <a:chOff x="0" y="0"/>
+          <a:chExt cx="0" cy="0"/>
+        </a:xfrm>
+      </p:grpSpPr>
+      <p:sp>
+        <p:nvSpPr>
+          <p:cNvPr id="2" name="Titel 1">
+            <a:extLst>
+              <a:ext uri="{FF2B5EF4-FFF2-40B4-BE49-F238E27FC236}">
+                <a16:creationId xmlns:a16="http://schemas.microsoft.com/office/drawing/2014/main" id="{83393BDD-60BB-42B7-8DC9-3CB4F32D4009}"/>
+              </a:ext>
+            </a:extLst>
+          </p:cNvPr>
+          <p:cNvSpPr>
+            <a:spLocks noGrp="1"/>
+          </p:cNvSpPr>
+          <p:nvPr>
+            <p:ph type="title"/>
+          </p:nvPr>
+        </p:nvSpPr>
+        <p:spPr/>
+        <p:txBody>
+          <a:bodyPr/>
+          <a:lstStyle/>
+          <a:p>
+            <a:pPr algn="ctr"/>
+            <a:r>
+              <a:rPr lang="de-DE" dirty="0"/>
+              <a:t>Verwendete Features und Hyperparameter</a:t>
+            </a:r>
+          </a:p>
+        </p:txBody>
+      </p:sp>
+      <p:sp>
+        <p:nvSpPr>
+          <p:cNvPr id="3" name="Inhaltsplatzhalter 2">
+            <a:extLst>
+              <a:ext uri="{FF2B5EF4-FFF2-40B4-BE49-F238E27FC236}">
+                <a16:creationId xmlns:a16="http://schemas.microsoft.com/office/drawing/2014/main" id="{2B03616F-8A3E-477D-A52D-A4D1C6764D65}"/>
+              </a:ext>
+            </a:extLst>
+          </p:cNvPr>
+          <p:cNvSpPr>
+            <a:spLocks noGrp="1"/>
+          </p:cNvSpPr>
+          <p:nvPr>
+            <p:ph idx="1"/>
+          </p:nvPr>
+        </p:nvSpPr>
+        <p:spPr/>
+        <p:txBody>
+          <a:bodyPr/>
+          <a:lstStyle/>
+          <a:p>
+            <a:r>
+              <a:rPr lang="de-DE" dirty="0"/>
+              <a:t>Ermittelt mittels Cross-Validation auf Periode 1 (</a:t>
+            </a:r>
+            <a:r>
+              <a:rPr lang="de-DE" dirty="0" err="1"/>
+              <a:t>LinearSVC</a:t>
+            </a:r>
+            <a:r>
+              <a:rPr lang="de-DE" dirty="0"/>
+              <a:t>, 5-fold, F1-Score </a:t>
+            </a:r>
+            <a:r>
+              <a:rPr lang="de-DE" dirty="0" err="1"/>
+              <a:t>macro</a:t>
+            </a:r>
+            <a:r>
+              <a:rPr lang="de-DE" dirty="0"/>
+              <a:t>)</a:t>
+            </a:r>
+          </a:p>
+          <a:p>
+            <a:endParaRPr lang="de-DE" dirty="0"/>
+          </a:p>
+        </p:txBody>
+      </p:sp>
+      <p:pic>
+        <p:nvPicPr>
+          <p:cNvPr id="5" name="Grafik 4" descr="Ein Bild, das Screenshot enthält.&#10;&#10;Automatisch generierte Beschreibung">
+            <a:extLst>
+              <a:ext uri="{FF2B5EF4-FFF2-40B4-BE49-F238E27FC236}">
+                <a16:creationId xmlns:a16="http://schemas.microsoft.com/office/drawing/2014/main" id="{0F26BD10-1813-47C3-96B4-F1019646E201}"/>
+              </a:ext>
+            </a:extLst>
+          </p:cNvPr>
+          <p:cNvPicPr>
+            <a:picLocks noChangeAspect="1"/>
+          </p:cNvPicPr>
+          <p:nvPr/>
+        </p:nvPicPr>
+        <p:blipFill>
+          <a:blip r:embed="rId2">
+            <a:extLst>
+              <a:ext uri="{28A0092B-C50C-407E-A947-70E740481C1C}">
+                <a14:useLocalDpi xmlns:a14="http://schemas.microsoft.com/office/drawing/2010/main" val="0"/>
+              </a:ext>
+            </a:extLst>
+          </a:blip>
+          <a:stretch>
+            <a:fillRect/>
+          </a:stretch>
+        </p:blipFill>
+        <p:spPr>
+          <a:xfrm>
+            <a:off x="838200" y="2754794"/>
+            <a:ext cx="10515600" cy="3871540"/>
+          </a:xfrm>
+          <a:prstGeom prst="rect">
+            <a:avLst/>
+          </a:prstGeom>
+        </p:spPr>
+      </p:pic>
+    </p:spTree>
+    <p:extLst>
+      <p:ext uri="{BB962C8B-B14F-4D97-AF65-F5344CB8AC3E}">
+        <p14:creationId xmlns:p14="http://schemas.microsoft.com/office/powerpoint/2010/main" val="274365235"/>
+      </p:ext>
+    </p:extLst>
+  </p:cSld>
+  <p:clrMapOvr>
+    <a:masterClrMapping/>
+  </p:clrMapOvr>
+</p:sld>
+</file>
+
+<file path=ppt/slides/slide14.xml><?xml version="1.0" encoding="utf-8"?>
+<p:sld xmlns:a="http://schemas.openxmlformats.org/drawingml/2006/main" xmlns:r="http://schemas.openxmlformats.org/officeDocument/2006/relationships" xmlns:p="http://schemas.openxmlformats.org/presentationml/2006/main">
+  <p:cSld>
+    <p:spTree>
+      <p:nvGrpSpPr>
+        <p:cNvPr id="1" name=""/>
+        <p:cNvGrpSpPr/>
+        <p:nvPr/>
+      </p:nvGrpSpPr>
+      <p:grpSpPr>
+        <a:xfrm>
+          <a:off x="0" y="0"/>
+          <a:ext cx="0" cy="0"/>
+          <a:chOff x="0" y="0"/>
+          <a:chExt cx="0" cy="0"/>
+        </a:xfrm>
+      </p:grpSpPr>
+      <p:sp>
+        <p:nvSpPr>
+          <p:cNvPr id="2" name="Titel 1">
+            <a:extLst>
+              <a:ext uri="{FF2B5EF4-FFF2-40B4-BE49-F238E27FC236}">
+                <a16:creationId xmlns:a16="http://schemas.microsoft.com/office/drawing/2014/main" id="{A65C7E1E-36AD-4F6B-8C66-BC474F2CE9CC}"/>
+              </a:ext>
+            </a:extLst>
+          </p:cNvPr>
+          <p:cNvSpPr>
+            <a:spLocks noGrp="1"/>
+          </p:cNvSpPr>
+          <p:nvPr>
+            <p:ph type="title"/>
+          </p:nvPr>
+        </p:nvSpPr>
+        <p:spPr/>
+        <p:txBody>
+          <a:bodyPr/>
+          <a:lstStyle/>
+          <a:p>
+            <a:pPr algn="ctr"/>
+            <a:r>
+              <a:rPr lang="de-DE" dirty="0"/>
+              <a:t>Hyperparameter-Tuning</a:t>
+            </a:r>
+          </a:p>
+        </p:txBody>
+      </p:sp>
+      <p:pic>
+        <p:nvPicPr>
+          <p:cNvPr id="5" name="Inhaltsplatzhalter 4" descr="Ein Bild, das Screenshot enthält.&#10;&#10;Automatisch generierte Beschreibung">
+            <a:extLst>
+              <a:ext uri="{FF2B5EF4-FFF2-40B4-BE49-F238E27FC236}">
+                <a16:creationId xmlns:a16="http://schemas.microsoft.com/office/drawing/2014/main" id="{A59B3810-FEAD-442E-9F33-3D8F04424E81}"/>
+              </a:ext>
+            </a:extLst>
+          </p:cNvPr>
+          <p:cNvPicPr>
+            <a:picLocks noGrp="1" noChangeAspect="1"/>
+          </p:cNvPicPr>
+          <p:nvPr>
+            <p:ph idx="1"/>
+          </p:nvPr>
+        </p:nvPicPr>
+        <p:blipFill>
+          <a:blip r:embed="rId2">
+            <a:extLst>
+              <a:ext uri="{28A0092B-C50C-407E-A947-70E740481C1C}">
+                <a14:useLocalDpi xmlns:a14="http://schemas.microsoft.com/office/drawing/2010/main" val="0"/>
+              </a:ext>
+            </a:extLst>
+          </a:blip>
+          <a:stretch>
+            <a:fillRect/>
+          </a:stretch>
+        </p:blipFill>
+        <p:spPr>
+          <a:xfrm>
+            <a:off x="2432684" y="2367787"/>
+            <a:ext cx="7078981" cy="2417213"/>
+          </a:xfrm>
+        </p:spPr>
+      </p:pic>
+    </p:spTree>
+    <p:extLst>
+      <p:ext uri="{BB962C8B-B14F-4D97-AF65-F5344CB8AC3E}">
+        <p14:creationId xmlns:p14="http://schemas.microsoft.com/office/powerpoint/2010/main" val="1654103409"/>
+      </p:ext>
+    </p:extLst>
+  </p:cSld>
+  <p:clrMapOvr>
+    <a:masterClrMapping/>
+  </p:clrMapOvr>
+</p:sld>
+</file>
+
+<file path=ppt/slides/slide2.xml><?xml version="1.0" encoding="utf-8"?>
+<p:sld xmlns:a="http://schemas.openxmlformats.org/drawingml/2006/main" xmlns:r="http://schemas.openxmlformats.org/officeDocument/2006/relationships" xmlns:p="http://schemas.openxmlformats.org/presentationml/2006/main">
+  <p:cSld>
+    <p:spTree>
+      <p:nvGrpSpPr>
+        <p:cNvPr id="1" name=""/>
+        <p:cNvGrpSpPr/>
+        <p:nvPr/>
+      </p:nvGrpSpPr>
+      <p:grpSpPr>
+        <a:xfrm>
+          <a:off x="0" y="0"/>
+          <a:ext cx="0" cy="0"/>
+          <a:chOff x="0" y="0"/>
+          <a:chExt cx="0" cy="0"/>
+        </a:xfrm>
+      </p:grpSpPr>
+      <p:sp>
+        <p:nvSpPr>
+          <p:cNvPr id="2" name="Titel 1">
+            <a:extLst>
+              <a:ext uri="{FF2B5EF4-FFF2-40B4-BE49-F238E27FC236}">
+                <a16:creationId xmlns:a16="http://schemas.microsoft.com/office/drawing/2014/main" id="{E7447C29-9909-47C3-B836-25FC4F20BE00}"/>
+              </a:ext>
+            </a:extLst>
+          </p:cNvPr>
+          <p:cNvSpPr>
+            <a:spLocks noGrp="1"/>
+          </p:cNvSpPr>
+          <p:nvPr>
+            <p:ph type="title"/>
+          </p:nvPr>
+        </p:nvSpPr>
+        <p:spPr/>
+        <p:txBody>
+          <a:bodyPr/>
+          <a:lstStyle/>
+          <a:p>
+            <a:pPr algn="ctr"/>
+            <a:r>
+              <a:rPr lang="de-DE" dirty="0"/>
+              <a:t>Gliederung</a:t>
+            </a:r>
+          </a:p>
+        </p:txBody>
+      </p:sp>
+      <p:sp>
+        <p:nvSpPr>
+          <p:cNvPr id="3" name="Inhaltsplatzhalter 2">
+            <a:extLst>
+              <a:ext uri="{FF2B5EF4-FFF2-40B4-BE49-F238E27FC236}">
+                <a16:creationId xmlns:a16="http://schemas.microsoft.com/office/drawing/2014/main" id="{11785F32-8148-493C-A767-1DB1D0557E42}"/>
+              </a:ext>
+            </a:extLst>
+          </p:cNvPr>
+          <p:cNvSpPr>
+            <a:spLocks noGrp="1"/>
+          </p:cNvSpPr>
+          <p:nvPr>
+            <p:ph idx="1"/>
+          </p:nvPr>
+        </p:nvSpPr>
+        <p:spPr/>
+        <p:txBody>
+          <a:bodyPr/>
+          <a:lstStyle/>
+          <a:p>
+            <a:pPr marL="0" indent="0">
+              <a:lnSpc>
+                <a:spcPct val="150000"/>
+              </a:lnSpc>
+              <a:buNone/>
+            </a:pPr>
+            <a:r>
+              <a:rPr lang="de-DE" dirty="0"/>
+              <a:t>1. Vorstellung des Datensatzes</a:t>
+            </a:r>
+          </a:p>
+          <a:p>
+            <a:pPr marL="0" indent="0">
+              <a:lnSpc>
+                <a:spcPct val="150000"/>
+              </a:lnSpc>
+              <a:buNone/>
+            </a:pPr>
+            <a:r>
+              <a:rPr lang="de-DE" dirty="0"/>
+              <a:t>2. Forschungsfrage</a:t>
+            </a:r>
+          </a:p>
+          <a:p>
+            <a:pPr marL="0" indent="0">
+              <a:lnSpc>
+                <a:spcPct val="150000"/>
+              </a:lnSpc>
+              <a:buNone/>
+            </a:pPr>
+            <a:r>
+              <a:rPr lang="de-DE" dirty="0"/>
+              <a:t>3. Verwendete Features und Hyperparameter</a:t>
+            </a:r>
+          </a:p>
+          <a:p>
+            <a:pPr marL="0" indent="0">
+              <a:lnSpc>
+                <a:spcPct val="150000"/>
+              </a:lnSpc>
+              <a:buNone/>
+            </a:pPr>
+            <a:r>
+              <a:rPr lang="de-DE" dirty="0"/>
+              <a:t>4. Ergebnisse</a:t>
+            </a:r>
+          </a:p>
+        </p:txBody>
+      </p:sp>
+    </p:spTree>
+    <p:extLst>
+      <p:ext uri="{BB962C8B-B14F-4D97-AF65-F5344CB8AC3E}">
+        <p14:creationId xmlns:p14="http://schemas.microsoft.com/office/powerpoint/2010/main" val="1705384230"/>
+      </p:ext>
+    </p:extLst>
+  </p:cSld>
+  <p:clrMapOvr>
+    <a:masterClrMapping/>
+  </p:clrMapOvr>
+</p:sld>
+</file>
+
+<file path=ppt/slides/slide3.xml><?xml version="1.0" encoding="utf-8"?>
 <p:sld xmlns:a="http://schemas.openxmlformats.org/drawingml/2006/main" xmlns:r="http://schemas.openxmlformats.org/officeDocument/2006/relationships" xmlns:p="http://schemas.openxmlformats.org/presentationml/2006/main">
   <p:cSld>
     <p:spTree>
@@ -3922,7 +4393,7 @@
 </p:sld>
 </file>
 
-<file path=ppt/slides/slide5.xml><?xml version="1.0" encoding="utf-8"?>
+<file path=ppt/slides/slide4.xml><?xml version="1.0" encoding="utf-8"?>
 <p:sld xmlns:a="http://schemas.openxmlformats.org/drawingml/2006/main" xmlns:r="http://schemas.openxmlformats.org/officeDocument/2006/relationships" xmlns:p="http://schemas.openxmlformats.org/presentationml/2006/main">
   <p:cSld>
     <p:spTree>
@@ -4033,8 +4504,12 @@
           <a:lstStyle/>
           <a:p>
             <a:r>
+              <a:rPr lang="de-DE" sz="1400" dirty="0" err="1"/>
+              <a:t>NoD</a:t>
+            </a:r>
+            <a:r>
               <a:rPr lang="de-DE" sz="1400" dirty="0"/>
-              <a:t>NOD	= Nord Deutschland</a:t>
+              <a:t>	= Nord Deutschland</a:t>
             </a:r>
           </a:p>
           <a:p>
@@ -4046,7 +4521,7 @@
           <a:p>
             <a:r>
               <a:rPr lang="de-DE" sz="1400" dirty="0"/>
-              <a:t>OOD	= Oberes Ost-Deutschland</a:t>
+              <a:t>OOD	= Süd-Ost-Deutschland</a:t>
             </a:r>
           </a:p>
           <a:p>
@@ -4058,7 +4533,7 @@
           <a:p>
             <a:r>
               <a:rPr lang="de-DE" sz="1400" dirty="0"/>
-              <a:t>WOD	= Oberes West-Deutschland</a:t>
+              <a:t>WOD	= Süd-West-Deutschland</a:t>
             </a:r>
           </a:p>
         </p:txBody>
@@ -4076,7 +4551,7 @@
 </p:sld>
 </file>
 
-<file path=ppt/slides/slide6.xml><?xml version="1.0" encoding="utf-8"?>
+<file path=ppt/slides/slide5.xml><?xml version="1.0" encoding="utf-8"?>
 <p:sld xmlns:a="http://schemas.openxmlformats.org/drawingml/2006/main" xmlns:r="http://schemas.openxmlformats.org/officeDocument/2006/relationships" xmlns:p="http://schemas.openxmlformats.org/presentationml/2006/main">
   <p:cSld>
     <p:spTree>
@@ -4227,7 +4702,7 @@
 </p:sld>
 </file>
 
-<file path=ppt/slides/slide7.xml><?xml version="1.0" encoding="utf-8"?>
+<file path=ppt/slides/slide6.xml><?xml version="1.0" encoding="utf-8"?>
 <p:sld xmlns:a="http://schemas.openxmlformats.org/drawingml/2006/main" xmlns:r="http://schemas.openxmlformats.org/officeDocument/2006/relationships" xmlns:p="http://schemas.openxmlformats.org/presentationml/2006/main">
   <p:cSld>
     <p:spTree>
@@ -4466,7 +4941,7 @@
 </p:sld>
 </file>
 
-<file path=ppt/slides/slide8.xml><?xml version="1.0" encoding="utf-8"?>
+<file path=ppt/slides/slide7.xml><?xml version="1.0" encoding="utf-8"?>
 <p:sld xmlns:a="http://schemas.openxmlformats.org/drawingml/2006/main" xmlns:r="http://schemas.openxmlformats.org/officeDocument/2006/relationships" xmlns:p="http://schemas.openxmlformats.org/presentationml/2006/main">
   <p:cSld>
     <p:spTree>
@@ -4741,6 +5216,213 @@
 </p:sld>
 </file>
 
+<file path=ppt/slides/slide8.xml><?xml version="1.0" encoding="utf-8"?>
+<p:sld xmlns:a="http://schemas.openxmlformats.org/drawingml/2006/main" xmlns:r="http://schemas.openxmlformats.org/officeDocument/2006/relationships" xmlns:p="http://schemas.openxmlformats.org/presentationml/2006/main">
+  <p:cSld>
+    <p:spTree>
+      <p:nvGrpSpPr>
+        <p:cNvPr id="1" name=""/>
+        <p:cNvGrpSpPr/>
+        <p:nvPr/>
+      </p:nvGrpSpPr>
+      <p:grpSpPr>
+        <a:xfrm>
+          <a:off x="0" y="0"/>
+          <a:ext cx="0" cy="0"/>
+          <a:chOff x="0" y="0"/>
+          <a:chExt cx="0" cy="0"/>
+        </a:xfrm>
+      </p:grpSpPr>
+      <p:sp>
+        <p:nvSpPr>
+          <p:cNvPr id="2" name="Titel 1">
+            <a:extLst>
+              <a:ext uri="{FF2B5EF4-FFF2-40B4-BE49-F238E27FC236}">
+                <a16:creationId xmlns:a16="http://schemas.microsoft.com/office/drawing/2014/main" id="{33C31535-2E54-41AC-8A74-1283CD8E2427}"/>
+              </a:ext>
+            </a:extLst>
+          </p:cNvPr>
+          <p:cNvSpPr>
+            <a:spLocks noGrp="1"/>
+          </p:cNvSpPr>
+          <p:nvPr>
+            <p:ph type="title"/>
+          </p:nvPr>
+        </p:nvSpPr>
+        <p:spPr/>
+        <p:txBody>
+          <a:bodyPr/>
+          <a:lstStyle/>
+          <a:p>
+            <a:pPr algn="ctr"/>
+            <a:r>
+              <a:rPr lang="de-DE" dirty="0"/>
+              <a:t>Vorstellung des Datensatzes</a:t>
+            </a:r>
+          </a:p>
+        </p:txBody>
+      </p:sp>
+      <p:pic>
+        <p:nvPicPr>
+          <p:cNvPr id="5" name="Grafik 4" descr="Ein Bild, das Screenshot enthält.&#10;&#10;Automatisch generierte Beschreibung">
+            <a:extLst>
+              <a:ext uri="{FF2B5EF4-FFF2-40B4-BE49-F238E27FC236}">
+                <a16:creationId xmlns:a16="http://schemas.microsoft.com/office/drawing/2014/main" id="{98093623-09AF-4C0F-9903-668245437642}"/>
+              </a:ext>
+            </a:extLst>
+          </p:cNvPr>
+          <p:cNvPicPr>
+            <a:picLocks noChangeAspect="1"/>
+          </p:cNvPicPr>
+          <p:nvPr/>
+        </p:nvPicPr>
+        <p:blipFill>
+          <a:blip r:embed="rId2">
+            <a:extLst>
+              <a:ext uri="{28A0092B-C50C-407E-A947-70E740481C1C}">
+                <a14:useLocalDpi xmlns:a14="http://schemas.microsoft.com/office/drawing/2010/main" val="0"/>
+              </a:ext>
+            </a:extLst>
+          </a:blip>
+          <a:stretch>
+            <a:fillRect/>
+          </a:stretch>
+        </p:blipFill>
+        <p:spPr>
+          <a:xfrm>
+            <a:off x="371722" y="1690688"/>
+            <a:ext cx="11448556" cy="4459150"/>
+          </a:xfrm>
+          <a:prstGeom prst="rect">
+            <a:avLst/>
+          </a:prstGeom>
+        </p:spPr>
+      </p:pic>
+      <p:sp>
+        <p:nvSpPr>
+          <p:cNvPr id="4" name="Ellipse 3">
+            <a:extLst>
+              <a:ext uri="{FF2B5EF4-FFF2-40B4-BE49-F238E27FC236}">
+                <a16:creationId xmlns:a16="http://schemas.microsoft.com/office/drawing/2014/main" id="{E139BD37-E420-4E8F-9C16-9E39A58D1884}"/>
+              </a:ext>
+            </a:extLst>
+          </p:cNvPr>
+          <p:cNvSpPr/>
+          <p:nvPr/>
+        </p:nvSpPr>
+        <p:spPr>
+          <a:xfrm>
+            <a:off x="2921431" y="1914041"/>
+            <a:ext cx="92990" cy="92990"/>
+          </a:xfrm>
+          <a:prstGeom prst="ellipse">
+            <a:avLst/>
+          </a:prstGeom>
+          <a:solidFill>
+            <a:srgbClr val="FF0000"/>
+          </a:solidFill>
+          <a:ln>
+            <a:noFill/>
+          </a:ln>
+        </p:spPr>
+        <p:style>
+          <a:lnRef idx="2">
+            <a:schemeClr val="accent1">
+              <a:shade val="50000"/>
+            </a:schemeClr>
+          </a:lnRef>
+          <a:fillRef idx="1">
+            <a:schemeClr val="accent1"/>
+          </a:fillRef>
+          <a:effectRef idx="0">
+            <a:schemeClr val="accent1"/>
+          </a:effectRef>
+          <a:fontRef idx="minor">
+            <a:schemeClr val="lt1"/>
+          </a:fontRef>
+        </p:style>
+        <p:txBody>
+          <a:bodyPr rtlCol="0" anchor="ctr"/>
+          <a:lstStyle/>
+          <a:p>
+            <a:pPr algn="ctr"/>
+            <a:endParaRPr lang="de-DE">
+              <a:solidFill>
+                <a:srgbClr val="FF0000"/>
+              </a:solidFill>
+            </a:endParaRPr>
+          </a:p>
+        </p:txBody>
+      </p:sp>
+      <p:sp>
+        <p:nvSpPr>
+          <p:cNvPr id="6" name="Ellipse 5">
+            <a:extLst>
+              <a:ext uri="{FF2B5EF4-FFF2-40B4-BE49-F238E27FC236}">
+                <a16:creationId xmlns:a16="http://schemas.microsoft.com/office/drawing/2014/main" id="{CF67522E-2D75-4537-A97D-0502A6EA2B03}"/>
+              </a:ext>
+            </a:extLst>
+          </p:cNvPr>
+          <p:cNvSpPr/>
+          <p:nvPr/>
+        </p:nvSpPr>
+        <p:spPr>
+          <a:xfrm>
+            <a:off x="7002651" y="1914041"/>
+            <a:ext cx="92990" cy="92990"/>
+          </a:xfrm>
+          <a:prstGeom prst="ellipse">
+            <a:avLst/>
+          </a:prstGeom>
+          <a:solidFill>
+            <a:srgbClr val="FF0000"/>
+          </a:solidFill>
+          <a:ln>
+            <a:noFill/>
+          </a:ln>
+        </p:spPr>
+        <p:style>
+          <a:lnRef idx="2">
+            <a:schemeClr val="accent1">
+              <a:shade val="50000"/>
+            </a:schemeClr>
+          </a:lnRef>
+          <a:fillRef idx="1">
+            <a:schemeClr val="accent1"/>
+          </a:fillRef>
+          <a:effectRef idx="0">
+            <a:schemeClr val="accent1"/>
+          </a:effectRef>
+          <a:fontRef idx="minor">
+            <a:schemeClr val="lt1"/>
+          </a:fontRef>
+        </p:style>
+        <p:txBody>
+          <a:bodyPr rtlCol="0" anchor="ctr"/>
+          <a:lstStyle/>
+          <a:p>
+            <a:pPr algn="ctr"/>
+            <a:endParaRPr lang="de-DE">
+              <a:solidFill>
+                <a:srgbClr val="FF0000"/>
+              </a:solidFill>
+            </a:endParaRPr>
+          </a:p>
+        </p:txBody>
+      </p:sp>
+    </p:spTree>
+    <p:extLst>
+      <p:ext uri="{BB962C8B-B14F-4D97-AF65-F5344CB8AC3E}">
+        <p14:creationId xmlns:p14="http://schemas.microsoft.com/office/powerpoint/2010/main" val="504856519"/>
+      </p:ext>
+    </p:extLst>
+  </p:cSld>
+  <p:clrMapOvr>
+    <a:masterClrMapping/>
+  </p:clrMapOvr>
+</p:sld>
+</file>
+
 <file path=ppt/slides/slide9.xml><?xml version="1.0" encoding="utf-8"?>
 <p:sld xmlns:a="http://schemas.openxmlformats.org/drawingml/2006/main" xmlns:r="http://schemas.openxmlformats.org/officeDocument/2006/relationships" xmlns:p="http://schemas.openxmlformats.org/presentationml/2006/main">
   <p:cSld>
@@ -4763,7 +5445,7 @@
           <p:cNvPr id="2" name="Titel 1">
             <a:extLst>
               <a:ext uri="{FF2B5EF4-FFF2-40B4-BE49-F238E27FC236}">
-                <a16:creationId xmlns:a16="http://schemas.microsoft.com/office/drawing/2014/main" id="{52EAA132-7573-41C7-BFEF-2F3836266536}"/>
+                <a16:creationId xmlns:a16="http://schemas.microsoft.com/office/drawing/2014/main" id="{3EAA998D-A8B9-481F-A5DF-B87A2FDC160F}"/>
               </a:ext>
             </a:extLst>
           </p:cNvPr>
@@ -4782,7 +5464,7 @@
             <a:pPr algn="ctr"/>
             <a:r>
               <a:rPr lang="de-DE" dirty="0"/>
-              <a:t>Forschungsfrage</a:t>
+              <a:t>Normalisierung der Lemmata</a:t>
             </a:r>
           </a:p>
         </p:txBody>
@@ -4792,7 +5474,7 @@
           <p:cNvPr id="3" name="Inhaltsplatzhalter 2">
             <a:extLst>
               <a:ext uri="{FF2B5EF4-FFF2-40B4-BE49-F238E27FC236}">
-                <a16:creationId xmlns:a16="http://schemas.microsoft.com/office/drawing/2014/main" id="{CD5E0549-B833-462A-97AB-56659BF3E7B7}"/>
+                <a16:creationId xmlns:a16="http://schemas.microsoft.com/office/drawing/2014/main" id="{148B2243-B57A-4DA2-9D8D-44904CBC9658}"/>
               </a:ext>
             </a:extLst>
           </p:cNvPr>
@@ -4803,25 +5485,114 @@
             <p:ph idx="1"/>
           </p:nvPr>
         </p:nvSpPr>
-        <p:spPr>
-          <a:xfrm>
-            <a:off x="838200" y="3012981"/>
-            <a:ext cx="10515600" cy="1463485"/>
-          </a:xfrm>
-        </p:spPr>
-        <p:txBody>
-          <a:bodyPr/>
-          <a:lstStyle/>
-          <a:p>
-            <a:pPr marL="0" indent="0" algn="ctr">
-              <a:lnSpc>
-                <a:spcPct val="150000"/>
-              </a:lnSpc>
+        <p:spPr/>
+        <p:txBody>
+          <a:bodyPr/>
+          <a:lstStyle/>
+          <a:p>
+            <a:r>
+              <a:rPr lang="de-DE" dirty="0" err="1"/>
+              <a:t>Stopwordlist</a:t>
+            </a:r>
+            <a:r>
+              <a:rPr lang="de-DE" dirty="0"/>
+              <a:t>: [@</a:t>
+            </a:r>
+            <a:r>
+              <a:rPr lang="de-DE" dirty="0" err="1"/>
+              <a:t>ord</a:t>
+            </a:r>
+            <a:r>
+              <a:rPr lang="de-DE" dirty="0"/>
+              <a:t>@, 1, 1st, …]</a:t>
+            </a:r>
+          </a:p>
+          <a:p>
+            <a:r>
+              <a:rPr lang="de-DE" dirty="0"/>
+              <a:t>Normalisierung beider Korpora:</a:t>
+            </a:r>
+          </a:p>
+          <a:p>
+            <a:pPr lvl="1"/>
+            <a:r>
+              <a:rPr lang="de-DE" dirty="0"/>
+              <a:t>{„</a:t>
+            </a:r>
+            <a:r>
+              <a:rPr lang="de-DE" dirty="0" err="1"/>
+              <a:t>von+die</a:t>
+            </a:r>
+            <a:r>
+              <a:rPr lang="de-DE" dirty="0"/>
+              <a:t>“ </a:t>
+            </a:r>
+            <a:r>
+              <a:rPr lang="de-DE" dirty="0">
+                <a:sym typeface="Wingdings" panose="05000000000000000000" pitchFamily="2" charset="2"/>
+              </a:rPr>
+              <a:t> „von die“,</a:t>
+            </a:r>
+          </a:p>
+          <a:p>
+            <a:pPr marL="457200" lvl="1" indent="0">
               <a:buNone/>
             </a:pPr>
             <a:r>
-              <a:rPr lang="de-DE" i="1" dirty="0"/>
-              <a:t>Haben sich die einzelnen Genres über die Perioden zwischen 1650 und 1950 verändert?</a:t>
+              <a:rPr lang="de-DE" dirty="0">
+                <a:sym typeface="Wingdings" panose="05000000000000000000" pitchFamily="2" charset="2"/>
+              </a:rPr>
+              <a:t>    „</a:t>
+            </a:r>
+            <a:r>
+              <a:rPr lang="de-DE" dirty="0" err="1">
+                <a:sym typeface="Wingdings" panose="05000000000000000000" pitchFamily="2" charset="2"/>
+              </a:rPr>
+              <a:t>seyn</a:t>
+            </a:r>
+            <a:r>
+              <a:rPr lang="de-DE" dirty="0">
+                <a:sym typeface="Wingdings" panose="05000000000000000000" pitchFamily="2" charset="2"/>
+              </a:rPr>
+              <a:t>“  „sein“, </a:t>
+            </a:r>
+            <a:br>
+              <a:rPr lang="de-DE" dirty="0">
+                <a:sym typeface="Wingdings" panose="05000000000000000000" pitchFamily="2" charset="2"/>
+              </a:rPr>
+            </a:br>
+            <a:r>
+              <a:rPr lang="de-DE" dirty="0">
+                <a:sym typeface="Wingdings" panose="05000000000000000000" pitchFamily="2" charset="2"/>
+              </a:rPr>
+              <a:t>    „d“  „die“, </a:t>
+            </a:r>
+            <a:br>
+              <a:rPr lang="de-DE" dirty="0">
+                <a:sym typeface="Wingdings" panose="05000000000000000000" pitchFamily="2" charset="2"/>
+              </a:rPr>
+            </a:br>
+            <a:r>
+              <a:rPr lang="de-DE" dirty="0">
+                <a:sym typeface="Wingdings" panose="05000000000000000000" pitchFamily="2" charset="2"/>
+              </a:rPr>
+              <a:t>    „</a:t>
+            </a:r>
+            <a:r>
+              <a:rPr lang="de-DE" dirty="0" err="1">
+                <a:sym typeface="Wingdings" panose="05000000000000000000" pitchFamily="2" charset="2"/>
+              </a:rPr>
+              <a:t>er|sie|es</a:t>
+            </a:r>
+            <a:r>
+              <a:rPr lang="de-DE" dirty="0">
+                <a:sym typeface="Wingdings" panose="05000000000000000000" pitchFamily="2" charset="2"/>
+              </a:rPr>
+              <a:t>“  „sich“</a:t>
+            </a:r>
+            <a:r>
+              <a:rPr lang="de-DE" dirty="0"/>
+              <a:t>}</a:t>
             </a:r>
           </a:p>
         </p:txBody>
@@ -4829,7 +5600,7 @@
     </p:spTree>
     <p:extLst>
       <p:ext uri="{BB962C8B-B14F-4D97-AF65-F5344CB8AC3E}">
-        <p14:creationId xmlns:p14="http://schemas.microsoft.com/office/powerpoint/2010/main" val="2068376141"/>
+        <p14:creationId xmlns:p14="http://schemas.microsoft.com/office/powerpoint/2010/main" val="3047513301"/>
       </p:ext>
     </p:extLst>
   </p:cSld>

--- a/Projektgruppenpräsention.pptx
+++ b/Projektgruppenpräsention.pptx
@@ -7,18 +7,28 @@
   <p:sldIdLst>
     <p:sldId id="256" r:id="rId2"/>
     <p:sldId id="257" r:id="rId3"/>
-    <p:sldId id="259" r:id="rId4"/>
-    <p:sldId id="260" r:id="rId5"/>
-    <p:sldId id="261" r:id="rId6"/>
-    <p:sldId id="262" r:id="rId7"/>
+    <p:sldId id="276" r:id="rId4"/>
+    <p:sldId id="259" r:id="rId5"/>
+    <p:sldId id="260" r:id="rId6"/>
+    <p:sldId id="261" r:id="rId7"/>
     <p:sldId id="263" r:id="rId8"/>
-    <p:sldId id="258" r:id="rId9"/>
-    <p:sldId id="265" r:id="rId10"/>
+    <p:sldId id="262" r:id="rId9"/>
+    <p:sldId id="258" r:id="rId10"/>
     <p:sldId id="264" r:id="rId11"/>
     <p:sldId id="269" r:id="rId12"/>
     <p:sldId id="267" r:id="rId13"/>
-    <p:sldId id="266" r:id="rId14"/>
-    <p:sldId id="268" r:id="rId15"/>
+    <p:sldId id="265" r:id="rId14"/>
+    <p:sldId id="266" r:id="rId15"/>
+    <p:sldId id="270" r:id="rId16"/>
+    <p:sldId id="271" r:id="rId17"/>
+    <p:sldId id="268" r:id="rId18"/>
+    <p:sldId id="272" r:id="rId19"/>
+    <p:sldId id="273" r:id="rId20"/>
+    <p:sldId id="274" r:id="rId21"/>
+    <p:sldId id="275" r:id="rId22"/>
+    <p:sldId id="278" r:id="rId23"/>
+    <p:sldId id="277" r:id="rId24"/>
+    <p:sldId id="279" r:id="rId25"/>
   </p:sldIdLst>
   <p:sldSz cx="12192000" cy="6858000"/>
   <p:notesSz cx="6858000" cy="9144000"/>
@@ -124,18 +134,28 @@
           <p14:sldIdLst>
             <p14:sldId id="256"/>
             <p14:sldId id="257"/>
+            <p14:sldId id="276"/>
             <p14:sldId id="259"/>
             <p14:sldId id="260"/>
             <p14:sldId id="261"/>
+            <p14:sldId id="263"/>
             <p14:sldId id="262"/>
-            <p14:sldId id="263"/>
             <p14:sldId id="258"/>
-            <p14:sldId id="265"/>
             <p14:sldId id="264"/>
             <p14:sldId id="269"/>
             <p14:sldId id="267"/>
+            <p14:sldId id="265"/>
             <p14:sldId id="266"/>
+            <p14:sldId id="270"/>
+            <p14:sldId id="271"/>
             <p14:sldId id="268"/>
+            <p14:sldId id="272"/>
+            <p14:sldId id="273"/>
+            <p14:sldId id="274"/>
+            <p14:sldId id="275"/>
+            <p14:sldId id="278"/>
+            <p14:sldId id="277"/>
+            <p14:sldId id="279"/>
           </p14:sldIdLst>
         </p14:section>
       </p14:sectionLst>
@@ -3899,7 +3919,7 @@
           <p:cNvPr id="2" name="Titel 1">
             <a:extLst>
               <a:ext uri="{FF2B5EF4-FFF2-40B4-BE49-F238E27FC236}">
-                <a16:creationId xmlns:a16="http://schemas.microsoft.com/office/drawing/2014/main" id="{83393BDD-60BB-42B7-8DC9-3CB4F32D4009}"/>
+                <a16:creationId xmlns:a16="http://schemas.microsoft.com/office/drawing/2014/main" id="{3EAA998D-A8B9-481F-A5DF-B87A2FDC160F}"/>
               </a:ext>
             </a:extLst>
           </p:cNvPr>
@@ -3918,7 +3938,7 @@
             <a:pPr algn="ctr"/>
             <a:r>
               <a:rPr lang="de-DE" dirty="0"/>
-              <a:t>Verwendete Features und Hyperparameter</a:t>
+              <a:t>Normalisierung der Lemmata der beiden Korpora</a:t>
             </a:r>
           </a:p>
         </p:txBody>
@@ -3928,7 +3948,7 @@
           <p:cNvPr id="3" name="Inhaltsplatzhalter 2">
             <a:extLst>
               <a:ext uri="{FF2B5EF4-FFF2-40B4-BE49-F238E27FC236}">
-                <a16:creationId xmlns:a16="http://schemas.microsoft.com/office/drawing/2014/main" id="{2B03616F-8A3E-477D-A52D-A4D1C6764D65}"/>
+                <a16:creationId xmlns:a16="http://schemas.microsoft.com/office/drawing/2014/main" id="{148B2243-B57A-4DA2-9D8D-44904CBC9658}"/>
               </a:ext>
             </a:extLst>
           </p:cNvPr>
@@ -3945,71 +3965,116 @@
           <a:lstStyle/>
           <a:p>
             <a:r>
+              <a:rPr lang="de-DE" dirty="0" err="1"/>
+              <a:t>Stopwordlist</a:t>
+            </a:r>
+            <a:r>
               <a:rPr lang="de-DE" dirty="0"/>
-              <a:t>Ermittelt mittels Cross-Validation auf Periode 1 (</a:t>
+              <a:t>: [@</a:t>
             </a:r>
             <a:r>
               <a:rPr lang="de-DE" dirty="0" err="1"/>
-              <a:t>LinearSVC</a:t>
+              <a:t>ord</a:t>
             </a:r>
             <a:r>
               <a:rPr lang="de-DE" dirty="0"/>
-              <a:t>, 5-fold, F1-Score </a:t>
+              <a:t>@, 1, 1st, …]</a:t>
+            </a:r>
+          </a:p>
+          <a:p>
+            <a:r>
+              <a:rPr lang="de-DE" dirty="0"/>
+              <a:t>Normalisierung beider Korpora:</a:t>
+            </a:r>
+          </a:p>
+          <a:p>
+            <a:pPr lvl="1"/>
+            <a:r>
+              <a:rPr lang="de-DE" dirty="0"/>
+              <a:t>{„</a:t>
             </a:r>
             <a:r>
               <a:rPr lang="de-DE" dirty="0" err="1"/>
-              <a:t>macro</a:t>
+              <a:t>von+die</a:t>
             </a:r>
             <a:r>
               <a:rPr lang="de-DE" dirty="0"/>
-              <a:t>)</a:t>
-            </a:r>
-          </a:p>
-          <a:p>
-            <a:endParaRPr lang="de-DE" dirty="0"/>
-          </a:p>
-        </p:txBody>
-      </p:sp>
-      <p:pic>
-        <p:nvPicPr>
-          <p:cNvPr id="5" name="Grafik 4" descr="Ein Bild, das Screenshot enthält.&#10;&#10;Automatisch generierte Beschreibung">
-            <a:extLst>
-              <a:ext uri="{FF2B5EF4-FFF2-40B4-BE49-F238E27FC236}">
-                <a16:creationId xmlns:a16="http://schemas.microsoft.com/office/drawing/2014/main" id="{0F26BD10-1813-47C3-96B4-F1019646E201}"/>
-              </a:ext>
-            </a:extLst>
-          </p:cNvPr>
-          <p:cNvPicPr>
-            <a:picLocks noChangeAspect="1"/>
-          </p:cNvPicPr>
-          <p:nvPr/>
-        </p:nvPicPr>
-        <p:blipFill>
-          <a:blip r:embed="rId2">
-            <a:extLst>
-              <a:ext uri="{28A0092B-C50C-407E-A947-70E740481C1C}">
-                <a14:useLocalDpi xmlns:a14="http://schemas.microsoft.com/office/drawing/2010/main" val="0"/>
-              </a:ext>
-            </a:extLst>
-          </a:blip>
-          <a:stretch>
-            <a:fillRect/>
-          </a:stretch>
-        </p:blipFill>
-        <p:spPr>
-          <a:xfrm>
-            <a:off x="838200" y="2754794"/>
-            <a:ext cx="10515600" cy="3871540"/>
-          </a:xfrm>
-          <a:prstGeom prst="rect">
-            <a:avLst/>
-          </a:prstGeom>
-        </p:spPr>
-      </p:pic>
+              <a:t>“ </a:t>
+            </a:r>
+            <a:r>
+              <a:rPr lang="de-DE" dirty="0">
+                <a:sym typeface="Wingdings" panose="05000000000000000000" pitchFamily="2" charset="2"/>
+              </a:rPr>
+              <a:t> „von die“,</a:t>
+            </a:r>
+          </a:p>
+          <a:p>
+            <a:pPr marL="457200" lvl="1" indent="0">
+              <a:buNone/>
+            </a:pPr>
+            <a:r>
+              <a:rPr lang="de-DE" dirty="0">
+                <a:sym typeface="Wingdings" panose="05000000000000000000" pitchFamily="2" charset="2"/>
+              </a:rPr>
+              <a:t>    „</a:t>
+            </a:r>
+            <a:r>
+              <a:rPr lang="de-DE" dirty="0" err="1">
+                <a:sym typeface="Wingdings" panose="05000000000000000000" pitchFamily="2" charset="2"/>
+              </a:rPr>
+              <a:t>seyn</a:t>
+            </a:r>
+            <a:r>
+              <a:rPr lang="de-DE" dirty="0">
+                <a:sym typeface="Wingdings" panose="05000000000000000000" pitchFamily="2" charset="2"/>
+              </a:rPr>
+              <a:t>“  „sein“, </a:t>
+            </a:r>
+            <a:br>
+              <a:rPr lang="de-DE" dirty="0">
+                <a:sym typeface="Wingdings" panose="05000000000000000000" pitchFamily="2" charset="2"/>
+              </a:rPr>
+            </a:br>
+            <a:r>
+              <a:rPr lang="de-DE" dirty="0">
+                <a:sym typeface="Wingdings" panose="05000000000000000000" pitchFamily="2" charset="2"/>
+              </a:rPr>
+              <a:t>    „d“  „die“, </a:t>
+            </a:r>
+            <a:br>
+              <a:rPr lang="de-DE" dirty="0">
+                <a:sym typeface="Wingdings" panose="05000000000000000000" pitchFamily="2" charset="2"/>
+              </a:rPr>
+            </a:br>
+            <a:r>
+              <a:rPr lang="de-DE" dirty="0">
+                <a:sym typeface="Wingdings" panose="05000000000000000000" pitchFamily="2" charset="2"/>
+              </a:rPr>
+              <a:t>    „</a:t>
+            </a:r>
+            <a:r>
+              <a:rPr lang="de-DE" dirty="0" err="1">
+                <a:sym typeface="Wingdings" panose="05000000000000000000" pitchFamily="2" charset="2"/>
+              </a:rPr>
+              <a:t>er|sie|es</a:t>
+            </a:r>
+            <a:r>
+              <a:rPr lang="de-DE" dirty="0">
+                <a:sym typeface="Wingdings" panose="05000000000000000000" pitchFamily="2" charset="2"/>
+              </a:rPr>
+              <a:t>“  „sich“</a:t>
+            </a:r>
+            <a:r>
+              <a:rPr lang="de-DE" dirty="0"/>
+              <a:t>}</a:t>
+            </a:r>
+          </a:p>
+        </p:txBody>
+      </p:sp>
     </p:spTree>
     <p:extLst>
       <p:ext uri="{BB962C8B-B14F-4D97-AF65-F5344CB8AC3E}">
-        <p14:creationId xmlns:p14="http://schemas.microsoft.com/office/powerpoint/2010/main" val="274365235"/>
+        <p14:creationId xmlns:p14="http://schemas.microsoft.com/office/powerpoint/2010/main" val="3047513301"/>
       </p:ext>
     </p:extLst>
   </p:cSld>
@@ -4041,7 +4106,7 @@
           <p:cNvPr id="2" name="Titel 1">
             <a:extLst>
               <a:ext uri="{FF2B5EF4-FFF2-40B4-BE49-F238E27FC236}">
-                <a16:creationId xmlns:a16="http://schemas.microsoft.com/office/drawing/2014/main" id="{A65C7E1E-36AD-4F6B-8C66-BC474F2CE9CC}"/>
+                <a16:creationId xmlns:a16="http://schemas.microsoft.com/office/drawing/2014/main" id="{83393BDD-60BB-42B7-8DC9-3CB4F32D4009}"/>
               </a:ext>
             </a:extLst>
           </p:cNvPr>
@@ -4060,26 +4125,71 @@
             <a:pPr algn="ctr"/>
             <a:r>
               <a:rPr lang="de-DE" dirty="0"/>
-              <a:t>Hyperparameter-Tuning</a:t>
-            </a:r>
+              <a:t>Verwendete Features und Hyperparameter</a:t>
+            </a:r>
+          </a:p>
+        </p:txBody>
+      </p:sp>
+      <p:sp>
+        <p:nvSpPr>
+          <p:cNvPr id="3" name="Inhaltsplatzhalter 2">
+            <a:extLst>
+              <a:ext uri="{FF2B5EF4-FFF2-40B4-BE49-F238E27FC236}">
+                <a16:creationId xmlns:a16="http://schemas.microsoft.com/office/drawing/2014/main" id="{2B03616F-8A3E-477D-A52D-A4D1C6764D65}"/>
+              </a:ext>
+            </a:extLst>
+          </p:cNvPr>
+          <p:cNvSpPr>
+            <a:spLocks noGrp="1"/>
+          </p:cNvSpPr>
+          <p:nvPr>
+            <p:ph idx="1"/>
+          </p:nvPr>
+        </p:nvSpPr>
+        <p:spPr/>
+        <p:txBody>
+          <a:bodyPr/>
+          <a:lstStyle/>
+          <a:p>
+            <a:r>
+              <a:rPr lang="de-DE" dirty="0"/>
+              <a:t>Ermittelt durch Cross-Validation auf Periode 1 (</a:t>
+            </a:r>
+            <a:r>
+              <a:rPr lang="de-DE" dirty="0" err="1"/>
+              <a:t>LinearSVC</a:t>
+            </a:r>
+            <a:r>
+              <a:rPr lang="de-DE" dirty="0"/>
+              <a:t>, 5-fold, F1-Score </a:t>
+            </a:r>
+            <a:r>
+              <a:rPr lang="de-DE" dirty="0" err="1"/>
+              <a:t>macro</a:t>
+            </a:r>
+            <a:r>
+              <a:rPr lang="de-DE" dirty="0"/>
+              <a:t>)*</a:t>
+            </a:r>
+          </a:p>
+          <a:p>
+            <a:endParaRPr lang="de-DE" dirty="0"/>
           </a:p>
         </p:txBody>
       </p:sp>
       <p:pic>
         <p:nvPicPr>
-          <p:cNvPr id="5" name="Inhaltsplatzhalter 4" descr="Ein Bild, das Screenshot enthält.&#10;&#10;Automatisch generierte Beschreibung">
-            <a:extLst>
-              <a:ext uri="{FF2B5EF4-FFF2-40B4-BE49-F238E27FC236}">
-                <a16:creationId xmlns:a16="http://schemas.microsoft.com/office/drawing/2014/main" id="{A59B3810-FEAD-442E-9F33-3D8F04424E81}"/>
+          <p:cNvPr id="6" name="Grafik 5" descr="Ein Bild, das Screenshot enthält.&#10;&#10;Automatisch generierte Beschreibung">
+            <a:extLst>
+              <a:ext uri="{FF2B5EF4-FFF2-40B4-BE49-F238E27FC236}">
+                <a16:creationId xmlns:a16="http://schemas.microsoft.com/office/drawing/2014/main" id="{86460E45-8C7F-4F73-A662-654923515F3B}"/>
               </a:ext>
             </a:extLst>
           </p:cNvPr>
           <p:cNvPicPr>
-            <a:picLocks noGrp="1" noChangeAspect="1"/>
+            <a:picLocks noChangeAspect="1"/>
           </p:cNvPicPr>
-          <p:nvPr>
-            <p:ph idx="1"/>
-          </p:nvPr>
+          <p:nvPr/>
         </p:nvPicPr>
         <p:blipFill>
           <a:blip r:embed="rId2">
@@ -4095,15 +4205,1004 @@
         </p:blipFill>
         <p:spPr>
           <a:xfrm>
-            <a:off x="2432684" y="2367787"/>
-            <a:ext cx="7078981" cy="2417213"/>
-          </a:xfrm>
+            <a:off x="399238" y="3361877"/>
+            <a:ext cx="11393523" cy="1978343"/>
+          </a:xfrm>
+          <a:prstGeom prst="rect">
+            <a:avLst/>
+          </a:prstGeom>
+        </p:spPr>
+      </p:pic>
+      <p:sp>
+        <p:nvSpPr>
+          <p:cNvPr id="7" name="Textfeld 6">
+            <a:extLst>
+              <a:ext uri="{FF2B5EF4-FFF2-40B4-BE49-F238E27FC236}">
+                <a16:creationId xmlns:a16="http://schemas.microsoft.com/office/drawing/2014/main" id="{B2DB3377-92AF-45F7-AD41-171E293523EF}"/>
+              </a:ext>
+            </a:extLst>
+          </p:cNvPr>
+          <p:cNvSpPr txBox="1"/>
+          <p:nvPr/>
+        </p:nvSpPr>
+        <p:spPr>
+          <a:xfrm>
+            <a:off x="8388626" y="6029392"/>
+            <a:ext cx="3466031" cy="584775"/>
+          </a:xfrm>
+          <a:prstGeom prst="rect">
+            <a:avLst/>
+          </a:prstGeom>
+          <a:noFill/>
+        </p:spPr>
+        <p:txBody>
+          <a:bodyPr wrap="square" rtlCol="0">
+            <a:spAutoFit/>
+          </a:bodyPr>
+          <a:lstStyle/>
+          <a:p>
+            <a:r>
+              <a:rPr lang="de-DE" sz="1600" dirty="0"/>
+              <a:t>*Die besten drei und die schlechteste Parameterkombination</a:t>
+            </a:r>
+          </a:p>
+        </p:txBody>
+      </p:sp>
+    </p:spTree>
+    <p:extLst>
+      <p:ext uri="{BB962C8B-B14F-4D97-AF65-F5344CB8AC3E}">
+        <p14:creationId xmlns:p14="http://schemas.microsoft.com/office/powerpoint/2010/main" val="274365235"/>
+      </p:ext>
+    </p:extLst>
+  </p:cSld>
+  <p:clrMapOvr>
+    <a:masterClrMapping/>
+  </p:clrMapOvr>
+</p:sld>
+</file>
+
+<file path=ppt/slides/slide15.xml><?xml version="1.0" encoding="utf-8"?>
+<p:sld xmlns:a="http://schemas.openxmlformats.org/drawingml/2006/main" xmlns:r="http://schemas.openxmlformats.org/officeDocument/2006/relationships" xmlns:p="http://schemas.openxmlformats.org/presentationml/2006/main">
+  <p:cSld>
+    <p:spTree>
+      <p:nvGrpSpPr>
+        <p:cNvPr id="1" name=""/>
+        <p:cNvGrpSpPr/>
+        <p:nvPr/>
+      </p:nvGrpSpPr>
+      <p:grpSpPr>
+        <a:xfrm>
+          <a:off x="0" y="0"/>
+          <a:ext cx="0" cy="0"/>
+          <a:chOff x="0" y="0"/>
+          <a:chExt cx="0" cy="0"/>
+        </a:xfrm>
+      </p:grpSpPr>
+      <p:sp>
+        <p:nvSpPr>
+          <p:cNvPr id="2" name="Titel 1">
+            <a:extLst>
+              <a:ext uri="{FF2B5EF4-FFF2-40B4-BE49-F238E27FC236}">
+                <a16:creationId xmlns:a16="http://schemas.microsoft.com/office/drawing/2014/main" id="{6B3CA7DC-8A48-486D-9974-2F3D270DF298}"/>
+              </a:ext>
+            </a:extLst>
+          </p:cNvPr>
+          <p:cNvSpPr>
+            <a:spLocks noGrp="1"/>
+          </p:cNvSpPr>
+          <p:nvPr>
+            <p:ph type="title"/>
+          </p:nvPr>
+        </p:nvSpPr>
+        <p:spPr/>
+        <p:txBody>
+          <a:bodyPr/>
+          <a:lstStyle/>
+          <a:p>
+            <a:pPr algn="ctr"/>
+            <a:r>
+              <a:rPr lang="de-DE" dirty="0"/>
+              <a:t>Verwendete Modelle</a:t>
+            </a:r>
+          </a:p>
+        </p:txBody>
+      </p:sp>
+      <p:sp>
+        <p:nvSpPr>
+          <p:cNvPr id="3" name="Inhaltsplatzhalter 2">
+            <a:extLst>
+              <a:ext uri="{FF2B5EF4-FFF2-40B4-BE49-F238E27FC236}">
+                <a16:creationId xmlns:a16="http://schemas.microsoft.com/office/drawing/2014/main" id="{61C01026-62BE-44C1-9B74-448D5C43F5F1}"/>
+              </a:ext>
+            </a:extLst>
+          </p:cNvPr>
+          <p:cNvSpPr>
+            <a:spLocks noGrp="1"/>
+          </p:cNvSpPr>
+          <p:nvPr>
+            <p:ph idx="1"/>
+          </p:nvPr>
+        </p:nvSpPr>
+        <p:spPr/>
+        <p:txBody>
+          <a:bodyPr/>
+          <a:lstStyle/>
+          <a:p>
+            <a:r>
+              <a:rPr lang="de-DE" dirty="0"/>
+              <a:t>Logistische Regression</a:t>
+            </a:r>
+          </a:p>
+          <a:p>
+            <a:r>
+              <a:rPr lang="de-DE" dirty="0" err="1"/>
+              <a:t>Multinomial</a:t>
+            </a:r>
+            <a:r>
+              <a:rPr lang="de-DE" dirty="0"/>
+              <a:t> Naive Bayes</a:t>
+            </a:r>
+          </a:p>
+          <a:p>
+            <a:r>
+              <a:rPr lang="de-DE" dirty="0"/>
+              <a:t>SVM (linearer Kernel)</a:t>
+            </a:r>
+          </a:p>
+          <a:p>
+            <a:r>
+              <a:rPr lang="de-DE" dirty="0" err="1"/>
+              <a:t>Decision</a:t>
+            </a:r>
+            <a:r>
+              <a:rPr lang="de-DE" dirty="0"/>
+              <a:t> </a:t>
+            </a:r>
+            <a:r>
+              <a:rPr lang="de-DE" dirty="0" err="1"/>
+              <a:t>Trees</a:t>
+            </a:r>
+            <a:endParaRPr lang="de-DE" dirty="0"/>
+          </a:p>
+          <a:p>
+            <a:r>
+              <a:rPr lang="de-DE" dirty="0"/>
+              <a:t>Random Forest</a:t>
+            </a:r>
+          </a:p>
+          <a:p>
+            <a:r>
+              <a:rPr lang="de-DE" dirty="0"/>
+              <a:t>(Neuronale Netzwerke)</a:t>
+            </a:r>
+          </a:p>
+        </p:txBody>
+      </p:sp>
+    </p:spTree>
+    <p:extLst>
+      <p:ext uri="{BB962C8B-B14F-4D97-AF65-F5344CB8AC3E}">
+        <p14:creationId xmlns:p14="http://schemas.microsoft.com/office/powerpoint/2010/main" val="3946842755"/>
+      </p:ext>
+    </p:extLst>
+  </p:cSld>
+  <p:clrMapOvr>
+    <a:masterClrMapping/>
+  </p:clrMapOvr>
+</p:sld>
+</file>
+
+<file path=ppt/slides/slide16.xml><?xml version="1.0" encoding="utf-8"?>
+<p:sld xmlns:a="http://schemas.openxmlformats.org/drawingml/2006/main" xmlns:r="http://schemas.openxmlformats.org/officeDocument/2006/relationships" xmlns:p="http://schemas.openxmlformats.org/presentationml/2006/main">
+  <p:cSld>
+    <p:spTree>
+      <p:nvGrpSpPr>
+        <p:cNvPr id="1" name=""/>
+        <p:cNvGrpSpPr/>
+        <p:nvPr/>
+      </p:nvGrpSpPr>
+      <p:grpSpPr>
+        <a:xfrm>
+          <a:off x="0" y="0"/>
+          <a:ext cx="0" cy="0"/>
+          <a:chOff x="0" y="0"/>
+          <a:chExt cx="0" cy="0"/>
+        </a:xfrm>
+      </p:grpSpPr>
+      <p:sp>
+        <p:nvSpPr>
+          <p:cNvPr id="2" name="Titel 1">
+            <a:extLst>
+              <a:ext uri="{FF2B5EF4-FFF2-40B4-BE49-F238E27FC236}">
+                <a16:creationId xmlns:a16="http://schemas.microsoft.com/office/drawing/2014/main" id="{6C9FDB74-CFF0-4E59-A497-A91D8D715F93}"/>
+              </a:ext>
+            </a:extLst>
+          </p:cNvPr>
+          <p:cNvSpPr>
+            <a:spLocks noGrp="1"/>
+          </p:cNvSpPr>
+          <p:nvPr>
+            <p:ph type="title"/>
+          </p:nvPr>
+        </p:nvSpPr>
+        <p:spPr/>
+        <p:txBody>
+          <a:bodyPr/>
+          <a:lstStyle/>
+          <a:p>
+            <a:pPr algn="ctr"/>
+            <a:r>
+              <a:rPr lang="de-DE" dirty="0"/>
+              <a:t>Verwendete Hyperparameter</a:t>
+            </a:r>
+          </a:p>
+        </p:txBody>
+      </p:sp>
+      <p:pic>
+        <p:nvPicPr>
+          <p:cNvPr id="4" name="Grafik 3">
+            <a:extLst>
+              <a:ext uri="{FF2B5EF4-FFF2-40B4-BE49-F238E27FC236}">
+                <a16:creationId xmlns:a16="http://schemas.microsoft.com/office/drawing/2014/main" id="{63C95384-4940-45B8-9B94-9787CA81DA86}"/>
+              </a:ext>
+            </a:extLst>
+          </p:cNvPr>
+          <p:cNvPicPr>
+            <a:picLocks noChangeAspect="1"/>
+          </p:cNvPicPr>
+          <p:nvPr/>
+        </p:nvPicPr>
+        <p:blipFill>
+          <a:blip r:embed="rId2">
+            <a:extLst>
+              <a:ext uri="{28A0092B-C50C-407E-A947-70E740481C1C}">
+                <a14:useLocalDpi xmlns:a14="http://schemas.microsoft.com/office/drawing/2010/main" val="0"/>
+              </a:ext>
+            </a:extLst>
+          </a:blip>
+          <a:stretch>
+            <a:fillRect/>
+          </a:stretch>
+        </p:blipFill>
+        <p:spPr>
+          <a:xfrm>
+            <a:off x="337343" y="2433255"/>
+            <a:ext cx="8553450" cy="1352550"/>
+          </a:xfrm>
+          <a:prstGeom prst="rect">
+            <a:avLst/>
+          </a:prstGeom>
+        </p:spPr>
+      </p:pic>
+      <p:pic>
+        <p:nvPicPr>
+          <p:cNvPr id="5" name="Grafik 4">
+            <a:extLst>
+              <a:ext uri="{FF2B5EF4-FFF2-40B4-BE49-F238E27FC236}">
+                <a16:creationId xmlns:a16="http://schemas.microsoft.com/office/drawing/2014/main" id="{62E0F356-5176-40A0-BA66-9C7E7D671EFC}"/>
+              </a:ext>
+            </a:extLst>
+          </p:cNvPr>
+          <p:cNvPicPr>
+            <a:picLocks noChangeAspect="1"/>
+          </p:cNvPicPr>
+          <p:nvPr/>
+        </p:nvPicPr>
+        <p:blipFill>
+          <a:blip r:embed="rId3">
+            <a:extLst>
+              <a:ext uri="{28A0092B-C50C-407E-A947-70E740481C1C}">
+                <a14:useLocalDpi xmlns:a14="http://schemas.microsoft.com/office/drawing/2010/main" val="0"/>
+              </a:ext>
+            </a:extLst>
+          </a:blip>
+          <a:stretch>
+            <a:fillRect/>
+          </a:stretch>
+        </p:blipFill>
+        <p:spPr>
+          <a:xfrm>
+            <a:off x="337343" y="4706616"/>
+            <a:ext cx="6477000" cy="1323975"/>
+          </a:xfrm>
+          <a:prstGeom prst="rect">
+            <a:avLst/>
+          </a:prstGeom>
+        </p:spPr>
+      </p:pic>
+      <p:sp>
+        <p:nvSpPr>
+          <p:cNvPr id="6" name="Textfeld 5">
+            <a:extLst>
+              <a:ext uri="{FF2B5EF4-FFF2-40B4-BE49-F238E27FC236}">
+                <a16:creationId xmlns:a16="http://schemas.microsoft.com/office/drawing/2014/main" id="{EF73194B-CCA2-4A87-8DBC-D1633A5B670E}"/>
+              </a:ext>
+            </a:extLst>
+          </p:cNvPr>
+          <p:cNvSpPr txBox="1"/>
+          <p:nvPr/>
+        </p:nvSpPr>
+        <p:spPr>
+          <a:xfrm>
+            <a:off x="337343" y="1800361"/>
+            <a:ext cx="3273287" cy="523220"/>
+          </a:xfrm>
+          <a:prstGeom prst="rect">
+            <a:avLst/>
+          </a:prstGeom>
+          <a:noFill/>
+        </p:spPr>
+        <p:txBody>
+          <a:bodyPr wrap="square" rtlCol="0">
+            <a:spAutoFit/>
+          </a:bodyPr>
+          <a:lstStyle/>
+          <a:p>
+            <a:r>
+              <a:rPr lang="de-DE" sz="2800" dirty="0" err="1"/>
+              <a:t>Decision</a:t>
+            </a:r>
+            <a:r>
+              <a:rPr lang="de-DE" sz="2800" dirty="0"/>
+              <a:t> </a:t>
+            </a:r>
+            <a:r>
+              <a:rPr lang="de-DE" sz="2800" dirty="0" err="1"/>
+              <a:t>Trees</a:t>
+            </a:r>
+            <a:r>
+              <a:rPr lang="de-DE" sz="2800" dirty="0"/>
+              <a:t>*</a:t>
+            </a:r>
+          </a:p>
+        </p:txBody>
+      </p:sp>
+      <p:sp>
+        <p:nvSpPr>
+          <p:cNvPr id="8" name="Textfeld 7">
+            <a:extLst>
+              <a:ext uri="{FF2B5EF4-FFF2-40B4-BE49-F238E27FC236}">
+                <a16:creationId xmlns:a16="http://schemas.microsoft.com/office/drawing/2014/main" id="{1C31A5EC-67FE-45AC-9545-ABE2B6D8D139}"/>
+              </a:ext>
+            </a:extLst>
+          </p:cNvPr>
+          <p:cNvSpPr txBox="1"/>
+          <p:nvPr/>
+        </p:nvSpPr>
+        <p:spPr>
+          <a:xfrm>
+            <a:off x="337343" y="4037622"/>
+            <a:ext cx="3664814" cy="523220"/>
+          </a:xfrm>
+          <a:prstGeom prst="rect">
+            <a:avLst/>
+          </a:prstGeom>
+          <a:noFill/>
+        </p:spPr>
+        <p:txBody>
+          <a:bodyPr wrap="square" rtlCol="0">
+            <a:spAutoFit/>
+          </a:bodyPr>
+          <a:lstStyle/>
+          <a:p>
+            <a:r>
+              <a:rPr lang="de-DE" sz="2800" dirty="0"/>
+              <a:t>Logistische Regression*</a:t>
+            </a:r>
+          </a:p>
+        </p:txBody>
+      </p:sp>
+      <p:sp>
+        <p:nvSpPr>
+          <p:cNvPr id="9" name="Textfeld 8">
+            <a:extLst>
+              <a:ext uri="{FF2B5EF4-FFF2-40B4-BE49-F238E27FC236}">
+                <a16:creationId xmlns:a16="http://schemas.microsoft.com/office/drawing/2014/main" id="{45C61808-840B-45E1-A882-3B36D5C48E11}"/>
+              </a:ext>
+            </a:extLst>
+          </p:cNvPr>
+          <p:cNvSpPr txBox="1"/>
+          <p:nvPr/>
+        </p:nvSpPr>
+        <p:spPr>
+          <a:xfrm>
+            <a:off x="8388626" y="6030591"/>
+            <a:ext cx="3466031" cy="584775"/>
+          </a:xfrm>
+          <a:prstGeom prst="rect">
+            <a:avLst/>
+          </a:prstGeom>
+          <a:noFill/>
+        </p:spPr>
+        <p:txBody>
+          <a:bodyPr wrap="square" rtlCol="0">
+            <a:spAutoFit/>
+          </a:bodyPr>
+          <a:lstStyle/>
+          <a:p>
+            <a:r>
+              <a:rPr lang="de-DE" sz="1600" dirty="0"/>
+              <a:t>*Die besten drei und die schlechteste Parameterkombination</a:t>
+            </a:r>
+          </a:p>
+        </p:txBody>
+      </p:sp>
+    </p:spTree>
+    <p:extLst>
+      <p:ext uri="{BB962C8B-B14F-4D97-AF65-F5344CB8AC3E}">
+        <p14:creationId xmlns:p14="http://schemas.microsoft.com/office/powerpoint/2010/main" val="2365557486"/>
+      </p:ext>
+    </p:extLst>
+  </p:cSld>
+  <p:clrMapOvr>
+    <a:masterClrMapping/>
+  </p:clrMapOvr>
+</p:sld>
+</file>
+
+<file path=ppt/slides/slide17.xml><?xml version="1.0" encoding="utf-8"?>
+<p:sld xmlns:a="http://schemas.openxmlformats.org/drawingml/2006/main" xmlns:r="http://schemas.openxmlformats.org/officeDocument/2006/relationships" xmlns:p="http://schemas.openxmlformats.org/presentationml/2006/main">
+  <p:cSld>
+    <p:spTree>
+      <p:nvGrpSpPr>
+        <p:cNvPr id="1" name=""/>
+        <p:cNvGrpSpPr/>
+        <p:nvPr/>
+      </p:nvGrpSpPr>
+      <p:grpSpPr>
+        <a:xfrm>
+          <a:off x="0" y="0"/>
+          <a:ext cx="0" cy="0"/>
+          <a:chOff x="0" y="0"/>
+          <a:chExt cx="0" cy="0"/>
+        </a:xfrm>
+      </p:grpSpPr>
+      <p:sp>
+        <p:nvSpPr>
+          <p:cNvPr id="2" name="Titel 1">
+            <a:extLst>
+              <a:ext uri="{FF2B5EF4-FFF2-40B4-BE49-F238E27FC236}">
+                <a16:creationId xmlns:a16="http://schemas.microsoft.com/office/drawing/2014/main" id="{A65C7E1E-36AD-4F6B-8C66-BC474F2CE9CC}"/>
+              </a:ext>
+            </a:extLst>
+          </p:cNvPr>
+          <p:cNvSpPr>
+            <a:spLocks noGrp="1"/>
+          </p:cNvSpPr>
+          <p:nvPr>
+            <p:ph type="title"/>
+          </p:nvPr>
+        </p:nvSpPr>
+        <p:spPr/>
+        <p:txBody>
+          <a:bodyPr/>
+          <a:lstStyle/>
+          <a:p>
+            <a:pPr algn="ctr"/>
+            <a:r>
+              <a:rPr lang="de-DE" dirty="0"/>
+              <a:t>Verwendete Hyperparameter</a:t>
+            </a:r>
+          </a:p>
+        </p:txBody>
+      </p:sp>
+      <p:pic>
+        <p:nvPicPr>
+          <p:cNvPr id="11" name="Grafik 10" descr="Ein Bild, das Screenshot enthält.&#10;&#10;Automatisch generierte Beschreibung">
+            <a:extLst>
+              <a:ext uri="{FF2B5EF4-FFF2-40B4-BE49-F238E27FC236}">
+                <a16:creationId xmlns:a16="http://schemas.microsoft.com/office/drawing/2014/main" id="{9A4A772C-67F4-4E74-8A88-E4EE23863015}"/>
+              </a:ext>
+            </a:extLst>
+          </p:cNvPr>
+          <p:cNvPicPr>
+            <a:picLocks noChangeAspect="1"/>
+          </p:cNvPicPr>
+          <p:nvPr/>
+        </p:nvPicPr>
+        <p:blipFill>
+          <a:blip r:embed="rId2">
+            <a:extLst>
+              <a:ext uri="{28A0092B-C50C-407E-A947-70E740481C1C}">
+                <a14:useLocalDpi xmlns:a14="http://schemas.microsoft.com/office/drawing/2010/main" val="0"/>
+              </a:ext>
+            </a:extLst>
+          </a:blip>
+          <a:stretch>
+            <a:fillRect/>
+          </a:stretch>
+        </p:blipFill>
+        <p:spPr>
+          <a:xfrm>
+            <a:off x="5274365" y="3217545"/>
+            <a:ext cx="3678066" cy="1323975"/>
+          </a:xfrm>
+          <a:prstGeom prst="rect">
+            <a:avLst/>
+          </a:prstGeom>
+        </p:spPr>
+      </p:pic>
+      <p:pic>
+        <p:nvPicPr>
+          <p:cNvPr id="13" name="Grafik 12" descr="Ein Bild, das Screenshot enthält.&#10;&#10;Automatisch generierte Beschreibung">
+            <a:extLst>
+              <a:ext uri="{FF2B5EF4-FFF2-40B4-BE49-F238E27FC236}">
+                <a16:creationId xmlns:a16="http://schemas.microsoft.com/office/drawing/2014/main" id="{5C90FDEA-A13F-4875-8E9A-1A53F0E41360}"/>
+              </a:ext>
+            </a:extLst>
+          </p:cNvPr>
+          <p:cNvPicPr>
+            <a:picLocks noChangeAspect="1"/>
+          </p:cNvPicPr>
+          <p:nvPr/>
+        </p:nvPicPr>
+        <p:blipFill>
+          <a:blip r:embed="rId3">
+            <a:extLst>
+              <a:ext uri="{28A0092B-C50C-407E-A947-70E740481C1C}">
+                <a14:useLocalDpi xmlns:a14="http://schemas.microsoft.com/office/drawing/2010/main" val="0"/>
+              </a:ext>
+            </a:extLst>
+          </a:blip>
+          <a:stretch>
+            <a:fillRect/>
+          </a:stretch>
+        </p:blipFill>
+        <p:spPr>
+          <a:xfrm>
+            <a:off x="5161481" y="1570274"/>
+            <a:ext cx="3790950" cy="1419225"/>
+          </a:xfrm>
+          <a:prstGeom prst="rect">
+            <a:avLst/>
+          </a:prstGeom>
+        </p:spPr>
+      </p:pic>
+      <p:pic>
+        <p:nvPicPr>
+          <p:cNvPr id="17" name="Grafik 16" descr="Ein Bild, das Screenshot enthält.&#10;&#10;Automatisch generierte Beschreibung">
+            <a:extLst>
+              <a:ext uri="{FF2B5EF4-FFF2-40B4-BE49-F238E27FC236}">
+                <a16:creationId xmlns:a16="http://schemas.microsoft.com/office/drawing/2014/main" id="{A13ACF54-090E-44EA-933A-F6675A8641F5}"/>
+              </a:ext>
+            </a:extLst>
+          </p:cNvPr>
+          <p:cNvPicPr>
+            <a:picLocks noChangeAspect="1"/>
+          </p:cNvPicPr>
+          <p:nvPr/>
+        </p:nvPicPr>
+        <p:blipFill>
+          <a:blip r:embed="rId4">
+            <a:extLst>
+              <a:ext uri="{28A0092B-C50C-407E-A947-70E740481C1C}">
+                <a14:useLocalDpi xmlns:a14="http://schemas.microsoft.com/office/drawing/2010/main" val="0"/>
+              </a:ext>
+            </a:extLst>
+          </a:blip>
+          <a:stretch>
+            <a:fillRect/>
+          </a:stretch>
+        </p:blipFill>
+        <p:spPr>
+          <a:xfrm>
+            <a:off x="5037656" y="4572678"/>
+            <a:ext cx="3914775" cy="1514475"/>
+          </a:xfrm>
+          <a:prstGeom prst="rect">
+            <a:avLst/>
+          </a:prstGeom>
+        </p:spPr>
+      </p:pic>
+      <p:sp>
+        <p:nvSpPr>
+          <p:cNvPr id="20" name="Textfeld 19">
+            <a:extLst>
+              <a:ext uri="{FF2B5EF4-FFF2-40B4-BE49-F238E27FC236}">
+                <a16:creationId xmlns:a16="http://schemas.microsoft.com/office/drawing/2014/main" id="{3E0BD986-9E74-4348-8CA7-F0C5DE5FDDFB}"/>
+              </a:ext>
+            </a:extLst>
+          </p:cNvPr>
+          <p:cNvSpPr txBox="1"/>
+          <p:nvPr/>
+        </p:nvSpPr>
+        <p:spPr>
+          <a:xfrm>
+            <a:off x="337343" y="1970434"/>
+            <a:ext cx="3273287" cy="523220"/>
+          </a:xfrm>
+          <a:prstGeom prst="rect">
+            <a:avLst/>
+          </a:prstGeom>
+          <a:noFill/>
+        </p:spPr>
+        <p:txBody>
+          <a:bodyPr wrap="square" rtlCol="0">
+            <a:spAutoFit/>
+          </a:bodyPr>
+          <a:lstStyle/>
+          <a:p>
+            <a:r>
+              <a:rPr lang="de-DE" sz="2800" dirty="0"/>
+              <a:t>Random Forest*</a:t>
+            </a:r>
+          </a:p>
+        </p:txBody>
+      </p:sp>
+      <p:sp>
+        <p:nvSpPr>
+          <p:cNvPr id="21" name="Textfeld 20">
+            <a:extLst>
+              <a:ext uri="{FF2B5EF4-FFF2-40B4-BE49-F238E27FC236}">
+                <a16:creationId xmlns:a16="http://schemas.microsoft.com/office/drawing/2014/main" id="{00B9525A-F03B-483B-AFBF-2343ADEC7874}"/>
+              </a:ext>
+            </a:extLst>
+          </p:cNvPr>
+          <p:cNvSpPr txBox="1"/>
+          <p:nvPr/>
+        </p:nvSpPr>
+        <p:spPr>
+          <a:xfrm>
+            <a:off x="337343" y="3553912"/>
+            <a:ext cx="3273287" cy="523220"/>
+          </a:xfrm>
+          <a:prstGeom prst="rect">
+            <a:avLst/>
+          </a:prstGeom>
+          <a:noFill/>
+        </p:spPr>
+        <p:txBody>
+          <a:bodyPr wrap="square" rtlCol="0">
+            <a:spAutoFit/>
+          </a:bodyPr>
+          <a:lstStyle/>
+          <a:p>
+            <a:r>
+              <a:rPr lang="de-DE" sz="2800" dirty="0"/>
+              <a:t>Linear SVM*</a:t>
+            </a:r>
+          </a:p>
+        </p:txBody>
+      </p:sp>
+      <p:sp>
+        <p:nvSpPr>
+          <p:cNvPr id="22" name="Textfeld 21">
+            <a:extLst>
+              <a:ext uri="{FF2B5EF4-FFF2-40B4-BE49-F238E27FC236}">
+                <a16:creationId xmlns:a16="http://schemas.microsoft.com/office/drawing/2014/main" id="{CB1A2703-CEB6-4334-9E59-1853C07201A4}"/>
+              </a:ext>
+            </a:extLst>
+          </p:cNvPr>
+          <p:cNvSpPr txBox="1"/>
+          <p:nvPr/>
+        </p:nvSpPr>
+        <p:spPr>
+          <a:xfrm>
+            <a:off x="337343" y="5235573"/>
+            <a:ext cx="4062032" cy="523220"/>
+          </a:xfrm>
+          <a:prstGeom prst="rect">
+            <a:avLst/>
+          </a:prstGeom>
+          <a:noFill/>
+        </p:spPr>
+        <p:txBody>
+          <a:bodyPr wrap="square" rtlCol="0">
+            <a:spAutoFit/>
+          </a:bodyPr>
+          <a:lstStyle/>
+          <a:p>
+            <a:r>
+              <a:rPr lang="de-DE" sz="2800" dirty="0" err="1"/>
+              <a:t>Multinomial</a:t>
+            </a:r>
+            <a:r>
+              <a:rPr lang="de-DE" sz="2800" dirty="0"/>
+              <a:t> Naive Bayes*</a:t>
+            </a:r>
+          </a:p>
+        </p:txBody>
+      </p:sp>
+      <p:sp>
+        <p:nvSpPr>
+          <p:cNvPr id="23" name="Textfeld 22">
+            <a:extLst>
+              <a:ext uri="{FF2B5EF4-FFF2-40B4-BE49-F238E27FC236}">
+                <a16:creationId xmlns:a16="http://schemas.microsoft.com/office/drawing/2014/main" id="{5B3C4E72-50D6-42FD-8BF8-31F2866E8EE7}"/>
+              </a:ext>
+            </a:extLst>
+          </p:cNvPr>
+          <p:cNvSpPr txBox="1"/>
+          <p:nvPr/>
+        </p:nvSpPr>
+        <p:spPr>
+          <a:xfrm>
+            <a:off x="8388626" y="6125657"/>
+            <a:ext cx="3466031" cy="584775"/>
+          </a:xfrm>
+          <a:prstGeom prst="rect">
+            <a:avLst/>
+          </a:prstGeom>
+          <a:noFill/>
+        </p:spPr>
+        <p:txBody>
+          <a:bodyPr wrap="square" rtlCol="0">
+            <a:spAutoFit/>
+          </a:bodyPr>
+          <a:lstStyle/>
+          <a:p>
+            <a:r>
+              <a:rPr lang="de-DE" sz="1600" dirty="0"/>
+              <a:t>*Die besten drei und die schlechteste Parameterkombination</a:t>
+            </a:r>
+          </a:p>
+        </p:txBody>
+      </p:sp>
+    </p:spTree>
+    <p:extLst>
+      <p:ext uri="{BB962C8B-B14F-4D97-AF65-F5344CB8AC3E}">
+        <p14:creationId xmlns:p14="http://schemas.microsoft.com/office/powerpoint/2010/main" val="1654103409"/>
+      </p:ext>
+    </p:extLst>
+  </p:cSld>
+  <p:clrMapOvr>
+    <a:masterClrMapping/>
+  </p:clrMapOvr>
+</p:sld>
+</file>
+
+<file path=ppt/slides/slide18.xml><?xml version="1.0" encoding="utf-8"?>
+<p:sld xmlns:a="http://schemas.openxmlformats.org/drawingml/2006/main" xmlns:r="http://schemas.openxmlformats.org/officeDocument/2006/relationships" xmlns:p="http://schemas.openxmlformats.org/presentationml/2006/main">
+  <p:cSld>
+    <p:spTree>
+      <p:nvGrpSpPr>
+        <p:cNvPr id="1" name=""/>
+        <p:cNvGrpSpPr/>
+        <p:nvPr/>
+      </p:nvGrpSpPr>
+      <p:grpSpPr>
+        <a:xfrm>
+          <a:off x="0" y="0"/>
+          <a:ext cx="0" cy="0"/>
+          <a:chOff x="0" y="0"/>
+          <a:chExt cx="0" cy="0"/>
+        </a:xfrm>
+      </p:grpSpPr>
+      <p:sp>
+        <p:nvSpPr>
+          <p:cNvPr id="2" name="Titel 1">
+            <a:extLst>
+              <a:ext uri="{FF2B5EF4-FFF2-40B4-BE49-F238E27FC236}">
+                <a16:creationId xmlns:a16="http://schemas.microsoft.com/office/drawing/2014/main" id="{8FCDB097-9307-4A3A-904C-D49106B56B1D}"/>
+              </a:ext>
+            </a:extLst>
+          </p:cNvPr>
+          <p:cNvSpPr>
+            <a:spLocks noGrp="1"/>
+          </p:cNvSpPr>
+          <p:nvPr>
+            <p:ph type="title"/>
+          </p:nvPr>
+        </p:nvSpPr>
+        <p:spPr/>
+        <p:txBody>
+          <a:bodyPr/>
+          <a:lstStyle/>
+          <a:p>
+            <a:pPr algn="ctr"/>
+            <a:r>
+              <a:rPr lang="de-DE" dirty="0"/>
+              <a:t>Ergebnisse</a:t>
+            </a:r>
+          </a:p>
+        </p:txBody>
+      </p:sp>
+      <p:pic>
+        <p:nvPicPr>
+          <p:cNvPr id="9" name="Grafik 8" descr="Ein Bild, das Text, Karte enthält.&#10;&#10;Automatisch generierte Beschreibung">
+            <a:extLst>
+              <a:ext uri="{FF2B5EF4-FFF2-40B4-BE49-F238E27FC236}">
+                <a16:creationId xmlns:a16="http://schemas.microsoft.com/office/drawing/2014/main" id="{F2D9EA87-4BE1-4598-83F4-9AB7E6552917}"/>
+              </a:ext>
+            </a:extLst>
+          </p:cNvPr>
+          <p:cNvPicPr>
+            <a:picLocks noChangeAspect="1"/>
+          </p:cNvPicPr>
+          <p:nvPr/>
+        </p:nvPicPr>
+        <p:blipFill>
+          <a:blip r:embed="rId2">
+            <a:extLst>
+              <a:ext uri="{28A0092B-C50C-407E-A947-70E740481C1C}">
+                <a14:useLocalDpi xmlns:a14="http://schemas.microsoft.com/office/drawing/2010/main" val="0"/>
+              </a:ext>
+            </a:extLst>
+          </a:blip>
+          <a:stretch>
+            <a:fillRect/>
+          </a:stretch>
+        </p:blipFill>
+        <p:spPr>
+          <a:xfrm>
+            <a:off x="0" y="1949018"/>
+            <a:ext cx="6261403" cy="4174268"/>
+          </a:xfrm>
+          <a:prstGeom prst="rect">
+            <a:avLst/>
+          </a:prstGeom>
+        </p:spPr>
+      </p:pic>
+      <p:pic>
+        <p:nvPicPr>
+          <p:cNvPr id="11" name="Grafik 10" descr="Ein Bild, das Text, Karte enthält.&#10;&#10;Automatisch generierte Beschreibung">
+            <a:extLst>
+              <a:ext uri="{FF2B5EF4-FFF2-40B4-BE49-F238E27FC236}">
+                <a16:creationId xmlns:a16="http://schemas.microsoft.com/office/drawing/2014/main" id="{08E2EAE5-8D07-480A-8946-9820FC260AAA}"/>
+              </a:ext>
+            </a:extLst>
+          </p:cNvPr>
+          <p:cNvPicPr>
+            <a:picLocks noChangeAspect="1"/>
+          </p:cNvPicPr>
+          <p:nvPr/>
+        </p:nvPicPr>
+        <p:blipFill>
+          <a:blip r:embed="rId3">
+            <a:extLst>
+              <a:ext uri="{28A0092B-C50C-407E-A947-70E740481C1C}">
+                <a14:useLocalDpi xmlns:a14="http://schemas.microsoft.com/office/drawing/2010/main" val="0"/>
+              </a:ext>
+            </a:extLst>
+          </a:blip>
+          <a:stretch>
+            <a:fillRect/>
+          </a:stretch>
+        </p:blipFill>
+        <p:spPr>
+          <a:xfrm>
+            <a:off x="6096000" y="1949018"/>
+            <a:ext cx="6261404" cy="4174268"/>
+          </a:xfrm>
+          <a:prstGeom prst="rect">
+            <a:avLst/>
+          </a:prstGeom>
         </p:spPr>
       </p:pic>
     </p:spTree>
     <p:extLst>
       <p:ext uri="{BB962C8B-B14F-4D97-AF65-F5344CB8AC3E}">
-        <p14:creationId xmlns:p14="http://schemas.microsoft.com/office/powerpoint/2010/main" val="1654103409"/>
+        <p14:creationId xmlns:p14="http://schemas.microsoft.com/office/powerpoint/2010/main" val="2422262105"/>
+      </p:ext>
+    </p:extLst>
+  </p:cSld>
+  <p:clrMapOvr>
+    <a:masterClrMapping/>
+  </p:clrMapOvr>
+</p:sld>
+</file>
+
+<file path=ppt/slides/slide19.xml><?xml version="1.0" encoding="utf-8"?>
+<p:sld xmlns:a="http://schemas.openxmlformats.org/drawingml/2006/main" xmlns:r="http://schemas.openxmlformats.org/officeDocument/2006/relationships" xmlns:p="http://schemas.openxmlformats.org/presentationml/2006/main">
+  <p:cSld>
+    <p:spTree>
+      <p:nvGrpSpPr>
+        <p:cNvPr id="1" name=""/>
+        <p:cNvGrpSpPr/>
+        <p:nvPr/>
+      </p:nvGrpSpPr>
+      <p:grpSpPr>
+        <a:xfrm>
+          <a:off x="0" y="0"/>
+          <a:ext cx="0" cy="0"/>
+          <a:chOff x="0" y="0"/>
+          <a:chExt cx="0" cy="0"/>
+        </a:xfrm>
+      </p:grpSpPr>
+      <p:sp>
+        <p:nvSpPr>
+          <p:cNvPr id="2" name="Titel 1">
+            <a:extLst>
+              <a:ext uri="{FF2B5EF4-FFF2-40B4-BE49-F238E27FC236}">
+                <a16:creationId xmlns:a16="http://schemas.microsoft.com/office/drawing/2014/main" id="{B54C5851-D7EA-4AD2-9863-DF928872C66A}"/>
+              </a:ext>
+            </a:extLst>
+          </p:cNvPr>
+          <p:cNvSpPr>
+            <a:spLocks noGrp="1"/>
+          </p:cNvSpPr>
+          <p:nvPr>
+            <p:ph type="title"/>
+          </p:nvPr>
+        </p:nvSpPr>
+        <p:spPr/>
+        <p:txBody>
+          <a:bodyPr/>
+          <a:lstStyle/>
+          <a:p>
+            <a:pPr algn="ctr"/>
+            <a:r>
+              <a:rPr lang="de-DE" dirty="0"/>
+              <a:t>Ergebnisse</a:t>
+            </a:r>
+          </a:p>
+        </p:txBody>
+      </p:sp>
+      <p:pic>
+        <p:nvPicPr>
+          <p:cNvPr id="5" name="Grafik 4" descr="Ein Bild, das Text, Karte enthält.&#10;&#10;Automatisch generierte Beschreibung">
+            <a:extLst>
+              <a:ext uri="{FF2B5EF4-FFF2-40B4-BE49-F238E27FC236}">
+                <a16:creationId xmlns:a16="http://schemas.microsoft.com/office/drawing/2014/main" id="{CD413344-5E27-42A2-8712-547B1BF6AF0B}"/>
+              </a:ext>
+            </a:extLst>
+          </p:cNvPr>
+          <p:cNvPicPr>
+            <a:picLocks noChangeAspect="1"/>
+          </p:cNvPicPr>
+          <p:nvPr/>
+        </p:nvPicPr>
+        <p:blipFill>
+          <a:blip r:embed="rId2">
+            <a:extLst>
+              <a:ext uri="{28A0092B-C50C-407E-A947-70E740481C1C}">
+                <a14:useLocalDpi xmlns:a14="http://schemas.microsoft.com/office/drawing/2010/main" val="0"/>
+              </a:ext>
+            </a:extLst>
+          </a:blip>
+          <a:stretch>
+            <a:fillRect/>
+          </a:stretch>
+        </p:blipFill>
+        <p:spPr>
+          <a:xfrm>
+            <a:off x="0" y="1690688"/>
+            <a:ext cx="6347791" cy="4231860"/>
+          </a:xfrm>
+          <a:prstGeom prst="rect">
+            <a:avLst/>
+          </a:prstGeom>
+        </p:spPr>
+      </p:pic>
+      <p:pic>
+        <p:nvPicPr>
+          <p:cNvPr id="7" name="Grafik 6" descr="Ein Bild, das Text, Karte enthält.&#10;&#10;Automatisch generierte Beschreibung">
+            <a:extLst>
+              <a:ext uri="{FF2B5EF4-FFF2-40B4-BE49-F238E27FC236}">
+                <a16:creationId xmlns:a16="http://schemas.microsoft.com/office/drawing/2014/main" id="{DC7E2F2A-E47D-4774-9976-5ED921DAA5C7}"/>
+              </a:ext>
+            </a:extLst>
+          </p:cNvPr>
+          <p:cNvPicPr>
+            <a:picLocks noChangeAspect="1"/>
+          </p:cNvPicPr>
+          <p:nvPr/>
+        </p:nvPicPr>
+        <p:blipFill>
+          <a:blip r:embed="rId3">
+            <a:extLst>
+              <a:ext uri="{28A0092B-C50C-407E-A947-70E740481C1C}">
+                <a14:useLocalDpi xmlns:a14="http://schemas.microsoft.com/office/drawing/2010/main" val="0"/>
+              </a:ext>
+            </a:extLst>
+          </a:blip>
+          <a:stretch>
+            <a:fillRect/>
+          </a:stretch>
+        </p:blipFill>
+        <p:spPr>
+          <a:xfrm>
+            <a:off x="6096000" y="1690688"/>
+            <a:ext cx="6347791" cy="4231860"/>
+          </a:xfrm>
+          <a:prstGeom prst="rect">
+            <a:avLst/>
+          </a:prstGeom>
+        </p:spPr>
+      </p:pic>
+    </p:spTree>
+    <p:extLst>
+      <p:ext uri="{BB962C8B-B14F-4D97-AF65-F5344CB8AC3E}">
+        <p14:creationId xmlns:p14="http://schemas.microsoft.com/office/powerpoint/2010/main" val="1977637954"/>
       </p:ext>
     </p:extLst>
   </p:cSld>
@@ -4242,6 +5341,598 @@
 </p:sld>
 </file>
 
+<file path=ppt/slides/slide20.xml><?xml version="1.0" encoding="utf-8"?>
+<p:sld xmlns:a="http://schemas.openxmlformats.org/drawingml/2006/main" xmlns:r="http://schemas.openxmlformats.org/officeDocument/2006/relationships" xmlns:p="http://schemas.openxmlformats.org/presentationml/2006/main">
+  <p:cSld>
+    <p:spTree>
+      <p:nvGrpSpPr>
+        <p:cNvPr id="1" name=""/>
+        <p:cNvGrpSpPr/>
+        <p:nvPr/>
+      </p:nvGrpSpPr>
+      <p:grpSpPr>
+        <a:xfrm>
+          <a:off x="0" y="0"/>
+          <a:ext cx="0" cy="0"/>
+          <a:chOff x="0" y="0"/>
+          <a:chExt cx="0" cy="0"/>
+        </a:xfrm>
+      </p:grpSpPr>
+      <p:sp>
+        <p:nvSpPr>
+          <p:cNvPr id="2" name="Titel 1">
+            <a:extLst>
+              <a:ext uri="{FF2B5EF4-FFF2-40B4-BE49-F238E27FC236}">
+                <a16:creationId xmlns:a16="http://schemas.microsoft.com/office/drawing/2014/main" id="{B54C5851-D7EA-4AD2-9863-DF928872C66A}"/>
+              </a:ext>
+            </a:extLst>
+          </p:cNvPr>
+          <p:cNvSpPr>
+            <a:spLocks noGrp="1"/>
+          </p:cNvSpPr>
+          <p:nvPr>
+            <p:ph type="title"/>
+          </p:nvPr>
+        </p:nvSpPr>
+        <p:spPr/>
+        <p:txBody>
+          <a:bodyPr/>
+          <a:lstStyle/>
+          <a:p>
+            <a:pPr algn="ctr"/>
+            <a:r>
+              <a:rPr lang="de-DE" dirty="0"/>
+              <a:t>Ergebnisse</a:t>
+            </a:r>
+          </a:p>
+        </p:txBody>
+      </p:sp>
+      <p:pic>
+        <p:nvPicPr>
+          <p:cNvPr id="4" name="Grafik 3" descr="Ein Bild, das Text, Karte enthält.&#10;&#10;Automatisch generierte Beschreibung">
+            <a:extLst>
+              <a:ext uri="{FF2B5EF4-FFF2-40B4-BE49-F238E27FC236}">
+                <a16:creationId xmlns:a16="http://schemas.microsoft.com/office/drawing/2014/main" id="{EBCC54CA-728D-49B0-A8C9-FF3CD3420F8F}"/>
+              </a:ext>
+            </a:extLst>
+          </p:cNvPr>
+          <p:cNvPicPr>
+            <a:picLocks noChangeAspect="1"/>
+          </p:cNvPicPr>
+          <p:nvPr/>
+        </p:nvPicPr>
+        <p:blipFill>
+          <a:blip r:embed="rId2">
+            <a:extLst>
+              <a:ext uri="{28A0092B-C50C-407E-A947-70E740481C1C}">
+                <a14:useLocalDpi xmlns:a14="http://schemas.microsoft.com/office/drawing/2010/main" val="0"/>
+              </a:ext>
+            </a:extLst>
+          </a:blip>
+          <a:stretch>
+            <a:fillRect/>
+          </a:stretch>
+        </p:blipFill>
+        <p:spPr>
+          <a:xfrm>
+            <a:off x="0" y="1690688"/>
+            <a:ext cx="6215270" cy="4143513"/>
+          </a:xfrm>
+          <a:prstGeom prst="rect">
+            <a:avLst/>
+          </a:prstGeom>
+        </p:spPr>
+      </p:pic>
+      <p:pic>
+        <p:nvPicPr>
+          <p:cNvPr id="6" name="Grafik 5" descr="Ein Bild, das Text, Karte enthält.&#10;&#10;Automatisch generierte Beschreibung">
+            <a:extLst>
+              <a:ext uri="{FF2B5EF4-FFF2-40B4-BE49-F238E27FC236}">
+                <a16:creationId xmlns:a16="http://schemas.microsoft.com/office/drawing/2014/main" id="{42A3A93A-6C09-4F63-93D4-236921BF04B5}"/>
+              </a:ext>
+            </a:extLst>
+          </p:cNvPr>
+          <p:cNvPicPr>
+            <a:picLocks noChangeAspect="1"/>
+          </p:cNvPicPr>
+          <p:nvPr/>
+        </p:nvPicPr>
+        <p:blipFill>
+          <a:blip r:embed="rId3">
+            <a:extLst>
+              <a:ext uri="{28A0092B-C50C-407E-A947-70E740481C1C}">
+                <a14:useLocalDpi xmlns:a14="http://schemas.microsoft.com/office/drawing/2010/main" val="0"/>
+              </a:ext>
+            </a:extLst>
+          </a:blip>
+          <a:stretch>
+            <a:fillRect/>
+          </a:stretch>
+        </p:blipFill>
+        <p:spPr>
+          <a:xfrm>
+            <a:off x="6096000" y="1690688"/>
+            <a:ext cx="6215271" cy="4143513"/>
+          </a:xfrm>
+          <a:prstGeom prst="rect">
+            <a:avLst/>
+          </a:prstGeom>
+        </p:spPr>
+      </p:pic>
+    </p:spTree>
+    <p:extLst>
+      <p:ext uri="{BB962C8B-B14F-4D97-AF65-F5344CB8AC3E}">
+        <p14:creationId xmlns:p14="http://schemas.microsoft.com/office/powerpoint/2010/main" val="340867511"/>
+      </p:ext>
+    </p:extLst>
+  </p:cSld>
+  <p:clrMapOvr>
+    <a:masterClrMapping/>
+  </p:clrMapOvr>
+</p:sld>
+</file>
+
+<file path=ppt/slides/slide21.xml><?xml version="1.0" encoding="utf-8"?>
+<p:sld xmlns:a="http://schemas.openxmlformats.org/drawingml/2006/main" xmlns:r="http://schemas.openxmlformats.org/officeDocument/2006/relationships" xmlns:p="http://schemas.openxmlformats.org/presentationml/2006/main">
+  <p:cSld>
+    <p:spTree>
+      <p:nvGrpSpPr>
+        <p:cNvPr id="1" name=""/>
+        <p:cNvGrpSpPr/>
+        <p:nvPr/>
+      </p:nvGrpSpPr>
+      <p:grpSpPr>
+        <a:xfrm>
+          <a:off x="0" y="0"/>
+          <a:ext cx="0" cy="0"/>
+          <a:chOff x="0" y="0"/>
+          <a:chExt cx="0" cy="0"/>
+        </a:xfrm>
+      </p:grpSpPr>
+      <p:sp>
+        <p:nvSpPr>
+          <p:cNvPr id="2" name="Titel 1">
+            <a:extLst>
+              <a:ext uri="{FF2B5EF4-FFF2-40B4-BE49-F238E27FC236}">
+                <a16:creationId xmlns:a16="http://schemas.microsoft.com/office/drawing/2014/main" id="{F1B4F7C5-DF8C-4E02-8E4A-423EC3481167}"/>
+              </a:ext>
+            </a:extLst>
+          </p:cNvPr>
+          <p:cNvSpPr>
+            <a:spLocks noGrp="1"/>
+          </p:cNvSpPr>
+          <p:nvPr>
+            <p:ph type="title"/>
+          </p:nvPr>
+        </p:nvSpPr>
+        <p:spPr/>
+        <p:txBody>
+          <a:bodyPr/>
+          <a:lstStyle/>
+          <a:p>
+            <a:pPr algn="ctr"/>
+            <a:r>
+              <a:rPr lang="de-DE" dirty="0"/>
+              <a:t>Quellen</a:t>
+            </a:r>
+          </a:p>
+        </p:txBody>
+      </p:sp>
+      <p:sp>
+        <p:nvSpPr>
+          <p:cNvPr id="3" name="Inhaltsplatzhalter 2">
+            <a:extLst>
+              <a:ext uri="{FF2B5EF4-FFF2-40B4-BE49-F238E27FC236}">
+                <a16:creationId xmlns:a16="http://schemas.microsoft.com/office/drawing/2014/main" id="{E9613B1C-4527-465B-9C84-BC2842568639}"/>
+              </a:ext>
+            </a:extLst>
+          </p:cNvPr>
+          <p:cNvSpPr>
+            <a:spLocks noGrp="1"/>
+          </p:cNvSpPr>
+          <p:nvPr>
+            <p:ph idx="1"/>
+          </p:nvPr>
+        </p:nvSpPr>
+        <p:spPr/>
+        <p:txBody>
+          <a:bodyPr/>
+          <a:lstStyle/>
+          <a:p>
+            <a:r>
+              <a:rPr lang="de-DE" dirty="0"/>
+              <a:t>Niehaus, Konstantin. (2019). German Innsbruck Corpus (</a:t>
+            </a:r>
+            <a:r>
+              <a:rPr lang="de-DE" dirty="0" err="1"/>
+              <a:t>GermInnC</a:t>
+            </a:r>
+            <a:r>
+              <a:rPr lang="de-DE" dirty="0"/>
+              <a:t>) 1800-1950 (Version 1.0) [Data </a:t>
+            </a:r>
+            <a:r>
+              <a:rPr lang="de-DE" dirty="0" err="1"/>
+              <a:t>set</a:t>
+            </a:r>
+            <a:r>
+              <a:rPr lang="de-DE" dirty="0"/>
+              <a:t>]. </a:t>
+            </a:r>
+            <a:r>
+              <a:rPr lang="de-DE" dirty="0" err="1"/>
+              <a:t>Zenodo</a:t>
+            </a:r>
+            <a:r>
+              <a:rPr lang="de-DE" dirty="0"/>
+              <a:t>. </a:t>
+            </a:r>
+            <a:r>
+              <a:rPr lang="de-DE" dirty="0">
+                <a:hlinkClick r:id="rId2"/>
+              </a:rPr>
+              <a:t>http://doi.org/10.5281/zenodo.3457917</a:t>
+            </a:r>
+            <a:r>
+              <a:rPr lang="de-DE" dirty="0"/>
+              <a:t>.</a:t>
+            </a:r>
+          </a:p>
+          <a:p>
+            <a:r>
+              <a:rPr lang="de-DE" dirty="0"/>
+              <a:t>Martin Durrell; Paul Bennett; Silke Scheible; et al. (2012).German Manchester Corpus (</a:t>
+            </a:r>
+            <a:r>
+              <a:rPr lang="de-DE" i="1" dirty="0" err="1"/>
+              <a:t>GerManC</a:t>
+            </a:r>
+            <a:r>
+              <a:rPr lang="de-DE" i="1" dirty="0"/>
+              <a:t>) </a:t>
+            </a:r>
+            <a:r>
+              <a:rPr lang="de-DE" dirty="0"/>
+              <a:t>1650 – 1800. Oxford Text Archive. </a:t>
+            </a:r>
+            <a:r>
+              <a:rPr lang="de-DE" dirty="0">
+                <a:hlinkClick r:id="rId3"/>
+              </a:rPr>
+              <a:t>http://hdl.handle.net/20.500.12024/2544</a:t>
+            </a:r>
+            <a:r>
+              <a:rPr lang="de-DE" dirty="0"/>
+              <a:t>. </a:t>
+            </a:r>
+          </a:p>
+        </p:txBody>
+      </p:sp>
+    </p:spTree>
+    <p:extLst>
+      <p:ext uri="{BB962C8B-B14F-4D97-AF65-F5344CB8AC3E}">
+        <p14:creationId xmlns:p14="http://schemas.microsoft.com/office/powerpoint/2010/main" val="3205957287"/>
+      </p:ext>
+    </p:extLst>
+  </p:cSld>
+  <p:clrMapOvr>
+    <a:masterClrMapping/>
+  </p:clrMapOvr>
+</p:sld>
+</file>
+
+<file path=ppt/slides/slide22.xml><?xml version="1.0" encoding="utf-8"?>
+<p:sld xmlns:a="http://schemas.openxmlformats.org/drawingml/2006/main" xmlns:r="http://schemas.openxmlformats.org/officeDocument/2006/relationships" xmlns:p="http://schemas.openxmlformats.org/presentationml/2006/main">
+  <p:cSld>
+    <p:spTree>
+      <p:nvGrpSpPr>
+        <p:cNvPr id="1" name=""/>
+        <p:cNvGrpSpPr/>
+        <p:nvPr/>
+      </p:nvGrpSpPr>
+      <p:grpSpPr>
+        <a:xfrm>
+          <a:off x="0" y="0"/>
+          <a:ext cx="0" cy="0"/>
+          <a:chOff x="0" y="0"/>
+          <a:chExt cx="0" cy="0"/>
+        </a:xfrm>
+      </p:grpSpPr>
+      <p:pic>
+        <p:nvPicPr>
+          <p:cNvPr id="5" name="Grafik 4" descr="Ein Bild, das Screenshot enthält.&#10;&#10;Automatisch generierte Beschreibung">
+            <a:extLst>
+              <a:ext uri="{FF2B5EF4-FFF2-40B4-BE49-F238E27FC236}">
+                <a16:creationId xmlns:a16="http://schemas.microsoft.com/office/drawing/2014/main" id="{D372FEEB-9C7D-4B05-A834-933926B871DC}"/>
+              </a:ext>
+            </a:extLst>
+          </p:cNvPr>
+          <p:cNvPicPr>
+            <a:picLocks noChangeAspect="1"/>
+          </p:cNvPicPr>
+          <p:nvPr/>
+        </p:nvPicPr>
+        <p:blipFill>
+          <a:blip r:embed="rId2">
+            <a:extLst>
+              <a:ext uri="{28A0092B-C50C-407E-A947-70E740481C1C}">
+                <a14:useLocalDpi xmlns:a14="http://schemas.microsoft.com/office/drawing/2010/main" val="0"/>
+              </a:ext>
+            </a:extLst>
+          </a:blip>
+          <a:stretch>
+            <a:fillRect/>
+          </a:stretch>
+        </p:blipFill>
+        <p:spPr>
+          <a:xfrm>
+            <a:off x="4839432" y="0"/>
+            <a:ext cx="2513135" cy="6858000"/>
+          </a:xfrm>
+          <a:prstGeom prst="rect">
+            <a:avLst/>
+          </a:prstGeom>
+        </p:spPr>
+      </p:pic>
+      <p:sp>
+        <p:nvSpPr>
+          <p:cNvPr id="6" name="Textfeld 5">
+            <a:extLst>
+              <a:ext uri="{FF2B5EF4-FFF2-40B4-BE49-F238E27FC236}">
+                <a16:creationId xmlns:a16="http://schemas.microsoft.com/office/drawing/2014/main" id="{F68BA897-F14A-49FE-8777-1FD495AF4CB3}"/>
+              </a:ext>
+            </a:extLst>
+          </p:cNvPr>
+          <p:cNvSpPr txBox="1"/>
+          <p:nvPr/>
+        </p:nvSpPr>
+        <p:spPr>
+          <a:xfrm flipH="1">
+            <a:off x="1264918" y="2782669"/>
+            <a:ext cx="2392681" cy="646331"/>
+          </a:xfrm>
+          <a:prstGeom prst="rect">
+            <a:avLst/>
+          </a:prstGeom>
+          <a:noFill/>
+        </p:spPr>
+        <p:txBody>
+          <a:bodyPr wrap="square" rtlCol="0">
+            <a:spAutoFit/>
+          </a:bodyPr>
+          <a:lstStyle/>
+          <a:p>
+            <a:r>
+              <a:rPr lang="de-DE" dirty="0"/>
+              <a:t>Modellarchitektur Neuronales Netzwerk</a:t>
+            </a:r>
+          </a:p>
+        </p:txBody>
+      </p:sp>
+    </p:spTree>
+    <p:extLst>
+      <p:ext uri="{BB962C8B-B14F-4D97-AF65-F5344CB8AC3E}">
+        <p14:creationId xmlns:p14="http://schemas.microsoft.com/office/powerpoint/2010/main" val="2869770221"/>
+      </p:ext>
+    </p:extLst>
+  </p:cSld>
+  <p:clrMapOvr>
+    <a:masterClrMapping/>
+  </p:clrMapOvr>
+</p:sld>
+</file>
+
+<file path=ppt/slides/slide23.xml><?xml version="1.0" encoding="utf-8"?>
+<p:sld xmlns:a="http://schemas.openxmlformats.org/drawingml/2006/main" xmlns:r="http://schemas.openxmlformats.org/officeDocument/2006/relationships" xmlns:p="http://schemas.openxmlformats.org/presentationml/2006/main">
+  <p:cSld>
+    <p:spTree>
+      <p:nvGrpSpPr>
+        <p:cNvPr id="1" name=""/>
+        <p:cNvGrpSpPr/>
+        <p:nvPr/>
+      </p:nvGrpSpPr>
+      <p:grpSpPr>
+        <a:xfrm>
+          <a:off x="0" y="0"/>
+          <a:ext cx="0" cy="0"/>
+          <a:chOff x="0" y="0"/>
+          <a:chExt cx="0" cy="0"/>
+        </a:xfrm>
+      </p:grpSpPr>
+      <p:pic>
+        <p:nvPicPr>
+          <p:cNvPr id="5" name="Grafik 4" descr="Ein Bild, das Screenshot enthält.&#10;&#10;Automatisch generierte Beschreibung">
+            <a:extLst>
+              <a:ext uri="{FF2B5EF4-FFF2-40B4-BE49-F238E27FC236}">
+                <a16:creationId xmlns:a16="http://schemas.microsoft.com/office/drawing/2014/main" id="{BB29E306-F18F-4814-A2C6-009AF17B3101}"/>
+              </a:ext>
+            </a:extLst>
+          </p:cNvPr>
+          <p:cNvPicPr>
+            <a:picLocks noChangeAspect="1"/>
+          </p:cNvPicPr>
+          <p:nvPr/>
+        </p:nvPicPr>
+        <p:blipFill>
+          <a:blip r:embed="rId2">
+            <a:extLst>
+              <a:ext uri="{28A0092B-C50C-407E-A947-70E740481C1C}">
+                <a14:useLocalDpi xmlns:a14="http://schemas.microsoft.com/office/drawing/2010/main" val="0"/>
+              </a:ext>
+            </a:extLst>
+          </a:blip>
+          <a:stretch>
+            <a:fillRect/>
+          </a:stretch>
+        </p:blipFill>
+        <p:spPr>
+          <a:xfrm>
+            <a:off x="6203659" y="1663296"/>
+            <a:ext cx="4979534" cy="3531405"/>
+          </a:xfrm>
+          <a:prstGeom prst="rect">
+            <a:avLst/>
+          </a:prstGeom>
+        </p:spPr>
+      </p:pic>
+      <p:pic>
+        <p:nvPicPr>
+          <p:cNvPr id="7" name="Grafik 6" descr="Ein Bild, das Karte, Text enthält.&#10;&#10;Automatisch generierte Beschreibung">
+            <a:extLst>
+              <a:ext uri="{FF2B5EF4-FFF2-40B4-BE49-F238E27FC236}">
+                <a16:creationId xmlns:a16="http://schemas.microsoft.com/office/drawing/2014/main" id="{6E0CA567-D193-4B22-BACD-3E6D56613C88}"/>
+              </a:ext>
+            </a:extLst>
+          </p:cNvPr>
+          <p:cNvPicPr>
+            <a:picLocks noChangeAspect="1"/>
+          </p:cNvPicPr>
+          <p:nvPr/>
+        </p:nvPicPr>
+        <p:blipFill>
+          <a:blip r:embed="rId3">
+            <a:extLst>
+              <a:ext uri="{28A0092B-C50C-407E-A947-70E740481C1C}">
+                <a14:useLocalDpi xmlns:a14="http://schemas.microsoft.com/office/drawing/2010/main" val="0"/>
+              </a:ext>
+            </a:extLst>
+          </a:blip>
+          <a:stretch>
+            <a:fillRect/>
+          </a:stretch>
+        </p:blipFill>
+        <p:spPr>
+          <a:xfrm>
+            <a:off x="624494" y="1663297"/>
+            <a:ext cx="4979534" cy="3531405"/>
+          </a:xfrm>
+          <a:prstGeom prst="rect">
+            <a:avLst/>
+          </a:prstGeom>
+        </p:spPr>
+      </p:pic>
+    </p:spTree>
+    <p:extLst>
+      <p:ext uri="{BB962C8B-B14F-4D97-AF65-F5344CB8AC3E}">
+        <p14:creationId xmlns:p14="http://schemas.microsoft.com/office/powerpoint/2010/main" val="2945526055"/>
+      </p:ext>
+    </p:extLst>
+  </p:cSld>
+  <p:clrMapOvr>
+    <a:masterClrMapping/>
+  </p:clrMapOvr>
+</p:sld>
+</file>
+
+<file path=ppt/slides/slide24.xml><?xml version="1.0" encoding="utf-8"?>
+<p:sld xmlns:a="http://schemas.openxmlformats.org/drawingml/2006/main" xmlns:r="http://schemas.openxmlformats.org/officeDocument/2006/relationships" xmlns:p="http://schemas.openxmlformats.org/presentationml/2006/main">
+  <p:cSld>
+    <p:spTree>
+      <p:nvGrpSpPr>
+        <p:cNvPr id="1" name=""/>
+        <p:cNvGrpSpPr/>
+        <p:nvPr/>
+      </p:nvGrpSpPr>
+      <p:grpSpPr>
+        <a:xfrm>
+          <a:off x="0" y="0"/>
+          <a:ext cx="0" cy="0"/>
+          <a:chOff x="0" y="0"/>
+          <a:chExt cx="0" cy="0"/>
+        </a:xfrm>
+      </p:grpSpPr>
+      <p:pic>
+        <p:nvPicPr>
+          <p:cNvPr id="5" name="Grafik 4">
+            <a:extLst>
+              <a:ext uri="{FF2B5EF4-FFF2-40B4-BE49-F238E27FC236}">
+                <a16:creationId xmlns:a16="http://schemas.microsoft.com/office/drawing/2014/main" id="{42E55FAF-7226-4C2E-A6C0-D8E6E1E982FB}"/>
+              </a:ext>
+            </a:extLst>
+          </p:cNvPr>
+          <p:cNvPicPr>
+            <a:picLocks noChangeAspect="1"/>
+          </p:cNvPicPr>
+          <p:nvPr/>
+        </p:nvPicPr>
+        <p:blipFill>
+          <a:blip r:embed="rId2">
+            <a:extLst>
+              <a:ext uri="{28A0092B-C50C-407E-A947-70E740481C1C}">
+                <a14:useLocalDpi xmlns:a14="http://schemas.microsoft.com/office/drawing/2010/main" val="0"/>
+              </a:ext>
+            </a:extLst>
+          </a:blip>
+          <a:stretch>
+            <a:fillRect/>
+          </a:stretch>
+        </p:blipFill>
+        <p:spPr>
+          <a:xfrm>
+            <a:off x="2564502" y="1918562"/>
+            <a:ext cx="6871046" cy="3412152"/>
+          </a:xfrm>
+          <a:prstGeom prst="rect">
+            <a:avLst/>
+          </a:prstGeom>
+        </p:spPr>
+      </p:pic>
+      <p:sp>
+        <p:nvSpPr>
+          <p:cNvPr id="6" name="Textfeld 5">
+            <a:extLst>
+              <a:ext uri="{FF2B5EF4-FFF2-40B4-BE49-F238E27FC236}">
+                <a16:creationId xmlns:a16="http://schemas.microsoft.com/office/drawing/2014/main" id="{E88A51B2-0421-47C6-AD47-E011610D918D}"/>
+              </a:ext>
+            </a:extLst>
+          </p:cNvPr>
+          <p:cNvSpPr txBox="1"/>
+          <p:nvPr/>
+        </p:nvSpPr>
+        <p:spPr>
+          <a:xfrm>
+            <a:off x="2660477" y="543339"/>
+            <a:ext cx="6871045" cy="646331"/>
+          </a:xfrm>
+          <a:prstGeom prst="rect">
+            <a:avLst/>
+          </a:prstGeom>
+          <a:noFill/>
+        </p:spPr>
+        <p:txBody>
+          <a:bodyPr wrap="square" rtlCol="0">
+            <a:spAutoFit/>
+          </a:bodyPr>
+          <a:lstStyle/>
+          <a:p>
+            <a:pPr algn="ctr"/>
+            <a:r>
+              <a:rPr lang="de-DE" dirty="0"/>
+              <a:t>Classification Report:</a:t>
+            </a:r>
+          </a:p>
+          <a:p>
+            <a:pPr algn="ctr"/>
+            <a:r>
+              <a:rPr lang="de-DE" dirty="0"/>
+              <a:t> trainiert auf Periode P1, angewendet auf die restlichen Perioden </a:t>
+            </a:r>
+          </a:p>
+        </p:txBody>
+      </p:sp>
+    </p:spTree>
+    <p:extLst>
+      <p:ext uri="{BB962C8B-B14F-4D97-AF65-F5344CB8AC3E}">
+        <p14:creationId xmlns:p14="http://schemas.microsoft.com/office/powerpoint/2010/main" val="2603357555"/>
+      </p:ext>
+    </p:extLst>
+  </p:cSld>
+  <p:clrMapOvr>
+    <a:masterClrMapping/>
+  </p:clrMapOvr>
+</p:sld>
+</file>
+
 <file path=ppt/slides/slide3.xml><?xml version="1.0" encoding="utf-8"?>
 <p:sld xmlns:a="http://schemas.openxmlformats.org/drawingml/2006/main" xmlns:r="http://schemas.openxmlformats.org/officeDocument/2006/relationships" xmlns:p="http://schemas.openxmlformats.org/presentationml/2006/main">
   <p:cSld>
@@ -4259,41 +5950,12 @@
           <a:chExt cx="0" cy="0"/>
         </a:xfrm>
       </p:grpSpPr>
-      <p:sp>
-        <p:nvSpPr>
-          <p:cNvPr id="2" name="Titel 1">
-            <a:extLst>
-              <a:ext uri="{FF2B5EF4-FFF2-40B4-BE49-F238E27FC236}">
-                <a16:creationId xmlns:a16="http://schemas.microsoft.com/office/drawing/2014/main" id="{BCE1A1B2-28F7-412C-B3AC-F6855F7C1571}"/>
-              </a:ext>
-            </a:extLst>
-          </p:cNvPr>
-          <p:cNvSpPr>
-            <a:spLocks noGrp="1"/>
-          </p:cNvSpPr>
-          <p:nvPr>
-            <p:ph type="title"/>
-          </p:nvPr>
-        </p:nvSpPr>
-        <p:spPr/>
-        <p:txBody>
-          <a:bodyPr/>
-          <a:lstStyle/>
-          <a:p>
-            <a:pPr algn="ctr"/>
-            <a:r>
-              <a:rPr lang="de-DE" dirty="0"/>
-              <a:t>Vorstellung des Datensatzes</a:t>
-            </a:r>
-          </a:p>
-        </p:txBody>
-      </p:sp>
       <p:pic>
         <p:nvPicPr>
-          <p:cNvPr id="5" name="Grafik 4" descr="Ein Bild, das Screenshot, Zeichnung enthält.&#10;&#10;Automatisch generierte Beschreibung">
-            <a:extLst>
-              <a:ext uri="{FF2B5EF4-FFF2-40B4-BE49-F238E27FC236}">
-                <a16:creationId xmlns:a16="http://schemas.microsoft.com/office/drawing/2014/main" id="{5464440D-2BF2-46F2-B85D-C9E85491DC77}"/>
+          <p:cNvPr id="5" name="Grafik 4">
+            <a:extLst>
+              <a:ext uri="{FF2B5EF4-FFF2-40B4-BE49-F238E27FC236}">
+                <a16:creationId xmlns:a16="http://schemas.microsoft.com/office/drawing/2014/main" id="{88F960BF-08DD-4778-A4A8-78A7665910C4}"/>
               </a:ext>
             </a:extLst>
           </p:cNvPr>
@@ -4303,87 +5965,55 @@
           <p:nvPr/>
         </p:nvPicPr>
         <p:blipFill>
-          <a:blip r:embed="rId2">
-            <a:extLst>
-              <a:ext uri="{28A0092B-C50C-407E-A947-70E740481C1C}">
-                <a14:useLocalDpi xmlns:a14="http://schemas.microsoft.com/office/drawing/2010/main" val="0"/>
-              </a:ext>
-            </a:extLst>
-          </a:blip>
+          <a:blip r:embed="rId2"/>
           <a:stretch>
             <a:fillRect/>
           </a:stretch>
         </p:blipFill>
         <p:spPr>
           <a:xfrm>
-            <a:off x="3151992" y="1935209"/>
-            <a:ext cx="5888015" cy="4302780"/>
+            <a:off x="-710685" y="0"/>
+            <a:ext cx="7743769" cy="6407425"/>
           </a:xfrm>
           <a:prstGeom prst="rect">
             <a:avLst/>
           </a:prstGeom>
         </p:spPr>
       </p:pic>
-      <p:sp>
-        <p:nvSpPr>
-          <p:cNvPr id="3" name="Ellipse 2">
-            <a:extLst>
-              <a:ext uri="{FF2B5EF4-FFF2-40B4-BE49-F238E27FC236}">
-                <a16:creationId xmlns:a16="http://schemas.microsoft.com/office/drawing/2014/main" id="{E53F119C-46C7-4DA3-B8E0-63F4DE291B41}"/>
-              </a:ext>
-            </a:extLst>
-          </p:cNvPr>
-          <p:cNvSpPr/>
+      <p:pic>
+        <p:nvPicPr>
+          <p:cNvPr id="4" name="Grafik 3">
+            <a:extLst>
+              <a:ext uri="{FF2B5EF4-FFF2-40B4-BE49-F238E27FC236}">
+                <a16:creationId xmlns:a16="http://schemas.microsoft.com/office/drawing/2014/main" id="{2AB1061B-A7C1-42CB-83C5-D7E24E3F5196}"/>
+              </a:ext>
+            </a:extLst>
+          </p:cNvPr>
+          <p:cNvPicPr>
+            <a:picLocks noChangeAspect="1"/>
+          </p:cNvPicPr>
           <p:nvPr/>
-        </p:nvSpPr>
-        <p:spPr>
-          <a:xfrm>
-            <a:off x="6850251" y="5982346"/>
-            <a:ext cx="92990" cy="92990"/>
-          </a:xfrm>
-          <a:prstGeom prst="ellipse">
+        </p:nvPicPr>
+        <p:blipFill>
+          <a:blip r:embed="rId3"/>
+          <a:stretch>
+            <a:fillRect/>
+          </a:stretch>
+        </p:blipFill>
+        <p:spPr>
+          <a:xfrm>
+            <a:off x="6414054" y="-758652"/>
+            <a:ext cx="5618922" cy="8375303"/>
+          </a:xfrm>
+          <a:prstGeom prst="rect">
             <a:avLst/>
           </a:prstGeom>
-          <a:solidFill>
-            <a:srgbClr val="FF0000"/>
-          </a:solidFill>
-          <a:ln>
-            <a:noFill/>
-          </a:ln>
-        </p:spPr>
-        <p:style>
-          <a:lnRef idx="2">
-            <a:schemeClr val="accent1">
-              <a:shade val="50000"/>
-            </a:schemeClr>
-          </a:lnRef>
-          <a:fillRef idx="1">
-            <a:schemeClr val="accent1"/>
-          </a:fillRef>
-          <a:effectRef idx="0">
-            <a:schemeClr val="accent1"/>
-          </a:effectRef>
-          <a:fontRef idx="minor">
-            <a:schemeClr val="lt1"/>
-          </a:fontRef>
-        </p:style>
-        <p:txBody>
-          <a:bodyPr rtlCol="0" anchor="ctr"/>
-          <a:lstStyle/>
-          <a:p>
-            <a:pPr algn="ctr"/>
-            <a:endParaRPr lang="de-DE">
-              <a:solidFill>
-                <a:srgbClr val="FF0000"/>
-              </a:solidFill>
-            </a:endParaRPr>
-          </a:p>
-        </p:txBody>
-      </p:sp>
+        </p:spPr>
+      </p:pic>
     </p:spTree>
     <p:extLst>
       <p:ext uri="{BB962C8B-B14F-4D97-AF65-F5344CB8AC3E}">
-        <p14:creationId xmlns:p14="http://schemas.microsoft.com/office/powerpoint/2010/main" val="4004550687"/>
+        <p14:creationId xmlns:p14="http://schemas.microsoft.com/office/powerpoint/2010/main" val="919939335"/>
       </p:ext>
     </p:extLst>
   </p:cSld>
@@ -4415,7 +6045,7 @@
           <p:cNvPr id="2" name="Titel 1">
             <a:extLst>
               <a:ext uri="{FF2B5EF4-FFF2-40B4-BE49-F238E27FC236}">
-                <a16:creationId xmlns:a16="http://schemas.microsoft.com/office/drawing/2014/main" id="{0F2BD68B-1B1A-4720-8CD2-0E89D9443053}"/>
+                <a16:creationId xmlns:a16="http://schemas.microsoft.com/office/drawing/2014/main" id="{BCE1A1B2-28F7-412C-B3AC-F6855F7C1571}"/>
               </a:ext>
             </a:extLst>
           </p:cNvPr>
@@ -4441,10 +6071,10 @@
       </p:sp>
       <p:pic>
         <p:nvPicPr>
-          <p:cNvPr id="5" name="Grafik 4" descr="Ein Bild, das Zeichnung enthält.&#10;&#10;Automatisch generierte Beschreibung">
-            <a:extLst>
-              <a:ext uri="{FF2B5EF4-FFF2-40B4-BE49-F238E27FC236}">
-                <a16:creationId xmlns:a16="http://schemas.microsoft.com/office/drawing/2014/main" id="{70676A58-FBE2-423A-BEE3-04B0BEF14653}"/>
+          <p:cNvPr id="6" name="Grafik 5" descr="Ein Bild, das Zeichnung enthält.&#10;&#10;Automatisch generierte Beschreibung">
+            <a:extLst>
+              <a:ext uri="{FF2B5EF4-FFF2-40B4-BE49-F238E27FC236}">
+                <a16:creationId xmlns:a16="http://schemas.microsoft.com/office/drawing/2014/main" id="{F2F68314-FD25-403F-94DA-2BB57F070C9A}"/>
               </a:ext>
             </a:extLst>
           </p:cNvPr>
@@ -4467,81 +6097,18 @@
         </p:blipFill>
         <p:spPr>
           <a:xfrm>
-            <a:off x="1245607" y="1848561"/>
-            <a:ext cx="5578238" cy="4111794"/>
+            <a:off x="2799472" y="1440852"/>
+            <a:ext cx="6229642" cy="4752510"/>
           </a:xfrm>
           <a:prstGeom prst="rect">
             <a:avLst/>
           </a:prstGeom>
         </p:spPr>
       </p:pic>
-      <p:sp>
-        <p:nvSpPr>
-          <p:cNvPr id="7" name="Textfeld 6">
-            <a:extLst>
-              <a:ext uri="{FF2B5EF4-FFF2-40B4-BE49-F238E27FC236}">
-                <a16:creationId xmlns:a16="http://schemas.microsoft.com/office/drawing/2014/main" id="{37E7F4E0-AB6C-44F7-9EA3-3CD646742C41}"/>
-              </a:ext>
-            </a:extLst>
-          </p:cNvPr>
-          <p:cNvSpPr txBox="1"/>
-          <p:nvPr/>
-        </p:nvSpPr>
-        <p:spPr>
-          <a:xfrm>
-            <a:off x="7382682" y="2844224"/>
-            <a:ext cx="3142463" cy="1169551"/>
-          </a:xfrm>
-          <a:prstGeom prst="rect">
-            <a:avLst/>
-          </a:prstGeom>
-          <a:noFill/>
-        </p:spPr>
-        <p:txBody>
-          <a:bodyPr wrap="none" rtlCol="0">
-            <a:spAutoFit/>
-          </a:bodyPr>
-          <a:lstStyle/>
-          <a:p>
-            <a:r>
-              <a:rPr lang="de-DE" sz="1400" dirty="0" err="1"/>
-              <a:t>NoD</a:t>
-            </a:r>
-            <a:r>
-              <a:rPr lang="de-DE" sz="1400" dirty="0"/>
-              <a:t>	= Nord Deutschland</a:t>
-            </a:r>
-          </a:p>
-          <a:p>
-            <a:r>
-              <a:rPr lang="de-DE" sz="1400" dirty="0"/>
-              <a:t>OMD 	= Ost-Mittel Deutschland</a:t>
-            </a:r>
-          </a:p>
-          <a:p>
-            <a:r>
-              <a:rPr lang="de-DE" sz="1400" dirty="0"/>
-              <a:t>OOD	= Süd-Ost-Deutschland</a:t>
-            </a:r>
-          </a:p>
-          <a:p>
-            <a:r>
-              <a:rPr lang="de-DE" sz="1400" dirty="0"/>
-              <a:t>WMD	= West-Mittel Deutschland</a:t>
-            </a:r>
-          </a:p>
-          <a:p>
-            <a:r>
-              <a:rPr lang="de-DE" sz="1400" dirty="0"/>
-              <a:t>WOD	= Süd-West-Deutschland</a:t>
-            </a:r>
-          </a:p>
-        </p:txBody>
-      </p:sp>
     </p:spTree>
     <p:extLst>
       <p:ext uri="{BB962C8B-B14F-4D97-AF65-F5344CB8AC3E}">
-        <p14:creationId xmlns:p14="http://schemas.microsoft.com/office/powerpoint/2010/main" val="4067135762"/>
+        <p14:creationId xmlns:p14="http://schemas.microsoft.com/office/powerpoint/2010/main" val="4004550687"/>
       </p:ext>
     </p:extLst>
   </p:cSld>
@@ -4573,7 +6140,7 @@
           <p:cNvPr id="2" name="Titel 1">
             <a:extLst>
               <a:ext uri="{FF2B5EF4-FFF2-40B4-BE49-F238E27FC236}">
-                <a16:creationId xmlns:a16="http://schemas.microsoft.com/office/drawing/2014/main" id="{7129FE7A-5618-4960-82F7-FA686C527F0A}"/>
+                <a16:creationId xmlns:a16="http://schemas.microsoft.com/office/drawing/2014/main" id="{0F2BD68B-1B1A-4720-8CD2-0E89D9443053}"/>
               </a:ext>
             </a:extLst>
           </p:cNvPr>
@@ -4599,10 +6166,10 @@
       </p:sp>
       <p:pic>
         <p:nvPicPr>
-          <p:cNvPr id="5" name="Grafik 4">
-            <a:extLst>
-              <a:ext uri="{FF2B5EF4-FFF2-40B4-BE49-F238E27FC236}">
-                <a16:creationId xmlns:a16="http://schemas.microsoft.com/office/drawing/2014/main" id="{D164A184-ECAB-4D01-804A-5A2CB8676313}"/>
+          <p:cNvPr id="5" name="Grafik 4" descr="Ein Bild, das Zeichnung enthält.&#10;&#10;Automatisch generierte Beschreibung">
+            <a:extLst>
+              <a:ext uri="{FF2B5EF4-FFF2-40B4-BE49-F238E27FC236}">
+                <a16:creationId xmlns:a16="http://schemas.microsoft.com/office/drawing/2014/main" id="{70676A58-FBE2-423A-BEE3-04B0BEF14653}"/>
               </a:ext>
             </a:extLst>
           </p:cNvPr>
@@ -4625,8 +6192,8 @@
         </p:blipFill>
         <p:spPr>
           <a:xfrm>
-            <a:off x="2711461" y="1690688"/>
-            <a:ext cx="6769077" cy="4665891"/>
+            <a:off x="1245607" y="1848561"/>
+            <a:ext cx="5578238" cy="4111794"/>
           </a:xfrm>
           <a:prstGeom prst="rect">
             <a:avLst/>
@@ -4635,64 +6202,71 @@
       </p:pic>
       <p:sp>
         <p:nvSpPr>
-          <p:cNvPr id="4" name="Ellipse 3">
-            <a:extLst>
-              <a:ext uri="{FF2B5EF4-FFF2-40B4-BE49-F238E27FC236}">
-                <a16:creationId xmlns:a16="http://schemas.microsoft.com/office/drawing/2014/main" id="{8EF889E4-F1CD-4361-A4E0-BC463DADF19D}"/>
-              </a:ext>
-            </a:extLst>
-          </p:cNvPr>
-          <p:cNvSpPr/>
+          <p:cNvPr id="7" name="Textfeld 6">
+            <a:extLst>
+              <a:ext uri="{FF2B5EF4-FFF2-40B4-BE49-F238E27FC236}">
+                <a16:creationId xmlns:a16="http://schemas.microsoft.com/office/drawing/2014/main" id="{37E7F4E0-AB6C-44F7-9EA3-3CD646742C41}"/>
+              </a:ext>
+            </a:extLst>
+          </p:cNvPr>
+          <p:cNvSpPr txBox="1"/>
           <p:nvPr/>
         </p:nvSpPr>
         <p:spPr>
           <a:xfrm>
-            <a:off x="7857642" y="1828800"/>
-            <a:ext cx="92990" cy="92990"/>
-          </a:xfrm>
-          <a:prstGeom prst="ellipse">
+            <a:off x="7382682" y="2844224"/>
+            <a:ext cx="3142463" cy="1169551"/>
+          </a:xfrm>
+          <a:prstGeom prst="rect">
             <a:avLst/>
           </a:prstGeom>
-          <a:solidFill>
-            <a:srgbClr val="FF0000"/>
-          </a:solidFill>
-          <a:ln>
-            <a:noFill/>
-          </a:ln>
-        </p:spPr>
-        <p:style>
-          <a:lnRef idx="2">
-            <a:schemeClr val="accent1">
-              <a:shade val="50000"/>
-            </a:schemeClr>
-          </a:lnRef>
-          <a:fillRef idx="1">
-            <a:schemeClr val="accent1"/>
-          </a:fillRef>
-          <a:effectRef idx="0">
-            <a:schemeClr val="accent1"/>
-          </a:effectRef>
-          <a:fontRef idx="minor">
-            <a:schemeClr val="lt1"/>
-          </a:fontRef>
-        </p:style>
-        <p:txBody>
-          <a:bodyPr rtlCol="0" anchor="ctr"/>
-          <a:lstStyle/>
-          <a:p>
-            <a:pPr algn="ctr"/>
-            <a:endParaRPr lang="de-DE">
-              <a:solidFill>
-                <a:srgbClr val="FF0000"/>
-              </a:solidFill>
-            </a:endParaRPr>
+          <a:noFill/>
+        </p:spPr>
+        <p:txBody>
+          <a:bodyPr wrap="none" rtlCol="0">
+            <a:spAutoFit/>
+          </a:bodyPr>
+          <a:lstStyle/>
+          <a:p>
+            <a:r>
+              <a:rPr lang="de-DE" sz="1400" dirty="0" err="1"/>
+              <a:t>NoD</a:t>
+            </a:r>
+            <a:r>
+              <a:rPr lang="de-DE" sz="1400" dirty="0"/>
+              <a:t>	= Nord Deutschland</a:t>
+            </a:r>
+          </a:p>
+          <a:p>
+            <a:r>
+              <a:rPr lang="de-DE" sz="1400" dirty="0"/>
+              <a:t>OMD 	= Ost-Mittel Deutschland</a:t>
+            </a:r>
+          </a:p>
+          <a:p>
+            <a:r>
+              <a:rPr lang="de-DE" sz="1400" dirty="0"/>
+              <a:t>OOD	= Süd-Ost-Deutschland</a:t>
+            </a:r>
+          </a:p>
+          <a:p>
+            <a:r>
+              <a:rPr lang="de-DE" sz="1400" dirty="0"/>
+              <a:t>WMD	= West-Mittel Deutschland</a:t>
+            </a:r>
+          </a:p>
+          <a:p>
+            <a:r>
+              <a:rPr lang="de-DE" sz="1400" dirty="0"/>
+              <a:t>WOD	= Süd-West-Deutschland</a:t>
+            </a:r>
           </a:p>
         </p:txBody>
       </p:sp>
     </p:spTree>
     <p:extLst>
       <p:ext uri="{BB962C8B-B14F-4D97-AF65-F5344CB8AC3E}">
-        <p14:creationId xmlns:p14="http://schemas.microsoft.com/office/powerpoint/2010/main" val="1481519776"/>
+        <p14:creationId xmlns:p14="http://schemas.microsoft.com/office/powerpoint/2010/main" val="4067135762"/>
       </p:ext>
     </p:extLst>
   </p:cSld>
@@ -4724,7 +6298,7 @@
           <p:cNvPr id="2" name="Titel 1">
             <a:extLst>
               <a:ext uri="{FF2B5EF4-FFF2-40B4-BE49-F238E27FC236}">
-                <a16:creationId xmlns:a16="http://schemas.microsoft.com/office/drawing/2014/main" id="{0C763103-F59B-4BDB-94E8-75FE7EDE978F}"/>
+                <a16:creationId xmlns:a16="http://schemas.microsoft.com/office/drawing/2014/main" id="{7129FE7A-5618-4960-82F7-FA686C527F0A}"/>
               </a:ext>
             </a:extLst>
           </p:cNvPr>
@@ -4750,10 +6324,10 @@
       </p:sp>
       <p:pic>
         <p:nvPicPr>
-          <p:cNvPr id="5" name="Grafik 4" descr="Ein Bild, das Zeichnung enthält.&#10;&#10;Automatisch generierte Beschreibung">
-            <a:extLst>
-              <a:ext uri="{FF2B5EF4-FFF2-40B4-BE49-F238E27FC236}">
-                <a16:creationId xmlns:a16="http://schemas.microsoft.com/office/drawing/2014/main" id="{2085610B-BD34-4520-BE22-EDB61C606C88}"/>
+          <p:cNvPr id="5" name="Grafik 4">
+            <a:extLst>
+              <a:ext uri="{FF2B5EF4-FFF2-40B4-BE49-F238E27FC236}">
+                <a16:creationId xmlns:a16="http://schemas.microsoft.com/office/drawing/2014/main" id="{D164A184-ECAB-4D01-804A-5A2CB8676313}"/>
               </a:ext>
             </a:extLst>
           </p:cNvPr>
@@ -4776,162 +6350,74 @@
         </p:blipFill>
         <p:spPr>
           <a:xfrm>
-            <a:off x="838200" y="1618392"/>
-            <a:ext cx="2596557" cy="2198787"/>
+            <a:off x="2711461" y="1690688"/>
+            <a:ext cx="6769077" cy="4665891"/>
           </a:xfrm>
           <a:prstGeom prst="rect">
             <a:avLst/>
           </a:prstGeom>
         </p:spPr>
       </p:pic>
-      <p:pic>
-        <p:nvPicPr>
-          <p:cNvPr id="15" name="Grafik 14" descr="Ein Bild, das Zeichnung enthält.&#10;&#10;Automatisch generierte Beschreibung">
-            <a:extLst>
-              <a:ext uri="{FF2B5EF4-FFF2-40B4-BE49-F238E27FC236}">
-                <a16:creationId xmlns:a16="http://schemas.microsoft.com/office/drawing/2014/main" id="{C5FA6065-3195-43A9-887F-3B1D11C0048B}"/>
-              </a:ext>
-            </a:extLst>
-          </p:cNvPr>
-          <p:cNvPicPr>
-            <a:picLocks noChangeAspect="1"/>
-          </p:cNvPicPr>
+      <p:sp>
+        <p:nvSpPr>
+          <p:cNvPr id="4" name="Ellipse 3">
+            <a:extLst>
+              <a:ext uri="{FF2B5EF4-FFF2-40B4-BE49-F238E27FC236}">
+                <a16:creationId xmlns:a16="http://schemas.microsoft.com/office/drawing/2014/main" id="{8EF889E4-F1CD-4361-A4E0-BC463DADF19D}"/>
+              </a:ext>
+            </a:extLst>
+          </p:cNvPr>
+          <p:cNvSpPr/>
           <p:nvPr/>
-        </p:nvPicPr>
-        <p:blipFill>
-          <a:blip r:embed="rId3">
-            <a:extLst>
-              <a:ext uri="{28A0092B-C50C-407E-A947-70E740481C1C}">
-                <a14:useLocalDpi xmlns:a14="http://schemas.microsoft.com/office/drawing/2010/main" val="0"/>
-              </a:ext>
-            </a:extLst>
-          </a:blip>
-          <a:stretch>
-            <a:fillRect/>
-          </a:stretch>
-        </p:blipFill>
-        <p:spPr>
-          <a:xfrm>
-            <a:off x="838200" y="4058512"/>
-            <a:ext cx="2701331" cy="2217824"/>
-          </a:xfrm>
-          <a:prstGeom prst="rect">
+        </p:nvSpPr>
+        <p:spPr>
+          <a:xfrm>
+            <a:off x="7857642" y="1828800"/>
+            <a:ext cx="92990" cy="92990"/>
+          </a:xfrm>
+          <a:prstGeom prst="ellipse">
             <a:avLst/>
           </a:prstGeom>
-        </p:spPr>
-      </p:pic>
-      <p:pic>
-        <p:nvPicPr>
-          <p:cNvPr id="17" name="Grafik 16" descr="Ein Bild, das Zeichnung enthält.&#10;&#10;Automatisch generierte Beschreibung">
-            <a:extLst>
-              <a:ext uri="{FF2B5EF4-FFF2-40B4-BE49-F238E27FC236}">
-                <a16:creationId xmlns:a16="http://schemas.microsoft.com/office/drawing/2014/main" id="{62A15C0F-8401-4A5C-A74D-A3576B76C972}"/>
-              </a:ext>
-            </a:extLst>
-          </p:cNvPr>
-          <p:cNvPicPr>
-            <a:picLocks noChangeAspect="1"/>
-          </p:cNvPicPr>
-          <p:nvPr/>
-        </p:nvPicPr>
-        <p:blipFill>
-          <a:blip r:embed="rId4">
-            <a:extLst>
-              <a:ext uri="{28A0092B-C50C-407E-A947-70E740481C1C}">
-                <a14:useLocalDpi xmlns:a14="http://schemas.microsoft.com/office/drawing/2010/main" val="0"/>
-              </a:ext>
-            </a:extLst>
-          </a:blip>
-          <a:stretch>
-            <a:fillRect/>
-          </a:stretch>
-        </p:blipFill>
-        <p:spPr>
-          <a:xfrm>
-            <a:off x="4236797" y="2442949"/>
-            <a:ext cx="3269471" cy="2644234"/>
-          </a:xfrm>
-          <a:prstGeom prst="rect">
-            <a:avLst/>
-          </a:prstGeom>
-        </p:spPr>
-      </p:pic>
-      <p:pic>
-        <p:nvPicPr>
-          <p:cNvPr id="19" name="Grafik 18" descr="Ein Bild, das Zeichnung enthält.&#10;&#10;Automatisch generierte Beschreibung">
-            <a:extLst>
-              <a:ext uri="{FF2B5EF4-FFF2-40B4-BE49-F238E27FC236}">
-                <a16:creationId xmlns:a16="http://schemas.microsoft.com/office/drawing/2014/main" id="{57B57387-302A-454B-83DE-82AD212BD6A8}"/>
-              </a:ext>
-            </a:extLst>
-          </p:cNvPr>
-          <p:cNvPicPr>
-            <a:picLocks noChangeAspect="1"/>
-          </p:cNvPicPr>
-          <p:nvPr/>
-        </p:nvPicPr>
-        <p:blipFill>
-          <a:blip r:embed="rId5">
-            <a:extLst>
-              <a:ext uri="{28A0092B-C50C-407E-A947-70E740481C1C}">
-                <a14:useLocalDpi xmlns:a14="http://schemas.microsoft.com/office/drawing/2010/main" val="0"/>
-              </a:ext>
-            </a:extLst>
-          </a:blip>
-          <a:stretch>
-            <a:fillRect/>
-          </a:stretch>
-        </p:blipFill>
-        <p:spPr>
-          <a:xfrm>
-            <a:off x="8270330" y="1618392"/>
-            <a:ext cx="2800645" cy="2408337"/>
-          </a:xfrm>
-          <a:prstGeom prst="rect">
-            <a:avLst/>
-          </a:prstGeom>
-        </p:spPr>
-      </p:pic>
-      <p:pic>
-        <p:nvPicPr>
-          <p:cNvPr id="21" name="Grafik 20" descr="Ein Bild, das Zeichnung enthält.&#10;&#10;Automatisch generierte Beschreibung">
-            <a:extLst>
-              <a:ext uri="{FF2B5EF4-FFF2-40B4-BE49-F238E27FC236}">
-                <a16:creationId xmlns:a16="http://schemas.microsoft.com/office/drawing/2014/main" id="{ECBAADA3-E16E-44A1-B5A7-C2610C0C84D9}"/>
-              </a:ext>
-            </a:extLst>
-          </p:cNvPr>
-          <p:cNvPicPr>
-            <a:picLocks noChangeAspect="1"/>
-          </p:cNvPicPr>
-          <p:nvPr/>
-        </p:nvPicPr>
-        <p:blipFill>
-          <a:blip r:embed="rId6">
-            <a:extLst>
-              <a:ext uri="{28A0092B-C50C-407E-A947-70E740481C1C}">
-                <a14:useLocalDpi xmlns:a14="http://schemas.microsoft.com/office/drawing/2010/main" val="0"/>
-              </a:ext>
-            </a:extLst>
-          </a:blip>
-          <a:stretch>
-            <a:fillRect/>
-          </a:stretch>
-        </p:blipFill>
-        <p:spPr>
-          <a:xfrm>
-            <a:off x="8379511" y="4249105"/>
-            <a:ext cx="2691463" cy="2260829"/>
-          </a:xfrm>
-          <a:prstGeom prst="rect">
-            <a:avLst/>
-          </a:prstGeom>
-        </p:spPr>
-      </p:pic>
+          <a:solidFill>
+            <a:srgbClr val="FF0000"/>
+          </a:solidFill>
+          <a:ln>
+            <a:noFill/>
+          </a:ln>
+        </p:spPr>
+        <p:style>
+          <a:lnRef idx="2">
+            <a:schemeClr val="accent1">
+              <a:shade val="50000"/>
+            </a:schemeClr>
+          </a:lnRef>
+          <a:fillRef idx="1">
+            <a:schemeClr val="accent1"/>
+          </a:fillRef>
+          <a:effectRef idx="0">
+            <a:schemeClr val="accent1"/>
+          </a:effectRef>
+          <a:fontRef idx="minor">
+            <a:schemeClr val="lt1"/>
+          </a:fontRef>
+        </p:style>
+        <p:txBody>
+          <a:bodyPr rtlCol="0" anchor="ctr"/>
+          <a:lstStyle/>
+          <a:p>
+            <a:pPr algn="ctr"/>
+            <a:endParaRPr lang="de-DE">
+              <a:solidFill>
+                <a:srgbClr val="FF0000"/>
+              </a:solidFill>
+            </a:endParaRPr>
+          </a:p>
+        </p:txBody>
+      </p:sp>
     </p:spTree>
     <p:extLst>
       <p:ext uri="{BB962C8B-B14F-4D97-AF65-F5344CB8AC3E}">
-        <p14:creationId xmlns:p14="http://schemas.microsoft.com/office/powerpoint/2010/main" val="3936301919"/>
+        <p14:creationId xmlns:p14="http://schemas.microsoft.com/office/powerpoint/2010/main" val="1481519776"/>
       </p:ext>
     </p:extLst>
   </p:cSld>
@@ -4989,10 +6475,10 @@
       </p:sp>
       <p:pic>
         <p:nvPicPr>
-          <p:cNvPr id="5" name="Grafik 4" descr="Ein Bild, das Zeichnung enthält.&#10;&#10;Automatisch generierte Beschreibung">
-            <a:extLst>
-              <a:ext uri="{FF2B5EF4-FFF2-40B4-BE49-F238E27FC236}">
-                <a16:creationId xmlns:a16="http://schemas.microsoft.com/office/drawing/2014/main" id="{9E1DED0F-534D-4EE7-87A8-0C4D531323DA}"/>
+          <p:cNvPr id="4" name="Grafik 3" descr="Ein Bild, das Zeichnung enthält.&#10;&#10;Automatisch generierte Beschreibung">
+            <a:extLst>
+              <a:ext uri="{FF2B5EF4-FFF2-40B4-BE49-F238E27FC236}">
+                <a16:creationId xmlns:a16="http://schemas.microsoft.com/office/drawing/2014/main" id="{83382519-A708-4C6B-83F7-841E8CDF1B08}"/>
               </a:ext>
             </a:extLst>
           </p:cNvPr>
@@ -5015,8 +6501,8 @@
         </p:blipFill>
         <p:spPr>
           <a:xfrm>
-            <a:off x="622892" y="1690687"/>
-            <a:ext cx="2475150" cy="2026169"/>
+            <a:off x="4693676" y="2684001"/>
+            <a:ext cx="2804647" cy="1986625"/>
           </a:xfrm>
           <a:prstGeom prst="rect">
             <a:avLst/>
@@ -5025,10 +6511,10 @@
       </p:pic>
       <p:pic>
         <p:nvPicPr>
-          <p:cNvPr id="7" name="Grafik 6" descr="Ein Bild, das Zeichnung enthält.&#10;&#10;Automatisch generierte Beschreibung">
-            <a:extLst>
-              <a:ext uri="{FF2B5EF4-FFF2-40B4-BE49-F238E27FC236}">
-                <a16:creationId xmlns:a16="http://schemas.microsoft.com/office/drawing/2014/main" id="{3A1094F8-11F2-48A9-8EBD-26A0BB75178B}"/>
+          <p:cNvPr id="8" name="Grafik 7" descr="Ein Bild, das Zeichnung enthält.&#10;&#10;Automatisch generierte Beschreibung">
+            <a:extLst>
+              <a:ext uri="{FF2B5EF4-FFF2-40B4-BE49-F238E27FC236}">
+                <a16:creationId xmlns:a16="http://schemas.microsoft.com/office/drawing/2014/main" id="{D187611C-AE0E-4C62-8188-916CECDD872C}"/>
               </a:ext>
             </a:extLst>
           </p:cNvPr>
@@ -5051,8 +6537,8 @@
         </p:blipFill>
         <p:spPr>
           <a:xfrm>
-            <a:off x="689566" y="4291012"/>
-            <a:ext cx="2290449" cy="2026166"/>
+            <a:off x="8610955" y="4352735"/>
+            <a:ext cx="2752370" cy="2035366"/>
           </a:xfrm>
           <a:prstGeom prst="rect">
             <a:avLst/>
@@ -5061,10 +6547,10 @@
       </p:pic>
       <p:pic>
         <p:nvPicPr>
-          <p:cNvPr id="9" name="Grafik 8" descr="Ein Bild, das Zeichnung enthält.&#10;&#10;Automatisch generierte Beschreibung">
-            <a:extLst>
-              <a:ext uri="{FF2B5EF4-FFF2-40B4-BE49-F238E27FC236}">
-                <a16:creationId xmlns:a16="http://schemas.microsoft.com/office/drawing/2014/main" id="{30D9D784-2F02-4B5D-BAE0-E4EE45CBF10B}"/>
+          <p:cNvPr id="12" name="Grafik 11" descr="Ein Bild, das Zeichnung enthält.&#10;&#10;Automatisch generierte Beschreibung">
+            <a:extLst>
+              <a:ext uri="{FF2B5EF4-FFF2-40B4-BE49-F238E27FC236}">
+                <a16:creationId xmlns:a16="http://schemas.microsoft.com/office/drawing/2014/main" id="{414D5B90-6052-4030-9549-E301BE3DE5A6}"/>
               </a:ext>
             </a:extLst>
           </p:cNvPr>
@@ -5087,8 +6573,8 @@
         </p:blipFill>
         <p:spPr>
           <a:xfrm>
-            <a:off x="5000278" y="1690688"/>
-            <a:ext cx="2492870" cy="2026168"/>
+            <a:off x="8577482" y="1690688"/>
+            <a:ext cx="2785843" cy="2049091"/>
           </a:xfrm>
           <a:prstGeom prst="rect">
             <a:avLst/>
@@ -5097,10 +6583,10 @@
       </p:pic>
       <p:pic>
         <p:nvPicPr>
-          <p:cNvPr id="11" name="Grafik 10" descr="Ein Bild, das Zeichnung enthält.&#10;&#10;Automatisch generierte Beschreibung">
-            <a:extLst>
-              <a:ext uri="{FF2B5EF4-FFF2-40B4-BE49-F238E27FC236}">
-                <a16:creationId xmlns:a16="http://schemas.microsoft.com/office/drawing/2014/main" id="{73592B7D-2F87-4EE6-A757-1BDAC9FB1A13}"/>
+          <p:cNvPr id="16" name="Grafik 15" descr="Ein Bild, das Zeichnung enthält.&#10;&#10;Automatisch generierte Beschreibung">
+            <a:extLst>
+              <a:ext uri="{FF2B5EF4-FFF2-40B4-BE49-F238E27FC236}">
+                <a16:creationId xmlns:a16="http://schemas.microsoft.com/office/drawing/2014/main" id="{94C0CD60-5041-49B3-B115-F4FAC716CB5F}"/>
               </a:ext>
             </a:extLst>
           </p:cNvPr>
@@ -5123,8 +6609,8 @@
         </p:blipFill>
         <p:spPr>
           <a:xfrm>
-            <a:off x="5072062" y="4291012"/>
-            <a:ext cx="2541491" cy="2026166"/>
+            <a:off x="357407" y="4352735"/>
+            <a:ext cx="2747744" cy="2035366"/>
           </a:xfrm>
           <a:prstGeom prst="rect">
             <a:avLst/>
@@ -5133,10 +6619,10 @@
       </p:pic>
       <p:pic>
         <p:nvPicPr>
-          <p:cNvPr id="13" name="Grafik 12" descr="Ein Bild, das Zeichnung enthält.&#10;&#10;Automatisch generierte Beschreibung">
-            <a:extLst>
-              <a:ext uri="{FF2B5EF4-FFF2-40B4-BE49-F238E27FC236}">
-                <a16:creationId xmlns:a16="http://schemas.microsoft.com/office/drawing/2014/main" id="{E060EA24-6434-496E-BF5C-77A3794BDB48}"/>
+          <p:cNvPr id="18" name="Grafik 17" descr="Ein Bild, das Screenshot, Zeichnung enthält.&#10;&#10;Automatisch generierte Beschreibung">
+            <a:extLst>
+              <a:ext uri="{FF2B5EF4-FFF2-40B4-BE49-F238E27FC236}">
+                <a16:creationId xmlns:a16="http://schemas.microsoft.com/office/drawing/2014/main" id="{1C0F9F1B-3C6C-430F-A443-D6F66D8C9E8D}"/>
               </a:ext>
             </a:extLst>
           </p:cNvPr>
@@ -5159,44 +6645,8 @@
         </p:blipFill>
         <p:spPr>
           <a:xfrm>
-            <a:off x="9171296" y="1670642"/>
-            <a:ext cx="2415373" cy="2026166"/>
-          </a:xfrm>
-          <a:prstGeom prst="rect">
-            <a:avLst/>
-          </a:prstGeom>
-        </p:spPr>
-      </p:pic>
-      <p:pic>
-        <p:nvPicPr>
-          <p:cNvPr id="15" name="Grafik 14" descr="Ein Bild, das Zeichnung enthält.&#10;&#10;Automatisch generierte Beschreibung">
-            <a:extLst>
-              <a:ext uri="{FF2B5EF4-FFF2-40B4-BE49-F238E27FC236}">
-                <a16:creationId xmlns:a16="http://schemas.microsoft.com/office/drawing/2014/main" id="{25747F1F-EFC1-44C4-AED0-756935C4D76E}"/>
-              </a:ext>
-            </a:extLst>
-          </p:cNvPr>
-          <p:cNvPicPr>
-            <a:picLocks noChangeAspect="1"/>
-          </p:cNvPicPr>
-          <p:nvPr/>
-        </p:nvPicPr>
-        <p:blipFill>
-          <a:blip r:embed="rId7">
-            <a:extLst>
-              <a:ext uri="{28A0092B-C50C-407E-A947-70E740481C1C}">
-                <a14:useLocalDpi xmlns:a14="http://schemas.microsoft.com/office/drawing/2010/main" val="0"/>
-              </a:ext>
-            </a:extLst>
-          </a:blip>
-          <a:stretch>
-            <a:fillRect/>
-          </a:stretch>
-        </p:blipFill>
-        <p:spPr>
-          <a:xfrm>
-            <a:off x="9171296" y="4291012"/>
-            <a:ext cx="2375117" cy="2026166"/>
+            <a:off x="347881" y="1690688"/>
+            <a:ext cx="2785843" cy="1986626"/>
           </a:xfrm>
           <a:prstGeom prst="rect">
             <a:avLst/>
@@ -5238,7 +6688,7 @@
           <p:cNvPr id="2" name="Titel 1">
             <a:extLst>
               <a:ext uri="{FF2B5EF4-FFF2-40B4-BE49-F238E27FC236}">
-                <a16:creationId xmlns:a16="http://schemas.microsoft.com/office/drawing/2014/main" id="{33C31535-2E54-41AC-8A74-1283CD8E2427}"/>
+                <a16:creationId xmlns:a16="http://schemas.microsoft.com/office/drawing/2014/main" id="{0C763103-F59B-4BDB-94E8-75FE7EDE978F}"/>
               </a:ext>
             </a:extLst>
           </p:cNvPr>
@@ -5264,10 +6714,10 @@
       </p:sp>
       <p:pic>
         <p:nvPicPr>
-          <p:cNvPr id="5" name="Grafik 4" descr="Ein Bild, das Screenshot enthält.&#10;&#10;Automatisch generierte Beschreibung">
-            <a:extLst>
-              <a:ext uri="{FF2B5EF4-FFF2-40B4-BE49-F238E27FC236}">
-                <a16:creationId xmlns:a16="http://schemas.microsoft.com/office/drawing/2014/main" id="{98093623-09AF-4C0F-9903-668245437642}"/>
+          <p:cNvPr id="4" name="Grafik 3" descr="Ein Bild, das Zeichnung enthält.&#10;&#10;Automatisch generierte Beschreibung">
+            <a:extLst>
+              <a:ext uri="{FF2B5EF4-FFF2-40B4-BE49-F238E27FC236}">
+                <a16:creationId xmlns:a16="http://schemas.microsoft.com/office/drawing/2014/main" id="{CCD938F4-8393-47A4-9E68-E3D0A1D0FB0D}"/>
               </a:ext>
             </a:extLst>
           </p:cNvPr>
@@ -5290,130 +6740,408 @@
         </p:blipFill>
         <p:spPr>
           <a:xfrm>
-            <a:off x="371722" y="1690688"/>
-            <a:ext cx="11448556" cy="4459150"/>
+            <a:off x="4786532" y="4706938"/>
+            <a:ext cx="2764399" cy="1738312"/>
           </a:xfrm>
           <a:prstGeom prst="rect">
             <a:avLst/>
           </a:prstGeom>
         </p:spPr>
       </p:pic>
-      <p:sp>
-        <p:nvSpPr>
-          <p:cNvPr id="4" name="Ellipse 3">
-            <a:extLst>
-              <a:ext uri="{FF2B5EF4-FFF2-40B4-BE49-F238E27FC236}">
-                <a16:creationId xmlns:a16="http://schemas.microsoft.com/office/drawing/2014/main" id="{E139BD37-E420-4E8F-9C16-9E39A58D1884}"/>
-              </a:ext>
-            </a:extLst>
-          </p:cNvPr>
-          <p:cNvSpPr/>
+      <p:pic>
+        <p:nvPicPr>
+          <p:cNvPr id="7" name="Grafik 6" descr="Ein Bild, das Zeichnung enthält.&#10;&#10;Automatisch generierte Beschreibung">
+            <a:extLst>
+              <a:ext uri="{FF2B5EF4-FFF2-40B4-BE49-F238E27FC236}">
+                <a16:creationId xmlns:a16="http://schemas.microsoft.com/office/drawing/2014/main" id="{42AA59A8-FCB8-4115-8413-EDB335CED1DA}"/>
+              </a:ext>
+            </a:extLst>
+          </p:cNvPr>
+          <p:cNvPicPr>
+            <a:picLocks noChangeAspect="1"/>
+          </p:cNvPicPr>
           <p:nvPr/>
-        </p:nvSpPr>
-        <p:spPr>
-          <a:xfrm>
-            <a:off x="2921431" y="1914041"/>
-            <a:ext cx="92990" cy="92990"/>
-          </a:xfrm>
-          <a:prstGeom prst="ellipse">
+        </p:nvPicPr>
+        <p:blipFill>
+          <a:blip r:embed="rId3">
+            <a:extLst>
+              <a:ext uri="{28A0092B-C50C-407E-A947-70E740481C1C}">
+                <a14:useLocalDpi xmlns:a14="http://schemas.microsoft.com/office/drawing/2010/main" val="0"/>
+              </a:ext>
+            </a:extLst>
+          </a:blip>
+          <a:stretch>
+            <a:fillRect/>
+          </a:stretch>
+        </p:blipFill>
+        <p:spPr>
+          <a:xfrm>
+            <a:off x="4786532" y="1690688"/>
+            <a:ext cx="2635872" cy="1738312"/>
+          </a:xfrm>
+          <a:prstGeom prst="rect">
             <a:avLst/>
           </a:prstGeom>
-          <a:solidFill>
-            <a:srgbClr val="FF0000"/>
-          </a:solidFill>
-          <a:ln>
-            <a:noFill/>
-          </a:ln>
-        </p:spPr>
-        <p:style>
-          <a:lnRef idx="2">
-            <a:schemeClr val="accent1">
-              <a:shade val="50000"/>
-            </a:schemeClr>
-          </a:lnRef>
-          <a:fillRef idx="1">
-            <a:schemeClr val="accent1"/>
-          </a:fillRef>
-          <a:effectRef idx="0">
-            <a:schemeClr val="accent1"/>
-          </a:effectRef>
-          <a:fontRef idx="minor">
-            <a:schemeClr val="lt1"/>
-          </a:fontRef>
-        </p:style>
-        <p:txBody>
-          <a:bodyPr rtlCol="0" anchor="ctr"/>
-          <a:lstStyle/>
-          <a:p>
-            <a:pPr algn="ctr"/>
-            <a:endParaRPr lang="de-DE">
-              <a:solidFill>
-                <a:srgbClr val="FF0000"/>
-              </a:solidFill>
-            </a:endParaRPr>
-          </a:p>
-        </p:txBody>
-      </p:sp>
-      <p:sp>
-        <p:nvSpPr>
-          <p:cNvPr id="6" name="Ellipse 5">
-            <a:extLst>
-              <a:ext uri="{FF2B5EF4-FFF2-40B4-BE49-F238E27FC236}">
-                <a16:creationId xmlns:a16="http://schemas.microsoft.com/office/drawing/2014/main" id="{CF67522E-2D75-4537-A97D-0502A6EA2B03}"/>
-              </a:ext>
-            </a:extLst>
-          </p:cNvPr>
-          <p:cNvSpPr/>
+        </p:spPr>
+      </p:pic>
+      <p:pic>
+        <p:nvPicPr>
+          <p:cNvPr id="9" name="Grafik 8" descr="Ein Bild, das Zeichnung enthält.&#10;&#10;Automatisch generierte Beschreibung">
+            <a:extLst>
+              <a:ext uri="{FF2B5EF4-FFF2-40B4-BE49-F238E27FC236}">
+                <a16:creationId xmlns:a16="http://schemas.microsoft.com/office/drawing/2014/main" id="{EBB95CB5-726B-4ECA-BEA6-C3047CCE5998}"/>
+              </a:ext>
+            </a:extLst>
+          </p:cNvPr>
+          <p:cNvPicPr>
+            <a:picLocks noChangeAspect="1"/>
+          </p:cNvPicPr>
           <p:nvPr/>
-        </p:nvSpPr>
-        <p:spPr>
-          <a:xfrm>
-            <a:off x="7002651" y="1914041"/>
-            <a:ext cx="92990" cy="92990"/>
-          </a:xfrm>
-          <a:prstGeom prst="ellipse">
+        </p:nvPicPr>
+        <p:blipFill>
+          <a:blip r:embed="rId4">
+            <a:extLst>
+              <a:ext uri="{28A0092B-C50C-407E-A947-70E740481C1C}">
+                <a14:useLocalDpi xmlns:a14="http://schemas.microsoft.com/office/drawing/2010/main" val="0"/>
+              </a:ext>
+            </a:extLst>
+          </a:blip>
+          <a:stretch>
+            <a:fillRect/>
+          </a:stretch>
+        </p:blipFill>
+        <p:spPr>
+          <a:xfrm>
+            <a:off x="478541" y="4745552"/>
+            <a:ext cx="2548643" cy="1747323"/>
+          </a:xfrm>
+          <a:prstGeom prst="rect">
             <a:avLst/>
           </a:prstGeom>
-          <a:solidFill>
-            <a:srgbClr val="FF0000"/>
-          </a:solidFill>
-          <a:ln>
-            <a:noFill/>
-          </a:ln>
-        </p:spPr>
-        <p:style>
-          <a:lnRef idx="2">
-            <a:schemeClr val="accent1">
-              <a:shade val="50000"/>
-            </a:schemeClr>
-          </a:lnRef>
-          <a:fillRef idx="1">
-            <a:schemeClr val="accent1"/>
-          </a:fillRef>
-          <a:effectRef idx="0">
-            <a:schemeClr val="accent1"/>
-          </a:effectRef>
-          <a:fontRef idx="minor">
-            <a:schemeClr val="lt1"/>
-          </a:fontRef>
-        </p:style>
-        <p:txBody>
-          <a:bodyPr rtlCol="0" anchor="ctr"/>
-          <a:lstStyle/>
-          <a:p>
-            <a:pPr algn="ctr"/>
-            <a:endParaRPr lang="de-DE">
-              <a:solidFill>
-                <a:srgbClr val="FF0000"/>
-              </a:solidFill>
-            </a:endParaRPr>
+        </p:spPr>
+      </p:pic>
+      <p:pic>
+        <p:nvPicPr>
+          <p:cNvPr id="11" name="Grafik 10" descr="Ein Bild, das Zeichnung enthält.&#10;&#10;Automatisch generierte Beschreibung">
+            <a:extLst>
+              <a:ext uri="{FF2B5EF4-FFF2-40B4-BE49-F238E27FC236}">
+                <a16:creationId xmlns:a16="http://schemas.microsoft.com/office/drawing/2014/main" id="{882706C1-DFA2-457B-B8E2-02E0E7F64824}"/>
+              </a:ext>
+            </a:extLst>
+          </p:cNvPr>
+          <p:cNvPicPr>
+            <a:picLocks noChangeAspect="1"/>
+          </p:cNvPicPr>
+          <p:nvPr/>
+        </p:nvPicPr>
+        <p:blipFill>
+          <a:blip r:embed="rId5">
+            <a:extLst>
+              <a:ext uri="{28A0092B-C50C-407E-A947-70E740481C1C}">
+                <a14:useLocalDpi xmlns:a14="http://schemas.microsoft.com/office/drawing/2010/main" val="0"/>
+              </a:ext>
+            </a:extLst>
+          </a:blip>
+          <a:stretch>
+            <a:fillRect/>
+          </a:stretch>
+        </p:blipFill>
+        <p:spPr>
+          <a:xfrm>
+            <a:off x="400489" y="1681677"/>
+            <a:ext cx="2626695" cy="1747323"/>
+          </a:xfrm>
+          <a:prstGeom prst="rect">
+            <a:avLst/>
+          </a:prstGeom>
+        </p:spPr>
+      </p:pic>
+      <p:pic>
+        <p:nvPicPr>
+          <p:cNvPr id="13" name="Grafik 12" descr="Ein Bild, das Screenshot, Zeichnung enthält.&#10;&#10;Automatisch generierte Beschreibung">
+            <a:extLst>
+              <a:ext uri="{FF2B5EF4-FFF2-40B4-BE49-F238E27FC236}">
+                <a16:creationId xmlns:a16="http://schemas.microsoft.com/office/drawing/2014/main" id="{936FF6F7-7877-4A56-A126-4A6D4B146DC6}"/>
+              </a:ext>
+            </a:extLst>
+          </p:cNvPr>
+          <p:cNvPicPr>
+            <a:picLocks noChangeAspect="1"/>
+          </p:cNvPicPr>
+          <p:nvPr/>
+        </p:nvPicPr>
+        <p:blipFill>
+          <a:blip r:embed="rId6">
+            <a:extLst>
+              <a:ext uri="{28A0092B-C50C-407E-A947-70E740481C1C}">
+                <a14:useLocalDpi xmlns:a14="http://schemas.microsoft.com/office/drawing/2010/main" val="0"/>
+              </a:ext>
+            </a:extLst>
+          </a:blip>
+          <a:stretch>
+            <a:fillRect/>
+          </a:stretch>
+        </p:blipFill>
+        <p:spPr>
+          <a:xfrm>
+            <a:off x="8689151" y="4706938"/>
+            <a:ext cx="2664649" cy="1738312"/>
+          </a:xfrm>
+          <a:prstGeom prst="rect">
+            <a:avLst/>
+          </a:prstGeom>
+        </p:spPr>
+      </p:pic>
+      <p:pic>
+        <p:nvPicPr>
+          <p:cNvPr id="16" name="Grafik 15" descr="Ein Bild, das Zeichnung enthält.&#10;&#10;Automatisch generierte Beschreibung">
+            <a:extLst>
+              <a:ext uri="{FF2B5EF4-FFF2-40B4-BE49-F238E27FC236}">
+                <a16:creationId xmlns:a16="http://schemas.microsoft.com/office/drawing/2014/main" id="{4626F4A4-438F-45D9-8C4D-8676CB635C42}"/>
+              </a:ext>
+            </a:extLst>
+          </p:cNvPr>
+          <p:cNvPicPr>
+            <a:picLocks noChangeAspect="1"/>
+          </p:cNvPicPr>
+          <p:nvPr/>
+        </p:nvPicPr>
+        <p:blipFill>
+          <a:blip r:embed="rId7">
+            <a:extLst>
+              <a:ext uri="{28A0092B-C50C-407E-A947-70E740481C1C}">
+                <a14:useLocalDpi xmlns:a14="http://schemas.microsoft.com/office/drawing/2010/main" val="0"/>
+              </a:ext>
+            </a:extLst>
+          </a:blip>
+          <a:stretch>
+            <a:fillRect/>
+          </a:stretch>
+        </p:blipFill>
+        <p:spPr>
+          <a:xfrm>
+            <a:off x="8688018" y="1789162"/>
+            <a:ext cx="2567195" cy="1639838"/>
+          </a:xfrm>
+          <a:prstGeom prst="rect">
+            <a:avLst/>
+          </a:prstGeom>
+        </p:spPr>
+      </p:pic>
+      <p:sp>
+        <p:nvSpPr>
+          <p:cNvPr id="18" name="Textfeld 17">
+            <a:extLst>
+              <a:ext uri="{FF2B5EF4-FFF2-40B4-BE49-F238E27FC236}">
+                <a16:creationId xmlns:a16="http://schemas.microsoft.com/office/drawing/2014/main" id="{29EF19E8-CFB2-4CCB-8DE3-46D3C4A7669A}"/>
+              </a:ext>
+            </a:extLst>
+          </p:cNvPr>
+          <p:cNvSpPr txBox="1"/>
+          <p:nvPr/>
+        </p:nvSpPr>
+        <p:spPr>
+          <a:xfrm>
+            <a:off x="2913658" y="1650662"/>
+            <a:ext cx="1048742" cy="276999"/>
+          </a:xfrm>
+          <a:prstGeom prst="rect">
+            <a:avLst/>
+          </a:prstGeom>
+          <a:noFill/>
+        </p:spPr>
+        <p:txBody>
+          <a:bodyPr wrap="square" rtlCol="0">
+            <a:spAutoFit/>
+          </a:bodyPr>
+          <a:lstStyle/>
+          <a:p>
+            <a:r>
+              <a:rPr lang="de-DE" sz="1200" dirty="0"/>
+              <a:t>(1650 – 1700)</a:t>
+            </a:r>
+          </a:p>
+        </p:txBody>
+      </p:sp>
+      <p:sp>
+        <p:nvSpPr>
+          <p:cNvPr id="22" name="Textfeld 21">
+            <a:extLst>
+              <a:ext uri="{FF2B5EF4-FFF2-40B4-BE49-F238E27FC236}">
+                <a16:creationId xmlns:a16="http://schemas.microsoft.com/office/drawing/2014/main" id="{508050CA-8168-4F2F-9127-9467BFAD5C76}"/>
+              </a:ext>
+            </a:extLst>
+          </p:cNvPr>
+          <p:cNvSpPr txBox="1"/>
+          <p:nvPr/>
+        </p:nvSpPr>
+        <p:spPr>
+          <a:xfrm>
+            <a:off x="2913658" y="4745552"/>
+            <a:ext cx="1048742" cy="276999"/>
+          </a:xfrm>
+          <a:prstGeom prst="rect">
+            <a:avLst/>
+          </a:prstGeom>
+          <a:noFill/>
+        </p:spPr>
+        <p:txBody>
+          <a:bodyPr wrap="square" rtlCol="0">
+            <a:spAutoFit/>
+          </a:bodyPr>
+          <a:lstStyle/>
+          <a:p>
+            <a:r>
+              <a:rPr lang="de-DE" sz="1200" dirty="0"/>
+              <a:t>(1700 – 1750)</a:t>
+            </a:r>
+          </a:p>
+        </p:txBody>
+      </p:sp>
+      <p:sp>
+        <p:nvSpPr>
+          <p:cNvPr id="23" name="Textfeld 22">
+            <a:extLst>
+              <a:ext uri="{FF2B5EF4-FFF2-40B4-BE49-F238E27FC236}">
+                <a16:creationId xmlns:a16="http://schemas.microsoft.com/office/drawing/2014/main" id="{353C5F3E-85ED-47E0-9972-62E66AF19335}"/>
+              </a:ext>
+            </a:extLst>
+          </p:cNvPr>
+          <p:cNvSpPr txBox="1"/>
+          <p:nvPr/>
+        </p:nvSpPr>
+        <p:spPr>
+          <a:xfrm>
+            <a:off x="7335744" y="1678067"/>
+            <a:ext cx="1048742" cy="276999"/>
+          </a:xfrm>
+          <a:prstGeom prst="rect">
+            <a:avLst/>
+          </a:prstGeom>
+          <a:noFill/>
+        </p:spPr>
+        <p:txBody>
+          <a:bodyPr wrap="square" rtlCol="0">
+            <a:spAutoFit/>
+          </a:bodyPr>
+          <a:lstStyle/>
+          <a:p>
+            <a:r>
+              <a:rPr lang="de-DE" sz="1200" dirty="0"/>
+              <a:t>(1750 – 1800)</a:t>
+            </a:r>
+          </a:p>
+        </p:txBody>
+      </p:sp>
+      <p:sp>
+        <p:nvSpPr>
+          <p:cNvPr id="24" name="Textfeld 23">
+            <a:extLst>
+              <a:ext uri="{FF2B5EF4-FFF2-40B4-BE49-F238E27FC236}">
+                <a16:creationId xmlns:a16="http://schemas.microsoft.com/office/drawing/2014/main" id="{A8E663E0-07B9-4657-999A-4EB9750EA9C4}"/>
+              </a:ext>
+            </a:extLst>
+          </p:cNvPr>
+          <p:cNvSpPr txBox="1"/>
+          <p:nvPr/>
+        </p:nvSpPr>
+        <p:spPr>
+          <a:xfrm>
+            <a:off x="7422404" y="4678665"/>
+            <a:ext cx="1048742" cy="276999"/>
+          </a:xfrm>
+          <a:prstGeom prst="rect">
+            <a:avLst/>
+          </a:prstGeom>
+          <a:noFill/>
+        </p:spPr>
+        <p:txBody>
+          <a:bodyPr wrap="square" rtlCol="0">
+            <a:spAutoFit/>
+          </a:bodyPr>
+          <a:lstStyle/>
+          <a:p>
+            <a:r>
+              <a:rPr lang="de-DE" sz="1200" dirty="0"/>
+              <a:t>(1800 – 1850)</a:t>
+            </a:r>
+          </a:p>
+        </p:txBody>
+      </p:sp>
+      <p:sp>
+        <p:nvSpPr>
+          <p:cNvPr id="25" name="Textfeld 24">
+            <a:extLst>
+              <a:ext uri="{FF2B5EF4-FFF2-40B4-BE49-F238E27FC236}">
+                <a16:creationId xmlns:a16="http://schemas.microsoft.com/office/drawing/2014/main" id="{A2C8E358-536A-4987-8F7A-C65C244F082C}"/>
+              </a:ext>
+            </a:extLst>
+          </p:cNvPr>
+          <p:cNvSpPr txBox="1"/>
+          <p:nvPr/>
+        </p:nvSpPr>
+        <p:spPr>
+          <a:xfrm>
+            <a:off x="11123762" y="1722275"/>
+            <a:ext cx="1048742" cy="276999"/>
+          </a:xfrm>
+          <a:prstGeom prst="rect">
+            <a:avLst/>
+          </a:prstGeom>
+          <a:noFill/>
+        </p:spPr>
+        <p:txBody>
+          <a:bodyPr wrap="square" rtlCol="0">
+            <a:spAutoFit/>
+          </a:bodyPr>
+          <a:lstStyle/>
+          <a:p>
+            <a:r>
+              <a:rPr lang="de-DE" sz="1200" dirty="0"/>
+              <a:t>(1850 – 1900)</a:t>
+            </a:r>
+          </a:p>
+        </p:txBody>
+      </p:sp>
+      <p:sp>
+        <p:nvSpPr>
+          <p:cNvPr id="26" name="Textfeld 25">
+            <a:extLst>
+              <a:ext uri="{FF2B5EF4-FFF2-40B4-BE49-F238E27FC236}">
+                <a16:creationId xmlns:a16="http://schemas.microsoft.com/office/drawing/2014/main" id="{CCBC308A-510F-4481-9C67-C05FBD81B850}"/>
+              </a:ext>
+            </a:extLst>
+          </p:cNvPr>
+          <p:cNvSpPr txBox="1"/>
+          <p:nvPr/>
+        </p:nvSpPr>
+        <p:spPr>
+          <a:xfrm>
+            <a:off x="11189088" y="4706938"/>
+            <a:ext cx="1048742" cy="276999"/>
+          </a:xfrm>
+          <a:prstGeom prst="rect">
+            <a:avLst/>
+          </a:prstGeom>
+          <a:noFill/>
+        </p:spPr>
+        <p:txBody>
+          <a:bodyPr wrap="square" rtlCol="0">
+            <a:spAutoFit/>
+          </a:bodyPr>
+          <a:lstStyle/>
+          <a:p>
+            <a:r>
+              <a:rPr lang="de-DE" sz="1200" dirty="0"/>
+              <a:t>(1900 – 1950)</a:t>
+            </a:r>
           </a:p>
         </p:txBody>
       </p:sp>
     </p:spTree>
     <p:extLst>
       <p:ext uri="{BB962C8B-B14F-4D97-AF65-F5344CB8AC3E}">
-        <p14:creationId xmlns:p14="http://schemas.microsoft.com/office/powerpoint/2010/main" val="504856519"/>
+        <p14:creationId xmlns:p14="http://schemas.microsoft.com/office/powerpoint/2010/main" val="3936301919"/>
       </p:ext>
     </p:extLst>
   </p:cSld>
@@ -5445,7 +7173,7 @@
           <p:cNvPr id="2" name="Titel 1">
             <a:extLst>
               <a:ext uri="{FF2B5EF4-FFF2-40B4-BE49-F238E27FC236}">
-                <a16:creationId xmlns:a16="http://schemas.microsoft.com/office/drawing/2014/main" id="{3EAA998D-A8B9-481F-A5DF-B87A2FDC160F}"/>
+                <a16:creationId xmlns:a16="http://schemas.microsoft.com/office/drawing/2014/main" id="{33C31535-2E54-41AC-8A74-1283CD8E2427}"/>
               </a:ext>
             </a:extLst>
           </p:cNvPr>
@@ -5464,143 +7192,163 @@
             <a:pPr algn="ctr"/>
             <a:r>
               <a:rPr lang="de-DE" dirty="0"/>
-              <a:t>Normalisierung der Lemmata</a:t>
-            </a:r>
-          </a:p>
-        </p:txBody>
-      </p:sp>
-      <p:sp>
-        <p:nvSpPr>
-          <p:cNvPr id="3" name="Inhaltsplatzhalter 2">
-            <a:extLst>
-              <a:ext uri="{FF2B5EF4-FFF2-40B4-BE49-F238E27FC236}">
-                <a16:creationId xmlns:a16="http://schemas.microsoft.com/office/drawing/2014/main" id="{148B2243-B57A-4DA2-9D8D-44904CBC9658}"/>
-              </a:ext>
-            </a:extLst>
-          </p:cNvPr>
-          <p:cNvSpPr>
-            <a:spLocks noGrp="1"/>
-          </p:cNvSpPr>
-          <p:nvPr>
-            <p:ph idx="1"/>
-          </p:nvPr>
-        </p:nvSpPr>
-        <p:spPr/>
-        <p:txBody>
-          <a:bodyPr/>
-          <a:lstStyle/>
-          <a:p>
-            <a:r>
-              <a:rPr lang="de-DE" dirty="0" err="1"/>
-              <a:t>Stopwordlist</a:t>
-            </a:r>
-            <a:r>
-              <a:rPr lang="de-DE" dirty="0"/>
-              <a:t>: [@</a:t>
-            </a:r>
-            <a:r>
-              <a:rPr lang="de-DE" dirty="0" err="1"/>
-              <a:t>ord</a:t>
-            </a:r>
-            <a:r>
-              <a:rPr lang="de-DE" dirty="0"/>
-              <a:t>@, 1, 1st, …]</a:t>
-            </a:r>
-          </a:p>
-          <a:p>
-            <a:r>
-              <a:rPr lang="de-DE" dirty="0"/>
-              <a:t>Normalisierung beider Korpora:</a:t>
-            </a:r>
-          </a:p>
-          <a:p>
-            <a:pPr lvl="1"/>
-            <a:r>
-              <a:rPr lang="de-DE" dirty="0"/>
-              <a:t>{„</a:t>
-            </a:r>
-            <a:r>
-              <a:rPr lang="de-DE" dirty="0" err="1"/>
-              <a:t>von+die</a:t>
-            </a:r>
-            <a:r>
-              <a:rPr lang="de-DE" dirty="0"/>
-              <a:t>“ </a:t>
-            </a:r>
-            <a:r>
-              <a:rPr lang="de-DE" dirty="0">
-                <a:sym typeface="Wingdings" panose="05000000000000000000" pitchFamily="2" charset="2"/>
-              </a:rPr>
-              <a:t> „von die“,</a:t>
-            </a:r>
-          </a:p>
-          <a:p>
-            <a:pPr marL="457200" lvl="1" indent="0">
-              <a:buNone/>
-            </a:pPr>
-            <a:r>
-              <a:rPr lang="de-DE" dirty="0">
-                <a:sym typeface="Wingdings" panose="05000000000000000000" pitchFamily="2" charset="2"/>
-              </a:rPr>
-              <a:t>    „</a:t>
-            </a:r>
-            <a:r>
-              <a:rPr lang="de-DE" dirty="0" err="1">
-                <a:sym typeface="Wingdings" panose="05000000000000000000" pitchFamily="2" charset="2"/>
-              </a:rPr>
-              <a:t>seyn</a:t>
-            </a:r>
-            <a:r>
-              <a:rPr lang="de-DE" dirty="0">
-                <a:sym typeface="Wingdings" panose="05000000000000000000" pitchFamily="2" charset="2"/>
-              </a:rPr>
-              <a:t>“  „sein“, </a:t>
-            </a:r>
-            <a:br>
-              <a:rPr lang="de-DE" dirty="0">
-                <a:sym typeface="Wingdings" panose="05000000000000000000" pitchFamily="2" charset="2"/>
-              </a:rPr>
-            </a:br>
-            <a:r>
-              <a:rPr lang="de-DE" dirty="0">
-                <a:sym typeface="Wingdings" panose="05000000000000000000" pitchFamily="2" charset="2"/>
-              </a:rPr>
-              <a:t>    „d“  „die“, </a:t>
-            </a:r>
-            <a:br>
-              <a:rPr lang="de-DE" dirty="0">
-                <a:sym typeface="Wingdings" panose="05000000000000000000" pitchFamily="2" charset="2"/>
-              </a:rPr>
-            </a:br>
-            <a:r>
-              <a:rPr lang="de-DE" dirty="0">
-                <a:sym typeface="Wingdings" panose="05000000000000000000" pitchFamily="2" charset="2"/>
-              </a:rPr>
-              <a:t>    „</a:t>
-            </a:r>
-            <a:r>
-              <a:rPr lang="de-DE" dirty="0" err="1">
-                <a:sym typeface="Wingdings" panose="05000000000000000000" pitchFamily="2" charset="2"/>
-              </a:rPr>
-              <a:t>er|sie|es</a:t>
-            </a:r>
-            <a:r>
-              <a:rPr lang="de-DE" dirty="0">
-                <a:sym typeface="Wingdings" panose="05000000000000000000" pitchFamily="2" charset="2"/>
-              </a:rPr>
-              <a:t>“  „sich“</a:t>
-            </a:r>
-            <a:r>
-              <a:rPr lang="de-DE" dirty="0"/>
-              <a:t>}</a:t>
-            </a:r>
+              <a:t>Vorstellung des Datensatzes</a:t>
+            </a:r>
+          </a:p>
+        </p:txBody>
+      </p:sp>
+      <p:pic>
+        <p:nvPicPr>
+          <p:cNvPr id="5" name="Grafik 4" descr="Ein Bild, das Screenshot enthält.&#10;&#10;Automatisch generierte Beschreibung">
+            <a:extLst>
+              <a:ext uri="{FF2B5EF4-FFF2-40B4-BE49-F238E27FC236}">
+                <a16:creationId xmlns:a16="http://schemas.microsoft.com/office/drawing/2014/main" id="{98093623-09AF-4C0F-9903-668245437642}"/>
+              </a:ext>
+            </a:extLst>
+          </p:cNvPr>
+          <p:cNvPicPr>
+            <a:picLocks noChangeAspect="1"/>
+          </p:cNvPicPr>
+          <p:nvPr/>
+        </p:nvPicPr>
+        <p:blipFill>
+          <a:blip r:embed="rId2">
+            <a:extLst>
+              <a:ext uri="{28A0092B-C50C-407E-A947-70E740481C1C}">
+                <a14:useLocalDpi xmlns:a14="http://schemas.microsoft.com/office/drawing/2010/main" val="0"/>
+              </a:ext>
+            </a:extLst>
+          </a:blip>
+          <a:stretch>
+            <a:fillRect/>
+          </a:stretch>
+        </p:blipFill>
+        <p:spPr>
+          <a:xfrm>
+            <a:off x="371722" y="1690688"/>
+            <a:ext cx="11448556" cy="4459150"/>
+          </a:xfrm>
+          <a:prstGeom prst="rect">
+            <a:avLst/>
+          </a:prstGeom>
+        </p:spPr>
+      </p:pic>
+      <p:sp>
+        <p:nvSpPr>
+          <p:cNvPr id="4" name="Ellipse 3">
+            <a:extLst>
+              <a:ext uri="{FF2B5EF4-FFF2-40B4-BE49-F238E27FC236}">
+                <a16:creationId xmlns:a16="http://schemas.microsoft.com/office/drawing/2014/main" id="{E139BD37-E420-4E8F-9C16-9E39A58D1884}"/>
+              </a:ext>
+            </a:extLst>
+          </p:cNvPr>
+          <p:cNvSpPr/>
+          <p:nvPr/>
+        </p:nvSpPr>
+        <p:spPr>
+          <a:xfrm>
+            <a:off x="2921431" y="1914041"/>
+            <a:ext cx="92990" cy="92990"/>
+          </a:xfrm>
+          <a:prstGeom prst="ellipse">
+            <a:avLst/>
+          </a:prstGeom>
+          <a:solidFill>
+            <a:srgbClr val="FF0000"/>
+          </a:solidFill>
+          <a:ln>
+            <a:noFill/>
+          </a:ln>
+        </p:spPr>
+        <p:style>
+          <a:lnRef idx="2">
+            <a:schemeClr val="accent1">
+              <a:shade val="50000"/>
+            </a:schemeClr>
+          </a:lnRef>
+          <a:fillRef idx="1">
+            <a:schemeClr val="accent1"/>
+          </a:fillRef>
+          <a:effectRef idx="0">
+            <a:schemeClr val="accent1"/>
+          </a:effectRef>
+          <a:fontRef idx="minor">
+            <a:schemeClr val="lt1"/>
+          </a:fontRef>
+        </p:style>
+        <p:txBody>
+          <a:bodyPr rtlCol="0" anchor="ctr"/>
+          <a:lstStyle/>
+          <a:p>
+            <a:pPr algn="ctr"/>
+            <a:endParaRPr lang="de-DE">
+              <a:solidFill>
+                <a:srgbClr val="FF0000"/>
+              </a:solidFill>
+            </a:endParaRPr>
+          </a:p>
+        </p:txBody>
+      </p:sp>
+      <p:sp>
+        <p:nvSpPr>
+          <p:cNvPr id="6" name="Ellipse 5">
+            <a:extLst>
+              <a:ext uri="{FF2B5EF4-FFF2-40B4-BE49-F238E27FC236}">
+                <a16:creationId xmlns:a16="http://schemas.microsoft.com/office/drawing/2014/main" id="{CF67522E-2D75-4537-A97D-0502A6EA2B03}"/>
+              </a:ext>
+            </a:extLst>
+          </p:cNvPr>
+          <p:cNvSpPr/>
+          <p:nvPr/>
+        </p:nvSpPr>
+        <p:spPr>
+          <a:xfrm>
+            <a:off x="7002651" y="1914041"/>
+            <a:ext cx="92990" cy="92990"/>
+          </a:xfrm>
+          <a:prstGeom prst="ellipse">
+            <a:avLst/>
+          </a:prstGeom>
+          <a:solidFill>
+            <a:srgbClr val="FF0000"/>
+          </a:solidFill>
+          <a:ln>
+            <a:noFill/>
+          </a:ln>
+        </p:spPr>
+        <p:style>
+          <a:lnRef idx="2">
+            <a:schemeClr val="accent1">
+              <a:shade val="50000"/>
+            </a:schemeClr>
+          </a:lnRef>
+          <a:fillRef idx="1">
+            <a:schemeClr val="accent1"/>
+          </a:fillRef>
+          <a:effectRef idx="0">
+            <a:schemeClr val="accent1"/>
+          </a:effectRef>
+          <a:fontRef idx="minor">
+            <a:schemeClr val="lt1"/>
+          </a:fontRef>
+        </p:style>
+        <p:txBody>
+          <a:bodyPr rtlCol="0" anchor="ctr"/>
+          <a:lstStyle/>
+          <a:p>
+            <a:pPr algn="ctr"/>
+            <a:endParaRPr lang="de-DE">
+              <a:solidFill>
+                <a:srgbClr val="FF0000"/>
+              </a:solidFill>
+            </a:endParaRPr>
           </a:p>
         </p:txBody>
       </p:sp>
     </p:spTree>
     <p:extLst>
       <p:ext uri="{BB962C8B-B14F-4D97-AF65-F5344CB8AC3E}">
-        <p14:creationId xmlns:p14="http://schemas.microsoft.com/office/powerpoint/2010/main" val="3047513301"/>
+        <p14:creationId xmlns:p14="http://schemas.microsoft.com/office/powerpoint/2010/main" val="504856519"/>
       </p:ext>
     </p:extLst>
   </p:cSld>

--- a/Projektgruppenpräsention.pptx
+++ b/Projektgruppenpräsention.pptx
@@ -5606,6 +5606,27 @@
               <a:t>. </a:t>
             </a:r>
           </a:p>
+          <a:p>
+            <a:pPr marL="0" indent="0">
+              <a:buNone/>
+            </a:pPr>
+            <a:endParaRPr lang="de-DE" u="sng" dirty="0"/>
+          </a:p>
+          <a:p>
+            <a:pPr marL="0" indent="0">
+              <a:buNone/>
+            </a:pPr>
+            <a:r>
+              <a:rPr lang="de-DE" u="sng" dirty="0"/>
+              <a:t>Code zum Projekt:</a:t>
+            </a:r>
+          </a:p>
+          <a:p>
+            <a:r>
+              <a:rPr lang="de-DE" dirty="0"/>
+              <a:t>https://github.com/LennartKeller/TextklassifikationsProjekt2019</a:t>
+            </a:r>
+          </a:p>
         </p:txBody>
       </p:sp>
     </p:spTree>

--- a/Projektgruppenpräsention.pptx
+++ b/Projektgruppenpräsention.pptx
@@ -4,6 +4,9 @@
   <p:sldMasterIdLst>
     <p:sldMasterId id="2147483648" r:id="rId1"/>
   </p:sldMasterIdLst>
+  <p:notesMasterIdLst>
+    <p:notesMasterId r:id="rId26"/>
+  </p:notesMasterIdLst>
   <p:sldIdLst>
     <p:sldId id="256" r:id="rId2"/>
     <p:sldId id="257" r:id="rId3"/>
@@ -167,6 +170,355 @@
 </p:presentation>
 </file>
 
+<file path=ppt/notesMasters/notesMaster1.xml><?xml version="1.0" encoding="utf-8"?>
+<p:notesMaster xmlns:a="http://schemas.openxmlformats.org/drawingml/2006/main" xmlns:r="http://schemas.openxmlformats.org/officeDocument/2006/relationships" xmlns:p="http://schemas.openxmlformats.org/presentationml/2006/main">
+  <p:cSld>
+    <p:bg>
+      <p:bgRef idx="1001">
+        <a:schemeClr val="bg1"/>
+      </p:bgRef>
+    </p:bg>
+    <p:spTree>
+      <p:nvGrpSpPr>
+        <p:cNvPr id="1" name=""/>
+        <p:cNvGrpSpPr/>
+        <p:nvPr/>
+      </p:nvGrpSpPr>
+      <p:grpSpPr>
+        <a:xfrm>
+          <a:off x="0" y="0"/>
+          <a:ext cx="0" cy="0"/>
+          <a:chOff x="0" y="0"/>
+          <a:chExt cx="0" cy="0"/>
+        </a:xfrm>
+      </p:grpSpPr>
+      <p:sp>
+        <p:nvSpPr>
+          <p:cNvPr id="2" name="Kopfzeilenplatzhalter 1"/>
+          <p:cNvSpPr>
+            <a:spLocks noGrp="1"/>
+          </p:cNvSpPr>
+          <p:nvPr>
+            <p:ph type="hdr" sz="quarter"/>
+          </p:nvPr>
+        </p:nvSpPr>
+        <p:spPr>
+          <a:xfrm>
+            <a:off x="0" y="0"/>
+            <a:ext cx="2971800" cy="458788"/>
+          </a:xfrm>
+          <a:prstGeom prst="rect">
+            <a:avLst/>
+          </a:prstGeom>
+        </p:spPr>
+        <p:txBody>
+          <a:bodyPr vert="horz" lIns="91440" tIns="45720" rIns="91440" bIns="45720" rtlCol="0"/>
+          <a:lstStyle>
+            <a:lvl1pPr algn="l">
+              <a:defRPr sz="1200"/>
+            </a:lvl1pPr>
+          </a:lstStyle>
+          <a:p>
+            <a:endParaRPr lang="de-DE"/>
+          </a:p>
+        </p:txBody>
+      </p:sp>
+      <p:sp>
+        <p:nvSpPr>
+          <p:cNvPr id="3" name="Datumsplatzhalter 2"/>
+          <p:cNvSpPr>
+            <a:spLocks noGrp="1"/>
+          </p:cNvSpPr>
+          <p:nvPr>
+            <p:ph type="dt" idx="1"/>
+          </p:nvPr>
+        </p:nvSpPr>
+        <p:spPr>
+          <a:xfrm>
+            <a:off x="3884613" y="0"/>
+            <a:ext cx="2971800" cy="458788"/>
+          </a:xfrm>
+          <a:prstGeom prst="rect">
+            <a:avLst/>
+          </a:prstGeom>
+        </p:spPr>
+        <p:txBody>
+          <a:bodyPr vert="horz" lIns="91440" tIns="45720" rIns="91440" bIns="45720" rtlCol="0"/>
+          <a:lstStyle>
+            <a:lvl1pPr algn="r">
+              <a:defRPr sz="1200"/>
+            </a:lvl1pPr>
+          </a:lstStyle>
+          <a:p>
+            <a:fld id="{9970A952-D182-47D0-BB0B-66E803D379DF}" type="datetimeFigureOut">
+              <a:rPr lang="de-DE" smtClean="0"/>
+              <a:t>28.01.2020</a:t>
+            </a:fld>
+            <a:endParaRPr lang="de-DE"/>
+          </a:p>
+        </p:txBody>
+      </p:sp>
+      <p:sp>
+        <p:nvSpPr>
+          <p:cNvPr id="4" name="Folienbildplatzhalter 3"/>
+          <p:cNvSpPr>
+            <a:spLocks noGrp="1" noRot="1" noChangeAspect="1"/>
+          </p:cNvSpPr>
+          <p:nvPr>
+            <p:ph type="sldImg" idx="2"/>
+          </p:nvPr>
+        </p:nvSpPr>
+        <p:spPr>
+          <a:xfrm>
+            <a:off x="685800" y="1143000"/>
+            <a:ext cx="5486400" cy="3086100"/>
+          </a:xfrm>
+          <a:prstGeom prst="rect">
+            <a:avLst/>
+          </a:prstGeom>
+          <a:noFill/>
+          <a:ln w="12700">
+            <a:solidFill>
+              <a:prstClr val="black"/>
+            </a:solidFill>
+          </a:ln>
+        </p:spPr>
+        <p:txBody>
+          <a:bodyPr vert="horz" lIns="91440" tIns="45720" rIns="91440" bIns="45720" rtlCol="0" anchor="ctr"/>
+          <a:lstStyle/>
+          <a:p>
+            <a:endParaRPr lang="de-DE"/>
+          </a:p>
+        </p:txBody>
+      </p:sp>
+      <p:sp>
+        <p:nvSpPr>
+          <p:cNvPr id="5" name="Notizenplatzhalter 4"/>
+          <p:cNvSpPr>
+            <a:spLocks noGrp="1"/>
+          </p:cNvSpPr>
+          <p:nvPr>
+            <p:ph type="body" sz="quarter" idx="3"/>
+          </p:nvPr>
+        </p:nvSpPr>
+        <p:spPr>
+          <a:xfrm>
+            <a:off x="685800" y="4400550"/>
+            <a:ext cx="5486400" cy="3600450"/>
+          </a:xfrm>
+          <a:prstGeom prst="rect">
+            <a:avLst/>
+          </a:prstGeom>
+        </p:spPr>
+        <p:txBody>
+          <a:bodyPr vert="horz" lIns="91440" tIns="45720" rIns="91440" bIns="45720" rtlCol="0"/>
+          <a:lstStyle/>
+          <a:p>
+            <a:pPr lvl="0"/>
+            <a:r>
+              <a:rPr lang="de-DE"/>
+              <a:t>Mastertextformat bearbeiten</a:t>
+            </a:r>
+          </a:p>
+          <a:p>
+            <a:pPr lvl="1"/>
+            <a:r>
+              <a:rPr lang="de-DE"/>
+              <a:t>Zweite Ebene</a:t>
+            </a:r>
+          </a:p>
+          <a:p>
+            <a:pPr lvl="2"/>
+            <a:r>
+              <a:rPr lang="de-DE"/>
+              <a:t>Dritte Ebene</a:t>
+            </a:r>
+          </a:p>
+          <a:p>
+            <a:pPr lvl="3"/>
+            <a:r>
+              <a:rPr lang="de-DE"/>
+              <a:t>Vierte Ebene</a:t>
+            </a:r>
+          </a:p>
+          <a:p>
+            <a:pPr lvl="4"/>
+            <a:r>
+              <a:rPr lang="de-DE"/>
+              <a:t>Fünfte Ebene</a:t>
+            </a:r>
+          </a:p>
+        </p:txBody>
+      </p:sp>
+      <p:sp>
+        <p:nvSpPr>
+          <p:cNvPr id="6" name="Fußzeilenplatzhalter 5"/>
+          <p:cNvSpPr>
+            <a:spLocks noGrp="1"/>
+          </p:cNvSpPr>
+          <p:nvPr>
+            <p:ph type="ftr" sz="quarter" idx="4"/>
+          </p:nvPr>
+        </p:nvSpPr>
+        <p:spPr>
+          <a:xfrm>
+            <a:off x="0" y="8685213"/>
+            <a:ext cx="2971800" cy="458787"/>
+          </a:xfrm>
+          <a:prstGeom prst="rect">
+            <a:avLst/>
+          </a:prstGeom>
+        </p:spPr>
+        <p:txBody>
+          <a:bodyPr vert="horz" lIns="91440" tIns="45720" rIns="91440" bIns="45720" rtlCol="0" anchor="b"/>
+          <a:lstStyle>
+            <a:lvl1pPr algn="l">
+              <a:defRPr sz="1200"/>
+            </a:lvl1pPr>
+          </a:lstStyle>
+          <a:p>
+            <a:endParaRPr lang="de-DE"/>
+          </a:p>
+        </p:txBody>
+      </p:sp>
+      <p:sp>
+        <p:nvSpPr>
+          <p:cNvPr id="7" name="Foliennummernplatzhalter 6"/>
+          <p:cNvSpPr>
+            <a:spLocks noGrp="1"/>
+          </p:cNvSpPr>
+          <p:nvPr>
+            <p:ph type="sldNum" sz="quarter" idx="5"/>
+          </p:nvPr>
+        </p:nvSpPr>
+        <p:spPr>
+          <a:xfrm>
+            <a:off x="3884613" y="8685213"/>
+            <a:ext cx="2971800" cy="458787"/>
+          </a:xfrm>
+          <a:prstGeom prst="rect">
+            <a:avLst/>
+          </a:prstGeom>
+        </p:spPr>
+        <p:txBody>
+          <a:bodyPr vert="horz" lIns="91440" tIns="45720" rIns="91440" bIns="45720" rtlCol="0" anchor="b"/>
+          <a:lstStyle>
+            <a:lvl1pPr algn="r">
+              <a:defRPr sz="1200"/>
+            </a:lvl1pPr>
+          </a:lstStyle>
+          <a:p>
+            <a:fld id="{CEBB01DC-D785-487D-B302-FC4CB0CA5A86}" type="slidenum">
+              <a:rPr lang="de-DE" smtClean="0"/>
+              <a:t>‹Nr.›</a:t>
+            </a:fld>
+            <a:endParaRPr lang="de-DE"/>
+          </a:p>
+        </p:txBody>
+      </p:sp>
+    </p:spTree>
+    <p:extLst>
+      <p:ext uri="{BB962C8B-B14F-4D97-AF65-F5344CB8AC3E}">
+        <p14:creationId xmlns:p14="http://schemas.microsoft.com/office/powerpoint/2010/main" val="3718085387"/>
+      </p:ext>
+    </p:extLst>
+  </p:cSld>
+  <p:clrMap bg1="lt1" tx1="dk1" bg2="lt2" tx2="dk2" accent1="accent1" accent2="accent2" accent3="accent3" accent4="accent4" accent5="accent5" accent6="accent6" hlink="hlink" folHlink="folHlink"/>
+  <p:notesStyle>
+    <a:lvl1pPr marL="0" algn="l" defTabSz="914400" rtl="0" eaLnBrk="1" latinLnBrk="0" hangingPunct="1">
+      <a:defRPr sz="1200" kern="1200">
+        <a:solidFill>
+          <a:schemeClr val="tx1"/>
+        </a:solidFill>
+        <a:latin typeface="+mn-lt"/>
+        <a:ea typeface="+mn-ea"/>
+        <a:cs typeface="+mn-cs"/>
+      </a:defRPr>
+    </a:lvl1pPr>
+    <a:lvl2pPr marL="457200" algn="l" defTabSz="914400" rtl="0" eaLnBrk="1" latinLnBrk="0" hangingPunct="1">
+      <a:defRPr sz="1200" kern="1200">
+        <a:solidFill>
+          <a:schemeClr val="tx1"/>
+        </a:solidFill>
+        <a:latin typeface="+mn-lt"/>
+        <a:ea typeface="+mn-ea"/>
+        <a:cs typeface="+mn-cs"/>
+      </a:defRPr>
+    </a:lvl2pPr>
+    <a:lvl3pPr marL="914400" algn="l" defTabSz="914400" rtl="0" eaLnBrk="1" latinLnBrk="0" hangingPunct="1">
+      <a:defRPr sz="1200" kern="1200">
+        <a:solidFill>
+          <a:schemeClr val="tx1"/>
+        </a:solidFill>
+        <a:latin typeface="+mn-lt"/>
+        <a:ea typeface="+mn-ea"/>
+        <a:cs typeface="+mn-cs"/>
+      </a:defRPr>
+    </a:lvl3pPr>
+    <a:lvl4pPr marL="1371600" algn="l" defTabSz="914400" rtl="0" eaLnBrk="1" latinLnBrk="0" hangingPunct="1">
+      <a:defRPr sz="1200" kern="1200">
+        <a:solidFill>
+          <a:schemeClr val="tx1"/>
+        </a:solidFill>
+        <a:latin typeface="+mn-lt"/>
+        <a:ea typeface="+mn-ea"/>
+        <a:cs typeface="+mn-cs"/>
+      </a:defRPr>
+    </a:lvl4pPr>
+    <a:lvl5pPr marL="1828800" algn="l" defTabSz="914400" rtl="0" eaLnBrk="1" latinLnBrk="0" hangingPunct="1">
+      <a:defRPr sz="1200" kern="1200">
+        <a:solidFill>
+          <a:schemeClr val="tx1"/>
+        </a:solidFill>
+        <a:latin typeface="+mn-lt"/>
+        <a:ea typeface="+mn-ea"/>
+        <a:cs typeface="+mn-cs"/>
+      </a:defRPr>
+    </a:lvl5pPr>
+    <a:lvl6pPr marL="2286000" algn="l" defTabSz="914400" rtl="0" eaLnBrk="1" latinLnBrk="0" hangingPunct="1">
+      <a:defRPr sz="1200" kern="1200">
+        <a:solidFill>
+          <a:schemeClr val="tx1"/>
+        </a:solidFill>
+        <a:latin typeface="+mn-lt"/>
+        <a:ea typeface="+mn-ea"/>
+        <a:cs typeface="+mn-cs"/>
+      </a:defRPr>
+    </a:lvl6pPr>
+    <a:lvl7pPr marL="2743200" algn="l" defTabSz="914400" rtl="0" eaLnBrk="1" latinLnBrk="0" hangingPunct="1">
+      <a:defRPr sz="1200" kern="1200">
+        <a:solidFill>
+          <a:schemeClr val="tx1"/>
+        </a:solidFill>
+        <a:latin typeface="+mn-lt"/>
+        <a:ea typeface="+mn-ea"/>
+        <a:cs typeface="+mn-cs"/>
+      </a:defRPr>
+    </a:lvl7pPr>
+    <a:lvl8pPr marL="3200400" algn="l" defTabSz="914400" rtl="0" eaLnBrk="1" latinLnBrk="0" hangingPunct="1">
+      <a:defRPr sz="1200" kern="1200">
+        <a:solidFill>
+          <a:schemeClr val="tx1"/>
+        </a:solidFill>
+        <a:latin typeface="+mn-lt"/>
+        <a:ea typeface="+mn-ea"/>
+        <a:cs typeface="+mn-cs"/>
+      </a:defRPr>
+    </a:lvl8pPr>
+    <a:lvl9pPr marL="3657600" algn="l" defTabSz="914400" rtl="0" eaLnBrk="1" latinLnBrk="0" hangingPunct="1">
+      <a:defRPr sz="1200" kern="1200">
+        <a:solidFill>
+          <a:schemeClr val="tx1"/>
+        </a:solidFill>
+        <a:latin typeface="+mn-lt"/>
+        <a:ea typeface="+mn-ea"/>
+        <a:cs typeface="+mn-cs"/>
+      </a:defRPr>
+    </a:lvl9pPr>
+  </p:notesStyle>
+</p:notesMaster>
+</file>
+
 <file path=ppt/slideLayouts/slideLayout1.xml><?xml version="1.0" encoding="utf-8"?>
 <p:sldLayout xmlns:a="http://schemas.openxmlformats.org/drawingml/2006/main" xmlns:r="http://schemas.openxmlformats.org/officeDocument/2006/relationships" xmlns:p="http://schemas.openxmlformats.org/presentationml/2006/main" type="title" preserve="1">
   <p:cSld name="Titelfolie">
@@ -312,7 +664,7 @@
           <a:bodyPr/>
           <a:lstStyle/>
           <a:p>
-            <a:fld id="{12B02018-622B-4362-A7B0-CD82CAA889B3}" type="datetimeFigureOut">
+            <a:fld id="{83AF5F3A-173E-41A1-88E4-D9283F7CF961}" type="datetime1">
               <a:rPr lang="de-DE" smtClean="0"/>
               <a:t>28.01.2020</a:t>
             </a:fld>
@@ -510,7 +862,7 @@
           <a:bodyPr/>
           <a:lstStyle/>
           <a:p>
-            <a:fld id="{12B02018-622B-4362-A7B0-CD82CAA889B3}" type="datetimeFigureOut">
+            <a:fld id="{67136FAB-3524-46F8-90EF-15FD34B1A103}" type="datetime1">
               <a:rPr lang="de-DE" smtClean="0"/>
               <a:t>28.01.2020</a:t>
             </a:fld>
@@ -718,7 +1070,7 @@
           <a:bodyPr/>
           <a:lstStyle/>
           <a:p>
-            <a:fld id="{12B02018-622B-4362-A7B0-CD82CAA889B3}" type="datetimeFigureOut">
+            <a:fld id="{4D0EDC95-51A4-4EBF-8097-2751D169EA21}" type="datetime1">
               <a:rPr lang="de-DE" smtClean="0"/>
               <a:t>28.01.2020</a:t>
             </a:fld>
@@ -916,7 +1268,7 @@
           <a:bodyPr/>
           <a:lstStyle/>
           <a:p>
-            <a:fld id="{12B02018-622B-4362-A7B0-CD82CAA889B3}" type="datetimeFigureOut">
+            <a:fld id="{243046D3-AE70-4445-9A51-18A4544EB06C}" type="datetime1">
               <a:rPr lang="de-DE" smtClean="0"/>
               <a:t>28.01.2020</a:t>
             </a:fld>
@@ -1191,7 +1543,7 @@
           <a:bodyPr/>
           <a:lstStyle/>
           <a:p>
-            <a:fld id="{12B02018-622B-4362-A7B0-CD82CAA889B3}" type="datetimeFigureOut">
+            <a:fld id="{31BFE2A4-EEDC-498F-9D43-72C906198079}" type="datetime1">
               <a:rPr lang="de-DE" smtClean="0"/>
               <a:t>28.01.2020</a:t>
             </a:fld>
@@ -1456,7 +1808,7 @@
           <a:bodyPr/>
           <a:lstStyle/>
           <a:p>
-            <a:fld id="{12B02018-622B-4362-A7B0-CD82CAA889B3}" type="datetimeFigureOut">
+            <a:fld id="{2C39E429-31BA-464B-AABA-32BF99730EE4}" type="datetime1">
               <a:rPr lang="de-DE" smtClean="0"/>
               <a:t>28.01.2020</a:t>
             </a:fld>
@@ -1868,7 +2220,7 @@
           <a:bodyPr/>
           <a:lstStyle/>
           <a:p>
-            <a:fld id="{12B02018-622B-4362-A7B0-CD82CAA889B3}" type="datetimeFigureOut">
+            <a:fld id="{42717186-E222-499D-884B-B2FBD6E3BDFA}" type="datetime1">
               <a:rPr lang="de-DE" smtClean="0"/>
               <a:t>28.01.2020</a:t>
             </a:fld>
@@ -2009,7 +2361,7 @@
           <a:bodyPr/>
           <a:lstStyle/>
           <a:p>
-            <a:fld id="{12B02018-622B-4362-A7B0-CD82CAA889B3}" type="datetimeFigureOut">
+            <a:fld id="{3CC83454-F47A-4696-A976-75ECB430CB87}" type="datetime1">
               <a:rPr lang="de-DE" smtClean="0"/>
               <a:t>28.01.2020</a:t>
             </a:fld>
@@ -2122,7 +2474,7 @@
           <a:bodyPr/>
           <a:lstStyle/>
           <a:p>
-            <a:fld id="{12B02018-622B-4362-A7B0-CD82CAA889B3}" type="datetimeFigureOut">
+            <a:fld id="{19533CB7-914E-416A-8972-D5E7F4407A62}" type="datetime1">
               <a:rPr lang="de-DE" smtClean="0"/>
               <a:t>28.01.2020</a:t>
             </a:fld>
@@ -2433,7 +2785,7 @@
           <a:bodyPr/>
           <a:lstStyle/>
           <a:p>
-            <a:fld id="{12B02018-622B-4362-A7B0-CD82CAA889B3}" type="datetimeFigureOut">
+            <a:fld id="{BEA7EBBF-56F2-4788-AB42-14CC33E031AC}" type="datetime1">
               <a:rPr lang="de-DE" smtClean="0"/>
               <a:t>28.01.2020</a:t>
             </a:fld>
@@ -2721,7 +3073,7 @@
           <a:bodyPr/>
           <a:lstStyle/>
           <a:p>
-            <a:fld id="{12B02018-622B-4362-A7B0-CD82CAA889B3}" type="datetimeFigureOut">
+            <a:fld id="{6990326C-0FF1-4B7F-B3C4-D2EA2B3EE3DE}" type="datetime1">
               <a:rPr lang="de-DE" smtClean="0"/>
               <a:t>28.01.2020</a:t>
             </a:fld>
@@ -2962,7 +3314,7 @@
             </a:lvl1pPr>
           </a:lstStyle>
           <a:p>
-            <a:fld id="{12B02018-622B-4362-A7B0-CD82CAA889B3}" type="datetimeFigureOut">
+            <a:fld id="{024C4B1E-96E9-4E99-A2B7-F535D5C9B736}" type="datetime1">
               <a:rPr lang="de-DE" smtClean="0"/>
               <a:t>28.01.2020</a:t>
             </a:fld>
@@ -3081,6 +3433,7 @@
     <p:sldLayoutId id="2147483658" r:id="rId10"/>
     <p:sldLayoutId id="2147483659" r:id="rId11"/>
   </p:sldLayoutIdLst>
+  <p:hf hdr="0" ftr="0" dt="0"/>
   <p:txStyles>
     <p:titleStyle>
       <a:lvl1pPr algn="l" defTabSz="914400" rtl="0" eaLnBrk="1" latinLnBrk="0" hangingPunct="1">
@@ -3452,6 +3805,35 @@
           </a:p>
         </p:txBody>
       </p:sp>
+      <p:sp>
+        <p:nvSpPr>
+          <p:cNvPr id="4" name="Foliennummernplatzhalter 3">
+            <a:extLst>
+              <a:ext uri="{FF2B5EF4-FFF2-40B4-BE49-F238E27FC236}">
+                <a16:creationId xmlns:a16="http://schemas.microsoft.com/office/drawing/2014/main" id="{EBA62044-F0AD-45EB-87A2-09081E25AD64}"/>
+              </a:ext>
+            </a:extLst>
+          </p:cNvPr>
+          <p:cNvSpPr>
+            <a:spLocks noGrp="1"/>
+          </p:cNvSpPr>
+          <p:nvPr>
+            <p:ph type="sldNum" sz="quarter" idx="12"/>
+          </p:nvPr>
+        </p:nvSpPr>
+        <p:spPr/>
+        <p:txBody>
+          <a:bodyPr/>
+          <a:lstStyle/>
+          <a:p>
+            <a:fld id="{BCB32BD3-2004-4705-BEAB-9BF733917433}" type="slidenum">
+              <a:rPr lang="de-DE" smtClean="0"/>
+              <a:t>1</a:t>
+            </a:fld>
+            <a:endParaRPr lang="de-DE"/>
+          </a:p>
+        </p:txBody>
+      </p:sp>
     </p:spTree>
     <p:extLst>
       <p:ext uri="{BB962C8B-B14F-4D97-AF65-F5344CB8AC3E}">
@@ -3552,6 +3934,35 @@
           </a:p>
         </p:txBody>
       </p:sp>
+      <p:sp>
+        <p:nvSpPr>
+          <p:cNvPr id="4" name="Foliennummernplatzhalter 3">
+            <a:extLst>
+              <a:ext uri="{FF2B5EF4-FFF2-40B4-BE49-F238E27FC236}">
+                <a16:creationId xmlns:a16="http://schemas.microsoft.com/office/drawing/2014/main" id="{966EC736-443B-47A4-8BA3-48DE1E3A23AA}"/>
+              </a:ext>
+            </a:extLst>
+          </p:cNvPr>
+          <p:cNvSpPr>
+            <a:spLocks noGrp="1"/>
+          </p:cNvSpPr>
+          <p:nvPr>
+            <p:ph type="sldNum" sz="quarter" idx="12"/>
+          </p:nvPr>
+        </p:nvSpPr>
+        <p:spPr/>
+        <p:txBody>
+          <a:bodyPr/>
+          <a:lstStyle/>
+          <a:p>
+            <a:fld id="{BCB32BD3-2004-4705-BEAB-9BF733917433}" type="slidenum">
+              <a:rPr lang="de-DE" smtClean="0"/>
+              <a:t>10</a:t>
+            </a:fld>
+            <a:endParaRPr lang="de-DE"/>
+          </a:p>
+        </p:txBody>
+      </p:sp>
     </p:spTree>
     <p:extLst>
       <p:ext uri="{BB962C8B-B14F-4D97-AF65-F5344CB8AC3E}">
@@ -3646,13 +4057,13 @@
           <a:p>
             <a:r>
               <a:rPr lang="de-DE" dirty="0"/>
-              <a:t>Training eines Modells zur Genre-Klassifizierung</a:t>
+              <a:t>Training eines Modells zur Textsorten-Klassifizierung</a:t>
             </a:r>
           </a:p>
           <a:p>
             <a:r>
               <a:rPr lang="de-DE" dirty="0"/>
-              <a:t>Vorhersage der Genres auf allen anderen Perioden</a:t>
+              <a:t>Vorhersage der Textsorten auf alle anderen Perioden</a:t>
             </a:r>
           </a:p>
           <a:p>
@@ -3669,11 +4080,48 @@
           <a:p>
             <a:r>
               <a:rPr lang="de-DE" dirty="0"/>
-              <a:t>Textsorte News wurde entfernt</a:t>
+              <a:t>Textsorte </a:t>
+            </a:r>
+            <a:r>
+              <a:rPr lang="de-DE" i="1" dirty="0"/>
+              <a:t>News</a:t>
+            </a:r>
+            <a:r>
+              <a:rPr lang="de-DE" dirty="0"/>
+              <a:t> wurde entfernt</a:t>
             </a:r>
           </a:p>
           <a:p>
             <a:endParaRPr lang="de-DE" dirty="0"/>
+          </a:p>
+        </p:txBody>
+      </p:sp>
+      <p:sp>
+        <p:nvSpPr>
+          <p:cNvPr id="4" name="Foliennummernplatzhalter 3">
+            <a:extLst>
+              <a:ext uri="{FF2B5EF4-FFF2-40B4-BE49-F238E27FC236}">
+                <a16:creationId xmlns:a16="http://schemas.microsoft.com/office/drawing/2014/main" id="{20D4D9F1-E3A2-48D3-9A0E-87369F99CB1B}"/>
+              </a:ext>
+            </a:extLst>
+          </p:cNvPr>
+          <p:cNvSpPr>
+            <a:spLocks noGrp="1"/>
+          </p:cNvSpPr>
+          <p:nvPr>
+            <p:ph type="sldNum" sz="quarter" idx="12"/>
+          </p:nvPr>
+        </p:nvSpPr>
+        <p:spPr/>
+        <p:txBody>
+          <a:bodyPr/>
+          <a:lstStyle/>
+          <a:p>
+            <a:fld id="{BCB32BD3-2004-4705-BEAB-9BF733917433}" type="slidenum">
+              <a:rPr lang="de-DE" smtClean="0"/>
+              <a:t>11</a:t>
+            </a:fld>
+            <a:endParaRPr lang="de-DE"/>
           </a:p>
         </p:txBody>
       </p:sp>
@@ -3884,6 +4332,35 @@
           </a:p>
         </p:txBody>
       </p:sp>
+      <p:sp>
+        <p:nvSpPr>
+          <p:cNvPr id="3" name="Foliennummernplatzhalter 2">
+            <a:extLst>
+              <a:ext uri="{FF2B5EF4-FFF2-40B4-BE49-F238E27FC236}">
+                <a16:creationId xmlns:a16="http://schemas.microsoft.com/office/drawing/2014/main" id="{395960BE-70FC-4DB4-AFBE-C223862E3B0E}"/>
+              </a:ext>
+            </a:extLst>
+          </p:cNvPr>
+          <p:cNvSpPr>
+            <a:spLocks noGrp="1"/>
+          </p:cNvSpPr>
+          <p:nvPr>
+            <p:ph type="sldNum" sz="quarter" idx="12"/>
+          </p:nvPr>
+        </p:nvSpPr>
+        <p:spPr/>
+        <p:txBody>
+          <a:bodyPr/>
+          <a:lstStyle/>
+          <a:p>
+            <a:fld id="{BCB32BD3-2004-4705-BEAB-9BF733917433}" type="slidenum">
+              <a:rPr lang="de-DE" smtClean="0"/>
+              <a:t>12</a:t>
+            </a:fld>
+            <a:endParaRPr lang="de-DE"/>
+          </a:p>
+        </p:txBody>
+      </p:sp>
     </p:spTree>
     <p:extLst>
       <p:ext uri="{BB962C8B-B14F-4D97-AF65-F5344CB8AC3E}">
@@ -4071,6 +4548,35 @@
           </a:p>
         </p:txBody>
       </p:sp>
+      <p:sp>
+        <p:nvSpPr>
+          <p:cNvPr id="4" name="Foliennummernplatzhalter 3">
+            <a:extLst>
+              <a:ext uri="{FF2B5EF4-FFF2-40B4-BE49-F238E27FC236}">
+                <a16:creationId xmlns:a16="http://schemas.microsoft.com/office/drawing/2014/main" id="{BC0E85B9-FE6B-4829-B3C4-D434E05DE89B}"/>
+              </a:ext>
+            </a:extLst>
+          </p:cNvPr>
+          <p:cNvSpPr>
+            <a:spLocks noGrp="1"/>
+          </p:cNvSpPr>
+          <p:nvPr>
+            <p:ph type="sldNum" sz="quarter" idx="12"/>
+          </p:nvPr>
+        </p:nvSpPr>
+        <p:spPr/>
+        <p:txBody>
+          <a:bodyPr/>
+          <a:lstStyle/>
+          <a:p>
+            <a:fld id="{BCB32BD3-2004-4705-BEAB-9BF733917433}" type="slidenum">
+              <a:rPr lang="de-DE" smtClean="0"/>
+              <a:t>13</a:t>
+            </a:fld>
+            <a:endParaRPr lang="de-DE"/>
+          </a:p>
+        </p:txBody>
+      </p:sp>
     </p:spTree>
     <p:extLst>
       <p:ext uri="{BB962C8B-B14F-4D97-AF65-F5344CB8AC3E}">
@@ -4248,6 +4754,35 @@
           </a:p>
         </p:txBody>
       </p:sp>
+      <p:sp>
+        <p:nvSpPr>
+          <p:cNvPr id="4" name="Foliennummernplatzhalter 3">
+            <a:extLst>
+              <a:ext uri="{FF2B5EF4-FFF2-40B4-BE49-F238E27FC236}">
+                <a16:creationId xmlns:a16="http://schemas.microsoft.com/office/drawing/2014/main" id="{D8851BC5-DCDF-4216-86FA-59314BF62B88}"/>
+              </a:ext>
+            </a:extLst>
+          </p:cNvPr>
+          <p:cNvSpPr>
+            <a:spLocks noGrp="1"/>
+          </p:cNvSpPr>
+          <p:nvPr>
+            <p:ph type="sldNum" sz="quarter" idx="12"/>
+          </p:nvPr>
+        </p:nvSpPr>
+        <p:spPr/>
+        <p:txBody>
+          <a:bodyPr/>
+          <a:lstStyle/>
+          <a:p>
+            <a:fld id="{BCB32BD3-2004-4705-BEAB-9BF733917433}" type="slidenum">
+              <a:rPr lang="de-DE" smtClean="0"/>
+              <a:t>14</a:t>
+            </a:fld>
+            <a:endParaRPr lang="de-DE"/>
+          </a:p>
+        </p:txBody>
+      </p:sp>
     </p:spTree>
     <p:extLst>
       <p:ext uri="{BB962C8B-B14F-4D97-AF65-F5344CB8AC3E}">
@@ -4378,6 +4913,35 @@
           </a:p>
         </p:txBody>
       </p:sp>
+      <p:sp>
+        <p:nvSpPr>
+          <p:cNvPr id="4" name="Foliennummernplatzhalter 3">
+            <a:extLst>
+              <a:ext uri="{FF2B5EF4-FFF2-40B4-BE49-F238E27FC236}">
+                <a16:creationId xmlns:a16="http://schemas.microsoft.com/office/drawing/2014/main" id="{9EAE7CD1-1371-4500-ABD5-0D722F30EF4F}"/>
+              </a:ext>
+            </a:extLst>
+          </p:cNvPr>
+          <p:cNvSpPr>
+            <a:spLocks noGrp="1"/>
+          </p:cNvSpPr>
+          <p:nvPr>
+            <p:ph type="sldNum" sz="quarter" idx="12"/>
+          </p:nvPr>
+        </p:nvSpPr>
+        <p:spPr/>
+        <p:txBody>
+          <a:bodyPr/>
+          <a:lstStyle/>
+          <a:p>
+            <a:fld id="{BCB32BD3-2004-4705-BEAB-9BF733917433}" type="slidenum">
+              <a:rPr lang="de-DE" smtClean="0"/>
+              <a:t>15</a:t>
+            </a:fld>
+            <a:endParaRPr lang="de-DE"/>
+          </a:p>
+        </p:txBody>
+      </p:sp>
     </p:spTree>
     <p:extLst>
       <p:ext uri="{BB962C8B-B14F-4D97-AF65-F5344CB8AC3E}">
@@ -4626,6 +5190,35 @@
           </a:p>
         </p:txBody>
       </p:sp>
+      <p:sp>
+        <p:nvSpPr>
+          <p:cNvPr id="3" name="Foliennummernplatzhalter 2">
+            <a:extLst>
+              <a:ext uri="{FF2B5EF4-FFF2-40B4-BE49-F238E27FC236}">
+                <a16:creationId xmlns:a16="http://schemas.microsoft.com/office/drawing/2014/main" id="{E319B800-BAD9-47C8-8632-ACDD9666E88E}"/>
+              </a:ext>
+            </a:extLst>
+          </p:cNvPr>
+          <p:cNvSpPr>
+            <a:spLocks noGrp="1"/>
+          </p:cNvSpPr>
+          <p:nvPr>
+            <p:ph type="sldNum" sz="quarter" idx="12"/>
+          </p:nvPr>
+        </p:nvSpPr>
+        <p:spPr/>
+        <p:txBody>
+          <a:bodyPr/>
+          <a:lstStyle/>
+          <a:p>
+            <a:fld id="{BCB32BD3-2004-4705-BEAB-9BF733917433}" type="slidenum">
+              <a:rPr lang="de-DE" smtClean="0"/>
+              <a:t>16</a:t>
+            </a:fld>
+            <a:endParaRPr lang="de-DE"/>
+          </a:p>
+        </p:txBody>
+      </p:sp>
     </p:spTree>
     <p:extLst>
       <p:ext uri="{BB962C8B-B14F-4D97-AF65-F5344CB8AC3E}">
@@ -4937,6 +5530,35 @@
           </a:p>
         </p:txBody>
       </p:sp>
+      <p:sp>
+        <p:nvSpPr>
+          <p:cNvPr id="3" name="Foliennummernplatzhalter 2">
+            <a:extLst>
+              <a:ext uri="{FF2B5EF4-FFF2-40B4-BE49-F238E27FC236}">
+                <a16:creationId xmlns:a16="http://schemas.microsoft.com/office/drawing/2014/main" id="{4BAF2269-EB7D-4DF2-9199-69D7B190FBB1}"/>
+              </a:ext>
+            </a:extLst>
+          </p:cNvPr>
+          <p:cNvSpPr>
+            <a:spLocks noGrp="1"/>
+          </p:cNvSpPr>
+          <p:nvPr>
+            <p:ph type="sldNum" sz="quarter" idx="12"/>
+          </p:nvPr>
+        </p:nvSpPr>
+        <p:spPr/>
+        <p:txBody>
+          <a:bodyPr/>
+          <a:lstStyle/>
+          <a:p>
+            <a:fld id="{BCB32BD3-2004-4705-BEAB-9BF733917433}" type="slidenum">
+              <a:rPr lang="de-DE" smtClean="0"/>
+              <a:t>17</a:t>
+            </a:fld>
+            <a:endParaRPr lang="de-DE"/>
+          </a:p>
+        </p:txBody>
+      </p:sp>
     </p:spTree>
     <p:extLst>
       <p:ext uri="{BB962C8B-B14F-4D97-AF65-F5344CB8AC3E}">
@@ -5068,6 +5690,35 @@
           </a:prstGeom>
         </p:spPr>
       </p:pic>
+      <p:sp>
+        <p:nvSpPr>
+          <p:cNvPr id="3" name="Foliennummernplatzhalter 2">
+            <a:extLst>
+              <a:ext uri="{FF2B5EF4-FFF2-40B4-BE49-F238E27FC236}">
+                <a16:creationId xmlns:a16="http://schemas.microsoft.com/office/drawing/2014/main" id="{B97B19AC-9833-4067-BF5B-6C84BD770922}"/>
+              </a:ext>
+            </a:extLst>
+          </p:cNvPr>
+          <p:cNvSpPr>
+            <a:spLocks noGrp="1"/>
+          </p:cNvSpPr>
+          <p:nvPr>
+            <p:ph type="sldNum" sz="quarter" idx="12"/>
+          </p:nvPr>
+        </p:nvSpPr>
+        <p:spPr/>
+        <p:txBody>
+          <a:bodyPr/>
+          <a:lstStyle/>
+          <a:p>
+            <a:fld id="{BCB32BD3-2004-4705-BEAB-9BF733917433}" type="slidenum">
+              <a:rPr lang="de-DE" smtClean="0"/>
+              <a:t>18</a:t>
+            </a:fld>
+            <a:endParaRPr lang="de-DE"/>
+          </a:p>
+        </p:txBody>
+      </p:sp>
     </p:spTree>
     <p:extLst>
       <p:ext uri="{BB962C8B-B14F-4D97-AF65-F5344CB8AC3E}">
@@ -5199,6 +5850,35 @@
           </a:prstGeom>
         </p:spPr>
       </p:pic>
+      <p:sp>
+        <p:nvSpPr>
+          <p:cNvPr id="3" name="Foliennummernplatzhalter 2">
+            <a:extLst>
+              <a:ext uri="{FF2B5EF4-FFF2-40B4-BE49-F238E27FC236}">
+                <a16:creationId xmlns:a16="http://schemas.microsoft.com/office/drawing/2014/main" id="{FE4B1C70-46EA-4ED9-AF71-A5223EB6BFE8}"/>
+              </a:ext>
+            </a:extLst>
+          </p:cNvPr>
+          <p:cNvSpPr>
+            <a:spLocks noGrp="1"/>
+          </p:cNvSpPr>
+          <p:nvPr>
+            <p:ph type="sldNum" sz="quarter" idx="12"/>
+          </p:nvPr>
+        </p:nvSpPr>
+        <p:spPr/>
+        <p:txBody>
+          <a:bodyPr/>
+          <a:lstStyle/>
+          <a:p>
+            <a:fld id="{BCB32BD3-2004-4705-BEAB-9BF733917433}" type="slidenum">
+              <a:rPr lang="de-DE" smtClean="0"/>
+              <a:t>19</a:t>
+            </a:fld>
+            <a:endParaRPr lang="de-DE"/>
+          </a:p>
+        </p:txBody>
+      </p:sp>
     </p:spTree>
     <p:extLst>
       <p:ext uri="{BB962C8B-B14F-4D97-AF65-F5344CB8AC3E}">
@@ -5328,6 +6008,35 @@
           </a:p>
         </p:txBody>
       </p:sp>
+      <p:sp>
+        <p:nvSpPr>
+          <p:cNvPr id="4" name="Foliennummernplatzhalter 3">
+            <a:extLst>
+              <a:ext uri="{FF2B5EF4-FFF2-40B4-BE49-F238E27FC236}">
+                <a16:creationId xmlns:a16="http://schemas.microsoft.com/office/drawing/2014/main" id="{78511D4F-7F56-4E18-943D-7553FF8A8006}"/>
+              </a:ext>
+            </a:extLst>
+          </p:cNvPr>
+          <p:cNvSpPr>
+            <a:spLocks noGrp="1"/>
+          </p:cNvSpPr>
+          <p:nvPr>
+            <p:ph type="sldNum" sz="quarter" idx="12"/>
+          </p:nvPr>
+        </p:nvSpPr>
+        <p:spPr/>
+        <p:txBody>
+          <a:bodyPr/>
+          <a:lstStyle/>
+          <a:p>
+            <a:fld id="{BCB32BD3-2004-4705-BEAB-9BF733917433}" type="slidenum">
+              <a:rPr lang="de-DE" smtClean="0"/>
+              <a:t>2</a:t>
+            </a:fld>
+            <a:endParaRPr lang="de-DE"/>
+          </a:p>
+        </p:txBody>
+      </p:sp>
     </p:spTree>
     <p:extLst>
       <p:ext uri="{BB962C8B-B14F-4D97-AF65-F5344CB8AC3E}">
@@ -5459,6 +6168,35 @@
           </a:prstGeom>
         </p:spPr>
       </p:pic>
+      <p:sp>
+        <p:nvSpPr>
+          <p:cNvPr id="3" name="Foliennummernplatzhalter 2">
+            <a:extLst>
+              <a:ext uri="{FF2B5EF4-FFF2-40B4-BE49-F238E27FC236}">
+                <a16:creationId xmlns:a16="http://schemas.microsoft.com/office/drawing/2014/main" id="{9BB46D99-E44D-40D8-AEF8-712DF699C40F}"/>
+              </a:ext>
+            </a:extLst>
+          </p:cNvPr>
+          <p:cNvSpPr>
+            <a:spLocks noGrp="1"/>
+          </p:cNvSpPr>
+          <p:nvPr>
+            <p:ph type="sldNum" sz="quarter" idx="12"/>
+          </p:nvPr>
+        </p:nvSpPr>
+        <p:spPr/>
+        <p:txBody>
+          <a:bodyPr/>
+          <a:lstStyle/>
+          <a:p>
+            <a:fld id="{BCB32BD3-2004-4705-BEAB-9BF733917433}" type="slidenum">
+              <a:rPr lang="de-DE" smtClean="0"/>
+              <a:t>20</a:t>
+            </a:fld>
+            <a:endParaRPr lang="de-DE"/>
+          </a:p>
+        </p:txBody>
+      </p:sp>
     </p:spTree>
     <p:extLst>
       <p:ext uri="{BB962C8B-B14F-4D97-AF65-F5344CB8AC3E}">
@@ -5626,6 +6364,35 @@
               <a:rPr lang="de-DE" dirty="0"/>
               <a:t>https://github.com/LennartKeller/TextklassifikationsProjekt2019</a:t>
             </a:r>
+          </a:p>
+        </p:txBody>
+      </p:sp>
+      <p:sp>
+        <p:nvSpPr>
+          <p:cNvPr id="4" name="Foliennummernplatzhalter 3">
+            <a:extLst>
+              <a:ext uri="{FF2B5EF4-FFF2-40B4-BE49-F238E27FC236}">
+                <a16:creationId xmlns:a16="http://schemas.microsoft.com/office/drawing/2014/main" id="{F1E5D37C-60EF-410B-9E62-EDB3D89BB593}"/>
+              </a:ext>
+            </a:extLst>
+          </p:cNvPr>
+          <p:cNvSpPr>
+            <a:spLocks noGrp="1"/>
+          </p:cNvSpPr>
+          <p:nvPr>
+            <p:ph type="sldNum" sz="quarter" idx="12"/>
+          </p:nvPr>
+        </p:nvSpPr>
+        <p:spPr/>
+        <p:txBody>
+          <a:bodyPr/>
+          <a:lstStyle/>
+          <a:p>
+            <a:fld id="{BCB32BD3-2004-4705-BEAB-9BF733917433}" type="slidenum">
+              <a:rPr lang="de-DE" smtClean="0"/>
+              <a:t>21</a:t>
+            </a:fld>
+            <a:endParaRPr lang="de-DE"/>
           </a:p>
         </p:txBody>
       </p:sp>
@@ -5730,6 +6497,35 @@
           </a:p>
         </p:txBody>
       </p:sp>
+      <p:sp>
+        <p:nvSpPr>
+          <p:cNvPr id="2" name="Foliennummernplatzhalter 1">
+            <a:extLst>
+              <a:ext uri="{FF2B5EF4-FFF2-40B4-BE49-F238E27FC236}">
+                <a16:creationId xmlns:a16="http://schemas.microsoft.com/office/drawing/2014/main" id="{337BDC37-66A6-40CE-BA68-1184B6F7C909}"/>
+              </a:ext>
+            </a:extLst>
+          </p:cNvPr>
+          <p:cNvSpPr>
+            <a:spLocks noGrp="1"/>
+          </p:cNvSpPr>
+          <p:nvPr>
+            <p:ph type="sldNum" sz="quarter" idx="12"/>
+          </p:nvPr>
+        </p:nvSpPr>
+        <p:spPr/>
+        <p:txBody>
+          <a:bodyPr/>
+          <a:lstStyle/>
+          <a:p>
+            <a:fld id="{BCB32BD3-2004-4705-BEAB-9BF733917433}" type="slidenum">
+              <a:rPr lang="de-DE" smtClean="0"/>
+              <a:t>22</a:t>
+            </a:fld>
+            <a:endParaRPr lang="de-DE"/>
+          </a:p>
+        </p:txBody>
+      </p:sp>
     </p:spTree>
     <p:extLst>
       <p:ext uri="{BB962C8B-B14F-4D97-AF65-F5344CB8AC3E}">
@@ -5832,6 +6628,35 @@
           </a:prstGeom>
         </p:spPr>
       </p:pic>
+      <p:sp>
+        <p:nvSpPr>
+          <p:cNvPr id="2" name="Foliennummernplatzhalter 1">
+            <a:extLst>
+              <a:ext uri="{FF2B5EF4-FFF2-40B4-BE49-F238E27FC236}">
+                <a16:creationId xmlns:a16="http://schemas.microsoft.com/office/drawing/2014/main" id="{CC1D4C56-BEA1-4944-8F03-E0FA8B00F2A4}"/>
+              </a:ext>
+            </a:extLst>
+          </p:cNvPr>
+          <p:cNvSpPr>
+            <a:spLocks noGrp="1"/>
+          </p:cNvSpPr>
+          <p:nvPr>
+            <p:ph type="sldNum" sz="quarter" idx="12"/>
+          </p:nvPr>
+        </p:nvSpPr>
+        <p:spPr/>
+        <p:txBody>
+          <a:bodyPr/>
+          <a:lstStyle/>
+          <a:p>
+            <a:fld id="{BCB32BD3-2004-4705-BEAB-9BF733917433}" type="slidenum">
+              <a:rPr lang="de-DE" smtClean="0"/>
+              <a:t>23</a:t>
+            </a:fld>
+            <a:endParaRPr lang="de-DE"/>
+          </a:p>
+        </p:txBody>
+      </p:sp>
     </p:spTree>
     <p:extLst>
       <p:ext uri="{BB962C8B-B14F-4D97-AF65-F5344CB8AC3E}">
@@ -5941,6 +6766,35 @@
           </a:p>
         </p:txBody>
       </p:sp>
+      <p:sp>
+        <p:nvSpPr>
+          <p:cNvPr id="2" name="Foliennummernplatzhalter 1">
+            <a:extLst>
+              <a:ext uri="{FF2B5EF4-FFF2-40B4-BE49-F238E27FC236}">
+                <a16:creationId xmlns:a16="http://schemas.microsoft.com/office/drawing/2014/main" id="{F797F4C6-8F93-461A-A2E5-B8EC13AC3431}"/>
+              </a:ext>
+            </a:extLst>
+          </p:cNvPr>
+          <p:cNvSpPr>
+            <a:spLocks noGrp="1"/>
+          </p:cNvSpPr>
+          <p:nvPr>
+            <p:ph type="sldNum" sz="quarter" idx="12"/>
+          </p:nvPr>
+        </p:nvSpPr>
+        <p:spPr/>
+        <p:txBody>
+          <a:bodyPr/>
+          <a:lstStyle/>
+          <a:p>
+            <a:fld id="{BCB32BD3-2004-4705-BEAB-9BF733917433}" type="slidenum">
+              <a:rPr lang="de-DE" smtClean="0"/>
+              <a:t>24</a:t>
+            </a:fld>
+            <a:endParaRPr lang="de-DE"/>
+          </a:p>
+        </p:txBody>
+      </p:sp>
     </p:spTree>
     <p:extLst>
       <p:ext uri="{BB962C8B-B14F-4D97-AF65-F5344CB8AC3E}">
@@ -6031,6 +6885,35 @@
           </a:prstGeom>
         </p:spPr>
       </p:pic>
+      <p:sp>
+        <p:nvSpPr>
+          <p:cNvPr id="2" name="Foliennummernplatzhalter 1">
+            <a:extLst>
+              <a:ext uri="{FF2B5EF4-FFF2-40B4-BE49-F238E27FC236}">
+                <a16:creationId xmlns:a16="http://schemas.microsoft.com/office/drawing/2014/main" id="{87670D70-CAB8-4B76-A67F-2C0FE213C14D}"/>
+              </a:ext>
+            </a:extLst>
+          </p:cNvPr>
+          <p:cNvSpPr>
+            <a:spLocks noGrp="1"/>
+          </p:cNvSpPr>
+          <p:nvPr>
+            <p:ph type="sldNum" sz="quarter" idx="12"/>
+          </p:nvPr>
+        </p:nvSpPr>
+        <p:spPr/>
+        <p:txBody>
+          <a:bodyPr/>
+          <a:lstStyle/>
+          <a:p>
+            <a:fld id="{BCB32BD3-2004-4705-BEAB-9BF733917433}" type="slidenum">
+              <a:rPr lang="de-DE" smtClean="0"/>
+              <a:t>3</a:t>
+            </a:fld>
+            <a:endParaRPr lang="de-DE"/>
+          </a:p>
+        </p:txBody>
+      </p:sp>
     </p:spTree>
     <p:extLst>
       <p:ext uri="{BB962C8B-B14F-4D97-AF65-F5344CB8AC3E}">
@@ -6126,6 +7009,35 @@
           </a:prstGeom>
         </p:spPr>
       </p:pic>
+      <p:sp>
+        <p:nvSpPr>
+          <p:cNvPr id="3" name="Foliennummernplatzhalter 2">
+            <a:extLst>
+              <a:ext uri="{FF2B5EF4-FFF2-40B4-BE49-F238E27FC236}">
+                <a16:creationId xmlns:a16="http://schemas.microsoft.com/office/drawing/2014/main" id="{D597C580-F268-4BA3-B72E-FB2D2597A2A0}"/>
+              </a:ext>
+            </a:extLst>
+          </p:cNvPr>
+          <p:cNvSpPr>
+            <a:spLocks noGrp="1"/>
+          </p:cNvSpPr>
+          <p:nvPr>
+            <p:ph type="sldNum" sz="quarter" idx="12"/>
+          </p:nvPr>
+        </p:nvSpPr>
+        <p:spPr/>
+        <p:txBody>
+          <a:bodyPr/>
+          <a:lstStyle/>
+          <a:p>
+            <a:fld id="{BCB32BD3-2004-4705-BEAB-9BF733917433}" type="slidenum">
+              <a:rPr lang="de-DE" smtClean="0"/>
+              <a:t>4</a:t>
+            </a:fld>
+            <a:endParaRPr lang="de-DE"/>
+          </a:p>
+        </p:txBody>
+      </p:sp>
     </p:spTree>
     <p:extLst>
       <p:ext uri="{BB962C8B-B14F-4D97-AF65-F5344CB8AC3E}">
@@ -6281,6 +7193,35 @@
               <a:rPr lang="de-DE" sz="1400" dirty="0"/>
               <a:t>WOD	= Süd-West-Deutschland</a:t>
             </a:r>
+          </a:p>
+        </p:txBody>
+      </p:sp>
+      <p:sp>
+        <p:nvSpPr>
+          <p:cNvPr id="3" name="Foliennummernplatzhalter 2">
+            <a:extLst>
+              <a:ext uri="{FF2B5EF4-FFF2-40B4-BE49-F238E27FC236}">
+                <a16:creationId xmlns:a16="http://schemas.microsoft.com/office/drawing/2014/main" id="{2D848014-8F61-40F6-93E7-1D67D5B81466}"/>
+              </a:ext>
+            </a:extLst>
+          </p:cNvPr>
+          <p:cNvSpPr>
+            <a:spLocks noGrp="1"/>
+          </p:cNvSpPr>
+          <p:nvPr>
+            <p:ph type="sldNum" sz="quarter" idx="12"/>
+          </p:nvPr>
+        </p:nvSpPr>
+        <p:spPr/>
+        <p:txBody>
+          <a:bodyPr/>
+          <a:lstStyle/>
+          <a:p>
+            <a:fld id="{BCB32BD3-2004-4705-BEAB-9BF733917433}" type="slidenum">
+              <a:rPr lang="de-DE" smtClean="0"/>
+              <a:t>5</a:t>
+            </a:fld>
+            <a:endParaRPr lang="de-DE"/>
           </a:p>
         </p:txBody>
       </p:sp>
@@ -6435,6 +7376,35 @@
           </a:p>
         </p:txBody>
       </p:sp>
+      <p:sp>
+        <p:nvSpPr>
+          <p:cNvPr id="3" name="Foliennummernplatzhalter 2">
+            <a:extLst>
+              <a:ext uri="{FF2B5EF4-FFF2-40B4-BE49-F238E27FC236}">
+                <a16:creationId xmlns:a16="http://schemas.microsoft.com/office/drawing/2014/main" id="{C8083A7F-18DF-4E15-9BBF-137C72F59A50}"/>
+              </a:ext>
+            </a:extLst>
+          </p:cNvPr>
+          <p:cNvSpPr>
+            <a:spLocks noGrp="1"/>
+          </p:cNvSpPr>
+          <p:nvPr>
+            <p:ph type="sldNum" sz="quarter" idx="12"/>
+          </p:nvPr>
+        </p:nvSpPr>
+        <p:spPr/>
+        <p:txBody>
+          <a:bodyPr/>
+          <a:lstStyle/>
+          <a:p>
+            <a:fld id="{BCB32BD3-2004-4705-BEAB-9BF733917433}" type="slidenum">
+              <a:rPr lang="de-DE" smtClean="0"/>
+              <a:t>6</a:t>
+            </a:fld>
+            <a:endParaRPr lang="de-DE"/>
+          </a:p>
+        </p:txBody>
+      </p:sp>
     </p:spTree>
     <p:extLst>
       <p:ext uri="{BB962C8B-B14F-4D97-AF65-F5344CB8AC3E}">
@@ -6674,6 +7644,35 @@
           </a:prstGeom>
         </p:spPr>
       </p:pic>
+      <p:sp>
+        <p:nvSpPr>
+          <p:cNvPr id="3" name="Foliennummernplatzhalter 2">
+            <a:extLst>
+              <a:ext uri="{FF2B5EF4-FFF2-40B4-BE49-F238E27FC236}">
+                <a16:creationId xmlns:a16="http://schemas.microsoft.com/office/drawing/2014/main" id="{9EBE743A-4003-4786-B1F7-BF2B31D14F5E}"/>
+              </a:ext>
+            </a:extLst>
+          </p:cNvPr>
+          <p:cNvSpPr>
+            <a:spLocks noGrp="1"/>
+          </p:cNvSpPr>
+          <p:nvPr>
+            <p:ph type="sldNum" sz="quarter" idx="12"/>
+          </p:nvPr>
+        </p:nvSpPr>
+        <p:spPr/>
+        <p:txBody>
+          <a:bodyPr/>
+          <a:lstStyle/>
+          <a:p>
+            <a:fld id="{BCB32BD3-2004-4705-BEAB-9BF733917433}" type="slidenum">
+              <a:rPr lang="de-DE" smtClean="0"/>
+              <a:t>7</a:t>
+            </a:fld>
+            <a:endParaRPr lang="de-DE"/>
+          </a:p>
+        </p:txBody>
+      </p:sp>
     </p:spTree>
     <p:extLst>
       <p:ext uri="{BB962C8B-B14F-4D97-AF65-F5344CB8AC3E}">
@@ -7156,6 +8155,35 @@
               <a:rPr lang="de-DE" sz="1200" dirty="0"/>
               <a:t>(1900 – 1950)</a:t>
             </a:r>
+          </a:p>
+        </p:txBody>
+      </p:sp>
+      <p:sp>
+        <p:nvSpPr>
+          <p:cNvPr id="3" name="Foliennummernplatzhalter 2">
+            <a:extLst>
+              <a:ext uri="{FF2B5EF4-FFF2-40B4-BE49-F238E27FC236}">
+                <a16:creationId xmlns:a16="http://schemas.microsoft.com/office/drawing/2014/main" id="{027C56F9-DCC1-404C-852F-E3A065AC3E95}"/>
+              </a:ext>
+            </a:extLst>
+          </p:cNvPr>
+          <p:cNvSpPr>
+            <a:spLocks noGrp="1"/>
+          </p:cNvSpPr>
+          <p:nvPr>
+            <p:ph type="sldNum" sz="quarter" idx="12"/>
+          </p:nvPr>
+        </p:nvSpPr>
+        <p:spPr/>
+        <p:txBody>
+          <a:bodyPr/>
+          <a:lstStyle/>
+          <a:p>
+            <a:fld id="{BCB32BD3-2004-4705-BEAB-9BF733917433}" type="slidenum">
+              <a:rPr lang="de-DE" smtClean="0"/>
+              <a:t>8</a:t>
+            </a:fld>
+            <a:endParaRPr lang="de-DE"/>
           </a:p>
         </p:txBody>
       </p:sp>
@@ -7363,6 +8391,35 @@
                 <a:srgbClr val="FF0000"/>
               </a:solidFill>
             </a:endParaRPr>
+          </a:p>
+        </p:txBody>
+      </p:sp>
+      <p:sp>
+        <p:nvSpPr>
+          <p:cNvPr id="3" name="Foliennummernplatzhalter 2">
+            <a:extLst>
+              <a:ext uri="{FF2B5EF4-FFF2-40B4-BE49-F238E27FC236}">
+                <a16:creationId xmlns:a16="http://schemas.microsoft.com/office/drawing/2014/main" id="{755BDD0F-24BF-4BAF-B5D8-8E3D1076D0B6}"/>
+              </a:ext>
+            </a:extLst>
+          </p:cNvPr>
+          <p:cNvSpPr>
+            <a:spLocks noGrp="1"/>
+          </p:cNvSpPr>
+          <p:nvPr>
+            <p:ph type="sldNum" sz="quarter" idx="12"/>
+          </p:nvPr>
+        </p:nvSpPr>
+        <p:spPr/>
+        <p:txBody>
+          <a:bodyPr/>
+          <a:lstStyle/>
+          <a:p>
+            <a:fld id="{BCB32BD3-2004-4705-BEAB-9BF733917433}" type="slidenum">
+              <a:rPr lang="de-DE" smtClean="0"/>
+              <a:t>9</a:t>
+            </a:fld>
+            <a:endParaRPr lang="de-DE"/>
           </a:p>
         </p:txBody>
       </p:sp>
@@ -7672,4 +8729,299 @@
     </a:ext>
   </a:extLst>
 </a:theme>
+</file>
+
+<file path=ppt/theme/theme2.xml><?xml version="1.0" encoding="utf-8"?>
+<a:theme xmlns:a="http://schemas.openxmlformats.org/drawingml/2006/main" name="Office">
+  <a:themeElements>
+    <a:clrScheme name="Office">
+      <a:dk1>
+        <a:sysClr val="windowText" lastClr="000000"/>
+      </a:dk1>
+      <a:lt1>
+        <a:sysClr val="window" lastClr="FFFFFF"/>
+      </a:lt1>
+      <a:dk2>
+        <a:srgbClr val="44546A"/>
+      </a:dk2>
+      <a:lt2>
+        <a:srgbClr val="E7E6E6"/>
+      </a:lt2>
+      <a:accent1>
+        <a:srgbClr val="4472C4"/>
+      </a:accent1>
+      <a:accent2>
+        <a:srgbClr val="ED7D31"/>
+      </a:accent2>
+      <a:accent3>
+        <a:srgbClr val="A5A5A5"/>
+      </a:accent3>
+      <a:accent4>
+        <a:srgbClr val="FFC000"/>
+      </a:accent4>
+      <a:accent5>
+        <a:srgbClr val="5B9BD5"/>
+      </a:accent5>
+      <a:accent6>
+        <a:srgbClr val="70AD47"/>
+      </a:accent6>
+      <a:hlink>
+        <a:srgbClr val="0563C1"/>
+      </a:hlink>
+      <a:folHlink>
+        <a:srgbClr val="954F72"/>
+      </a:folHlink>
+    </a:clrScheme>
+    <a:fontScheme name="Office">
+      <a:majorFont>
+        <a:latin typeface="Calibri Light" panose="020F0302020204030204"/>
+        <a:ea typeface=""/>
+        <a:cs typeface=""/>
+        <a:font script="Jpan" typeface="游ゴシック Light"/>
+        <a:font script="Hang" typeface="맑은 고딕"/>
+        <a:font script="Hans" typeface="等线 Light"/>
+        <a:font script="Hant" typeface="新細明體"/>
+        <a:font script="Arab" typeface="Times New Roman"/>
+        <a:font script="Hebr" typeface="Times New Roman"/>
+        <a:font script="Thai" typeface="Angsana New"/>
+        <a:font script="Ethi" typeface="Nyala"/>
+        <a:font script="Beng" typeface="Vrinda"/>
+        <a:font script="Gujr" typeface="Shruti"/>
+        <a:font script="Khmr" typeface="MoolBoran"/>
+        <a:font script="Knda" typeface="Tunga"/>
+        <a:font script="Guru" typeface="Raavi"/>
+        <a:font script="Cans" typeface="Euphemia"/>
+        <a:font script="Cher" typeface="Plantagenet Cherokee"/>
+        <a:font script="Yiii" typeface="Microsoft Yi Baiti"/>
+        <a:font script="Tibt" typeface="Microsoft Himalaya"/>
+        <a:font script="Thaa" typeface="MV Boli"/>
+        <a:font script="Deva" typeface="Mangal"/>
+        <a:font script="Telu" typeface="Gautami"/>
+        <a:font script="Taml" typeface="Latha"/>
+        <a:font script="Syrc" typeface="Estrangelo Edessa"/>
+        <a:font script="Orya" typeface="Kalinga"/>
+        <a:font script="Mlym" typeface="Kartika"/>
+        <a:font script="Laoo" typeface="DokChampa"/>
+        <a:font script="Sinh" typeface="Iskoola Pota"/>
+        <a:font script="Mong" typeface="Mongolian Baiti"/>
+        <a:font script="Viet" typeface="Times New Roman"/>
+        <a:font script="Uigh" typeface="Microsoft Uighur"/>
+        <a:font script="Geor" typeface="Sylfaen"/>
+        <a:font script="Armn" typeface="Arial"/>
+        <a:font script="Bugi" typeface="Leelawadee UI"/>
+        <a:font script="Bopo" typeface="Microsoft JhengHei"/>
+        <a:font script="Java" typeface="Javanese Text"/>
+        <a:font script="Lisu" typeface="Segoe UI"/>
+        <a:font script="Mymr" typeface="Myanmar Text"/>
+        <a:font script="Nkoo" typeface="Ebrima"/>
+        <a:font script="Olck" typeface="Nirmala UI"/>
+        <a:font script="Osma" typeface="Ebrima"/>
+        <a:font script="Phag" typeface="Phagspa"/>
+        <a:font script="Syrn" typeface="Estrangelo Edessa"/>
+        <a:font script="Syrj" typeface="Estrangelo Edessa"/>
+        <a:font script="Syre" typeface="Estrangelo Edessa"/>
+        <a:font script="Sora" typeface="Nirmala UI"/>
+        <a:font script="Tale" typeface="Microsoft Tai Le"/>
+        <a:font script="Talu" typeface="Microsoft New Tai Lue"/>
+        <a:font script="Tfng" typeface="Ebrima"/>
+      </a:majorFont>
+      <a:minorFont>
+        <a:latin typeface="Calibri" panose="020F0502020204030204"/>
+        <a:ea typeface=""/>
+        <a:cs typeface=""/>
+        <a:font script="Jpan" typeface="游ゴシック"/>
+        <a:font script="Hang" typeface="맑은 고딕"/>
+        <a:font script="Hans" typeface="等线"/>
+        <a:font script="Hant" typeface="新細明體"/>
+        <a:font script="Arab" typeface="Arial"/>
+        <a:font script="Hebr" typeface="Arial"/>
+        <a:font script="Thai" typeface="Cordia New"/>
+        <a:font script="Ethi" typeface="Nyala"/>
+        <a:font script="Beng" typeface="Vrinda"/>
+        <a:font script="Gujr" typeface="Shruti"/>
+        <a:font script="Khmr" typeface="DaunPenh"/>
+        <a:font script="Knda" typeface="Tunga"/>
+        <a:font script="Guru" typeface="Raavi"/>
+        <a:font script="Cans" typeface="Euphemia"/>
+        <a:font script="Cher" typeface="Plantagenet Cherokee"/>
+        <a:font script="Yiii" typeface="Microsoft Yi Baiti"/>
+        <a:font script="Tibt" typeface="Microsoft Himalaya"/>
+        <a:font script="Thaa" typeface="MV Boli"/>
+        <a:font script="Deva" typeface="Mangal"/>
+        <a:font script="Telu" typeface="Gautami"/>
+        <a:font script="Taml" typeface="Latha"/>
+        <a:font script="Syrc" typeface="Estrangelo Edessa"/>
+        <a:font script="Orya" typeface="Kalinga"/>
+        <a:font script="Mlym" typeface="Kartika"/>
+        <a:font script="Laoo" typeface="DokChampa"/>
+        <a:font script="Sinh" typeface="Iskoola Pota"/>
+        <a:font script="Mong" typeface="Mongolian Baiti"/>
+        <a:font script="Viet" typeface="Arial"/>
+        <a:font script="Uigh" typeface="Microsoft Uighur"/>
+        <a:font script="Geor" typeface="Sylfaen"/>
+        <a:font script="Armn" typeface="Arial"/>
+        <a:font script="Bugi" typeface="Leelawadee UI"/>
+        <a:font script="Bopo" typeface="Microsoft JhengHei"/>
+        <a:font script="Java" typeface="Javanese Text"/>
+        <a:font script="Lisu" typeface="Segoe UI"/>
+        <a:font script="Mymr" typeface="Myanmar Text"/>
+        <a:font script="Nkoo" typeface="Ebrima"/>
+        <a:font script="Olck" typeface="Nirmala UI"/>
+        <a:font script="Osma" typeface="Ebrima"/>
+        <a:font script="Phag" typeface="Phagspa"/>
+        <a:font script="Syrn" typeface="Estrangelo Edessa"/>
+        <a:font script="Syrj" typeface="Estrangelo Edessa"/>
+        <a:font script="Syre" typeface="Estrangelo Edessa"/>
+        <a:font script="Sora" typeface="Nirmala UI"/>
+        <a:font script="Tale" typeface="Microsoft Tai Le"/>
+        <a:font script="Talu" typeface="Microsoft New Tai Lue"/>
+        <a:font script="Tfng" typeface="Ebrima"/>
+      </a:minorFont>
+    </a:fontScheme>
+    <a:fmtScheme name="Office">
+      <a:fillStyleLst>
+        <a:solidFill>
+          <a:schemeClr val="phClr"/>
+        </a:solidFill>
+        <a:gradFill rotWithShape="1">
+          <a:gsLst>
+            <a:gs pos="0">
+              <a:schemeClr val="phClr">
+                <a:lumMod val="110000"/>
+                <a:satMod val="105000"/>
+                <a:tint val="67000"/>
+              </a:schemeClr>
+            </a:gs>
+            <a:gs pos="50000">
+              <a:schemeClr val="phClr">
+                <a:lumMod val="105000"/>
+                <a:satMod val="103000"/>
+                <a:tint val="73000"/>
+              </a:schemeClr>
+            </a:gs>
+            <a:gs pos="100000">
+              <a:schemeClr val="phClr">
+                <a:lumMod val="105000"/>
+                <a:satMod val="109000"/>
+                <a:tint val="81000"/>
+              </a:schemeClr>
+            </a:gs>
+          </a:gsLst>
+          <a:lin ang="5400000" scaled="0"/>
+        </a:gradFill>
+        <a:gradFill rotWithShape="1">
+          <a:gsLst>
+            <a:gs pos="0">
+              <a:schemeClr val="phClr">
+                <a:satMod val="103000"/>
+                <a:lumMod val="102000"/>
+                <a:tint val="94000"/>
+              </a:schemeClr>
+            </a:gs>
+            <a:gs pos="50000">
+              <a:schemeClr val="phClr">
+                <a:satMod val="110000"/>
+                <a:lumMod val="100000"/>
+                <a:shade val="100000"/>
+              </a:schemeClr>
+            </a:gs>
+            <a:gs pos="100000">
+              <a:schemeClr val="phClr">
+                <a:lumMod val="99000"/>
+                <a:satMod val="120000"/>
+                <a:shade val="78000"/>
+              </a:schemeClr>
+            </a:gs>
+          </a:gsLst>
+          <a:lin ang="5400000" scaled="0"/>
+        </a:gradFill>
+      </a:fillStyleLst>
+      <a:lnStyleLst>
+        <a:ln w="6350" cap="flat" cmpd="sng" algn="ctr">
+          <a:solidFill>
+            <a:schemeClr val="phClr"/>
+          </a:solidFill>
+          <a:prstDash val="solid"/>
+          <a:miter lim="800000"/>
+        </a:ln>
+        <a:ln w="12700" cap="flat" cmpd="sng" algn="ctr">
+          <a:solidFill>
+            <a:schemeClr val="phClr"/>
+          </a:solidFill>
+          <a:prstDash val="solid"/>
+          <a:miter lim="800000"/>
+        </a:ln>
+        <a:ln w="19050" cap="flat" cmpd="sng" algn="ctr">
+          <a:solidFill>
+            <a:schemeClr val="phClr"/>
+          </a:solidFill>
+          <a:prstDash val="solid"/>
+          <a:miter lim="800000"/>
+        </a:ln>
+      </a:lnStyleLst>
+      <a:effectStyleLst>
+        <a:effectStyle>
+          <a:effectLst/>
+        </a:effectStyle>
+        <a:effectStyle>
+          <a:effectLst/>
+        </a:effectStyle>
+        <a:effectStyle>
+          <a:effectLst>
+            <a:outerShdw blurRad="57150" dist="19050" dir="5400000" algn="ctr" rotWithShape="0">
+              <a:srgbClr val="000000">
+                <a:alpha val="63000"/>
+              </a:srgbClr>
+            </a:outerShdw>
+          </a:effectLst>
+        </a:effectStyle>
+      </a:effectStyleLst>
+      <a:bgFillStyleLst>
+        <a:solidFill>
+          <a:schemeClr val="phClr"/>
+        </a:solidFill>
+        <a:solidFill>
+          <a:schemeClr val="phClr">
+            <a:tint val="95000"/>
+            <a:satMod val="170000"/>
+          </a:schemeClr>
+        </a:solidFill>
+        <a:gradFill rotWithShape="1">
+          <a:gsLst>
+            <a:gs pos="0">
+              <a:schemeClr val="phClr">
+                <a:tint val="93000"/>
+                <a:satMod val="150000"/>
+                <a:shade val="98000"/>
+                <a:lumMod val="102000"/>
+              </a:schemeClr>
+            </a:gs>
+            <a:gs pos="50000">
+              <a:schemeClr val="phClr">
+                <a:tint val="98000"/>
+                <a:satMod val="130000"/>
+                <a:shade val="90000"/>
+                <a:lumMod val="103000"/>
+              </a:schemeClr>
+            </a:gs>
+            <a:gs pos="100000">
+              <a:schemeClr val="phClr">
+                <a:shade val="63000"/>
+                <a:satMod val="120000"/>
+              </a:schemeClr>
+            </a:gs>
+          </a:gsLst>
+          <a:lin ang="5400000" scaled="0"/>
+        </a:gradFill>
+      </a:bgFillStyleLst>
+    </a:fmtScheme>
+  </a:themeElements>
+  <a:objectDefaults/>
+  <a:extraClrSchemeLst/>
+  <a:extLst>
+    <a:ext uri="{05A4C25C-085E-4340-85A3-A5531E510DB2}">
+      <thm15:themeFamily xmlns:thm15="http://schemas.microsoft.com/office/thememl/2012/main" name="Office Theme" id="{62F939B6-93AF-4DB8-9C6B-D6C7DFDC589F}" vid="{4A3C46E8-61CC-4603-A589-7422A47A8E4A}"/>
+    </a:ext>
+  </a:extLst>
+</a:theme>
 </file>
--- a/Projektgruppenpräsention.pptx
+++ b/Projektgruppenpräsention.pptx
@@ -252,7 +252,7 @@
           <a:p>
             <a:fld id="{9970A952-D182-47D0-BB0B-66E803D379DF}" type="datetimeFigureOut">
               <a:rPr lang="de-DE" smtClean="0"/>
-              <a:t>28.01.2020</a:t>
+              <a:t>29.01.2020</a:t>
             </a:fld>
             <a:endParaRPr lang="de-DE"/>
           </a:p>
@@ -666,7 +666,7 @@
           <a:p>
             <a:fld id="{83AF5F3A-173E-41A1-88E4-D9283F7CF961}" type="datetime1">
               <a:rPr lang="de-DE" smtClean="0"/>
-              <a:t>28.01.2020</a:t>
+              <a:t>29.01.2020</a:t>
             </a:fld>
             <a:endParaRPr lang="de-DE"/>
           </a:p>
@@ -864,7 +864,7 @@
           <a:p>
             <a:fld id="{67136FAB-3524-46F8-90EF-15FD34B1A103}" type="datetime1">
               <a:rPr lang="de-DE" smtClean="0"/>
-              <a:t>28.01.2020</a:t>
+              <a:t>29.01.2020</a:t>
             </a:fld>
             <a:endParaRPr lang="de-DE"/>
           </a:p>
@@ -1072,7 +1072,7 @@
           <a:p>
             <a:fld id="{4D0EDC95-51A4-4EBF-8097-2751D169EA21}" type="datetime1">
               <a:rPr lang="de-DE" smtClean="0"/>
-              <a:t>28.01.2020</a:t>
+              <a:t>29.01.2020</a:t>
             </a:fld>
             <a:endParaRPr lang="de-DE"/>
           </a:p>
@@ -1270,7 +1270,7 @@
           <a:p>
             <a:fld id="{243046D3-AE70-4445-9A51-18A4544EB06C}" type="datetime1">
               <a:rPr lang="de-DE" smtClean="0"/>
-              <a:t>28.01.2020</a:t>
+              <a:t>29.01.2020</a:t>
             </a:fld>
             <a:endParaRPr lang="de-DE"/>
           </a:p>
@@ -1545,7 +1545,7 @@
           <a:p>
             <a:fld id="{31BFE2A4-EEDC-498F-9D43-72C906198079}" type="datetime1">
               <a:rPr lang="de-DE" smtClean="0"/>
-              <a:t>28.01.2020</a:t>
+              <a:t>29.01.2020</a:t>
             </a:fld>
             <a:endParaRPr lang="de-DE"/>
           </a:p>
@@ -1810,7 +1810,7 @@
           <a:p>
             <a:fld id="{2C39E429-31BA-464B-AABA-32BF99730EE4}" type="datetime1">
               <a:rPr lang="de-DE" smtClean="0"/>
-              <a:t>28.01.2020</a:t>
+              <a:t>29.01.2020</a:t>
             </a:fld>
             <a:endParaRPr lang="de-DE"/>
           </a:p>
@@ -2222,7 +2222,7 @@
           <a:p>
             <a:fld id="{42717186-E222-499D-884B-B2FBD6E3BDFA}" type="datetime1">
               <a:rPr lang="de-DE" smtClean="0"/>
-              <a:t>28.01.2020</a:t>
+              <a:t>29.01.2020</a:t>
             </a:fld>
             <a:endParaRPr lang="de-DE"/>
           </a:p>
@@ -2363,7 +2363,7 @@
           <a:p>
             <a:fld id="{3CC83454-F47A-4696-A976-75ECB430CB87}" type="datetime1">
               <a:rPr lang="de-DE" smtClean="0"/>
-              <a:t>28.01.2020</a:t>
+              <a:t>29.01.2020</a:t>
             </a:fld>
             <a:endParaRPr lang="de-DE"/>
           </a:p>
@@ -2476,7 +2476,7 @@
           <a:p>
             <a:fld id="{19533CB7-914E-416A-8972-D5E7F4407A62}" type="datetime1">
               <a:rPr lang="de-DE" smtClean="0"/>
-              <a:t>28.01.2020</a:t>
+              <a:t>29.01.2020</a:t>
             </a:fld>
             <a:endParaRPr lang="de-DE"/>
           </a:p>
@@ -2787,7 +2787,7 @@
           <a:p>
             <a:fld id="{BEA7EBBF-56F2-4788-AB42-14CC33E031AC}" type="datetime1">
               <a:rPr lang="de-DE" smtClean="0"/>
-              <a:t>28.01.2020</a:t>
+              <a:t>29.01.2020</a:t>
             </a:fld>
             <a:endParaRPr lang="de-DE"/>
           </a:p>
@@ -3075,7 +3075,7 @@
           <a:p>
             <a:fld id="{6990326C-0FF1-4B7F-B3C4-D2EA2B3EE3DE}" type="datetime1">
               <a:rPr lang="de-DE" smtClean="0"/>
-              <a:t>28.01.2020</a:t>
+              <a:t>29.01.2020</a:t>
             </a:fld>
             <a:endParaRPr lang="de-DE"/>
           </a:p>
@@ -3316,7 +3316,7 @@
           <a:p>
             <a:fld id="{024C4B1E-96E9-4E99-A2B7-F535D5C9B736}" type="datetime1">
               <a:rPr lang="de-DE" smtClean="0"/>
-              <a:t>28.01.2020</a:t>
+              <a:t>29.01.2020</a:t>
             </a:fld>
             <a:endParaRPr lang="de-DE"/>
           </a:p>
@@ -4045,6 +4045,12 @@
           <a:p>
             <a:r>
               <a:rPr lang="de-DE" dirty="0"/>
+              <a:t>Aufbereiten der Daten</a:t>
+            </a:r>
+          </a:p>
+          <a:p>
+            <a:r>
+              <a:rPr lang="de-DE" dirty="0"/>
               <a:t>Trainingsdaten: Eine Periode (Periode 1)</a:t>
             </a:r>
           </a:p>
@@ -4057,7 +4063,7 @@
           <a:p>
             <a:r>
               <a:rPr lang="de-DE" dirty="0"/>
-              <a:t>Training eines Modells zur Textsorten-Klassifizierung</a:t>
+              <a:t>Training der Modelle zur Textsorten-Klassifizierung</a:t>
             </a:r>
           </a:p>
           <a:p>
@@ -7001,7 +7007,7 @@
         </p:blipFill>
         <p:spPr>
           <a:xfrm>
-            <a:off x="2799472" y="1440852"/>
+            <a:off x="999247" y="1364652"/>
             <a:ext cx="6229642" cy="4752510"/>
           </a:xfrm>
           <a:prstGeom prst="rect">
@@ -7035,6 +7041,77 @@
               <a:t>4</a:t>
             </a:fld>
             <a:endParaRPr lang="de-DE"/>
+          </a:p>
+        </p:txBody>
+      </p:sp>
+      <p:sp>
+        <p:nvSpPr>
+          <p:cNvPr id="7" name="Textfeld 6">
+            <a:extLst>
+              <a:ext uri="{FF2B5EF4-FFF2-40B4-BE49-F238E27FC236}">
+                <a16:creationId xmlns:a16="http://schemas.microsoft.com/office/drawing/2014/main" id="{5F1C7A8C-44C6-41AD-8A25-7528BA5C25B3}"/>
+              </a:ext>
+            </a:extLst>
+          </p:cNvPr>
+          <p:cNvSpPr txBox="1"/>
+          <p:nvPr/>
+        </p:nvSpPr>
+        <p:spPr>
+          <a:xfrm>
+            <a:off x="7382682" y="2844224"/>
+            <a:ext cx="3474156" cy="1600438"/>
+          </a:xfrm>
+          <a:prstGeom prst="rect">
+            <a:avLst/>
+          </a:prstGeom>
+          <a:noFill/>
+        </p:spPr>
+        <p:txBody>
+          <a:bodyPr wrap="none" rtlCol="0">
+            <a:spAutoFit/>
+          </a:bodyPr>
+          <a:lstStyle/>
+          <a:p>
+            <a:r>
+              <a:rPr lang="de-DE" sz="1400" dirty="0"/>
+              <a:t>DRAM	= Dramen</a:t>
+            </a:r>
+          </a:p>
+          <a:p>
+            <a:r>
+              <a:rPr lang="de-DE" sz="1400" dirty="0"/>
+              <a:t>HUMA	= Humanwissenschaftliche Texte</a:t>
+            </a:r>
+          </a:p>
+          <a:p>
+            <a:r>
+              <a:rPr lang="de-DE" sz="1400" dirty="0"/>
+              <a:t>LEGA	= Rechtstexte</a:t>
+            </a:r>
+          </a:p>
+          <a:p>
+            <a:r>
+              <a:rPr lang="de-DE" sz="1400" dirty="0"/>
+              <a:t>NARR	= Prosa Erzählungen</a:t>
+            </a:r>
+          </a:p>
+          <a:p>
+            <a:r>
+              <a:rPr lang="de-DE" sz="1400" dirty="0"/>
+              <a:t>NEWS	= Nachrichten</a:t>
+            </a:r>
+          </a:p>
+          <a:p>
+            <a:r>
+              <a:rPr lang="de-DE" sz="1400" dirty="0"/>
+              <a:t>SCIE	= Naturwissenschaftliche Texte</a:t>
+            </a:r>
+          </a:p>
+          <a:p>
+            <a:r>
+              <a:rPr lang="de-DE" sz="1400" dirty="0"/>
+              <a:t>SERM	= Predigten</a:t>
+            </a:r>
           </a:p>
         </p:txBody>
       </p:sp>

--- a/Projektgruppenpräsention.pptx
+++ b/Projektgruppenpräsention.pptx
@@ -5,7 +5,7 @@
     <p:sldMasterId id="2147483648" r:id="rId1"/>
   </p:sldMasterIdLst>
   <p:notesMasterIdLst>
-    <p:notesMasterId r:id="rId26"/>
+    <p:notesMasterId r:id="rId32"/>
   </p:notesMasterIdLst>
   <p:sldIdLst>
     <p:sldId id="256" r:id="rId2"/>
@@ -23,15 +23,21 @@
     <p:sldId id="265" r:id="rId14"/>
     <p:sldId id="266" r:id="rId15"/>
     <p:sldId id="270" r:id="rId16"/>
-    <p:sldId id="271" r:id="rId17"/>
-    <p:sldId id="268" r:id="rId18"/>
-    <p:sldId id="272" r:id="rId19"/>
-    <p:sldId id="273" r:id="rId20"/>
-    <p:sldId id="274" r:id="rId21"/>
-    <p:sldId id="275" r:id="rId22"/>
-    <p:sldId id="278" r:id="rId23"/>
-    <p:sldId id="277" r:id="rId24"/>
-    <p:sldId id="279" r:id="rId25"/>
+    <p:sldId id="282" r:id="rId17"/>
+    <p:sldId id="283" r:id="rId18"/>
+    <p:sldId id="271" r:id="rId19"/>
+    <p:sldId id="268" r:id="rId20"/>
+    <p:sldId id="272" r:id="rId21"/>
+    <p:sldId id="273" r:id="rId22"/>
+    <p:sldId id="274" r:id="rId23"/>
+    <p:sldId id="280" r:id="rId24"/>
+    <p:sldId id="284" r:id="rId25"/>
+    <p:sldId id="285" r:id="rId26"/>
+    <p:sldId id="286" r:id="rId27"/>
+    <p:sldId id="275" r:id="rId28"/>
+    <p:sldId id="278" r:id="rId29"/>
+    <p:sldId id="277" r:id="rId30"/>
+    <p:sldId id="279" r:id="rId31"/>
   </p:sldIdLst>
   <p:sldSz cx="12192000" cy="6858000"/>
   <p:notesSz cx="6858000" cy="9144000"/>
@@ -150,11 +156,17 @@
             <p14:sldId id="265"/>
             <p14:sldId id="266"/>
             <p14:sldId id="270"/>
+            <p14:sldId id="282"/>
+            <p14:sldId id="283"/>
             <p14:sldId id="271"/>
             <p14:sldId id="268"/>
             <p14:sldId id="272"/>
             <p14:sldId id="273"/>
             <p14:sldId id="274"/>
+            <p14:sldId id="280"/>
+            <p14:sldId id="284"/>
+            <p14:sldId id="285"/>
+            <p14:sldId id="286"/>
             <p14:sldId id="275"/>
             <p14:sldId id="278"/>
             <p14:sldId id="277"/>
@@ -252,7 +264,7 @@
           <a:p>
             <a:fld id="{9970A952-D182-47D0-BB0B-66E803D379DF}" type="datetimeFigureOut">
               <a:rPr lang="de-DE" smtClean="0"/>
-              <a:t>29.01.2020</a:t>
+              <a:t>29.01.20</a:t>
             </a:fld>
             <a:endParaRPr lang="de-DE"/>
           </a:p>
@@ -666,7 +678,7 @@
           <a:p>
             <a:fld id="{83AF5F3A-173E-41A1-88E4-D9283F7CF961}" type="datetime1">
               <a:rPr lang="de-DE" smtClean="0"/>
-              <a:t>29.01.2020</a:t>
+              <a:t>29.01.20</a:t>
             </a:fld>
             <a:endParaRPr lang="de-DE"/>
           </a:p>
@@ -864,7 +876,7 @@
           <a:p>
             <a:fld id="{67136FAB-3524-46F8-90EF-15FD34B1A103}" type="datetime1">
               <a:rPr lang="de-DE" smtClean="0"/>
-              <a:t>29.01.2020</a:t>
+              <a:t>29.01.20</a:t>
             </a:fld>
             <a:endParaRPr lang="de-DE"/>
           </a:p>
@@ -1072,7 +1084,7 @@
           <a:p>
             <a:fld id="{4D0EDC95-51A4-4EBF-8097-2751D169EA21}" type="datetime1">
               <a:rPr lang="de-DE" smtClean="0"/>
-              <a:t>29.01.2020</a:t>
+              <a:t>29.01.20</a:t>
             </a:fld>
             <a:endParaRPr lang="de-DE"/>
           </a:p>
@@ -1270,7 +1282,7 @@
           <a:p>
             <a:fld id="{243046D3-AE70-4445-9A51-18A4544EB06C}" type="datetime1">
               <a:rPr lang="de-DE" smtClean="0"/>
-              <a:t>29.01.2020</a:t>
+              <a:t>29.01.20</a:t>
             </a:fld>
             <a:endParaRPr lang="de-DE"/>
           </a:p>
@@ -1545,7 +1557,7 @@
           <a:p>
             <a:fld id="{31BFE2A4-EEDC-498F-9D43-72C906198079}" type="datetime1">
               <a:rPr lang="de-DE" smtClean="0"/>
-              <a:t>29.01.2020</a:t>
+              <a:t>29.01.20</a:t>
             </a:fld>
             <a:endParaRPr lang="de-DE"/>
           </a:p>
@@ -1810,7 +1822,7 @@
           <a:p>
             <a:fld id="{2C39E429-31BA-464B-AABA-32BF99730EE4}" type="datetime1">
               <a:rPr lang="de-DE" smtClean="0"/>
-              <a:t>29.01.2020</a:t>
+              <a:t>29.01.20</a:t>
             </a:fld>
             <a:endParaRPr lang="de-DE"/>
           </a:p>
@@ -2222,7 +2234,7 @@
           <a:p>
             <a:fld id="{42717186-E222-499D-884B-B2FBD6E3BDFA}" type="datetime1">
               <a:rPr lang="de-DE" smtClean="0"/>
-              <a:t>29.01.2020</a:t>
+              <a:t>29.01.20</a:t>
             </a:fld>
             <a:endParaRPr lang="de-DE"/>
           </a:p>
@@ -2363,7 +2375,7 @@
           <a:p>
             <a:fld id="{3CC83454-F47A-4696-A976-75ECB430CB87}" type="datetime1">
               <a:rPr lang="de-DE" smtClean="0"/>
-              <a:t>29.01.2020</a:t>
+              <a:t>29.01.20</a:t>
             </a:fld>
             <a:endParaRPr lang="de-DE"/>
           </a:p>
@@ -2476,7 +2488,7 @@
           <a:p>
             <a:fld id="{19533CB7-914E-416A-8972-D5E7F4407A62}" type="datetime1">
               <a:rPr lang="de-DE" smtClean="0"/>
-              <a:t>29.01.2020</a:t>
+              <a:t>29.01.20</a:t>
             </a:fld>
             <a:endParaRPr lang="de-DE"/>
           </a:p>
@@ -2787,7 +2799,7 @@
           <a:p>
             <a:fld id="{BEA7EBBF-56F2-4788-AB42-14CC33E031AC}" type="datetime1">
               <a:rPr lang="de-DE" smtClean="0"/>
-              <a:t>29.01.2020</a:t>
+              <a:t>29.01.20</a:t>
             </a:fld>
             <a:endParaRPr lang="de-DE"/>
           </a:p>
@@ -3075,7 +3087,7 @@
           <a:p>
             <a:fld id="{6990326C-0FF1-4B7F-B3C4-D2EA2B3EE3DE}" type="datetime1">
               <a:rPr lang="de-DE" smtClean="0"/>
-              <a:t>29.01.2020</a:t>
+              <a:t>29.01.20</a:t>
             </a:fld>
             <a:endParaRPr lang="de-DE"/>
           </a:p>
@@ -3316,7 +3328,7 @@
           <a:p>
             <a:fld id="{024C4B1E-96E9-4E99-A2B7-F535D5C9B736}" type="datetime1">
               <a:rPr lang="de-DE" smtClean="0"/>
-              <a:t>29.01.2020</a:t>
+              <a:t>29.01.20</a:t>
             </a:fld>
             <a:endParaRPr lang="de-DE"/>
           </a:p>
@@ -4185,7 +4197,7 @@
             <a:pPr algn="ctr"/>
             <a:r>
               <a:rPr lang="de-DE" dirty="0"/>
-              <a:t>Verwendete Features und Hyperparameter</a:t>
+              <a:t>Features</a:t>
             </a:r>
           </a:p>
         </p:txBody>
@@ -4637,7 +4649,7 @@
             <a:pPr algn="ctr"/>
             <a:r>
               <a:rPr lang="de-DE" dirty="0"/>
-              <a:t>Verwendete Features und Hyperparameter</a:t>
+              <a:t>Verwendete Features</a:t>
             </a:r>
           </a:p>
         </p:txBody>
@@ -4683,6 +4695,17 @@
               <a:rPr lang="de-DE" dirty="0"/>
               <a:t>)*</a:t>
             </a:r>
+          </a:p>
+          <a:p>
+            <a:r>
+              <a:rPr lang="de-DE" dirty="0"/>
+              <a:t>Plus </a:t>
+            </a:r>
+            <a:r>
+              <a:rPr lang="de-DE" dirty="0" err="1"/>
+              <a:t>Stopwords</a:t>
+            </a:r>
+            <a:endParaRPr lang="de-DE" dirty="0"/>
           </a:p>
           <a:p>
             <a:endParaRPr lang="de-DE" dirty="0"/>
@@ -4983,7 +5006,7 @@
           <p:cNvPr id="2" name="Titel 1">
             <a:extLst>
               <a:ext uri="{FF2B5EF4-FFF2-40B4-BE49-F238E27FC236}">
-                <a16:creationId xmlns:a16="http://schemas.microsoft.com/office/drawing/2014/main" id="{6C9FDB74-CFF0-4E59-A497-A91D8D715F93}"/>
+                <a16:creationId xmlns:a16="http://schemas.microsoft.com/office/drawing/2014/main" id="{977666BF-9CD3-5143-B68E-93EC3649CE87}"/>
               </a:ext>
             </a:extLst>
           </p:cNvPr>
@@ -4999,209 +5022,64 @@
           <a:bodyPr/>
           <a:lstStyle/>
           <a:p>
-            <a:pPr algn="ctr"/>
             <a:r>
               <a:rPr lang="de-DE" dirty="0"/>
-              <a:t>Verwendete Hyperparameter</a:t>
-            </a:r>
-          </a:p>
-        </p:txBody>
-      </p:sp>
-      <p:pic>
-        <p:nvPicPr>
-          <p:cNvPr id="4" name="Grafik 3">
-            <a:extLst>
-              <a:ext uri="{FF2B5EF4-FFF2-40B4-BE49-F238E27FC236}">
-                <a16:creationId xmlns:a16="http://schemas.microsoft.com/office/drawing/2014/main" id="{63C95384-4940-45B8-9B94-9787CA81DA86}"/>
-              </a:ext>
-            </a:extLst>
-          </p:cNvPr>
-          <p:cNvPicPr>
-            <a:picLocks noChangeAspect="1"/>
-          </p:cNvPicPr>
-          <p:nvPr/>
-        </p:nvPicPr>
-        <p:blipFill>
-          <a:blip r:embed="rId2">
-            <a:extLst>
-              <a:ext uri="{28A0092B-C50C-407E-A947-70E740481C1C}">
-                <a14:useLocalDpi xmlns:a14="http://schemas.microsoft.com/office/drawing/2010/main" val="0"/>
-              </a:ext>
-            </a:extLst>
-          </a:blip>
-          <a:stretch>
-            <a:fillRect/>
-          </a:stretch>
-        </p:blipFill>
-        <p:spPr>
-          <a:xfrm>
-            <a:off x="337343" y="2433255"/>
-            <a:ext cx="8553450" cy="1352550"/>
-          </a:xfrm>
-          <a:prstGeom prst="rect">
-            <a:avLst/>
-          </a:prstGeom>
-        </p:spPr>
-      </p:pic>
-      <p:pic>
-        <p:nvPicPr>
-          <p:cNvPr id="5" name="Grafik 4">
-            <a:extLst>
-              <a:ext uri="{FF2B5EF4-FFF2-40B4-BE49-F238E27FC236}">
-                <a16:creationId xmlns:a16="http://schemas.microsoft.com/office/drawing/2014/main" id="{62E0F356-5176-40A0-BA66-9C7E7D671EFC}"/>
-              </a:ext>
-            </a:extLst>
-          </p:cNvPr>
-          <p:cNvPicPr>
-            <a:picLocks noChangeAspect="1"/>
-          </p:cNvPicPr>
-          <p:nvPr/>
-        </p:nvPicPr>
-        <p:blipFill>
-          <a:blip r:embed="rId3">
-            <a:extLst>
-              <a:ext uri="{28A0092B-C50C-407E-A947-70E740481C1C}">
-                <a14:useLocalDpi xmlns:a14="http://schemas.microsoft.com/office/drawing/2010/main" val="0"/>
-              </a:ext>
-            </a:extLst>
-          </a:blip>
-          <a:stretch>
-            <a:fillRect/>
-          </a:stretch>
-        </p:blipFill>
-        <p:spPr>
-          <a:xfrm>
-            <a:off x="337343" y="4706616"/>
-            <a:ext cx="6477000" cy="1323975"/>
-          </a:xfrm>
-          <a:prstGeom prst="rect">
-            <a:avLst/>
-          </a:prstGeom>
-        </p:spPr>
-      </p:pic>
-      <p:sp>
-        <p:nvSpPr>
-          <p:cNvPr id="6" name="Textfeld 5">
-            <a:extLst>
-              <a:ext uri="{FF2B5EF4-FFF2-40B4-BE49-F238E27FC236}">
-                <a16:creationId xmlns:a16="http://schemas.microsoft.com/office/drawing/2014/main" id="{EF73194B-CCA2-4A87-8DBC-D1633A5B670E}"/>
-              </a:ext>
-            </a:extLst>
-          </p:cNvPr>
-          <p:cNvSpPr txBox="1"/>
-          <p:nvPr/>
-        </p:nvSpPr>
-        <p:spPr>
-          <a:xfrm>
-            <a:off x="337343" y="1800361"/>
-            <a:ext cx="3273287" cy="523220"/>
-          </a:xfrm>
-          <a:prstGeom prst="rect">
-            <a:avLst/>
-          </a:prstGeom>
-          <a:noFill/>
-        </p:spPr>
-        <p:txBody>
-          <a:bodyPr wrap="square" rtlCol="0">
-            <a:spAutoFit/>
-          </a:bodyPr>
-          <a:lstStyle/>
-          <a:p>
-            <a:r>
-              <a:rPr lang="de-DE" sz="2800" dirty="0" err="1"/>
-              <a:t>Decision</a:t>
-            </a:r>
-            <a:r>
-              <a:rPr lang="de-DE" sz="2800" dirty="0"/>
-              <a:t> </a:t>
-            </a:r>
-            <a:r>
-              <a:rPr lang="de-DE" sz="2800" dirty="0" err="1"/>
-              <a:t>Trees</a:t>
-            </a:r>
-            <a:r>
-              <a:rPr lang="de-DE" sz="2800" dirty="0"/>
-              <a:t>*</a:t>
-            </a:r>
-          </a:p>
-        </p:txBody>
-      </p:sp>
-      <p:sp>
-        <p:nvSpPr>
-          <p:cNvPr id="8" name="Textfeld 7">
-            <a:extLst>
-              <a:ext uri="{FF2B5EF4-FFF2-40B4-BE49-F238E27FC236}">
-                <a16:creationId xmlns:a16="http://schemas.microsoft.com/office/drawing/2014/main" id="{1C31A5EC-67FE-45AC-9545-ABE2B6D8D139}"/>
-              </a:ext>
-            </a:extLst>
-          </p:cNvPr>
-          <p:cNvSpPr txBox="1"/>
-          <p:nvPr/>
-        </p:nvSpPr>
-        <p:spPr>
-          <a:xfrm>
-            <a:off x="337343" y="4037622"/>
-            <a:ext cx="3664814" cy="523220"/>
-          </a:xfrm>
-          <a:prstGeom prst="rect">
-            <a:avLst/>
-          </a:prstGeom>
-          <a:noFill/>
-        </p:spPr>
-        <p:txBody>
-          <a:bodyPr wrap="square" rtlCol="0">
-            <a:spAutoFit/>
-          </a:bodyPr>
-          <a:lstStyle/>
-          <a:p>
-            <a:r>
-              <a:rPr lang="de-DE" sz="2800" dirty="0"/>
-              <a:t>Logistische Regression*</a:t>
-            </a:r>
-          </a:p>
-        </p:txBody>
-      </p:sp>
-      <p:sp>
-        <p:nvSpPr>
-          <p:cNvPr id="9" name="Textfeld 8">
-            <a:extLst>
-              <a:ext uri="{FF2B5EF4-FFF2-40B4-BE49-F238E27FC236}">
-                <a16:creationId xmlns:a16="http://schemas.microsoft.com/office/drawing/2014/main" id="{45C61808-840B-45E1-A882-3B36D5C48E11}"/>
-              </a:ext>
-            </a:extLst>
-          </p:cNvPr>
-          <p:cNvSpPr txBox="1"/>
-          <p:nvPr/>
-        </p:nvSpPr>
-        <p:spPr>
-          <a:xfrm>
-            <a:off x="8388626" y="6030591"/>
-            <a:ext cx="3466031" cy="584775"/>
-          </a:xfrm>
-          <a:prstGeom prst="rect">
-            <a:avLst/>
-          </a:prstGeom>
-          <a:noFill/>
-        </p:spPr>
-        <p:txBody>
-          <a:bodyPr wrap="square" rtlCol="0">
-            <a:spAutoFit/>
-          </a:bodyPr>
-          <a:lstStyle/>
-          <a:p>
-            <a:r>
-              <a:rPr lang="de-DE" sz="1600" dirty="0"/>
-              <a:t>*Die besten drei und die schlechteste Parameterkombination</a:t>
-            </a:r>
-          </a:p>
-        </p:txBody>
-      </p:sp>
-      <p:sp>
-        <p:nvSpPr>
-          <p:cNvPr id="3" name="Foliennummernplatzhalter 2">
-            <a:extLst>
-              <a:ext uri="{FF2B5EF4-FFF2-40B4-BE49-F238E27FC236}">
-                <a16:creationId xmlns:a16="http://schemas.microsoft.com/office/drawing/2014/main" id="{E319B800-BAD9-47C8-8632-ACDD9666E88E}"/>
+              <a:t>Schwierigkeit</a:t>
+            </a:r>
+          </a:p>
+        </p:txBody>
+      </p:sp>
+      <p:sp>
+        <p:nvSpPr>
+          <p:cNvPr id="3" name="Inhaltsplatzhalter 2">
+            <a:extLst>
+              <a:ext uri="{FF2B5EF4-FFF2-40B4-BE49-F238E27FC236}">
+                <a16:creationId xmlns:a16="http://schemas.microsoft.com/office/drawing/2014/main" id="{37804E4B-6B73-6D47-BD50-6B54D3748976}"/>
+              </a:ext>
+            </a:extLst>
+          </p:cNvPr>
+          <p:cNvSpPr>
+            <a:spLocks noGrp="1"/>
+          </p:cNvSpPr>
+          <p:nvPr>
+            <p:ph idx="1"/>
+          </p:nvPr>
+        </p:nvSpPr>
+        <p:spPr/>
+        <p:txBody>
+          <a:bodyPr/>
+          <a:lstStyle/>
+          <a:p>
+            <a:r>
+              <a:rPr lang="de-DE" dirty="0"/>
+              <a:t>“Größe“ des Datensatzes </a:t>
+            </a:r>
+          </a:p>
+          <a:p>
+            <a:pPr lvl="1"/>
+            <a:r>
+              <a:rPr lang="de-DE" dirty="0"/>
+              <a:t>Insgesamt 660 Instanzen</a:t>
+            </a:r>
+          </a:p>
+          <a:p>
+            <a:pPr lvl="1"/>
+            <a:r>
+              <a:rPr lang="de-DE" dirty="0"/>
+              <a:t>Trainingsperiode P1: 90 Instanzen (15 pro Textsorte)</a:t>
+            </a:r>
+          </a:p>
+          <a:p>
+            <a:endParaRPr lang="de-DE" dirty="0"/>
+          </a:p>
+        </p:txBody>
+      </p:sp>
+      <p:sp>
+        <p:nvSpPr>
+          <p:cNvPr id="4" name="Foliennummernplatzhalter 3">
+            <a:extLst>
+              <a:ext uri="{FF2B5EF4-FFF2-40B4-BE49-F238E27FC236}">
+                <a16:creationId xmlns:a16="http://schemas.microsoft.com/office/drawing/2014/main" id="{4F9DF1E6-EDC3-394A-ACE4-F05689A5C114}"/>
               </a:ext>
             </a:extLst>
           </p:cNvPr>
@@ -5228,7 +5106,7 @@
     </p:spTree>
     <p:extLst>
       <p:ext uri="{BB962C8B-B14F-4D97-AF65-F5344CB8AC3E}">
-        <p14:creationId xmlns:p14="http://schemas.microsoft.com/office/powerpoint/2010/main" val="2365557486"/>
+        <p14:creationId xmlns:p14="http://schemas.microsoft.com/office/powerpoint/2010/main" val="1259098898"/>
       </p:ext>
     </p:extLst>
   </p:cSld>
@@ -5260,7 +5138,7 @@
           <p:cNvPr id="2" name="Titel 1">
             <a:extLst>
               <a:ext uri="{FF2B5EF4-FFF2-40B4-BE49-F238E27FC236}">
-                <a16:creationId xmlns:a16="http://schemas.microsoft.com/office/drawing/2014/main" id="{A65C7E1E-36AD-4F6B-8C66-BC474F2CE9CC}"/>
+                <a16:creationId xmlns:a16="http://schemas.microsoft.com/office/drawing/2014/main" id="{EB856B7C-1E75-764F-A424-A5C68B2734D5}"/>
               </a:ext>
             </a:extLst>
           </p:cNvPr>
@@ -5284,264 +5162,48 @@
           </a:p>
         </p:txBody>
       </p:sp>
-      <p:pic>
-        <p:nvPicPr>
-          <p:cNvPr id="11" name="Grafik 10" descr="Ein Bild, das Screenshot enthält.&#10;&#10;Automatisch generierte Beschreibung">
-            <a:extLst>
-              <a:ext uri="{FF2B5EF4-FFF2-40B4-BE49-F238E27FC236}">
-                <a16:creationId xmlns:a16="http://schemas.microsoft.com/office/drawing/2014/main" id="{9A4A772C-67F4-4E74-8A88-E4EE23863015}"/>
-              </a:ext>
-            </a:extLst>
-          </p:cNvPr>
-          <p:cNvPicPr>
-            <a:picLocks noChangeAspect="1"/>
-          </p:cNvPicPr>
-          <p:nvPr/>
-        </p:nvPicPr>
-        <p:blipFill>
-          <a:blip r:embed="rId2">
-            <a:extLst>
-              <a:ext uri="{28A0092B-C50C-407E-A947-70E740481C1C}">
-                <a14:useLocalDpi xmlns:a14="http://schemas.microsoft.com/office/drawing/2010/main" val="0"/>
-              </a:ext>
-            </a:extLst>
-          </a:blip>
-          <a:stretch>
-            <a:fillRect/>
-          </a:stretch>
-        </p:blipFill>
-        <p:spPr>
-          <a:xfrm>
-            <a:off x="5274365" y="3217545"/>
-            <a:ext cx="3678066" cy="1323975"/>
-          </a:xfrm>
-          <a:prstGeom prst="rect">
-            <a:avLst/>
-          </a:prstGeom>
-        </p:spPr>
-      </p:pic>
-      <p:pic>
-        <p:nvPicPr>
-          <p:cNvPr id="13" name="Grafik 12" descr="Ein Bild, das Screenshot enthält.&#10;&#10;Automatisch generierte Beschreibung">
-            <a:extLst>
-              <a:ext uri="{FF2B5EF4-FFF2-40B4-BE49-F238E27FC236}">
-                <a16:creationId xmlns:a16="http://schemas.microsoft.com/office/drawing/2014/main" id="{5C90FDEA-A13F-4875-8E9A-1A53F0E41360}"/>
-              </a:ext>
-            </a:extLst>
-          </p:cNvPr>
-          <p:cNvPicPr>
-            <a:picLocks noChangeAspect="1"/>
-          </p:cNvPicPr>
-          <p:nvPr/>
-        </p:nvPicPr>
-        <p:blipFill>
-          <a:blip r:embed="rId3">
-            <a:extLst>
-              <a:ext uri="{28A0092B-C50C-407E-A947-70E740481C1C}">
-                <a14:useLocalDpi xmlns:a14="http://schemas.microsoft.com/office/drawing/2010/main" val="0"/>
-              </a:ext>
-            </a:extLst>
-          </a:blip>
-          <a:stretch>
-            <a:fillRect/>
-          </a:stretch>
-        </p:blipFill>
-        <p:spPr>
-          <a:xfrm>
-            <a:off x="5161481" y="1570274"/>
-            <a:ext cx="3790950" cy="1419225"/>
-          </a:xfrm>
-          <a:prstGeom prst="rect">
-            <a:avLst/>
-          </a:prstGeom>
-        </p:spPr>
-      </p:pic>
-      <p:pic>
-        <p:nvPicPr>
-          <p:cNvPr id="17" name="Grafik 16" descr="Ein Bild, das Screenshot enthält.&#10;&#10;Automatisch generierte Beschreibung">
-            <a:extLst>
-              <a:ext uri="{FF2B5EF4-FFF2-40B4-BE49-F238E27FC236}">
-                <a16:creationId xmlns:a16="http://schemas.microsoft.com/office/drawing/2014/main" id="{A13ACF54-090E-44EA-933A-F6675A8641F5}"/>
-              </a:ext>
-            </a:extLst>
-          </p:cNvPr>
-          <p:cNvPicPr>
-            <a:picLocks noChangeAspect="1"/>
-          </p:cNvPicPr>
-          <p:nvPr/>
-        </p:nvPicPr>
-        <p:blipFill>
-          <a:blip r:embed="rId4">
-            <a:extLst>
-              <a:ext uri="{28A0092B-C50C-407E-A947-70E740481C1C}">
-                <a14:useLocalDpi xmlns:a14="http://schemas.microsoft.com/office/drawing/2010/main" val="0"/>
-              </a:ext>
-            </a:extLst>
-          </a:blip>
-          <a:stretch>
-            <a:fillRect/>
-          </a:stretch>
-        </p:blipFill>
-        <p:spPr>
-          <a:xfrm>
-            <a:off x="5037656" y="4572678"/>
-            <a:ext cx="3914775" cy="1514475"/>
-          </a:xfrm>
-          <a:prstGeom prst="rect">
-            <a:avLst/>
-          </a:prstGeom>
-        </p:spPr>
-      </p:pic>
-      <p:sp>
-        <p:nvSpPr>
-          <p:cNvPr id="20" name="Textfeld 19">
-            <a:extLst>
-              <a:ext uri="{FF2B5EF4-FFF2-40B4-BE49-F238E27FC236}">
-                <a16:creationId xmlns:a16="http://schemas.microsoft.com/office/drawing/2014/main" id="{3E0BD986-9E74-4348-8CA7-F0C5DE5FDDFB}"/>
-              </a:ext>
-            </a:extLst>
-          </p:cNvPr>
-          <p:cNvSpPr txBox="1"/>
-          <p:nvPr/>
-        </p:nvSpPr>
-        <p:spPr>
-          <a:xfrm>
-            <a:off x="337343" y="1970434"/>
-            <a:ext cx="3273287" cy="523220"/>
-          </a:xfrm>
-          <a:prstGeom prst="rect">
-            <a:avLst/>
-          </a:prstGeom>
-          <a:noFill/>
-        </p:spPr>
-        <p:txBody>
-          <a:bodyPr wrap="square" rtlCol="0">
-            <a:spAutoFit/>
-          </a:bodyPr>
-          <a:lstStyle/>
-          <a:p>
-            <a:r>
-              <a:rPr lang="de-DE" sz="2800" dirty="0"/>
-              <a:t>Random Forest*</a:t>
-            </a:r>
-          </a:p>
-        </p:txBody>
-      </p:sp>
-      <p:sp>
-        <p:nvSpPr>
-          <p:cNvPr id="21" name="Textfeld 20">
-            <a:extLst>
-              <a:ext uri="{FF2B5EF4-FFF2-40B4-BE49-F238E27FC236}">
-                <a16:creationId xmlns:a16="http://schemas.microsoft.com/office/drawing/2014/main" id="{00B9525A-F03B-483B-AFBF-2343ADEC7874}"/>
-              </a:ext>
-            </a:extLst>
-          </p:cNvPr>
-          <p:cNvSpPr txBox="1"/>
-          <p:nvPr/>
-        </p:nvSpPr>
-        <p:spPr>
-          <a:xfrm>
-            <a:off x="337343" y="3553912"/>
-            <a:ext cx="3273287" cy="523220"/>
-          </a:xfrm>
-          <a:prstGeom prst="rect">
-            <a:avLst/>
-          </a:prstGeom>
-          <a:noFill/>
-        </p:spPr>
-        <p:txBody>
-          <a:bodyPr wrap="square" rtlCol="0">
-            <a:spAutoFit/>
-          </a:bodyPr>
-          <a:lstStyle/>
-          <a:p>
-            <a:r>
-              <a:rPr lang="de-DE" sz="2800" dirty="0"/>
-              <a:t>Linear SVM*</a:t>
-            </a:r>
-          </a:p>
-        </p:txBody>
-      </p:sp>
-      <p:sp>
-        <p:nvSpPr>
-          <p:cNvPr id="22" name="Textfeld 21">
-            <a:extLst>
-              <a:ext uri="{FF2B5EF4-FFF2-40B4-BE49-F238E27FC236}">
-                <a16:creationId xmlns:a16="http://schemas.microsoft.com/office/drawing/2014/main" id="{CB1A2703-CEB6-4334-9E59-1853C07201A4}"/>
-              </a:ext>
-            </a:extLst>
-          </p:cNvPr>
-          <p:cNvSpPr txBox="1"/>
-          <p:nvPr/>
-        </p:nvSpPr>
-        <p:spPr>
-          <a:xfrm>
-            <a:off x="337343" y="5235573"/>
-            <a:ext cx="4062032" cy="523220"/>
-          </a:xfrm>
-          <a:prstGeom prst="rect">
-            <a:avLst/>
-          </a:prstGeom>
-          <a:noFill/>
-        </p:spPr>
-        <p:txBody>
-          <a:bodyPr wrap="square" rtlCol="0">
-            <a:spAutoFit/>
-          </a:bodyPr>
-          <a:lstStyle/>
-          <a:p>
-            <a:r>
-              <a:rPr lang="de-DE" sz="2800" dirty="0" err="1"/>
-              <a:t>Multinomial</a:t>
-            </a:r>
-            <a:r>
-              <a:rPr lang="de-DE" sz="2800" dirty="0"/>
-              <a:t> Naive Bayes*</a:t>
-            </a:r>
-          </a:p>
-        </p:txBody>
-      </p:sp>
-      <p:sp>
-        <p:nvSpPr>
-          <p:cNvPr id="23" name="Textfeld 22">
-            <a:extLst>
-              <a:ext uri="{FF2B5EF4-FFF2-40B4-BE49-F238E27FC236}">
-                <a16:creationId xmlns:a16="http://schemas.microsoft.com/office/drawing/2014/main" id="{5B3C4E72-50D6-42FD-8BF8-31F2866E8EE7}"/>
-              </a:ext>
-            </a:extLst>
-          </p:cNvPr>
-          <p:cNvSpPr txBox="1"/>
-          <p:nvPr/>
-        </p:nvSpPr>
-        <p:spPr>
-          <a:xfrm>
-            <a:off x="8388626" y="6125657"/>
-            <a:ext cx="3466031" cy="584775"/>
-          </a:xfrm>
-          <a:prstGeom prst="rect">
-            <a:avLst/>
-          </a:prstGeom>
-          <a:noFill/>
-        </p:spPr>
-        <p:txBody>
-          <a:bodyPr wrap="square" rtlCol="0">
-            <a:spAutoFit/>
-          </a:bodyPr>
-          <a:lstStyle/>
-          <a:p>
-            <a:r>
-              <a:rPr lang="de-DE" sz="1600" dirty="0"/>
-              <a:t>*Die besten drei und die schlechteste Parameterkombination</a:t>
-            </a:r>
-          </a:p>
-        </p:txBody>
-      </p:sp>
-      <p:sp>
-        <p:nvSpPr>
-          <p:cNvPr id="3" name="Foliennummernplatzhalter 2">
-            <a:extLst>
-              <a:ext uri="{FF2B5EF4-FFF2-40B4-BE49-F238E27FC236}">
-                <a16:creationId xmlns:a16="http://schemas.microsoft.com/office/drawing/2014/main" id="{4BAF2269-EB7D-4DF2-9199-69D7B190FBB1}"/>
+      <p:sp>
+        <p:nvSpPr>
+          <p:cNvPr id="3" name="Inhaltsplatzhalter 2">
+            <a:extLst>
+              <a:ext uri="{FF2B5EF4-FFF2-40B4-BE49-F238E27FC236}">
+                <a16:creationId xmlns:a16="http://schemas.microsoft.com/office/drawing/2014/main" id="{C8736E0C-16E0-C84C-B66F-C3CB683AAD03}"/>
+              </a:ext>
+            </a:extLst>
+          </p:cNvPr>
+          <p:cNvSpPr>
+            <a:spLocks noGrp="1"/>
+          </p:cNvSpPr>
+          <p:nvPr>
+            <p:ph idx="1"/>
+          </p:nvPr>
+        </p:nvSpPr>
+        <p:spPr/>
+        <p:txBody>
+          <a:bodyPr/>
+          <a:lstStyle/>
+          <a:p>
+            <a:r>
+              <a:rPr lang="de-DE" dirty="0"/>
+              <a:t>Ermittelt durch Cross-Validation auf Periode 1 (5-fold, F1-Score </a:t>
+            </a:r>
+            <a:r>
+              <a:rPr lang="de-DE" dirty="0" err="1"/>
+              <a:t>macro</a:t>
+            </a:r>
+            <a:r>
+              <a:rPr lang="de-DE" dirty="0"/>
+              <a:t>)*</a:t>
+            </a:r>
+          </a:p>
+        </p:txBody>
+      </p:sp>
+      <p:sp>
+        <p:nvSpPr>
+          <p:cNvPr id="4" name="Foliennummernplatzhalter 3">
+            <a:extLst>
+              <a:ext uri="{FF2B5EF4-FFF2-40B4-BE49-F238E27FC236}">
+                <a16:creationId xmlns:a16="http://schemas.microsoft.com/office/drawing/2014/main" id="{83277126-5E9D-C049-8AFE-837A45E05022}"/>
               </a:ext>
             </a:extLst>
           </p:cNvPr>
@@ -5568,7 +5230,7 @@
     </p:spTree>
     <p:extLst>
       <p:ext uri="{BB962C8B-B14F-4D97-AF65-F5344CB8AC3E}">
-        <p14:creationId xmlns:p14="http://schemas.microsoft.com/office/powerpoint/2010/main" val="1654103409"/>
+        <p14:creationId xmlns:p14="http://schemas.microsoft.com/office/powerpoint/2010/main" val="2785784253"/>
       </p:ext>
     </p:extLst>
   </p:cSld>
@@ -5600,7 +5262,7 @@
           <p:cNvPr id="2" name="Titel 1">
             <a:extLst>
               <a:ext uri="{FF2B5EF4-FFF2-40B4-BE49-F238E27FC236}">
-                <a16:creationId xmlns:a16="http://schemas.microsoft.com/office/drawing/2014/main" id="{8FCDB097-9307-4A3A-904C-D49106B56B1D}"/>
+                <a16:creationId xmlns:a16="http://schemas.microsoft.com/office/drawing/2014/main" id="{6C9FDB74-CFF0-4E59-A497-A91D8D715F93}"/>
               </a:ext>
             </a:extLst>
           </p:cNvPr>
@@ -5619,17 +5281,17 @@
             <a:pPr algn="ctr"/>
             <a:r>
               <a:rPr lang="de-DE" dirty="0"/>
-              <a:t>Ergebnisse</a:t>
+              <a:t>Verwendete Hyperparameter</a:t>
             </a:r>
           </a:p>
         </p:txBody>
       </p:sp>
       <p:pic>
         <p:nvPicPr>
-          <p:cNvPr id="9" name="Grafik 8" descr="Ein Bild, das Text, Karte enthält.&#10;&#10;Automatisch generierte Beschreibung">
-            <a:extLst>
-              <a:ext uri="{FF2B5EF4-FFF2-40B4-BE49-F238E27FC236}">
-                <a16:creationId xmlns:a16="http://schemas.microsoft.com/office/drawing/2014/main" id="{F2D9EA87-4BE1-4598-83F4-9AB7E6552917}"/>
+          <p:cNvPr id="4" name="Grafik 3">
+            <a:extLst>
+              <a:ext uri="{FF2B5EF4-FFF2-40B4-BE49-F238E27FC236}">
+                <a16:creationId xmlns:a16="http://schemas.microsoft.com/office/drawing/2014/main" id="{63C95384-4940-45B8-9B94-9787CA81DA86}"/>
               </a:ext>
             </a:extLst>
           </p:cNvPr>
@@ -5652,8 +5314,8 @@
         </p:blipFill>
         <p:spPr>
           <a:xfrm>
-            <a:off x="0" y="1949018"/>
-            <a:ext cx="6261403" cy="4174268"/>
+            <a:off x="337343" y="2433255"/>
+            <a:ext cx="8553450" cy="1352550"/>
           </a:xfrm>
           <a:prstGeom prst="rect">
             <a:avLst/>
@@ -5662,10 +5324,10 @@
       </p:pic>
       <p:pic>
         <p:nvPicPr>
-          <p:cNvPr id="11" name="Grafik 10" descr="Ein Bild, das Text, Karte enthält.&#10;&#10;Automatisch generierte Beschreibung">
-            <a:extLst>
-              <a:ext uri="{FF2B5EF4-FFF2-40B4-BE49-F238E27FC236}">
-                <a16:creationId xmlns:a16="http://schemas.microsoft.com/office/drawing/2014/main" id="{08E2EAE5-8D07-480A-8946-9820FC260AAA}"/>
+          <p:cNvPr id="5" name="Grafik 4">
+            <a:extLst>
+              <a:ext uri="{FF2B5EF4-FFF2-40B4-BE49-F238E27FC236}">
+                <a16:creationId xmlns:a16="http://schemas.microsoft.com/office/drawing/2014/main" id="{62E0F356-5176-40A0-BA66-9C7E7D671EFC}"/>
               </a:ext>
             </a:extLst>
           </p:cNvPr>
@@ -5688,8 +5350,8 @@
         </p:blipFill>
         <p:spPr>
           <a:xfrm>
-            <a:off x="6096000" y="1949018"/>
-            <a:ext cx="6261404" cy="4174268"/>
+            <a:off x="337343" y="4706616"/>
+            <a:ext cx="6477000" cy="1323975"/>
           </a:xfrm>
           <a:prstGeom prst="rect">
             <a:avLst/>
@@ -5698,10 +5360,127 @@
       </p:pic>
       <p:sp>
         <p:nvSpPr>
+          <p:cNvPr id="6" name="Textfeld 5">
+            <a:extLst>
+              <a:ext uri="{FF2B5EF4-FFF2-40B4-BE49-F238E27FC236}">
+                <a16:creationId xmlns:a16="http://schemas.microsoft.com/office/drawing/2014/main" id="{EF73194B-CCA2-4A87-8DBC-D1633A5B670E}"/>
+              </a:ext>
+            </a:extLst>
+          </p:cNvPr>
+          <p:cNvSpPr txBox="1"/>
+          <p:nvPr/>
+        </p:nvSpPr>
+        <p:spPr>
+          <a:xfrm>
+            <a:off x="337343" y="1800361"/>
+            <a:ext cx="3273287" cy="523220"/>
+          </a:xfrm>
+          <a:prstGeom prst="rect">
+            <a:avLst/>
+          </a:prstGeom>
+          <a:noFill/>
+        </p:spPr>
+        <p:txBody>
+          <a:bodyPr wrap="square" rtlCol="0">
+            <a:spAutoFit/>
+          </a:bodyPr>
+          <a:lstStyle/>
+          <a:p>
+            <a:r>
+              <a:rPr lang="de-DE" sz="2800" dirty="0" err="1"/>
+              <a:t>Decision</a:t>
+            </a:r>
+            <a:r>
+              <a:rPr lang="de-DE" sz="2800" dirty="0"/>
+              <a:t> </a:t>
+            </a:r>
+            <a:r>
+              <a:rPr lang="de-DE" sz="2800" dirty="0" err="1"/>
+              <a:t>Trees</a:t>
+            </a:r>
+            <a:r>
+              <a:rPr lang="de-DE" sz="2800" dirty="0"/>
+              <a:t>*</a:t>
+            </a:r>
+          </a:p>
+        </p:txBody>
+      </p:sp>
+      <p:sp>
+        <p:nvSpPr>
+          <p:cNvPr id="8" name="Textfeld 7">
+            <a:extLst>
+              <a:ext uri="{FF2B5EF4-FFF2-40B4-BE49-F238E27FC236}">
+                <a16:creationId xmlns:a16="http://schemas.microsoft.com/office/drawing/2014/main" id="{1C31A5EC-67FE-45AC-9545-ABE2B6D8D139}"/>
+              </a:ext>
+            </a:extLst>
+          </p:cNvPr>
+          <p:cNvSpPr txBox="1"/>
+          <p:nvPr/>
+        </p:nvSpPr>
+        <p:spPr>
+          <a:xfrm>
+            <a:off x="337343" y="4037622"/>
+            <a:ext cx="3664814" cy="523220"/>
+          </a:xfrm>
+          <a:prstGeom prst="rect">
+            <a:avLst/>
+          </a:prstGeom>
+          <a:noFill/>
+        </p:spPr>
+        <p:txBody>
+          <a:bodyPr wrap="square" rtlCol="0">
+            <a:spAutoFit/>
+          </a:bodyPr>
+          <a:lstStyle/>
+          <a:p>
+            <a:r>
+              <a:rPr lang="de-DE" sz="2800" dirty="0"/>
+              <a:t>Logistische Regression*</a:t>
+            </a:r>
+          </a:p>
+        </p:txBody>
+      </p:sp>
+      <p:sp>
+        <p:nvSpPr>
+          <p:cNvPr id="9" name="Textfeld 8">
+            <a:extLst>
+              <a:ext uri="{FF2B5EF4-FFF2-40B4-BE49-F238E27FC236}">
+                <a16:creationId xmlns:a16="http://schemas.microsoft.com/office/drawing/2014/main" id="{45C61808-840B-45E1-A882-3B36D5C48E11}"/>
+              </a:ext>
+            </a:extLst>
+          </p:cNvPr>
+          <p:cNvSpPr txBox="1"/>
+          <p:nvPr/>
+        </p:nvSpPr>
+        <p:spPr>
+          <a:xfrm>
+            <a:off x="8388626" y="6030591"/>
+            <a:ext cx="3466031" cy="584775"/>
+          </a:xfrm>
+          <a:prstGeom prst="rect">
+            <a:avLst/>
+          </a:prstGeom>
+          <a:noFill/>
+        </p:spPr>
+        <p:txBody>
+          <a:bodyPr wrap="square" rtlCol="0">
+            <a:spAutoFit/>
+          </a:bodyPr>
+          <a:lstStyle/>
+          <a:p>
+            <a:r>
+              <a:rPr lang="de-DE" sz="1600" dirty="0"/>
+              <a:t>*Die besten drei und die schlechteste Parameterkombination</a:t>
+            </a:r>
+          </a:p>
+        </p:txBody>
+      </p:sp>
+      <p:sp>
+        <p:nvSpPr>
           <p:cNvPr id="3" name="Foliennummernplatzhalter 2">
             <a:extLst>
               <a:ext uri="{FF2B5EF4-FFF2-40B4-BE49-F238E27FC236}">
-                <a16:creationId xmlns:a16="http://schemas.microsoft.com/office/drawing/2014/main" id="{B97B19AC-9833-4067-BF5B-6C84BD770922}"/>
+                <a16:creationId xmlns:a16="http://schemas.microsoft.com/office/drawing/2014/main" id="{E319B800-BAD9-47C8-8632-ACDD9666E88E}"/>
               </a:ext>
             </a:extLst>
           </p:cNvPr>
@@ -5728,7 +5507,7 @@
     </p:spTree>
     <p:extLst>
       <p:ext uri="{BB962C8B-B14F-4D97-AF65-F5344CB8AC3E}">
-        <p14:creationId xmlns:p14="http://schemas.microsoft.com/office/powerpoint/2010/main" val="2422262105"/>
+        <p14:creationId xmlns:p14="http://schemas.microsoft.com/office/powerpoint/2010/main" val="2365557486"/>
       </p:ext>
     </p:extLst>
   </p:cSld>
@@ -5760,7 +5539,7 @@
           <p:cNvPr id="2" name="Titel 1">
             <a:extLst>
               <a:ext uri="{FF2B5EF4-FFF2-40B4-BE49-F238E27FC236}">
-                <a16:creationId xmlns:a16="http://schemas.microsoft.com/office/drawing/2014/main" id="{B54C5851-D7EA-4AD2-9863-DF928872C66A}"/>
+                <a16:creationId xmlns:a16="http://schemas.microsoft.com/office/drawing/2014/main" id="{A65C7E1E-36AD-4F6B-8C66-BC474F2CE9CC}"/>
               </a:ext>
             </a:extLst>
           </p:cNvPr>
@@ -5779,17 +5558,17 @@
             <a:pPr algn="ctr"/>
             <a:r>
               <a:rPr lang="de-DE" dirty="0"/>
-              <a:t>Ergebnisse</a:t>
+              <a:t>Verwendete Hyperparameter</a:t>
             </a:r>
           </a:p>
         </p:txBody>
       </p:sp>
       <p:pic>
         <p:nvPicPr>
-          <p:cNvPr id="5" name="Grafik 4" descr="Ein Bild, das Text, Karte enthält.&#10;&#10;Automatisch generierte Beschreibung">
-            <a:extLst>
-              <a:ext uri="{FF2B5EF4-FFF2-40B4-BE49-F238E27FC236}">
-                <a16:creationId xmlns:a16="http://schemas.microsoft.com/office/drawing/2014/main" id="{CD413344-5E27-42A2-8712-547B1BF6AF0B}"/>
+          <p:cNvPr id="11" name="Grafik 10" descr="Ein Bild, das Screenshot enthält.&#10;&#10;Automatisch generierte Beschreibung">
+            <a:extLst>
+              <a:ext uri="{FF2B5EF4-FFF2-40B4-BE49-F238E27FC236}">
+                <a16:creationId xmlns:a16="http://schemas.microsoft.com/office/drawing/2014/main" id="{9A4A772C-67F4-4E74-8A88-E4EE23863015}"/>
               </a:ext>
             </a:extLst>
           </p:cNvPr>
@@ -5812,8 +5591,8 @@
         </p:blipFill>
         <p:spPr>
           <a:xfrm>
-            <a:off x="0" y="1690688"/>
-            <a:ext cx="6347791" cy="4231860"/>
+            <a:off x="5274365" y="3217545"/>
+            <a:ext cx="3678066" cy="1323975"/>
           </a:xfrm>
           <a:prstGeom prst="rect">
             <a:avLst/>
@@ -5822,10 +5601,10 @@
       </p:pic>
       <p:pic>
         <p:nvPicPr>
-          <p:cNvPr id="7" name="Grafik 6" descr="Ein Bild, das Text, Karte enthält.&#10;&#10;Automatisch generierte Beschreibung">
-            <a:extLst>
-              <a:ext uri="{FF2B5EF4-FFF2-40B4-BE49-F238E27FC236}">
-                <a16:creationId xmlns:a16="http://schemas.microsoft.com/office/drawing/2014/main" id="{DC7E2F2A-E47D-4774-9976-5ED921DAA5C7}"/>
+          <p:cNvPr id="13" name="Grafik 12" descr="Ein Bild, das Screenshot enthält.&#10;&#10;Automatisch generierte Beschreibung">
+            <a:extLst>
+              <a:ext uri="{FF2B5EF4-FFF2-40B4-BE49-F238E27FC236}">
+                <a16:creationId xmlns:a16="http://schemas.microsoft.com/office/drawing/2014/main" id="{5C90FDEA-A13F-4875-8E9A-1A53F0E41360}"/>
               </a:ext>
             </a:extLst>
           </p:cNvPr>
@@ -5848,20 +5627,200 @@
         </p:blipFill>
         <p:spPr>
           <a:xfrm>
-            <a:off x="6096000" y="1690688"/>
-            <a:ext cx="6347791" cy="4231860"/>
+            <a:off x="5161481" y="1570274"/>
+            <a:ext cx="3790950" cy="1419225"/>
           </a:xfrm>
           <a:prstGeom prst="rect">
             <a:avLst/>
           </a:prstGeom>
         </p:spPr>
       </p:pic>
+      <p:pic>
+        <p:nvPicPr>
+          <p:cNvPr id="17" name="Grafik 16" descr="Ein Bild, das Screenshot enthält.&#10;&#10;Automatisch generierte Beschreibung">
+            <a:extLst>
+              <a:ext uri="{FF2B5EF4-FFF2-40B4-BE49-F238E27FC236}">
+                <a16:creationId xmlns:a16="http://schemas.microsoft.com/office/drawing/2014/main" id="{A13ACF54-090E-44EA-933A-F6675A8641F5}"/>
+              </a:ext>
+            </a:extLst>
+          </p:cNvPr>
+          <p:cNvPicPr>
+            <a:picLocks noChangeAspect="1"/>
+          </p:cNvPicPr>
+          <p:nvPr/>
+        </p:nvPicPr>
+        <p:blipFill>
+          <a:blip r:embed="rId4">
+            <a:extLst>
+              <a:ext uri="{28A0092B-C50C-407E-A947-70E740481C1C}">
+                <a14:useLocalDpi xmlns:a14="http://schemas.microsoft.com/office/drawing/2010/main" val="0"/>
+              </a:ext>
+            </a:extLst>
+          </a:blip>
+          <a:stretch>
+            <a:fillRect/>
+          </a:stretch>
+        </p:blipFill>
+        <p:spPr>
+          <a:xfrm>
+            <a:off x="5037656" y="4572678"/>
+            <a:ext cx="3914775" cy="1514475"/>
+          </a:xfrm>
+          <a:prstGeom prst="rect">
+            <a:avLst/>
+          </a:prstGeom>
+        </p:spPr>
+      </p:pic>
+      <p:sp>
+        <p:nvSpPr>
+          <p:cNvPr id="20" name="Textfeld 19">
+            <a:extLst>
+              <a:ext uri="{FF2B5EF4-FFF2-40B4-BE49-F238E27FC236}">
+                <a16:creationId xmlns:a16="http://schemas.microsoft.com/office/drawing/2014/main" id="{3E0BD986-9E74-4348-8CA7-F0C5DE5FDDFB}"/>
+              </a:ext>
+            </a:extLst>
+          </p:cNvPr>
+          <p:cNvSpPr txBox="1"/>
+          <p:nvPr/>
+        </p:nvSpPr>
+        <p:spPr>
+          <a:xfrm>
+            <a:off x="337343" y="1970434"/>
+            <a:ext cx="3273287" cy="523220"/>
+          </a:xfrm>
+          <a:prstGeom prst="rect">
+            <a:avLst/>
+          </a:prstGeom>
+          <a:noFill/>
+        </p:spPr>
+        <p:txBody>
+          <a:bodyPr wrap="square" rtlCol="0">
+            <a:spAutoFit/>
+          </a:bodyPr>
+          <a:lstStyle/>
+          <a:p>
+            <a:r>
+              <a:rPr lang="de-DE" sz="2800" dirty="0"/>
+              <a:t>Random Forest*</a:t>
+            </a:r>
+          </a:p>
+        </p:txBody>
+      </p:sp>
+      <p:sp>
+        <p:nvSpPr>
+          <p:cNvPr id="21" name="Textfeld 20">
+            <a:extLst>
+              <a:ext uri="{FF2B5EF4-FFF2-40B4-BE49-F238E27FC236}">
+                <a16:creationId xmlns:a16="http://schemas.microsoft.com/office/drawing/2014/main" id="{00B9525A-F03B-483B-AFBF-2343ADEC7874}"/>
+              </a:ext>
+            </a:extLst>
+          </p:cNvPr>
+          <p:cNvSpPr txBox="1"/>
+          <p:nvPr/>
+        </p:nvSpPr>
+        <p:spPr>
+          <a:xfrm>
+            <a:off x="337343" y="3553912"/>
+            <a:ext cx="3273287" cy="523220"/>
+          </a:xfrm>
+          <a:prstGeom prst="rect">
+            <a:avLst/>
+          </a:prstGeom>
+          <a:noFill/>
+        </p:spPr>
+        <p:txBody>
+          <a:bodyPr wrap="square" rtlCol="0">
+            <a:spAutoFit/>
+          </a:bodyPr>
+          <a:lstStyle/>
+          <a:p>
+            <a:r>
+              <a:rPr lang="de-DE" sz="2800" dirty="0"/>
+              <a:t>Linear SVC*</a:t>
+            </a:r>
+          </a:p>
+        </p:txBody>
+      </p:sp>
+      <p:sp>
+        <p:nvSpPr>
+          <p:cNvPr id="22" name="Textfeld 21">
+            <a:extLst>
+              <a:ext uri="{FF2B5EF4-FFF2-40B4-BE49-F238E27FC236}">
+                <a16:creationId xmlns:a16="http://schemas.microsoft.com/office/drawing/2014/main" id="{CB1A2703-CEB6-4334-9E59-1853C07201A4}"/>
+              </a:ext>
+            </a:extLst>
+          </p:cNvPr>
+          <p:cNvSpPr txBox="1"/>
+          <p:nvPr/>
+        </p:nvSpPr>
+        <p:spPr>
+          <a:xfrm>
+            <a:off x="337343" y="5235573"/>
+            <a:ext cx="4062032" cy="523220"/>
+          </a:xfrm>
+          <a:prstGeom prst="rect">
+            <a:avLst/>
+          </a:prstGeom>
+          <a:noFill/>
+        </p:spPr>
+        <p:txBody>
+          <a:bodyPr wrap="square" rtlCol="0">
+            <a:spAutoFit/>
+          </a:bodyPr>
+          <a:lstStyle/>
+          <a:p>
+            <a:r>
+              <a:rPr lang="de-DE" sz="2800" dirty="0" err="1"/>
+              <a:t>Multinomial</a:t>
+            </a:r>
+            <a:r>
+              <a:rPr lang="de-DE" sz="2800" dirty="0"/>
+              <a:t> Naive Bayes*</a:t>
+            </a:r>
+          </a:p>
+        </p:txBody>
+      </p:sp>
+      <p:sp>
+        <p:nvSpPr>
+          <p:cNvPr id="23" name="Textfeld 22">
+            <a:extLst>
+              <a:ext uri="{FF2B5EF4-FFF2-40B4-BE49-F238E27FC236}">
+                <a16:creationId xmlns:a16="http://schemas.microsoft.com/office/drawing/2014/main" id="{5B3C4E72-50D6-42FD-8BF8-31F2866E8EE7}"/>
+              </a:ext>
+            </a:extLst>
+          </p:cNvPr>
+          <p:cNvSpPr txBox="1"/>
+          <p:nvPr/>
+        </p:nvSpPr>
+        <p:spPr>
+          <a:xfrm>
+            <a:off x="8388626" y="6125657"/>
+            <a:ext cx="3466031" cy="584775"/>
+          </a:xfrm>
+          <a:prstGeom prst="rect">
+            <a:avLst/>
+          </a:prstGeom>
+          <a:noFill/>
+        </p:spPr>
+        <p:txBody>
+          <a:bodyPr wrap="square" rtlCol="0">
+            <a:spAutoFit/>
+          </a:bodyPr>
+          <a:lstStyle/>
+          <a:p>
+            <a:r>
+              <a:rPr lang="de-DE" sz="1600" dirty="0"/>
+              <a:t>*Die besten drei und die schlechteste Parameterkombination</a:t>
+            </a:r>
+          </a:p>
+        </p:txBody>
+      </p:sp>
       <p:sp>
         <p:nvSpPr>
           <p:cNvPr id="3" name="Foliennummernplatzhalter 2">
             <a:extLst>
               <a:ext uri="{FF2B5EF4-FFF2-40B4-BE49-F238E27FC236}">
-                <a16:creationId xmlns:a16="http://schemas.microsoft.com/office/drawing/2014/main" id="{FE4B1C70-46EA-4ED9-AF71-A5223EB6BFE8}"/>
+                <a16:creationId xmlns:a16="http://schemas.microsoft.com/office/drawing/2014/main" id="{4BAF2269-EB7D-4DF2-9199-69D7B190FBB1}"/>
               </a:ext>
             </a:extLst>
           </p:cNvPr>
@@ -5888,7 +5847,7 @@
     </p:spTree>
     <p:extLst>
       <p:ext uri="{BB962C8B-B14F-4D97-AF65-F5344CB8AC3E}">
-        <p14:creationId xmlns:p14="http://schemas.microsoft.com/office/powerpoint/2010/main" val="1977637954"/>
+        <p14:creationId xmlns:p14="http://schemas.microsoft.com/office/powerpoint/2010/main" val="1654103409"/>
       </p:ext>
     </p:extLst>
   </p:cSld>
@@ -6078,7 +6037,7 @@
           <p:cNvPr id="2" name="Titel 1">
             <a:extLst>
               <a:ext uri="{FF2B5EF4-FFF2-40B4-BE49-F238E27FC236}">
-                <a16:creationId xmlns:a16="http://schemas.microsoft.com/office/drawing/2014/main" id="{B54C5851-D7EA-4AD2-9863-DF928872C66A}"/>
+                <a16:creationId xmlns:a16="http://schemas.microsoft.com/office/drawing/2014/main" id="{8FCDB097-9307-4A3A-904C-D49106B56B1D}"/>
               </a:ext>
             </a:extLst>
           </p:cNvPr>
@@ -6104,10 +6063,10 @@
       </p:sp>
       <p:pic>
         <p:nvPicPr>
-          <p:cNvPr id="4" name="Grafik 3" descr="Ein Bild, das Text, Karte enthält.&#10;&#10;Automatisch generierte Beschreibung">
-            <a:extLst>
-              <a:ext uri="{FF2B5EF4-FFF2-40B4-BE49-F238E27FC236}">
-                <a16:creationId xmlns:a16="http://schemas.microsoft.com/office/drawing/2014/main" id="{EBCC54CA-728D-49B0-A8C9-FF3CD3420F8F}"/>
+          <p:cNvPr id="9" name="Grafik 8" descr="Ein Bild, das Text, Karte enthält.&#10;&#10;Automatisch generierte Beschreibung">
+            <a:extLst>
+              <a:ext uri="{FF2B5EF4-FFF2-40B4-BE49-F238E27FC236}">
+                <a16:creationId xmlns:a16="http://schemas.microsoft.com/office/drawing/2014/main" id="{F2D9EA87-4BE1-4598-83F4-9AB7E6552917}"/>
               </a:ext>
             </a:extLst>
           </p:cNvPr>
@@ -6130,8 +6089,8 @@
         </p:blipFill>
         <p:spPr>
           <a:xfrm>
-            <a:off x="0" y="1690688"/>
-            <a:ext cx="6215270" cy="4143513"/>
+            <a:off x="0" y="1949018"/>
+            <a:ext cx="6261403" cy="4174268"/>
           </a:xfrm>
           <a:prstGeom prst="rect">
             <a:avLst/>
@@ -6140,10 +6099,10 @@
       </p:pic>
       <p:pic>
         <p:nvPicPr>
-          <p:cNvPr id="6" name="Grafik 5" descr="Ein Bild, das Text, Karte enthält.&#10;&#10;Automatisch generierte Beschreibung">
-            <a:extLst>
-              <a:ext uri="{FF2B5EF4-FFF2-40B4-BE49-F238E27FC236}">
-                <a16:creationId xmlns:a16="http://schemas.microsoft.com/office/drawing/2014/main" id="{42A3A93A-6C09-4F63-93D4-236921BF04B5}"/>
+          <p:cNvPr id="11" name="Grafik 10" descr="Ein Bild, das Text, Karte enthält.&#10;&#10;Automatisch generierte Beschreibung">
+            <a:extLst>
+              <a:ext uri="{FF2B5EF4-FFF2-40B4-BE49-F238E27FC236}">
+                <a16:creationId xmlns:a16="http://schemas.microsoft.com/office/drawing/2014/main" id="{08E2EAE5-8D07-480A-8946-9820FC260AAA}"/>
               </a:ext>
             </a:extLst>
           </p:cNvPr>
@@ -6166,8 +6125,8 @@
         </p:blipFill>
         <p:spPr>
           <a:xfrm>
-            <a:off x="6096000" y="1690688"/>
-            <a:ext cx="6215271" cy="4143513"/>
+            <a:off x="6096000" y="1949018"/>
+            <a:ext cx="6261404" cy="4174268"/>
           </a:xfrm>
           <a:prstGeom prst="rect">
             <a:avLst/>
@@ -6179,7 +6138,7 @@
           <p:cNvPr id="3" name="Foliennummernplatzhalter 2">
             <a:extLst>
               <a:ext uri="{FF2B5EF4-FFF2-40B4-BE49-F238E27FC236}">
-                <a16:creationId xmlns:a16="http://schemas.microsoft.com/office/drawing/2014/main" id="{9BB46D99-E44D-40D8-AEF8-712DF699C40F}"/>
+                <a16:creationId xmlns:a16="http://schemas.microsoft.com/office/drawing/2014/main" id="{B97B19AC-9833-4067-BF5B-6C84BD770922}"/>
               </a:ext>
             </a:extLst>
           </p:cNvPr>
@@ -6206,7 +6165,7 @@
     </p:spTree>
     <p:extLst>
       <p:ext uri="{BB962C8B-B14F-4D97-AF65-F5344CB8AC3E}">
-        <p14:creationId xmlns:p14="http://schemas.microsoft.com/office/powerpoint/2010/main" val="340867511"/>
+        <p14:creationId xmlns:p14="http://schemas.microsoft.com/office/powerpoint/2010/main" val="2422262105"/>
       </p:ext>
     </p:extLst>
   </p:cSld>
@@ -6238,7 +6197,7 @@
           <p:cNvPr id="2" name="Titel 1">
             <a:extLst>
               <a:ext uri="{FF2B5EF4-FFF2-40B4-BE49-F238E27FC236}">
-                <a16:creationId xmlns:a16="http://schemas.microsoft.com/office/drawing/2014/main" id="{F1B4F7C5-DF8C-4E02-8E4A-423EC3481167}"/>
+                <a16:creationId xmlns:a16="http://schemas.microsoft.com/office/drawing/2014/main" id="{B54C5851-D7EA-4AD2-9863-DF928872C66A}"/>
               </a:ext>
             </a:extLst>
           </p:cNvPr>
@@ -6257,128 +6216,89 @@
             <a:pPr algn="ctr"/>
             <a:r>
               <a:rPr lang="de-DE" dirty="0"/>
-              <a:t>Quellen</a:t>
-            </a:r>
-          </a:p>
-        </p:txBody>
-      </p:sp>
-      <p:sp>
-        <p:nvSpPr>
-          <p:cNvPr id="3" name="Inhaltsplatzhalter 2">
-            <a:extLst>
-              <a:ext uri="{FF2B5EF4-FFF2-40B4-BE49-F238E27FC236}">
-                <a16:creationId xmlns:a16="http://schemas.microsoft.com/office/drawing/2014/main" id="{E9613B1C-4527-465B-9C84-BC2842568639}"/>
-              </a:ext>
-            </a:extLst>
-          </p:cNvPr>
-          <p:cNvSpPr>
-            <a:spLocks noGrp="1"/>
-          </p:cNvSpPr>
-          <p:nvPr>
-            <p:ph idx="1"/>
-          </p:nvPr>
-        </p:nvSpPr>
-        <p:spPr/>
-        <p:txBody>
-          <a:bodyPr/>
-          <a:lstStyle/>
-          <a:p>
-            <a:r>
-              <a:rPr lang="de-DE" dirty="0"/>
-              <a:t>Niehaus, Konstantin. (2019). German Innsbruck Corpus (</a:t>
-            </a:r>
-            <a:r>
-              <a:rPr lang="de-DE" dirty="0" err="1"/>
-              <a:t>GermInnC</a:t>
-            </a:r>
-            <a:r>
-              <a:rPr lang="de-DE" dirty="0"/>
-              <a:t>) 1800-1950 (Version 1.0) [Data </a:t>
-            </a:r>
-            <a:r>
-              <a:rPr lang="de-DE" dirty="0" err="1"/>
-              <a:t>set</a:t>
-            </a:r>
-            <a:r>
-              <a:rPr lang="de-DE" dirty="0"/>
-              <a:t>]. </a:t>
-            </a:r>
-            <a:r>
-              <a:rPr lang="de-DE" dirty="0" err="1"/>
-              <a:t>Zenodo</a:t>
-            </a:r>
-            <a:r>
-              <a:rPr lang="de-DE" dirty="0"/>
-              <a:t>. </a:t>
-            </a:r>
-            <a:r>
-              <a:rPr lang="de-DE" dirty="0">
-                <a:hlinkClick r:id="rId2"/>
-              </a:rPr>
-              <a:t>http://doi.org/10.5281/zenodo.3457917</a:t>
-            </a:r>
-            <a:r>
-              <a:rPr lang="de-DE" dirty="0"/>
-              <a:t>.</a:t>
-            </a:r>
-          </a:p>
-          <a:p>
-            <a:r>
-              <a:rPr lang="de-DE" dirty="0"/>
-              <a:t>Martin Durrell; Paul Bennett; Silke Scheible; et al. (2012).German Manchester Corpus (</a:t>
-            </a:r>
-            <a:r>
-              <a:rPr lang="de-DE" i="1" dirty="0" err="1"/>
-              <a:t>GerManC</a:t>
-            </a:r>
-            <a:r>
-              <a:rPr lang="de-DE" i="1" dirty="0"/>
-              <a:t>) </a:t>
-            </a:r>
-            <a:r>
-              <a:rPr lang="de-DE" dirty="0"/>
-              <a:t>1650 – 1800. Oxford Text Archive. </a:t>
-            </a:r>
-            <a:r>
-              <a:rPr lang="de-DE" dirty="0">
-                <a:hlinkClick r:id="rId3"/>
-              </a:rPr>
-              <a:t>http://hdl.handle.net/20.500.12024/2544</a:t>
-            </a:r>
-            <a:r>
-              <a:rPr lang="de-DE" dirty="0"/>
-              <a:t>. </a:t>
-            </a:r>
-          </a:p>
-          <a:p>
-            <a:pPr marL="0" indent="0">
-              <a:buNone/>
-            </a:pPr>
-            <a:endParaRPr lang="de-DE" u="sng" dirty="0"/>
-          </a:p>
-          <a:p>
-            <a:pPr marL="0" indent="0">
-              <a:buNone/>
-            </a:pPr>
-            <a:r>
-              <a:rPr lang="de-DE" u="sng" dirty="0"/>
-              <a:t>Code zum Projekt:</a:t>
-            </a:r>
-          </a:p>
-          <a:p>
-            <a:r>
-              <a:rPr lang="de-DE" dirty="0"/>
-              <a:t>https://github.com/LennartKeller/TextklassifikationsProjekt2019</a:t>
-            </a:r>
-          </a:p>
-        </p:txBody>
-      </p:sp>
-      <p:sp>
-        <p:nvSpPr>
-          <p:cNvPr id="4" name="Foliennummernplatzhalter 3">
-            <a:extLst>
-              <a:ext uri="{FF2B5EF4-FFF2-40B4-BE49-F238E27FC236}">
-                <a16:creationId xmlns:a16="http://schemas.microsoft.com/office/drawing/2014/main" id="{F1E5D37C-60EF-410B-9E62-EDB3D89BB593}"/>
+              <a:t>Ergebnisse</a:t>
+            </a:r>
+          </a:p>
+        </p:txBody>
+      </p:sp>
+      <p:pic>
+        <p:nvPicPr>
+          <p:cNvPr id="5" name="Grafik 4" descr="Ein Bild, das Text, Karte enthält.&#10;&#10;Automatisch generierte Beschreibung">
+            <a:extLst>
+              <a:ext uri="{FF2B5EF4-FFF2-40B4-BE49-F238E27FC236}">
+                <a16:creationId xmlns:a16="http://schemas.microsoft.com/office/drawing/2014/main" id="{CD413344-5E27-42A2-8712-547B1BF6AF0B}"/>
+              </a:ext>
+            </a:extLst>
+          </p:cNvPr>
+          <p:cNvPicPr>
+            <a:picLocks noChangeAspect="1"/>
+          </p:cNvPicPr>
+          <p:nvPr/>
+        </p:nvPicPr>
+        <p:blipFill>
+          <a:blip r:embed="rId2">
+            <a:extLst>
+              <a:ext uri="{28A0092B-C50C-407E-A947-70E740481C1C}">
+                <a14:useLocalDpi xmlns:a14="http://schemas.microsoft.com/office/drawing/2010/main" val="0"/>
+              </a:ext>
+            </a:extLst>
+          </a:blip>
+          <a:stretch>
+            <a:fillRect/>
+          </a:stretch>
+        </p:blipFill>
+        <p:spPr>
+          <a:xfrm>
+            <a:off x="0" y="1690688"/>
+            <a:ext cx="6347791" cy="4231860"/>
+          </a:xfrm>
+          <a:prstGeom prst="rect">
+            <a:avLst/>
+          </a:prstGeom>
+        </p:spPr>
+      </p:pic>
+      <p:pic>
+        <p:nvPicPr>
+          <p:cNvPr id="7" name="Grafik 6" descr="Ein Bild, das Text, Karte enthält.&#10;&#10;Automatisch generierte Beschreibung">
+            <a:extLst>
+              <a:ext uri="{FF2B5EF4-FFF2-40B4-BE49-F238E27FC236}">
+                <a16:creationId xmlns:a16="http://schemas.microsoft.com/office/drawing/2014/main" id="{DC7E2F2A-E47D-4774-9976-5ED921DAA5C7}"/>
+              </a:ext>
+            </a:extLst>
+          </p:cNvPr>
+          <p:cNvPicPr>
+            <a:picLocks noChangeAspect="1"/>
+          </p:cNvPicPr>
+          <p:nvPr/>
+        </p:nvPicPr>
+        <p:blipFill>
+          <a:blip r:embed="rId3">
+            <a:extLst>
+              <a:ext uri="{28A0092B-C50C-407E-A947-70E740481C1C}">
+                <a14:useLocalDpi xmlns:a14="http://schemas.microsoft.com/office/drawing/2010/main" val="0"/>
+              </a:ext>
+            </a:extLst>
+          </a:blip>
+          <a:stretch>
+            <a:fillRect/>
+          </a:stretch>
+        </p:blipFill>
+        <p:spPr>
+          <a:xfrm>
+            <a:off x="6096000" y="1690688"/>
+            <a:ext cx="6347791" cy="4231860"/>
+          </a:xfrm>
+          <a:prstGeom prst="rect">
+            <a:avLst/>
+          </a:prstGeom>
+        </p:spPr>
+      </p:pic>
+      <p:sp>
+        <p:nvSpPr>
+          <p:cNvPr id="3" name="Foliennummernplatzhalter 2">
+            <a:extLst>
+              <a:ext uri="{FF2B5EF4-FFF2-40B4-BE49-F238E27FC236}">
+                <a16:creationId xmlns:a16="http://schemas.microsoft.com/office/drawing/2014/main" id="{FE4B1C70-46EA-4ED9-AF71-A5223EB6BFE8}"/>
               </a:ext>
             </a:extLst>
           </p:cNvPr>
@@ -6405,7 +6325,7 @@
     </p:spTree>
     <p:extLst>
       <p:ext uri="{BB962C8B-B14F-4D97-AF65-F5344CB8AC3E}">
-        <p14:creationId xmlns:p14="http://schemas.microsoft.com/office/powerpoint/2010/main" val="3205957287"/>
+        <p14:creationId xmlns:p14="http://schemas.microsoft.com/office/powerpoint/2010/main" val="1977637954"/>
       </p:ext>
     </p:extLst>
   </p:cSld>
@@ -6432,12 +6352,41 @@
           <a:chExt cx="0" cy="0"/>
         </a:xfrm>
       </p:grpSpPr>
+      <p:sp>
+        <p:nvSpPr>
+          <p:cNvPr id="2" name="Titel 1">
+            <a:extLst>
+              <a:ext uri="{FF2B5EF4-FFF2-40B4-BE49-F238E27FC236}">
+                <a16:creationId xmlns:a16="http://schemas.microsoft.com/office/drawing/2014/main" id="{B54C5851-D7EA-4AD2-9863-DF928872C66A}"/>
+              </a:ext>
+            </a:extLst>
+          </p:cNvPr>
+          <p:cNvSpPr>
+            <a:spLocks noGrp="1"/>
+          </p:cNvSpPr>
+          <p:nvPr>
+            <p:ph type="title"/>
+          </p:nvPr>
+        </p:nvSpPr>
+        <p:spPr/>
+        <p:txBody>
+          <a:bodyPr/>
+          <a:lstStyle/>
+          <a:p>
+            <a:pPr algn="ctr"/>
+            <a:r>
+              <a:rPr lang="de-DE" dirty="0"/>
+              <a:t>Ergebnisse</a:t>
+            </a:r>
+          </a:p>
+        </p:txBody>
+      </p:sp>
       <p:pic>
         <p:nvPicPr>
-          <p:cNvPr id="5" name="Grafik 4" descr="Ein Bild, das Screenshot enthält.&#10;&#10;Automatisch generierte Beschreibung">
-            <a:extLst>
-              <a:ext uri="{FF2B5EF4-FFF2-40B4-BE49-F238E27FC236}">
-                <a16:creationId xmlns:a16="http://schemas.microsoft.com/office/drawing/2014/main" id="{D372FEEB-9C7D-4B05-A834-933926B871DC}"/>
+          <p:cNvPr id="4" name="Grafik 3" descr="Ein Bild, das Text, Karte enthält.&#10;&#10;Automatisch generierte Beschreibung">
+            <a:extLst>
+              <a:ext uri="{FF2B5EF4-FFF2-40B4-BE49-F238E27FC236}">
+                <a16:creationId xmlns:a16="http://schemas.microsoft.com/office/drawing/2014/main" id="{EBCC54CA-728D-49B0-A8C9-FF3CD3420F8F}"/>
               </a:ext>
             </a:extLst>
           </p:cNvPr>
@@ -6460,55 +6409,56 @@
         </p:blipFill>
         <p:spPr>
           <a:xfrm>
-            <a:off x="4839432" y="0"/>
-            <a:ext cx="2513135" cy="6858000"/>
+            <a:off x="0" y="1690688"/>
+            <a:ext cx="6215270" cy="4143513"/>
           </a:xfrm>
           <a:prstGeom prst="rect">
             <a:avLst/>
           </a:prstGeom>
         </p:spPr>
       </p:pic>
-      <p:sp>
-        <p:nvSpPr>
-          <p:cNvPr id="6" name="Textfeld 5">
-            <a:extLst>
-              <a:ext uri="{FF2B5EF4-FFF2-40B4-BE49-F238E27FC236}">
-                <a16:creationId xmlns:a16="http://schemas.microsoft.com/office/drawing/2014/main" id="{F68BA897-F14A-49FE-8777-1FD495AF4CB3}"/>
-              </a:ext>
-            </a:extLst>
-          </p:cNvPr>
-          <p:cNvSpPr txBox="1"/>
+      <p:pic>
+        <p:nvPicPr>
+          <p:cNvPr id="6" name="Grafik 5" descr="Ein Bild, das Text, Karte enthält.&#10;&#10;Automatisch generierte Beschreibung">
+            <a:extLst>
+              <a:ext uri="{FF2B5EF4-FFF2-40B4-BE49-F238E27FC236}">
+                <a16:creationId xmlns:a16="http://schemas.microsoft.com/office/drawing/2014/main" id="{42A3A93A-6C09-4F63-93D4-236921BF04B5}"/>
+              </a:ext>
+            </a:extLst>
+          </p:cNvPr>
+          <p:cNvPicPr>
+            <a:picLocks noChangeAspect="1"/>
+          </p:cNvPicPr>
           <p:nvPr/>
-        </p:nvSpPr>
+        </p:nvPicPr>
+        <p:blipFill>
+          <a:blip r:embed="rId3">
+            <a:extLst>
+              <a:ext uri="{28A0092B-C50C-407E-A947-70E740481C1C}">
+                <a14:useLocalDpi xmlns:a14="http://schemas.microsoft.com/office/drawing/2010/main" val="0"/>
+              </a:ext>
+            </a:extLst>
+          </a:blip>
+          <a:stretch>
+            <a:fillRect/>
+          </a:stretch>
+        </p:blipFill>
         <p:spPr>
-          <a:xfrm flipH="1">
-            <a:off x="1264918" y="2782669"/>
-            <a:ext cx="2392681" cy="646331"/>
+          <a:xfrm>
+            <a:off x="6096000" y="1690688"/>
+            <a:ext cx="6215271" cy="4143513"/>
           </a:xfrm>
           <a:prstGeom prst="rect">
             <a:avLst/>
           </a:prstGeom>
-          <a:noFill/>
         </p:spPr>
-        <p:txBody>
-          <a:bodyPr wrap="square" rtlCol="0">
-            <a:spAutoFit/>
-          </a:bodyPr>
-          <a:lstStyle/>
-          <a:p>
-            <a:r>
-              <a:rPr lang="de-DE" dirty="0"/>
-              <a:t>Modellarchitektur Neuronales Netzwerk</a:t>
-            </a:r>
-          </a:p>
-        </p:txBody>
-      </p:sp>
-      <p:sp>
-        <p:nvSpPr>
-          <p:cNvPr id="2" name="Foliennummernplatzhalter 1">
-            <a:extLst>
-              <a:ext uri="{FF2B5EF4-FFF2-40B4-BE49-F238E27FC236}">
-                <a16:creationId xmlns:a16="http://schemas.microsoft.com/office/drawing/2014/main" id="{337BDC37-66A6-40CE-BA68-1184B6F7C909}"/>
+      </p:pic>
+      <p:sp>
+        <p:nvSpPr>
+          <p:cNvPr id="3" name="Foliennummernplatzhalter 2">
+            <a:extLst>
+              <a:ext uri="{FF2B5EF4-FFF2-40B4-BE49-F238E27FC236}">
+                <a16:creationId xmlns:a16="http://schemas.microsoft.com/office/drawing/2014/main" id="{9BB46D99-E44D-40D8-AEF8-712DF699C40F}"/>
               </a:ext>
             </a:extLst>
           </p:cNvPr>
@@ -6535,7 +6485,7 @@
     </p:spTree>
     <p:extLst>
       <p:ext uri="{BB962C8B-B14F-4D97-AF65-F5344CB8AC3E}">
-        <p14:creationId xmlns:p14="http://schemas.microsoft.com/office/powerpoint/2010/main" val="2869770221"/>
+        <p14:creationId xmlns:p14="http://schemas.microsoft.com/office/powerpoint/2010/main" val="340867511"/>
       </p:ext>
     </p:extLst>
   </p:cSld>
@@ -6562,84 +6512,130 @@
           <a:chExt cx="0" cy="0"/>
         </a:xfrm>
       </p:grpSpPr>
-      <p:pic>
-        <p:nvPicPr>
-          <p:cNvPr id="5" name="Grafik 4" descr="Ein Bild, das Screenshot enthält.&#10;&#10;Automatisch generierte Beschreibung">
-            <a:extLst>
-              <a:ext uri="{FF2B5EF4-FFF2-40B4-BE49-F238E27FC236}">
-                <a16:creationId xmlns:a16="http://schemas.microsoft.com/office/drawing/2014/main" id="{BB29E306-F18F-4814-A2C6-009AF17B3101}"/>
-              </a:ext>
-            </a:extLst>
-          </p:cNvPr>
-          <p:cNvPicPr>
-            <a:picLocks noChangeAspect="1"/>
-          </p:cNvPicPr>
-          <p:nvPr/>
-        </p:nvPicPr>
-        <p:blipFill>
-          <a:blip r:embed="rId2">
-            <a:extLst>
-              <a:ext uri="{28A0092B-C50C-407E-A947-70E740481C1C}">
-                <a14:useLocalDpi xmlns:a14="http://schemas.microsoft.com/office/drawing/2010/main" val="0"/>
-              </a:ext>
-            </a:extLst>
-          </a:blip>
-          <a:stretch>
-            <a:fillRect/>
-          </a:stretch>
-        </p:blipFill>
-        <p:spPr>
-          <a:xfrm>
-            <a:off x="6203659" y="1663296"/>
-            <a:ext cx="4979534" cy="3531405"/>
-          </a:xfrm>
-          <a:prstGeom prst="rect">
-            <a:avLst/>
-          </a:prstGeom>
-        </p:spPr>
-      </p:pic>
-      <p:pic>
-        <p:nvPicPr>
-          <p:cNvPr id="7" name="Grafik 6" descr="Ein Bild, das Karte, Text enthält.&#10;&#10;Automatisch generierte Beschreibung">
-            <a:extLst>
-              <a:ext uri="{FF2B5EF4-FFF2-40B4-BE49-F238E27FC236}">
-                <a16:creationId xmlns:a16="http://schemas.microsoft.com/office/drawing/2014/main" id="{6E0CA567-D193-4B22-BACD-3E6D56613C88}"/>
-              </a:ext>
-            </a:extLst>
-          </p:cNvPr>
-          <p:cNvPicPr>
-            <a:picLocks noChangeAspect="1"/>
-          </p:cNvPicPr>
-          <p:nvPr/>
-        </p:nvPicPr>
-        <p:blipFill>
-          <a:blip r:embed="rId3">
-            <a:extLst>
-              <a:ext uri="{28A0092B-C50C-407E-A947-70E740481C1C}">
-                <a14:useLocalDpi xmlns:a14="http://schemas.microsoft.com/office/drawing/2010/main" val="0"/>
-              </a:ext>
-            </a:extLst>
-          </a:blip>
-          <a:stretch>
-            <a:fillRect/>
-          </a:stretch>
-        </p:blipFill>
-        <p:spPr>
-          <a:xfrm>
-            <a:off x="624494" y="1663297"/>
-            <a:ext cx="4979534" cy="3531405"/>
-          </a:xfrm>
-          <a:prstGeom prst="rect">
-            <a:avLst/>
-          </a:prstGeom>
-        </p:spPr>
-      </p:pic>
-      <p:sp>
-        <p:nvSpPr>
-          <p:cNvPr id="2" name="Foliennummernplatzhalter 1">
-            <a:extLst>
-              <a:ext uri="{FF2B5EF4-FFF2-40B4-BE49-F238E27FC236}">
-                <a16:creationId xmlns:a16="http://schemas.microsoft.com/office/drawing/2014/main" id="{CC1D4C56-BEA1-4944-8F03-E0FA8B00F2A4}"/>
+      <p:sp>
+        <p:nvSpPr>
+          <p:cNvPr id="2" name="Titel 1">
+            <a:extLst>
+              <a:ext uri="{FF2B5EF4-FFF2-40B4-BE49-F238E27FC236}">
+                <a16:creationId xmlns:a16="http://schemas.microsoft.com/office/drawing/2014/main" id="{63042F54-0F2E-C34E-8322-4F3EB594388D}"/>
+              </a:ext>
+            </a:extLst>
+          </p:cNvPr>
+          <p:cNvSpPr>
+            <a:spLocks noGrp="1"/>
+          </p:cNvSpPr>
+          <p:nvPr>
+            <p:ph type="title"/>
+          </p:nvPr>
+        </p:nvSpPr>
+        <p:spPr/>
+        <p:txBody>
+          <a:bodyPr/>
+          <a:lstStyle/>
+          <a:p>
+            <a:pPr algn="ctr"/>
+            <a:r>
+              <a:rPr lang="de-DE" dirty="0"/>
+              <a:t>Neuronale Netzwerke</a:t>
+            </a:r>
+          </a:p>
+        </p:txBody>
+      </p:sp>
+      <p:sp>
+        <p:nvSpPr>
+          <p:cNvPr id="3" name="Inhaltsplatzhalter 2">
+            <a:extLst>
+              <a:ext uri="{FF2B5EF4-FFF2-40B4-BE49-F238E27FC236}">
+                <a16:creationId xmlns:a16="http://schemas.microsoft.com/office/drawing/2014/main" id="{625B5006-E5BB-2E41-884E-D61AD3297672}"/>
+              </a:ext>
+            </a:extLst>
+          </p:cNvPr>
+          <p:cNvSpPr>
+            <a:spLocks noGrp="1"/>
+          </p:cNvSpPr>
+          <p:nvPr>
+            <p:ph idx="1"/>
+          </p:nvPr>
+        </p:nvSpPr>
+        <p:spPr/>
+        <p:txBody>
+          <a:bodyPr/>
+          <a:lstStyle/>
+          <a:p>
+            <a:r>
+              <a:rPr lang="de-DE" dirty="0"/>
+              <a:t>Problem: Zu wenig Daten für neuronale Netzwerke?</a:t>
+            </a:r>
+          </a:p>
+          <a:p>
+            <a:r>
+              <a:rPr lang="de-DE" dirty="0"/>
+              <a:t>Lösungsideen:</a:t>
+            </a:r>
+          </a:p>
+          <a:p>
+            <a:pPr lvl="1"/>
+            <a:r>
+              <a:rPr lang="de-DE" dirty="0"/>
+              <a:t>Transfer-Learning: BERT (</a:t>
+            </a:r>
+            <a:r>
+              <a:rPr lang="de-DE" dirty="0" err="1"/>
+              <a:t>Ktrain</a:t>
+            </a:r>
+            <a:r>
+              <a:rPr lang="de-DE" dirty="0"/>
+              <a:t>)</a:t>
+            </a:r>
+          </a:p>
+          <a:p>
+            <a:pPr lvl="1"/>
+            <a:r>
+              <a:rPr lang="de-DE" dirty="0"/>
+              <a:t>Verwendung von vortrainierten </a:t>
+            </a:r>
+            <a:r>
+              <a:rPr lang="de-DE" dirty="0" err="1"/>
+              <a:t>Wordembeddings</a:t>
+            </a:r>
+            <a:r>
+              <a:rPr lang="de-DE" dirty="0"/>
+              <a:t> </a:t>
+            </a:r>
+          </a:p>
+          <a:p>
+            <a:r>
+              <a:rPr lang="de-DE" dirty="0"/>
+              <a:t>Fazit:</a:t>
+            </a:r>
+          </a:p>
+          <a:p>
+            <a:pPr lvl="1"/>
+            <a:r>
+              <a:rPr lang="de-DE" dirty="0"/>
+              <a:t>BERT funktioniert nicht</a:t>
+            </a:r>
+          </a:p>
+          <a:p>
+            <a:pPr lvl="1"/>
+            <a:r>
+              <a:rPr lang="de-DE" dirty="0"/>
+              <a:t>Beste Ergebnisse: </a:t>
+            </a:r>
+            <a:r>
+              <a:rPr lang="de-DE" dirty="0" err="1"/>
+              <a:t>FastText-Embeddings+CNN+LSTM</a:t>
+            </a:r>
+            <a:endParaRPr lang="de-DE" dirty="0"/>
+          </a:p>
+        </p:txBody>
+      </p:sp>
+      <p:sp>
+        <p:nvSpPr>
+          <p:cNvPr id="4" name="Foliennummernplatzhalter 3">
+            <a:extLst>
+              <a:ext uri="{FF2B5EF4-FFF2-40B4-BE49-F238E27FC236}">
+                <a16:creationId xmlns:a16="http://schemas.microsoft.com/office/drawing/2014/main" id="{86F32C1D-A0A5-D647-8F6A-35F494C1FD8E}"/>
               </a:ext>
             </a:extLst>
           </p:cNvPr>
@@ -6666,7 +6662,7 @@
     </p:spTree>
     <p:extLst>
       <p:ext uri="{BB962C8B-B14F-4D97-AF65-F5344CB8AC3E}">
-        <p14:creationId xmlns:p14="http://schemas.microsoft.com/office/powerpoint/2010/main" val="2945526055"/>
+        <p14:creationId xmlns:p14="http://schemas.microsoft.com/office/powerpoint/2010/main" val="2357120689"/>
       </p:ext>
     </p:extLst>
   </p:cSld>
@@ -6693,12 +6689,193 @@
           <a:chExt cx="0" cy="0"/>
         </a:xfrm>
       </p:grpSpPr>
+      <p:sp>
+        <p:nvSpPr>
+          <p:cNvPr id="2" name="Titel 1">
+            <a:extLst>
+              <a:ext uri="{FF2B5EF4-FFF2-40B4-BE49-F238E27FC236}">
+                <a16:creationId xmlns:a16="http://schemas.microsoft.com/office/drawing/2014/main" id="{A0175B9A-81D9-CE41-9369-6155D8BB3F09}"/>
+              </a:ext>
+            </a:extLst>
+          </p:cNvPr>
+          <p:cNvSpPr>
+            <a:spLocks noGrp="1"/>
+          </p:cNvSpPr>
+          <p:nvPr>
+            <p:ph type="title"/>
+          </p:nvPr>
+        </p:nvSpPr>
+        <p:spPr/>
+        <p:txBody>
+          <a:bodyPr/>
+          <a:lstStyle/>
+          <a:p>
+            <a:pPr algn="ctr"/>
+            <a:r>
+              <a:rPr lang="de-DE" dirty="0"/>
+              <a:t>Neuronales Netzwerk Architektur</a:t>
+            </a:r>
+          </a:p>
+        </p:txBody>
+      </p:sp>
+      <p:sp>
+        <p:nvSpPr>
+          <p:cNvPr id="4" name="Foliennummernplatzhalter 3">
+            <a:extLst>
+              <a:ext uri="{FF2B5EF4-FFF2-40B4-BE49-F238E27FC236}">
+                <a16:creationId xmlns:a16="http://schemas.microsoft.com/office/drawing/2014/main" id="{447D3E56-F29A-A740-B781-2E9CE8F65280}"/>
+              </a:ext>
+            </a:extLst>
+          </p:cNvPr>
+          <p:cNvSpPr>
+            <a:spLocks noGrp="1"/>
+          </p:cNvSpPr>
+          <p:nvPr>
+            <p:ph type="sldNum" sz="quarter" idx="12"/>
+          </p:nvPr>
+        </p:nvSpPr>
+        <p:spPr/>
+        <p:txBody>
+          <a:bodyPr/>
+          <a:lstStyle/>
+          <a:p>
+            <a:fld id="{BCB32BD3-2004-4705-BEAB-9BF733917433}" type="slidenum">
+              <a:rPr lang="de-DE" smtClean="0"/>
+              <a:t>24</a:t>
+            </a:fld>
+            <a:endParaRPr lang="de-DE"/>
+          </a:p>
+        </p:txBody>
+      </p:sp>
       <p:pic>
         <p:nvPicPr>
-          <p:cNvPr id="5" name="Grafik 4">
-            <a:extLst>
-              <a:ext uri="{FF2B5EF4-FFF2-40B4-BE49-F238E27FC236}">
-                <a16:creationId xmlns:a16="http://schemas.microsoft.com/office/drawing/2014/main" id="{42E55FAF-7226-4C2E-A6C0-D8E6E1E982FB}"/>
+          <p:cNvPr id="10" name="Inhaltsplatzhalter 9" descr="Ein Bild, das Text, Karte enthält.&#10;&#10;Automatisch generierte Beschreibung">
+            <a:extLst>
+              <a:ext uri="{FF2B5EF4-FFF2-40B4-BE49-F238E27FC236}">
+                <a16:creationId xmlns:a16="http://schemas.microsoft.com/office/drawing/2014/main" id="{7BFBE67C-E4E0-9847-9461-6A8CEC6C06BD}"/>
+              </a:ext>
+            </a:extLst>
+          </p:cNvPr>
+          <p:cNvPicPr>
+            <a:picLocks noGrp="1" noChangeAspect="1"/>
+          </p:cNvPicPr>
+          <p:nvPr>
+            <p:ph idx="1"/>
+          </p:nvPr>
+        </p:nvPicPr>
+        <p:blipFill>
+          <a:blip r:embed="rId2">
+            <a:extLst>
+              <a:ext uri="{28A0092B-C50C-407E-A947-70E740481C1C}">
+                <a14:useLocalDpi xmlns:a14="http://schemas.microsoft.com/office/drawing/2010/main" val="0"/>
+              </a:ext>
+            </a:extLst>
+          </a:blip>
+          <a:stretch>
+            <a:fillRect/>
+          </a:stretch>
+        </p:blipFill>
+        <p:spPr>
+          <a:xfrm>
+            <a:off x="2804618" y="1361728"/>
+            <a:ext cx="6060249" cy="4994622"/>
+          </a:xfrm>
+        </p:spPr>
+      </p:pic>
+    </p:spTree>
+    <p:extLst>
+      <p:ext uri="{BB962C8B-B14F-4D97-AF65-F5344CB8AC3E}">
+        <p14:creationId xmlns:p14="http://schemas.microsoft.com/office/powerpoint/2010/main" val="1505145835"/>
+      </p:ext>
+    </p:extLst>
+  </p:cSld>
+  <p:clrMapOvr>
+    <a:masterClrMapping/>
+  </p:clrMapOvr>
+</p:sld>
+</file>
+
+<file path=ppt/slides/slide25.xml><?xml version="1.0" encoding="utf-8"?>
+<p:sld xmlns:a="http://schemas.openxmlformats.org/drawingml/2006/main" xmlns:r="http://schemas.openxmlformats.org/officeDocument/2006/relationships" xmlns:p="http://schemas.openxmlformats.org/presentationml/2006/main">
+  <p:cSld>
+    <p:spTree>
+      <p:nvGrpSpPr>
+        <p:cNvPr id="1" name=""/>
+        <p:cNvGrpSpPr/>
+        <p:nvPr/>
+      </p:nvGrpSpPr>
+      <p:grpSpPr>
+        <a:xfrm>
+          <a:off x="0" y="0"/>
+          <a:ext cx="0" cy="0"/>
+          <a:chOff x="0" y="0"/>
+          <a:chExt cx="0" cy="0"/>
+        </a:xfrm>
+      </p:grpSpPr>
+      <p:sp>
+        <p:nvSpPr>
+          <p:cNvPr id="2" name="Titel 1">
+            <a:extLst>
+              <a:ext uri="{FF2B5EF4-FFF2-40B4-BE49-F238E27FC236}">
+                <a16:creationId xmlns:a16="http://schemas.microsoft.com/office/drawing/2014/main" id="{4A79F5DD-87B5-8B49-875D-79D0A45D866C}"/>
+              </a:ext>
+            </a:extLst>
+          </p:cNvPr>
+          <p:cNvSpPr>
+            <a:spLocks noGrp="1"/>
+          </p:cNvSpPr>
+          <p:nvPr>
+            <p:ph type="title"/>
+          </p:nvPr>
+        </p:nvSpPr>
+        <p:spPr/>
+        <p:txBody>
+          <a:bodyPr/>
+          <a:lstStyle/>
+          <a:p>
+            <a:pPr algn="ctr"/>
+            <a:r>
+              <a:rPr lang="de-DE" dirty="0"/>
+              <a:t>Neuronales Netzwerk Training</a:t>
+            </a:r>
+          </a:p>
+        </p:txBody>
+      </p:sp>
+      <p:sp>
+        <p:nvSpPr>
+          <p:cNvPr id="4" name="Foliennummernplatzhalter 3">
+            <a:extLst>
+              <a:ext uri="{FF2B5EF4-FFF2-40B4-BE49-F238E27FC236}">
+                <a16:creationId xmlns:a16="http://schemas.microsoft.com/office/drawing/2014/main" id="{114AD019-82E5-6A44-92D3-48D1DA1845B3}"/>
+              </a:ext>
+            </a:extLst>
+          </p:cNvPr>
+          <p:cNvSpPr>
+            <a:spLocks noGrp="1"/>
+          </p:cNvSpPr>
+          <p:nvPr>
+            <p:ph type="sldNum" sz="quarter" idx="12"/>
+          </p:nvPr>
+        </p:nvSpPr>
+        <p:spPr/>
+        <p:txBody>
+          <a:bodyPr/>
+          <a:lstStyle/>
+          <a:p>
+            <a:fld id="{BCB32BD3-2004-4705-BEAB-9BF733917433}" type="slidenum">
+              <a:rPr lang="de-DE" smtClean="0"/>
+              <a:t>25</a:t>
+            </a:fld>
+            <a:endParaRPr lang="de-DE"/>
+          </a:p>
+        </p:txBody>
+      </p:sp>
+      <p:pic>
+        <p:nvPicPr>
+          <p:cNvPr id="5" name="Grafik 4" descr="Ein Bild, das Karte, Screenshot enthält.&#10;&#10;Automatisch generierte Beschreibung">
+            <a:extLst>
+              <a:ext uri="{FF2B5EF4-FFF2-40B4-BE49-F238E27FC236}">
+                <a16:creationId xmlns:a16="http://schemas.microsoft.com/office/drawing/2014/main" id="{4059F048-0576-5C44-BF10-E20AC71D6A42}"/>
               </a:ext>
             </a:extLst>
           </p:cNvPr>
@@ -6721,20 +6898,92 @@
         </p:blipFill>
         <p:spPr>
           <a:xfrm>
-            <a:off x="2564502" y="1918562"/>
-            <a:ext cx="6871046" cy="3412152"/>
+            <a:off x="569736" y="1690688"/>
+            <a:ext cx="3741007" cy="2722513"/>
           </a:xfrm>
           <a:prstGeom prst="rect">
             <a:avLst/>
           </a:prstGeom>
         </p:spPr>
       </p:pic>
-      <p:sp>
-        <p:nvSpPr>
-          <p:cNvPr id="6" name="Textfeld 5">
-            <a:extLst>
-              <a:ext uri="{FF2B5EF4-FFF2-40B4-BE49-F238E27FC236}">
-                <a16:creationId xmlns:a16="http://schemas.microsoft.com/office/drawing/2014/main" id="{E88A51B2-0421-47C6-AD47-E011610D918D}"/>
+      <p:pic>
+        <p:nvPicPr>
+          <p:cNvPr id="13" name="Grafik 12" descr="Ein Bild, das Karte, Text enthält.&#10;&#10;Automatisch generierte Beschreibung">
+            <a:extLst>
+              <a:ext uri="{FF2B5EF4-FFF2-40B4-BE49-F238E27FC236}">
+                <a16:creationId xmlns:a16="http://schemas.microsoft.com/office/drawing/2014/main" id="{1FF1E0AA-C0B2-5146-A213-A5138F872E43}"/>
+              </a:ext>
+            </a:extLst>
+          </p:cNvPr>
+          <p:cNvPicPr>
+            <a:picLocks noChangeAspect="1"/>
+          </p:cNvPicPr>
+          <p:nvPr/>
+        </p:nvPicPr>
+        <p:blipFill>
+          <a:blip r:embed="rId3">
+            <a:extLst>
+              <a:ext uri="{28A0092B-C50C-407E-A947-70E740481C1C}">
+                <a14:useLocalDpi xmlns:a14="http://schemas.microsoft.com/office/drawing/2010/main" val="0"/>
+              </a:ext>
+            </a:extLst>
+          </a:blip>
+          <a:stretch>
+            <a:fillRect/>
+          </a:stretch>
+        </p:blipFill>
+        <p:spPr>
+          <a:xfrm>
+            <a:off x="8051750" y="1690688"/>
+            <a:ext cx="3780180" cy="2722513"/>
+          </a:xfrm>
+          <a:prstGeom prst="rect">
+            <a:avLst/>
+          </a:prstGeom>
+        </p:spPr>
+      </p:pic>
+      <p:pic>
+        <p:nvPicPr>
+          <p:cNvPr id="7" name="Grafik 6" descr="Ein Bild, das Text, Karte enthält.&#10;&#10;Automatisch generierte Beschreibung">
+            <a:extLst>
+              <a:ext uri="{FF2B5EF4-FFF2-40B4-BE49-F238E27FC236}">
+                <a16:creationId xmlns:a16="http://schemas.microsoft.com/office/drawing/2014/main" id="{F7E518A1-729B-D14A-BB01-754B1E50C006}"/>
+              </a:ext>
+            </a:extLst>
+          </p:cNvPr>
+          <p:cNvPicPr>
+            <a:picLocks noChangeAspect="1"/>
+          </p:cNvPicPr>
+          <p:nvPr/>
+        </p:nvPicPr>
+        <p:blipFill>
+          <a:blip r:embed="rId4">
+            <a:extLst>
+              <a:ext uri="{28A0092B-C50C-407E-A947-70E740481C1C}">
+                <a14:useLocalDpi xmlns:a14="http://schemas.microsoft.com/office/drawing/2010/main" val="0"/>
+              </a:ext>
+            </a:extLst>
+          </a:blip>
+          <a:stretch>
+            <a:fillRect/>
+          </a:stretch>
+        </p:blipFill>
+        <p:spPr>
+          <a:xfrm>
+            <a:off x="4310743" y="1690688"/>
+            <a:ext cx="3780180" cy="2722513"/>
+          </a:xfrm>
+          <a:prstGeom prst="rect">
+            <a:avLst/>
+          </a:prstGeom>
+        </p:spPr>
+      </p:pic>
+      <p:sp>
+        <p:nvSpPr>
+          <p:cNvPr id="8" name="Textfeld 7">
+            <a:extLst>
+              <a:ext uri="{FF2B5EF4-FFF2-40B4-BE49-F238E27FC236}">
+                <a16:creationId xmlns:a16="http://schemas.microsoft.com/office/drawing/2014/main" id="{D7880648-927C-4644-BA39-0A712887D658}"/>
               </a:ext>
             </a:extLst>
           </p:cNvPr>
@@ -6743,8 +6992,8 @@
         </p:nvSpPr>
         <p:spPr>
           <a:xfrm>
-            <a:off x="2660477" y="543339"/>
-            <a:ext cx="6871045" cy="646331"/>
+            <a:off x="1187532" y="4809506"/>
+            <a:ext cx="10166268" cy="1477328"/>
           </a:xfrm>
           <a:prstGeom prst="rect">
             <a:avLst/>
@@ -6757,54 +7006,847 @@
           </a:bodyPr>
           <a:lstStyle/>
           <a:p>
-            <a:pPr algn="ctr"/>
             <a:r>
               <a:rPr lang="de-DE" dirty="0"/>
-              <a:t>Classification Report:</a:t>
-            </a:r>
-          </a:p>
-          <a:p>
-            <a:pPr algn="ctr"/>
+              <a:t>Fazit:</a:t>
+            </a:r>
+          </a:p>
+          <a:p>
+            <a:pPr marL="285750" indent="-285750">
+              <a:buFont typeface="Arial" panose="020B0604020202020204" pitchFamily="34" charset="0"/>
+              <a:buChar char="•"/>
+            </a:pPr>
             <a:r>
               <a:rPr lang="de-DE" dirty="0"/>
-              <a:t> trainiert auf Periode P1, angewendet auf die restlichen Perioden </a:t>
-            </a:r>
-          </a:p>
-        </p:txBody>
-      </p:sp>
-      <p:sp>
-        <p:nvSpPr>
-          <p:cNvPr id="2" name="Foliennummernplatzhalter 1">
-            <a:extLst>
-              <a:ext uri="{FF2B5EF4-FFF2-40B4-BE49-F238E27FC236}">
-                <a16:creationId xmlns:a16="http://schemas.microsoft.com/office/drawing/2014/main" id="{F797F4C6-8F93-461A-A2E5-B8EC13AC3431}"/>
-              </a:ext>
-            </a:extLst>
-          </p:cNvPr>
-          <p:cNvSpPr>
-            <a:spLocks noGrp="1"/>
-          </p:cNvSpPr>
-          <p:nvPr>
-            <p:ph type="sldNum" sz="quarter" idx="12"/>
-          </p:nvPr>
-        </p:nvSpPr>
-        <p:spPr/>
-        <p:txBody>
-          <a:bodyPr/>
-          <a:lstStyle/>
-          <a:p>
-            <a:fld id="{BCB32BD3-2004-4705-BEAB-9BF733917433}" type="slidenum">
-              <a:rPr lang="de-DE" smtClean="0"/>
-              <a:t>24</a:t>
-            </a:fld>
-            <a:endParaRPr lang="de-DE"/>
+              <a:t>Das Netz ist extrem sensitiv für alle </a:t>
+            </a:r>
+            <a:r>
+              <a:rPr lang="de-DE" dirty="0" err="1"/>
+              <a:t>Hpyerparameter</a:t>
+            </a:r>
+            <a:endParaRPr lang="de-DE" dirty="0"/>
+          </a:p>
+          <a:p>
+            <a:pPr marL="285750" indent="-285750">
+              <a:buFont typeface="Arial" panose="020B0604020202020204" pitchFamily="34" charset="0"/>
+              <a:buChar char="•"/>
+            </a:pPr>
+            <a:r>
+              <a:rPr lang="de-DE" dirty="0"/>
+              <a:t>Dropout führt im allgemeinen zu schlechteren Ergebnissen</a:t>
+            </a:r>
+          </a:p>
+          <a:p>
+            <a:pPr marL="285750" indent="-285750">
+              <a:buFont typeface="Arial" panose="020B0604020202020204" pitchFamily="34" charset="0"/>
+              <a:buChar char="•"/>
+            </a:pPr>
+            <a:r>
+              <a:rPr lang="de-DE" dirty="0"/>
+              <a:t>L2-Regularisierung der </a:t>
+            </a:r>
+            <a:r>
+              <a:rPr lang="de-DE" dirty="0" err="1"/>
+              <a:t>Convolutional</a:t>
+            </a:r>
+            <a:r>
+              <a:rPr lang="de-DE" dirty="0"/>
+              <a:t>-Layer verbessert die Performance</a:t>
+            </a:r>
+          </a:p>
+          <a:p>
+            <a:pPr marL="285750" indent="-285750">
+              <a:buFont typeface="Arial" panose="020B0604020202020204" pitchFamily="34" charset="0"/>
+              <a:buChar char="•"/>
+            </a:pPr>
+            <a:r>
+              <a:rPr lang="de-DE" dirty="0"/>
+              <a:t>Verschiedene </a:t>
+            </a:r>
+            <a:r>
+              <a:rPr lang="de-DE" dirty="0" err="1"/>
+              <a:t>Optimizer</a:t>
+            </a:r>
+            <a:r>
+              <a:rPr lang="de-DE" dirty="0"/>
+              <a:t> haben starken Einfluss auf die Performance</a:t>
+            </a:r>
           </a:p>
         </p:txBody>
       </p:sp>
     </p:spTree>
     <p:extLst>
       <p:ext uri="{BB962C8B-B14F-4D97-AF65-F5344CB8AC3E}">
-        <p14:creationId xmlns:p14="http://schemas.microsoft.com/office/powerpoint/2010/main" val="2603357555"/>
+        <p14:creationId xmlns:p14="http://schemas.microsoft.com/office/powerpoint/2010/main" val="396180263"/>
+      </p:ext>
+    </p:extLst>
+  </p:cSld>
+  <p:clrMapOvr>
+    <a:masterClrMapping/>
+  </p:clrMapOvr>
+</p:sld>
+</file>
+
+<file path=ppt/slides/slide26.xml><?xml version="1.0" encoding="utf-8"?>
+<p:sld xmlns:a="http://schemas.openxmlformats.org/drawingml/2006/main" xmlns:r="http://schemas.openxmlformats.org/officeDocument/2006/relationships" xmlns:p="http://schemas.openxmlformats.org/presentationml/2006/main">
+  <p:cSld>
+    <p:spTree>
+      <p:nvGrpSpPr>
+        <p:cNvPr id="1" name=""/>
+        <p:cNvGrpSpPr/>
+        <p:nvPr/>
+      </p:nvGrpSpPr>
+      <p:grpSpPr>
+        <a:xfrm>
+          <a:off x="0" y="0"/>
+          <a:ext cx="0" cy="0"/>
+          <a:chOff x="0" y="0"/>
+          <a:chExt cx="0" cy="0"/>
+        </a:xfrm>
+      </p:grpSpPr>
+      <p:sp>
+        <p:nvSpPr>
+          <p:cNvPr id="2" name="Titel 1">
+            <a:extLst>
+              <a:ext uri="{FF2B5EF4-FFF2-40B4-BE49-F238E27FC236}">
+                <a16:creationId xmlns:a16="http://schemas.microsoft.com/office/drawing/2014/main" id="{552BCA59-EDDE-3045-81F1-A3B878CEB93D}"/>
+              </a:ext>
+            </a:extLst>
+          </p:cNvPr>
+          <p:cNvSpPr>
+            <a:spLocks noGrp="1"/>
+          </p:cNvSpPr>
+          <p:nvPr>
+            <p:ph type="title"/>
+          </p:nvPr>
+        </p:nvSpPr>
+        <p:spPr>
+          <a:xfrm>
+            <a:off x="1202378" y="151007"/>
+            <a:ext cx="10515600" cy="1325563"/>
+          </a:xfrm>
+        </p:spPr>
+        <p:txBody>
+          <a:bodyPr/>
+          <a:lstStyle/>
+          <a:p>
+            <a:pPr algn="ctr"/>
+            <a:r>
+              <a:rPr lang="de-DE" dirty="0"/>
+              <a:t>Neuronales Netzwerk Ergebnisse</a:t>
+            </a:r>
+          </a:p>
+        </p:txBody>
+      </p:sp>
+      <p:sp>
+        <p:nvSpPr>
+          <p:cNvPr id="4" name="Foliennummernplatzhalter 3">
+            <a:extLst>
+              <a:ext uri="{FF2B5EF4-FFF2-40B4-BE49-F238E27FC236}">
+                <a16:creationId xmlns:a16="http://schemas.microsoft.com/office/drawing/2014/main" id="{0D167047-5D22-0248-80BD-46964547D9EC}"/>
+              </a:ext>
+            </a:extLst>
+          </p:cNvPr>
+          <p:cNvSpPr>
+            <a:spLocks noGrp="1"/>
+          </p:cNvSpPr>
+          <p:nvPr>
+            <p:ph type="sldNum" sz="quarter" idx="12"/>
+          </p:nvPr>
+        </p:nvSpPr>
+        <p:spPr/>
+        <p:txBody>
+          <a:bodyPr/>
+          <a:lstStyle/>
+          <a:p>
+            <a:fld id="{BCB32BD3-2004-4705-BEAB-9BF733917433}" type="slidenum">
+              <a:rPr lang="de-DE" smtClean="0"/>
+              <a:t>26</a:t>
+            </a:fld>
+            <a:endParaRPr lang="de-DE"/>
+          </a:p>
+        </p:txBody>
+      </p:sp>
+      <p:pic>
+        <p:nvPicPr>
+          <p:cNvPr id="6" name="Grafik 5">
+            <a:extLst>
+              <a:ext uri="{FF2B5EF4-FFF2-40B4-BE49-F238E27FC236}">
+                <a16:creationId xmlns:a16="http://schemas.microsoft.com/office/drawing/2014/main" id="{CBDB1B85-1424-0A49-B579-7B3CDA7BC332}"/>
+              </a:ext>
+            </a:extLst>
+          </p:cNvPr>
+          <p:cNvPicPr>
+            <a:picLocks noChangeAspect="1"/>
+          </p:cNvPicPr>
+          <p:nvPr/>
+        </p:nvPicPr>
+        <p:blipFill>
+          <a:blip r:embed="rId2">
+            <a:extLst>
+              <a:ext uri="{28A0092B-C50C-407E-A947-70E740481C1C}">
+                <a14:useLocalDpi xmlns:a14="http://schemas.microsoft.com/office/drawing/2010/main" val="0"/>
+              </a:ext>
+            </a:extLst>
+          </a:blip>
+          <a:stretch>
+            <a:fillRect/>
+          </a:stretch>
+        </p:blipFill>
+        <p:spPr>
+          <a:xfrm>
+            <a:off x="5240978" y="3972626"/>
+            <a:ext cx="3107378" cy="2071585"/>
+          </a:xfrm>
+          <a:prstGeom prst="rect">
+            <a:avLst/>
+          </a:prstGeom>
+        </p:spPr>
+      </p:pic>
+      <p:pic>
+        <p:nvPicPr>
+          <p:cNvPr id="8" name="Grafik 7">
+            <a:extLst>
+              <a:ext uri="{FF2B5EF4-FFF2-40B4-BE49-F238E27FC236}">
+                <a16:creationId xmlns:a16="http://schemas.microsoft.com/office/drawing/2014/main" id="{62BE5A78-8F1C-9545-8955-CB7AFAFBAECA}"/>
+              </a:ext>
+            </a:extLst>
+          </p:cNvPr>
+          <p:cNvPicPr>
+            <a:picLocks noChangeAspect="1"/>
+          </p:cNvPicPr>
+          <p:nvPr/>
+        </p:nvPicPr>
+        <p:blipFill>
+          <a:blip r:embed="rId3">
+            <a:extLst>
+              <a:ext uri="{28A0092B-C50C-407E-A947-70E740481C1C}">
+                <a14:useLocalDpi xmlns:a14="http://schemas.microsoft.com/office/drawing/2010/main" val="0"/>
+              </a:ext>
+            </a:extLst>
+          </a:blip>
+          <a:stretch>
+            <a:fillRect/>
+          </a:stretch>
+        </p:blipFill>
+        <p:spPr>
+          <a:xfrm>
+            <a:off x="8344395" y="3972625"/>
+            <a:ext cx="3107377" cy="2071585"/>
+          </a:xfrm>
+          <a:prstGeom prst="rect">
+            <a:avLst/>
+          </a:prstGeom>
+        </p:spPr>
+      </p:pic>
+      <p:pic>
+        <p:nvPicPr>
+          <p:cNvPr id="10" name="Grafik 9" descr="Ein Bild, das Screenshot enthält.&#10;&#10;Automatisch generierte Beschreibung">
+            <a:extLst>
+              <a:ext uri="{FF2B5EF4-FFF2-40B4-BE49-F238E27FC236}">
+                <a16:creationId xmlns:a16="http://schemas.microsoft.com/office/drawing/2014/main" id="{A68BACEC-1969-2E4F-BBBA-CD937B0FC24F}"/>
+              </a:ext>
+            </a:extLst>
+          </p:cNvPr>
+          <p:cNvPicPr>
+            <a:picLocks noChangeAspect="1"/>
+          </p:cNvPicPr>
+          <p:nvPr/>
+        </p:nvPicPr>
+        <p:blipFill>
+          <a:blip r:embed="rId4">
+            <a:extLst>
+              <a:ext uri="{28A0092B-C50C-407E-A947-70E740481C1C}">
+                <a14:useLocalDpi xmlns:a14="http://schemas.microsoft.com/office/drawing/2010/main" val="0"/>
+              </a:ext>
+            </a:extLst>
+          </a:blip>
+          <a:stretch>
+            <a:fillRect/>
+          </a:stretch>
+        </p:blipFill>
+        <p:spPr>
+          <a:xfrm>
+            <a:off x="8344396" y="1600200"/>
+            <a:ext cx="3107376" cy="2071584"/>
+          </a:xfrm>
+          <a:prstGeom prst="rect">
+            <a:avLst/>
+          </a:prstGeom>
+        </p:spPr>
+      </p:pic>
+      <p:pic>
+        <p:nvPicPr>
+          <p:cNvPr id="12" name="Grafik 11">
+            <a:extLst>
+              <a:ext uri="{FF2B5EF4-FFF2-40B4-BE49-F238E27FC236}">
+                <a16:creationId xmlns:a16="http://schemas.microsoft.com/office/drawing/2014/main" id="{4CBA407F-769C-B744-AB4D-95BC0A86FF76}"/>
+              </a:ext>
+            </a:extLst>
+          </p:cNvPr>
+          <p:cNvPicPr>
+            <a:picLocks noChangeAspect="1"/>
+          </p:cNvPicPr>
+          <p:nvPr/>
+        </p:nvPicPr>
+        <p:blipFill>
+          <a:blip r:embed="rId5">
+            <a:extLst>
+              <a:ext uri="{28A0092B-C50C-407E-A947-70E740481C1C}">
+                <a14:useLocalDpi xmlns:a14="http://schemas.microsoft.com/office/drawing/2010/main" val="0"/>
+              </a:ext>
+            </a:extLst>
+          </a:blip>
+          <a:stretch>
+            <a:fillRect/>
+          </a:stretch>
+        </p:blipFill>
+        <p:spPr>
+          <a:xfrm>
+            <a:off x="1947554" y="3972626"/>
+            <a:ext cx="3107378" cy="2071585"/>
+          </a:xfrm>
+          <a:prstGeom prst="rect">
+            <a:avLst/>
+          </a:prstGeom>
+        </p:spPr>
+      </p:pic>
+      <p:pic>
+        <p:nvPicPr>
+          <p:cNvPr id="14" name="Grafik 13" descr="Ein Bild, das Screenshot enthält.&#10;&#10;Automatisch generierte Beschreibung">
+            <a:extLst>
+              <a:ext uri="{FF2B5EF4-FFF2-40B4-BE49-F238E27FC236}">
+                <a16:creationId xmlns:a16="http://schemas.microsoft.com/office/drawing/2014/main" id="{0A1E75A5-5190-B742-9F70-7C34486E4C38}"/>
+              </a:ext>
+            </a:extLst>
+          </p:cNvPr>
+          <p:cNvPicPr>
+            <a:picLocks noChangeAspect="1"/>
+          </p:cNvPicPr>
+          <p:nvPr/>
+        </p:nvPicPr>
+        <p:blipFill>
+          <a:blip r:embed="rId6">
+            <a:extLst>
+              <a:ext uri="{28A0092B-C50C-407E-A947-70E740481C1C}">
+                <a14:useLocalDpi xmlns:a14="http://schemas.microsoft.com/office/drawing/2010/main" val="0"/>
+              </a:ext>
+            </a:extLst>
+          </a:blip>
+          <a:stretch>
+            <a:fillRect/>
+          </a:stretch>
+        </p:blipFill>
+        <p:spPr>
+          <a:xfrm>
+            <a:off x="5240977" y="1600200"/>
+            <a:ext cx="3107378" cy="2071585"/>
+          </a:xfrm>
+          <a:prstGeom prst="rect">
+            <a:avLst/>
+          </a:prstGeom>
+        </p:spPr>
+      </p:pic>
+      <p:pic>
+        <p:nvPicPr>
+          <p:cNvPr id="16" name="Grafik 15" descr="Ein Bild, das Karte enthält.&#10;&#10;Automatisch generierte Beschreibung">
+            <a:extLst>
+              <a:ext uri="{FF2B5EF4-FFF2-40B4-BE49-F238E27FC236}">
+                <a16:creationId xmlns:a16="http://schemas.microsoft.com/office/drawing/2014/main" id="{A7917146-C73D-6547-B9AA-2F3B0F085EEF}"/>
+              </a:ext>
+            </a:extLst>
+          </p:cNvPr>
+          <p:cNvPicPr>
+            <a:picLocks noChangeAspect="1"/>
+          </p:cNvPicPr>
+          <p:nvPr/>
+        </p:nvPicPr>
+        <p:blipFill>
+          <a:blip r:embed="rId7">
+            <a:extLst>
+              <a:ext uri="{28A0092B-C50C-407E-A947-70E740481C1C}">
+                <a14:useLocalDpi xmlns:a14="http://schemas.microsoft.com/office/drawing/2010/main" val="0"/>
+              </a:ext>
+            </a:extLst>
+          </a:blip>
+          <a:stretch>
+            <a:fillRect/>
+          </a:stretch>
+        </p:blipFill>
+        <p:spPr>
+          <a:xfrm>
+            <a:off x="1888177" y="1600200"/>
+            <a:ext cx="3107377" cy="2071585"/>
+          </a:xfrm>
+          <a:prstGeom prst="rect">
+            <a:avLst/>
+          </a:prstGeom>
+        </p:spPr>
+      </p:pic>
+    </p:spTree>
+    <p:extLst>
+      <p:ext uri="{BB962C8B-B14F-4D97-AF65-F5344CB8AC3E}">
+        <p14:creationId xmlns:p14="http://schemas.microsoft.com/office/powerpoint/2010/main" val="1694629176"/>
+      </p:ext>
+    </p:extLst>
+  </p:cSld>
+  <p:clrMapOvr>
+    <a:masterClrMapping/>
+  </p:clrMapOvr>
+</p:sld>
+</file>
+
+<file path=ppt/slides/slide27.xml><?xml version="1.0" encoding="utf-8"?>
+<p:sld xmlns:a="http://schemas.openxmlformats.org/drawingml/2006/main" xmlns:r="http://schemas.openxmlformats.org/officeDocument/2006/relationships" xmlns:p="http://schemas.openxmlformats.org/presentationml/2006/main">
+  <p:cSld>
+    <p:spTree>
+      <p:nvGrpSpPr>
+        <p:cNvPr id="1" name=""/>
+        <p:cNvGrpSpPr/>
+        <p:nvPr/>
+      </p:nvGrpSpPr>
+      <p:grpSpPr>
+        <a:xfrm>
+          <a:off x="0" y="0"/>
+          <a:ext cx="0" cy="0"/>
+          <a:chOff x="0" y="0"/>
+          <a:chExt cx="0" cy="0"/>
+        </a:xfrm>
+      </p:grpSpPr>
+      <p:sp>
+        <p:nvSpPr>
+          <p:cNvPr id="2" name="Titel 1">
+            <a:extLst>
+              <a:ext uri="{FF2B5EF4-FFF2-40B4-BE49-F238E27FC236}">
+                <a16:creationId xmlns:a16="http://schemas.microsoft.com/office/drawing/2014/main" id="{F1B4F7C5-DF8C-4E02-8E4A-423EC3481167}"/>
+              </a:ext>
+            </a:extLst>
+          </p:cNvPr>
+          <p:cNvSpPr>
+            <a:spLocks noGrp="1"/>
+          </p:cNvSpPr>
+          <p:nvPr>
+            <p:ph type="title"/>
+          </p:nvPr>
+        </p:nvSpPr>
+        <p:spPr/>
+        <p:txBody>
+          <a:bodyPr/>
+          <a:lstStyle/>
+          <a:p>
+            <a:pPr algn="ctr"/>
+            <a:r>
+              <a:rPr lang="de-DE" dirty="0"/>
+              <a:t>Quellen</a:t>
+            </a:r>
+          </a:p>
+        </p:txBody>
+      </p:sp>
+      <p:sp>
+        <p:nvSpPr>
+          <p:cNvPr id="3" name="Inhaltsplatzhalter 2">
+            <a:extLst>
+              <a:ext uri="{FF2B5EF4-FFF2-40B4-BE49-F238E27FC236}">
+                <a16:creationId xmlns:a16="http://schemas.microsoft.com/office/drawing/2014/main" id="{E9613B1C-4527-465B-9C84-BC2842568639}"/>
+              </a:ext>
+            </a:extLst>
+          </p:cNvPr>
+          <p:cNvSpPr>
+            <a:spLocks noGrp="1"/>
+          </p:cNvSpPr>
+          <p:nvPr>
+            <p:ph idx="1"/>
+          </p:nvPr>
+        </p:nvSpPr>
+        <p:spPr/>
+        <p:txBody>
+          <a:bodyPr/>
+          <a:lstStyle/>
+          <a:p>
+            <a:r>
+              <a:rPr lang="de-DE" dirty="0"/>
+              <a:t>Niehaus, Konstantin. (2019). German Innsbruck Corpus (</a:t>
+            </a:r>
+            <a:r>
+              <a:rPr lang="de-DE" dirty="0" err="1"/>
+              <a:t>GermInnC</a:t>
+            </a:r>
+            <a:r>
+              <a:rPr lang="de-DE" dirty="0"/>
+              <a:t>) 1800-1950 (Version 1.0) [Data </a:t>
+            </a:r>
+            <a:r>
+              <a:rPr lang="de-DE" dirty="0" err="1"/>
+              <a:t>set</a:t>
+            </a:r>
+            <a:r>
+              <a:rPr lang="de-DE" dirty="0"/>
+              <a:t>]. </a:t>
+            </a:r>
+            <a:r>
+              <a:rPr lang="de-DE" dirty="0" err="1"/>
+              <a:t>Zenodo</a:t>
+            </a:r>
+            <a:r>
+              <a:rPr lang="de-DE" dirty="0"/>
+              <a:t>. </a:t>
+            </a:r>
+            <a:r>
+              <a:rPr lang="de-DE" dirty="0">
+                <a:hlinkClick r:id="rId2"/>
+              </a:rPr>
+              <a:t>http://doi.org/10.5281/zenodo.3457917</a:t>
+            </a:r>
+            <a:r>
+              <a:rPr lang="de-DE" dirty="0"/>
+              <a:t>.</a:t>
+            </a:r>
+          </a:p>
+          <a:p>
+            <a:r>
+              <a:rPr lang="de-DE" dirty="0"/>
+              <a:t>Martin Durrell; Paul Bennett; Silke Scheible; et al. (2012).German Manchester Corpus (</a:t>
+            </a:r>
+            <a:r>
+              <a:rPr lang="de-DE" i="1" dirty="0" err="1"/>
+              <a:t>GerManC</a:t>
+            </a:r>
+            <a:r>
+              <a:rPr lang="de-DE" i="1" dirty="0"/>
+              <a:t>) </a:t>
+            </a:r>
+            <a:r>
+              <a:rPr lang="de-DE" dirty="0"/>
+              <a:t>1650 – 1800. Oxford Text Archive. </a:t>
+            </a:r>
+            <a:r>
+              <a:rPr lang="de-DE" dirty="0">
+                <a:hlinkClick r:id="rId3"/>
+              </a:rPr>
+              <a:t>http://hdl.handle.net/20.500.12024/2544</a:t>
+            </a:r>
+            <a:r>
+              <a:rPr lang="de-DE" dirty="0"/>
+              <a:t>. </a:t>
+            </a:r>
+          </a:p>
+          <a:p>
+            <a:pPr marL="0" indent="0">
+              <a:buNone/>
+            </a:pPr>
+            <a:endParaRPr lang="de-DE" u="sng" dirty="0"/>
+          </a:p>
+          <a:p>
+            <a:pPr marL="0" indent="0">
+              <a:buNone/>
+            </a:pPr>
+            <a:r>
+              <a:rPr lang="de-DE" u="sng" dirty="0"/>
+              <a:t>Code zum Projekt:</a:t>
+            </a:r>
+          </a:p>
+          <a:p>
+            <a:r>
+              <a:rPr lang="de-DE" dirty="0"/>
+              <a:t>https://github.com/LennartKeller/TextklassifikationsProjekt2019</a:t>
+            </a:r>
+          </a:p>
+        </p:txBody>
+      </p:sp>
+      <p:sp>
+        <p:nvSpPr>
+          <p:cNvPr id="4" name="Foliennummernplatzhalter 3">
+            <a:extLst>
+              <a:ext uri="{FF2B5EF4-FFF2-40B4-BE49-F238E27FC236}">
+                <a16:creationId xmlns:a16="http://schemas.microsoft.com/office/drawing/2014/main" id="{F1E5D37C-60EF-410B-9E62-EDB3D89BB593}"/>
+              </a:ext>
+            </a:extLst>
+          </p:cNvPr>
+          <p:cNvSpPr>
+            <a:spLocks noGrp="1"/>
+          </p:cNvSpPr>
+          <p:nvPr>
+            <p:ph type="sldNum" sz="quarter" idx="12"/>
+          </p:nvPr>
+        </p:nvSpPr>
+        <p:spPr/>
+        <p:txBody>
+          <a:bodyPr/>
+          <a:lstStyle/>
+          <a:p>
+            <a:fld id="{BCB32BD3-2004-4705-BEAB-9BF733917433}" type="slidenum">
+              <a:rPr lang="de-DE" smtClean="0"/>
+              <a:t>27</a:t>
+            </a:fld>
+            <a:endParaRPr lang="de-DE"/>
+          </a:p>
+        </p:txBody>
+      </p:sp>
+    </p:spTree>
+    <p:extLst>
+      <p:ext uri="{BB962C8B-B14F-4D97-AF65-F5344CB8AC3E}">
+        <p14:creationId xmlns:p14="http://schemas.microsoft.com/office/powerpoint/2010/main" val="3205957287"/>
+      </p:ext>
+    </p:extLst>
+  </p:cSld>
+  <p:clrMapOvr>
+    <a:masterClrMapping/>
+  </p:clrMapOvr>
+</p:sld>
+</file>
+
+<file path=ppt/slides/slide28.xml><?xml version="1.0" encoding="utf-8"?>
+<p:sld xmlns:a="http://schemas.openxmlformats.org/drawingml/2006/main" xmlns:r="http://schemas.openxmlformats.org/officeDocument/2006/relationships" xmlns:p="http://schemas.openxmlformats.org/presentationml/2006/main">
+  <p:cSld>
+    <p:spTree>
+      <p:nvGrpSpPr>
+        <p:cNvPr id="1" name=""/>
+        <p:cNvGrpSpPr/>
+        <p:nvPr/>
+      </p:nvGrpSpPr>
+      <p:grpSpPr>
+        <a:xfrm>
+          <a:off x="0" y="0"/>
+          <a:ext cx="0" cy="0"/>
+          <a:chOff x="0" y="0"/>
+          <a:chExt cx="0" cy="0"/>
+        </a:xfrm>
+      </p:grpSpPr>
+      <p:pic>
+        <p:nvPicPr>
+          <p:cNvPr id="5" name="Grafik 4" descr="Ein Bild, das Screenshot enthält.&#10;&#10;Automatisch generierte Beschreibung">
+            <a:extLst>
+              <a:ext uri="{FF2B5EF4-FFF2-40B4-BE49-F238E27FC236}">
+                <a16:creationId xmlns:a16="http://schemas.microsoft.com/office/drawing/2014/main" id="{D372FEEB-9C7D-4B05-A834-933926B871DC}"/>
+              </a:ext>
+            </a:extLst>
+          </p:cNvPr>
+          <p:cNvPicPr>
+            <a:picLocks noChangeAspect="1"/>
+          </p:cNvPicPr>
+          <p:nvPr/>
+        </p:nvPicPr>
+        <p:blipFill>
+          <a:blip r:embed="rId2">
+            <a:extLst>
+              <a:ext uri="{28A0092B-C50C-407E-A947-70E740481C1C}">
+                <a14:useLocalDpi xmlns:a14="http://schemas.microsoft.com/office/drawing/2010/main" val="0"/>
+              </a:ext>
+            </a:extLst>
+          </a:blip>
+          <a:stretch>
+            <a:fillRect/>
+          </a:stretch>
+        </p:blipFill>
+        <p:spPr>
+          <a:xfrm>
+            <a:off x="4839432" y="0"/>
+            <a:ext cx="2513135" cy="6858000"/>
+          </a:xfrm>
+          <a:prstGeom prst="rect">
+            <a:avLst/>
+          </a:prstGeom>
+        </p:spPr>
+      </p:pic>
+      <p:sp>
+        <p:nvSpPr>
+          <p:cNvPr id="6" name="Textfeld 5">
+            <a:extLst>
+              <a:ext uri="{FF2B5EF4-FFF2-40B4-BE49-F238E27FC236}">
+                <a16:creationId xmlns:a16="http://schemas.microsoft.com/office/drawing/2014/main" id="{F68BA897-F14A-49FE-8777-1FD495AF4CB3}"/>
+              </a:ext>
+            </a:extLst>
+          </p:cNvPr>
+          <p:cNvSpPr txBox="1"/>
+          <p:nvPr/>
+        </p:nvSpPr>
+        <p:spPr>
+          <a:xfrm flipH="1">
+            <a:off x="1264918" y="2782669"/>
+            <a:ext cx="2392681" cy="646331"/>
+          </a:xfrm>
+          <a:prstGeom prst="rect">
+            <a:avLst/>
+          </a:prstGeom>
+          <a:noFill/>
+        </p:spPr>
+        <p:txBody>
+          <a:bodyPr wrap="square" rtlCol="0">
+            <a:spAutoFit/>
+          </a:bodyPr>
+          <a:lstStyle/>
+          <a:p>
+            <a:r>
+              <a:rPr lang="de-DE" dirty="0"/>
+              <a:t>Modellarchitektur Neuronales Netzwerk</a:t>
+            </a:r>
+          </a:p>
+        </p:txBody>
+      </p:sp>
+      <p:sp>
+        <p:nvSpPr>
+          <p:cNvPr id="2" name="Foliennummernplatzhalter 1">
+            <a:extLst>
+              <a:ext uri="{FF2B5EF4-FFF2-40B4-BE49-F238E27FC236}">
+                <a16:creationId xmlns:a16="http://schemas.microsoft.com/office/drawing/2014/main" id="{337BDC37-66A6-40CE-BA68-1184B6F7C909}"/>
+              </a:ext>
+            </a:extLst>
+          </p:cNvPr>
+          <p:cNvSpPr>
+            <a:spLocks noGrp="1"/>
+          </p:cNvSpPr>
+          <p:nvPr>
+            <p:ph type="sldNum" sz="quarter" idx="12"/>
+          </p:nvPr>
+        </p:nvSpPr>
+        <p:spPr/>
+        <p:txBody>
+          <a:bodyPr/>
+          <a:lstStyle/>
+          <a:p>
+            <a:fld id="{BCB32BD3-2004-4705-BEAB-9BF733917433}" type="slidenum">
+              <a:rPr lang="de-DE" smtClean="0"/>
+              <a:t>28</a:t>
+            </a:fld>
+            <a:endParaRPr lang="de-DE"/>
+          </a:p>
+        </p:txBody>
+      </p:sp>
+    </p:spTree>
+    <p:extLst>
+      <p:ext uri="{BB962C8B-B14F-4D97-AF65-F5344CB8AC3E}">
+        <p14:creationId xmlns:p14="http://schemas.microsoft.com/office/powerpoint/2010/main" val="2869770221"/>
+      </p:ext>
+    </p:extLst>
+  </p:cSld>
+  <p:clrMapOvr>
+    <a:masterClrMapping/>
+  </p:clrMapOvr>
+</p:sld>
+</file>
+
+<file path=ppt/slides/slide29.xml><?xml version="1.0" encoding="utf-8"?>
+<p:sld xmlns:a="http://schemas.openxmlformats.org/drawingml/2006/main" xmlns:r="http://schemas.openxmlformats.org/officeDocument/2006/relationships" xmlns:p="http://schemas.openxmlformats.org/presentationml/2006/main">
+  <p:cSld>
+    <p:spTree>
+      <p:nvGrpSpPr>
+        <p:cNvPr id="1" name=""/>
+        <p:cNvGrpSpPr/>
+        <p:nvPr/>
+      </p:nvGrpSpPr>
+      <p:grpSpPr>
+        <a:xfrm>
+          <a:off x="0" y="0"/>
+          <a:ext cx="0" cy="0"/>
+          <a:chOff x="0" y="0"/>
+          <a:chExt cx="0" cy="0"/>
+        </a:xfrm>
+      </p:grpSpPr>
+      <p:pic>
+        <p:nvPicPr>
+          <p:cNvPr id="5" name="Grafik 4" descr="Ein Bild, das Screenshot enthält.&#10;&#10;Automatisch generierte Beschreibung">
+            <a:extLst>
+              <a:ext uri="{FF2B5EF4-FFF2-40B4-BE49-F238E27FC236}">
+                <a16:creationId xmlns:a16="http://schemas.microsoft.com/office/drawing/2014/main" id="{BB29E306-F18F-4814-A2C6-009AF17B3101}"/>
+              </a:ext>
+            </a:extLst>
+          </p:cNvPr>
+          <p:cNvPicPr>
+            <a:picLocks noChangeAspect="1"/>
+          </p:cNvPicPr>
+          <p:nvPr/>
+        </p:nvPicPr>
+        <p:blipFill>
+          <a:blip r:embed="rId2">
+            <a:extLst>
+              <a:ext uri="{28A0092B-C50C-407E-A947-70E740481C1C}">
+                <a14:useLocalDpi xmlns:a14="http://schemas.microsoft.com/office/drawing/2010/main" val="0"/>
+              </a:ext>
+            </a:extLst>
+          </a:blip>
+          <a:stretch>
+            <a:fillRect/>
+          </a:stretch>
+        </p:blipFill>
+        <p:spPr>
+          <a:xfrm>
+            <a:off x="6203659" y="1663296"/>
+            <a:ext cx="4979534" cy="3531405"/>
+          </a:xfrm>
+          <a:prstGeom prst="rect">
+            <a:avLst/>
+          </a:prstGeom>
+        </p:spPr>
+      </p:pic>
+      <p:pic>
+        <p:nvPicPr>
+          <p:cNvPr id="7" name="Grafik 6" descr="Ein Bild, das Karte, Text enthält.&#10;&#10;Automatisch generierte Beschreibung">
+            <a:extLst>
+              <a:ext uri="{FF2B5EF4-FFF2-40B4-BE49-F238E27FC236}">
+                <a16:creationId xmlns:a16="http://schemas.microsoft.com/office/drawing/2014/main" id="{6E0CA567-D193-4B22-BACD-3E6D56613C88}"/>
+              </a:ext>
+            </a:extLst>
+          </p:cNvPr>
+          <p:cNvPicPr>
+            <a:picLocks noChangeAspect="1"/>
+          </p:cNvPicPr>
+          <p:nvPr/>
+        </p:nvPicPr>
+        <p:blipFill>
+          <a:blip r:embed="rId3">
+            <a:extLst>
+              <a:ext uri="{28A0092B-C50C-407E-A947-70E740481C1C}">
+                <a14:useLocalDpi xmlns:a14="http://schemas.microsoft.com/office/drawing/2010/main" val="0"/>
+              </a:ext>
+            </a:extLst>
+          </a:blip>
+          <a:stretch>
+            <a:fillRect/>
+          </a:stretch>
+        </p:blipFill>
+        <p:spPr>
+          <a:xfrm>
+            <a:off x="624494" y="1663297"/>
+            <a:ext cx="4979534" cy="3531405"/>
+          </a:xfrm>
+          <a:prstGeom prst="rect">
+            <a:avLst/>
+          </a:prstGeom>
+        </p:spPr>
+      </p:pic>
+      <p:sp>
+        <p:nvSpPr>
+          <p:cNvPr id="2" name="Foliennummernplatzhalter 1">
+            <a:extLst>
+              <a:ext uri="{FF2B5EF4-FFF2-40B4-BE49-F238E27FC236}">
+                <a16:creationId xmlns:a16="http://schemas.microsoft.com/office/drawing/2014/main" id="{CC1D4C56-BEA1-4944-8F03-E0FA8B00F2A4}"/>
+              </a:ext>
+            </a:extLst>
+          </p:cNvPr>
+          <p:cNvSpPr>
+            <a:spLocks noGrp="1"/>
+          </p:cNvSpPr>
+          <p:nvPr>
+            <p:ph type="sldNum" sz="quarter" idx="12"/>
+          </p:nvPr>
+        </p:nvSpPr>
+        <p:spPr/>
+        <p:txBody>
+          <a:bodyPr/>
+          <a:lstStyle/>
+          <a:p>
+            <a:fld id="{BCB32BD3-2004-4705-BEAB-9BF733917433}" type="slidenum">
+              <a:rPr lang="de-DE" smtClean="0"/>
+              <a:t>29</a:t>
+            </a:fld>
+            <a:endParaRPr lang="de-DE"/>
+          </a:p>
+        </p:txBody>
+      </p:sp>
+    </p:spTree>
+    <p:extLst>
+      <p:ext uri="{BB962C8B-B14F-4D97-AF65-F5344CB8AC3E}">
+        <p14:creationId xmlns:p14="http://schemas.microsoft.com/office/powerpoint/2010/main" val="2945526055"/>
       </p:ext>
     </p:extLst>
   </p:cSld>
@@ -6924,6 +7966,144 @@
     <p:extLst>
       <p:ext uri="{BB962C8B-B14F-4D97-AF65-F5344CB8AC3E}">
         <p14:creationId xmlns:p14="http://schemas.microsoft.com/office/powerpoint/2010/main" val="919939335"/>
+      </p:ext>
+    </p:extLst>
+  </p:cSld>
+  <p:clrMapOvr>
+    <a:masterClrMapping/>
+  </p:clrMapOvr>
+</p:sld>
+</file>
+
+<file path=ppt/slides/slide30.xml><?xml version="1.0" encoding="utf-8"?>
+<p:sld xmlns:a="http://schemas.openxmlformats.org/drawingml/2006/main" xmlns:r="http://schemas.openxmlformats.org/officeDocument/2006/relationships" xmlns:p="http://schemas.openxmlformats.org/presentationml/2006/main">
+  <p:cSld>
+    <p:spTree>
+      <p:nvGrpSpPr>
+        <p:cNvPr id="1" name=""/>
+        <p:cNvGrpSpPr/>
+        <p:nvPr/>
+      </p:nvGrpSpPr>
+      <p:grpSpPr>
+        <a:xfrm>
+          <a:off x="0" y="0"/>
+          <a:ext cx="0" cy="0"/>
+          <a:chOff x="0" y="0"/>
+          <a:chExt cx="0" cy="0"/>
+        </a:xfrm>
+      </p:grpSpPr>
+      <p:pic>
+        <p:nvPicPr>
+          <p:cNvPr id="5" name="Grafik 4">
+            <a:extLst>
+              <a:ext uri="{FF2B5EF4-FFF2-40B4-BE49-F238E27FC236}">
+                <a16:creationId xmlns:a16="http://schemas.microsoft.com/office/drawing/2014/main" id="{42E55FAF-7226-4C2E-A6C0-D8E6E1E982FB}"/>
+              </a:ext>
+            </a:extLst>
+          </p:cNvPr>
+          <p:cNvPicPr>
+            <a:picLocks noChangeAspect="1"/>
+          </p:cNvPicPr>
+          <p:nvPr/>
+        </p:nvPicPr>
+        <p:blipFill>
+          <a:blip r:embed="rId2">
+            <a:extLst>
+              <a:ext uri="{28A0092B-C50C-407E-A947-70E740481C1C}">
+                <a14:useLocalDpi xmlns:a14="http://schemas.microsoft.com/office/drawing/2010/main" val="0"/>
+              </a:ext>
+            </a:extLst>
+          </a:blip>
+          <a:stretch>
+            <a:fillRect/>
+          </a:stretch>
+        </p:blipFill>
+        <p:spPr>
+          <a:xfrm>
+            <a:off x="2564502" y="1918562"/>
+            <a:ext cx="6871046" cy="3412152"/>
+          </a:xfrm>
+          <a:prstGeom prst="rect">
+            <a:avLst/>
+          </a:prstGeom>
+        </p:spPr>
+      </p:pic>
+      <p:sp>
+        <p:nvSpPr>
+          <p:cNvPr id="6" name="Textfeld 5">
+            <a:extLst>
+              <a:ext uri="{FF2B5EF4-FFF2-40B4-BE49-F238E27FC236}">
+                <a16:creationId xmlns:a16="http://schemas.microsoft.com/office/drawing/2014/main" id="{E88A51B2-0421-47C6-AD47-E011610D918D}"/>
+              </a:ext>
+            </a:extLst>
+          </p:cNvPr>
+          <p:cNvSpPr txBox="1"/>
+          <p:nvPr/>
+        </p:nvSpPr>
+        <p:spPr>
+          <a:xfrm>
+            <a:off x="2660477" y="543339"/>
+            <a:ext cx="6871045" cy="646331"/>
+          </a:xfrm>
+          <a:prstGeom prst="rect">
+            <a:avLst/>
+          </a:prstGeom>
+          <a:noFill/>
+        </p:spPr>
+        <p:txBody>
+          <a:bodyPr wrap="square" rtlCol="0">
+            <a:spAutoFit/>
+          </a:bodyPr>
+          <a:lstStyle/>
+          <a:p>
+            <a:pPr algn="ctr"/>
+            <a:r>
+              <a:rPr lang="de-DE" dirty="0"/>
+              <a:t>Classification Report:</a:t>
+            </a:r>
+          </a:p>
+          <a:p>
+            <a:pPr algn="ctr"/>
+            <a:r>
+              <a:rPr lang="de-DE" dirty="0"/>
+              <a:t> trainiert auf Periode P1, angewendet auf die restlichen Perioden </a:t>
+            </a:r>
+          </a:p>
+        </p:txBody>
+      </p:sp>
+      <p:sp>
+        <p:nvSpPr>
+          <p:cNvPr id="2" name="Foliennummernplatzhalter 1">
+            <a:extLst>
+              <a:ext uri="{FF2B5EF4-FFF2-40B4-BE49-F238E27FC236}">
+                <a16:creationId xmlns:a16="http://schemas.microsoft.com/office/drawing/2014/main" id="{F797F4C6-8F93-461A-A2E5-B8EC13AC3431}"/>
+              </a:ext>
+            </a:extLst>
+          </p:cNvPr>
+          <p:cNvSpPr>
+            <a:spLocks noGrp="1"/>
+          </p:cNvSpPr>
+          <p:nvPr>
+            <p:ph type="sldNum" sz="quarter" idx="12"/>
+          </p:nvPr>
+        </p:nvSpPr>
+        <p:spPr/>
+        <p:txBody>
+          <a:bodyPr/>
+          <a:lstStyle/>
+          <a:p>
+            <a:fld id="{BCB32BD3-2004-4705-BEAB-9BF733917433}" type="slidenum">
+              <a:rPr lang="de-DE" smtClean="0"/>
+              <a:t>30</a:t>
+            </a:fld>
+            <a:endParaRPr lang="de-DE"/>
+          </a:p>
+        </p:txBody>
+      </p:sp>
+    </p:spTree>
+    <p:extLst>
+      <p:ext uri="{BB962C8B-B14F-4D97-AF65-F5344CB8AC3E}">
+        <p14:creationId xmlns:p14="http://schemas.microsoft.com/office/powerpoint/2010/main" val="2603357555"/>
       </p:ext>
     </p:extLst>
   </p:cSld>

--- a/Projektgruppenpräsention.pptx
+++ b/Projektgruppenpräsention.pptx
@@ -7018,13 +7018,8 @@
             </a:pPr>
             <a:r>
               <a:rPr lang="de-DE" dirty="0"/>
-              <a:t>Das Netz ist extrem sensitiv für alle </a:t>
-            </a:r>
-            <a:r>
-              <a:rPr lang="de-DE" dirty="0" err="1"/>
-              <a:t>Hpyerparameter</a:t>
-            </a:r>
-            <a:endParaRPr lang="de-DE" dirty="0"/>
+              <a:t>Das Netz ist extrem sensitiv für alle Hyperparameter</a:t>
+            </a:r>
           </a:p>
           <a:p>
             <a:pPr marL="285750" indent="-285750">
@@ -7050,8 +7045,12 @@
               <a:t>Convolutional</a:t>
             </a:r>
             <a:r>
+              <a:rPr lang="de-DE"/>
+              <a:t>-Layer </a:t>
+            </a:r>
+            <a:r>
               <a:rPr lang="de-DE" dirty="0"/>
-              <a:t>-Layer verbessert die Performance</a:t>
+              <a:t>verbessert die Performance</a:t>
             </a:r>
           </a:p>
           <a:p>

--- a/Projektgruppenpräsention.pptx
+++ b/Projektgruppenpräsention.pptx
@@ -264,7 +264,7 @@
           <a:p>
             <a:fld id="{9970A952-D182-47D0-BB0B-66E803D379DF}" type="datetimeFigureOut">
               <a:rPr lang="de-DE" smtClean="0"/>
-              <a:t>29.01.20</a:t>
+              <a:t>29.01.2020</a:t>
             </a:fld>
             <a:endParaRPr lang="de-DE"/>
           </a:p>
@@ -678,7 +678,7 @@
           <a:p>
             <a:fld id="{83AF5F3A-173E-41A1-88E4-D9283F7CF961}" type="datetime1">
               <a:rPr lang="de-DE" smtClean="0"/>
-              <a:t>29.01.20</a:t>
+              <a:t>29.01.2020</a:t>
             </a:fld>
             <a:endParaRPr lang="de-DE"/>
           </a:p>
@@ -876,7 +876,7 @@
           <a:p>
             <a:fld id="{67136FAB-3524-46F8-90EF-15FD34B1A103}" type="datetime1">
               <a:rPr lang="de-DE" smtClean="0"/>
-              <a:t>29.01.20</a:t>
+              <a:t>29.01.2020</a:t>
             </a:fld>
             <a:endParaRPr lang="de-DE"/>
           </a:p>
@@ -1084,7 +1084,7 @@
           <a:p>
             <a:fld id="{4D0EDC95-51A4-4EBF-8097-2751D169EA21}" type="datetime1">
               <a:rPr lang="de-DE" smtClean="0"/>
-              <a:t>29.01.20</a:t>
+              <a:t>29.01.2020</a:t>
             </a:fld>
             <a:endParaRPr lang="de-DE"/>
           </a:p>
@@ -1282,7 +1282,7 @@
           <a:p>
             <a:fld id="{243046D3-AE70-4445-9A51-18A4544EB06C}" type="datetime1">
               <a:rPr lang="de-DE" smtClean="0"/>
-              <a:t>29.01.20</a:t>
+              <a:t>29.01.2020</a:t>
             </a:fld>
             <a:endParaRPr lang="de-DE"/>
           </a:p>
@@ -1557,7 +1557,7 @@
           <a:p>
             <a:fld id="{31BFE2A4-EEDC-498F-9D43-72C906198079}" type="datetime1">
               <a:rPr lang="de-DE" smtClean="0"/>
-              <a:t>29.01.20</a:t>
+              <a:t>29.01.2020</a:t>
             </a:fld>
             <a:endParaRPr lang="de-DE"/>
           </a:p>
@@ -1822,7 +1822,7 @@
           <a:p>
             <a:fld id="{2C39E429-31BA-464B-AABA-32BF99730EE4}" type="datetime1">
               <a:rPr lang="de-DE" smtClean="0"/>
-              <a:t>29.01.20</a:t>
+              <a:t>29.01.2020</a:t>
             </a:fld>
             <a:endParaRPr lang="de-DE"/>
           </a:p>
@@ -2234,7 +2234,7 @@
           <a:p>
             <a:fld id="{42717186-E222-499D-884B-B2FBD6E3BDFA}" type="datetime1">
               <a:rPr lang="de-DE" smtClean="0"/>
-              <a:t>29.01.20</a:t>
+              <a:t>29.01.2020</a:t>
             </a:fld>
             <a:endParaRPr lang="de-DE"/>
           </a:p>
@@ -2375,7 +2375,7 @@
           <a:p>
             <a:fld id="{3CC83454-F47A-4696-A976-75ECB430CB87}" type="datetime1">
               <a:rPr lang="de-DE" smtClean="0"/>
-              <a:t>29.01.20</a:t>
+              <a:t>29.01.2020</a:t>
             </a:fld>
             <a:endParaRPr lang="de-DE"/>
           </a:p>
@@ -2488,7 +2488,7 @@
           <a:p>
             <a:fld id="{19533CB7-914E-416A-8972-D5E7F4407A62}" type="datetime1">
               <a:rPr lang="de-DE" smtClean="0"/>
-              <a:t>29.01.20</a:t>
+              <a:t>29.01.2020</a:t>
             </a:fld>
             <a:endParaRPr lang="de-DE"/>
           </a:p>
@@ -2799,7 +2799,7 @@
           <a:p>
             <a:fld id="{BEA7EBBF-56F2-4788-AB42-14CC33E031AC}" type="datetime1">
               <a:rPr lang="de-DE" smtClean="0"/>
-              <a:t>29.01.20</a:t>
+              <a:t>29.01.2020</a:t>
             </a:fld>
             <a:endParaRPr lang="de-DE"/>
           </a:p>
@@ -3087,7 +3087,7 @@
           <a:p>
             <a:fld id="{6990326C-0FF1-4B7F-B3C4-D2EA2B3EE3DE}" type="datetime1">
               <a:rPr lang="de-DE" smtClean="0"/>
-              <a:t>29.01.20</a:t>
+              <a:t>29.01.2020</a:t>
             </a:fld>
             <a:endParaRPr lang="de-DE"/>
           </a:p>
@@ -3328,7 +3328,7 @@
           <a:p>
             <a:fld id="{024C4B1E-96E9-4E99-A2B7-F535D5C9B736}" type="datetime1">
               <a:rPr lang="de-DE" smtClean="0"/>
-              <a:t>29.01.20</a:t>
+              <a:t>29.01.2020</a:t>
             </a:fld>
             <a:endParaRPr lang="de-DE"/>
           </a:p>
@@ -9016,7 +9016,7 @@
         </p:blipFill>
         <p:spPr>
           <a:xfrm>
-            <a:off x="4786532" y="4706938"/>
+            <a:off x="343496" y="4207697"/>
             <a:ext cx="2764399" cy="1738312"/>
           </a:xfrm>
           <a:prstGeom prst="rect">
@@ -9052,7 +9052,7 @@
         </p:blipFill>
         <p:spPr>
           <a:xfrm>
-            <a:off x="4786532" y="1690688"/>
+            <a:off x="8071085" y="1705485"/>
             <a:ext cx="2635872" cy="1738312"/>
           </a:xfrm>
           <a:prstGeom prst="rect">
@@ -9088,7 +9088,7 @@
         </p:blipFill>
         <p:spPr>
           <a:xfrm>
-            <a:off x="478541" y="4745552"/>
+            <a:off x="4452224" y="1639525"/>
             <a:ext cx="2548643" cy="1747323"/>
           </a:xfrm>
           <a:prstGeom prst="rect">
@@ -9160,7 +9160,7 @@
         </p:blipFill>
         <p:spPr>
           <a:xfrm>
-            <a:off x="8689151" y="4706938"/>
+            <a:off x="8173069" y="4261147"/>
             <a:ext cx="2664649" cy="1738312"/>
           </a:xfrm>
           <a:prstGeom prst="rect">
@@ -9196,7 +9196,7 @@
         </p:blipFill>
         <p:spPr>
           <a:xfrm>
-            <a:off x="8688018" y="1789162"/>
+            <a:off x="4452224" y="4307515"/>
             <a:ext cx="2567195" cy="1639838"/>
           </a:xfrm>
           <a:prstGeom prst="rect">
@@ -9253,7 +9253,7 @@
         </p:nvSpPr>
         <p:spPr>
           <a:xfrm>
-            <a:off x="2913658" y="4745552"/>
+            <a:off x="6919578" y="1673257"/>
             <a:ext cx="1048742" cy="276999"/>
           </a:xfrm>
           <a:prstGeom prst="rect">
@@ -9288,7 +9288,7 @@
         </p:nvSpPr>
         <p:spPr>
           <a:xfrm>
-            <a:off x="7335744" y="1678067"/>
+            <a:off x="10706957" y="1690688"/>
             <a:ext cx="1048742" cy="276999"/>
           </a:xfrm>
           <a:prstGeom prst="rect">
@@ -9323,7 +9323,7 @@
         </p:nvSpPr>
         <p:spPr>
           <a:xfrm>
-            <a:off x="7422404" y="4678665"/>
+            <a:off x="2970191" y="4207697"/>
             <a:ext cx="1048742" cy="276999"/>
           </a:xfrm>
           <a:prstGeom prst="rect">
@@ -9358,7 +9358,7 @@
         </p:nvSpPr>
         <p:spPr>
           <a:xfrm>
-            <a:off x="11123762" y="1722275"/>
+            <a:off x="6990247" y="4247694"/>
             <a:ext cx="1048742" cy="276999"/>
           </a:xfrm>
           <a:prstGeom prst="rect">
@@ -9393,7 +9393,7 @@
         </p:nvSpPr>
         <p:spPr>
           <a:xfrm>
-            <a:off x="11189088" y="4706938"/>
+            <a:off x="10673006" y="4261147"/>
             <a:ext cx="1048742" cy="276999"/>
           </a:xfrm>
           <a:prstGeom prst="rect">
@@ -9430,7 +9430,12 @@
             <p:ph type="sldNum" sz="quarter" idx="12"/>
           </p:nvPr>
         </p:nvSpPr>
-        <p:spPr/>
+        <p:spPr>
+          <a:xfrm>
+            <a:off x="9167377" y="6310312"/>
+            <a:ext cx="2743200" cy="365125"/>
+          </a:xfrm>
+        </p:spPr>
         <p:txBody>
           <a:bodyPr/>
           <a:lstStyle/>
@@ -9439,7 +9444,7 @@
               <a:rPr lang="de-DE" smtClean="0"/>
               <a:t>8</a:t>
             </a:fld>
-            <a:endParaRPr lang="de-DE"/>
+            <a:endParaRPr lang="de-DE" dirty="0"/>
           </a:p>
         </p:txBody>
       </p:sp>

--- a/Projektgruppenpräsention.pptx
+++ b/Projektgruppenpräsention.pptx
@@ -5,7 +5,7 @@
     <p:sldMasterId id="2147483648" r:id="rId1"/>
   </p:sldMasterIdLst>
   <p:notesMasterIdLst>
-    <p:notesMasterId r:id="rId32"/>
+    <p:notesMasterId r:id="rId34"/>
   </p:notesMasterIdLst>
   <p:sldIdLst>
     <p:sldId id="256" r:id="rId2"/>
@@ -13,31 +13,33 @@
     <p:sldId id="276" r:id="rId4"/>
     <p:sldId id="259" r:id="rId5"/>
     <p:sldId id="260" r:id="rId6"/>
-    <p:sldId id="261" r:id="rId7"/>
-    <p:sldId id="263" r:id="rId8"/>
-    <p:sldId id="262" r:id="rId9"/>
-    <p:sldId id="258" r:id="rId10"/>
-    <p:sldId id="264" r:id="rId11"/>
-    <p:sldId id="269" r:id="rId12"/>
-    <p:sldId id="267" r:id="rId13"/>
-    <p:sldId id="265" r:id="rId14"/>
-    <p:sldId id="266" r:id="rId15"/>
-    <p:sldId id="270" r:id="rId16"/>
-    <p:sldId id="282" r:id="rId17"/>
-    <p:sldId id="283" r:id="rId18"/>
-    <p:sldId id="271" r:id="rId19"/>
-    <p:sldId id="268" r:id="rId20"/>
-    <p:sldId id="272" r:id="rId21"/>
-    <p:sldId id="273" r:id="rId22"/>
-    <p:sldId id="274" r:id="rId23"/>
-    <p:sldId id="280" r:id="rId24"/>
-    <p:sldId id="284" r:id="rId25"/>
-    <p:sldId id="285" r:id="rId26"/>
-    <p:sldId id="286" r:id="rId27"/>
-    <p:sldId id="275" r:id="rId28"/>
-    <p:sldId id="278" r:id="rId29"/>
-    <p:sldId id="277" r:id="rId30"/>
-    <p:sldId id="279" r:id="rId31"/>
+    <p:sldId id="288" r:id="rId7"/>
+    <p:sldId id="261" r:id="rId8"/>
+    <p:sldId id="263" r:id="rId9"/>
+    <p:sldId id="262" r:id="rId10"/>
+    <p:sldId id="258" r:id="rId11"/>
+    <p:sldId id="264" r:id="rId12"/>
+    <p:sldId id="269" r:id="rId13"/>
+    <p:sldId id="267" r:id="rId14"/>
+    <p:sldId id="265" r:id="rId15"/>
+    <p:sldId id="266" r:id="rId16"/>
+    <p:sldId id="270" r:id="rId17"/>
+    <p:sldId id="282" r:id="rId18"/>
+    <p:sldId id="283" r:id="rId19"/>
+    <p:sldId id="271" r:id="rId20"/>
+    <p:sldId id="268" r:id="rId21"/>
+    <p:sldId id="272" r:id="rId22"/>
+    <p:sldId id="273" r:id="rId23"/>
+    <p:sldId id="274" r:id="rId24"/>
+    <p:sldId id="287" r:id="rId25"/>
+    <p:sldId id="280" r:id="rId26"/>
+    <p:sldId id="284" r:id="rId27"/>
+    <p:sldId id="285" r:id="rId28"/>
+    <p:sldId id="286" r:id="rId29"/>
+    <p:sldId id="275" r:id="rId30"/>
+    <p:sldId id="278" r:id="rId31"/>
+    <p:sldId id="277" r:id="rId32"/>
+    <p:sldId id="279" r:id="rId33"/>
   </p:sldIdLst>
   <p:sldSz cx="12192000" cy="6858000"/>
   <p:notesSz cx="6858000" cy="9144000"/>
@@ -146,6 +148,7 @@
             <p14:sldId id="276"/>
             <p14:sldId id="259"/>
             <p14:sldId id="260"/>
+            <p14:sldId id="288"/>
             <p14:sldId id="261"/>
             <p14:sldId id="263"/>
             <p14:sldId id="262"/>
@@ -163,6 +166,7 @@
             <p14:sldId id="272"/>
             <p14:sldId id="273"/>
             <p14:sldId id="274"/>
+            <p14:sldId id="287"/>
             <p14:sldId id="280"/>
             <p14:sldId id="284"/>
             <p14:sldId id="285"/>
@@ -264,7 +268,7 @@
           <a:p>
             <a:fld id="{9970A952-D182-47D0-BB0B-66E803D379DF}" type="datetimeFigureOut">
               <a:rPr lang="de-DE" smtClean="0"/>
-              <a:t>29.01.2020</a:t>
+              <a:t>29.01.20</a:t>
             </a:fld>
             <a:endParaRPr lang="de-DE"/>
           </a:p>
@@ -678,7 +682,7 @@
           <a:p>
             <a:fld id="{83AF5F3A-173E-41A1-88E4-D9283F7CF961}" type="datetime1">
               <a:rPr lang="de-DE" smtClean="0"/>
-              <a:t>29.01.2020</a:t>
+              <a:t>29.01.20</a:t>
             </a:fld>
             <a:endParaRPr lang="de-DE"/>
           </a:p>
@@ -876,7 +880,7 @@
           <a:p>
             <a:fld id="{67136FAB-3524-46F8-90EF-15FD34B1A103}" type="datetime1">
               <a:rPr lang="de-DE" smtClean="0"/>
-              <a:t>29.01.2020</a:t>
+              <a:t>29.01.20</a:t>
             </a:fld>
             <a:endParaRPr lang="de-DE"/>
           </a:p>
@@ -1084,7 +1088,7 @@
           <a:p>
             <a:fld id="{4D0EDC95-51A4-4EBF-8097-2751D169EA21}" type="datetime1">
               <a:rPr lang="de-DE" smtClean="0"/>
-              <a:t>29.01.2020</a:t>
+              <a:t>29.01.20</a:t>
             </a:fld>
             <a:endParaRPr lang="de-DE"/>
           </a:p>
@@ -1282,7 +1286,7 @@
           <a:p>
             <a:fld id="{243046D3-AE70-4445-9A51-18A4544EB06C}" type="datetime1">
               <a:rPr lang="de-DE" smtClean="0"/>
-              <a:t>29.01.2020</a:t>
+              <a:t>29.01.20</a:t>
             </a:fld>
             <a:endParaRPr lang="de-DE"/>
           </a:p>
@@ -1557,7 +1561,7 @@
           <a:p>
             <a:fld id="{31BFE2A4-EEDC-498F-9D43-72C906198079}" type="datetime1">
               <a:rPr lang="de-DE" smtClean="0"/>
-              <a:t>29.01.2020</a:t>
+              <a:t>29.01.20</a:t>
             </a:fld>
             <a:endParaRPr lang="de-DE"/>
           </a:p>
@@ -1822,7 +1826,7 @@
           <a:p>
             <a:fld id="{2C39E429-31BA-464B-AABA-32BF99730EE4}" type="datetime1">
               <a:rPr lang="de-DE" smtClean="0"/>
-              <a:t>29.01.2020</a:t>
+              <a:t>29.01.20</a:t>
             </a:fld>
             <a:endParaRPr lang="de-DE"/>
           </a:p>
@@ -2234,7 +2238,7 @@
           <a:p>
             <a:fld id="{42717186-E222-499D-884B-B2FBD6E3BDFA}" type="datetime1">
               <a:rPr lang="de-DE" smtClean="0"/>
-              <a:t>29.01.2020</a:t>
+              <a:t>29.01.20</a:t>
             </a:fld>
             <a:endParaRPr lang="de-DE"/>
           </a:p>
@@ -2375,7 +2379,7 @@
           <a:p>
             <a:fld id="{3CC83454-F47A-4696-A976-75ECB430CB87}" type="datetime1">
               <a:rPr lang="de-DE" smtClean="0"/>
-              <a:t>29.01.2020</a:t>
+              <a:t>29.01.20</a:t>
             </a:fld>
             <a:endParaRPr lang="de-DE"/>
           </a:p>
@@ -2488,7 +2492,7 @@
           <a:p>
             <a:fld id="{19533CB7-914E-416A-8972-D5E7F4407A62}" type="datetime1">
               <a:rPr lang="de-DE" smtClean="0"/>
-              <a:t>29.01.2020</a:t>
+              <a:t>29.01.20</a:t>
             </a:fld>
             <a:endParaRPr lang="de-DE"/>
           </a:p>
@@ -2799,7 +2803,7 @@
           <a:p>
             <a:fld id="{BEA7EBBF-56F2-4788-AB42-14CC33E031AC}" type="datetime1">
               <a:rPr lang="de-DE" smtClean="0"/>
-              <a:t>29.01.2020</a:t>
+              <a:t>29.01.20</a:t>
             </a:fld>
             <a:endParaRPr lang="de-DE"/>
           </a:p>
@@ -3087,7 +3091,7 @@
           <a:p>
             <a:fld id="{6990326C-0FF1-4B7F-B3C4-D2EA2B3EE3DE}" type="datetime1">
               <a:rPr lang="de-DE" smtClean="0"/>
-              <a:t>29.01.2020</a:t>
+              <a:t>29.01.20</a:t>
             </a:fld>
             <a:endParaRPr lang="de-DE"/>
           </a:p>
@@ -3328,7 +3332,7 @@
           <a:p>
             <a:fld id="{024C4B1E-96E9-4E99-A2B7-F535D5C9B736}" type="datetime1">
               <a:rPr lang="de-DE" smtClean="0"/>
-              <a:t>29.01.2020</a:t>
+              <a:t>29.01.20</a:t>
             </a:fld>
             <a:endParaRPr lang="de-DE"/>
           </a:p>
@@ -3881,7 +3885,7 @@
           <p:cNvPr id="2" name="Titel 1">
             <a:extLst>
               <a:ext uri="{FF2B5EF4-FFF2-40B4-BE49-F238E27FC236}">
-                <a16:creationId xmlns:a16="http://schemas.microsoft.com/office/drawing/2014/main" id="{52EAA132-7573-41C7-BFEF-2F3836266536}"/>
+                <a16:creationId xmlns:a16="http://schemas.microsoft.com/office/drawing/2014/main" id="{33C31535-2E54-41AC-8A74-1283CD8E2427}"/>
               </a:ext>
             </a:extLst>
           </p:cNvPr>
@@ -3900,304 +3904,7 @@
             <a:pPr algn="ctr"/>
             <a:r>
               <a:rPr lang="de-DE" dirty="0"/>
-              <a:t>Fragestellung</a:t>
-            </a:r>
-          </a:p>
-        </p:txBody>
-      </p:sp>
-      <p:sp>
-        <p:nvSpPr>
-          <p:cNvPr id="3" name="Inhaltsplatzhalter 2">
-            <a:extLst>
-              <a:ext uri="{FF2B5EF4-FFF2-40B4-BE49-F238E27FC236}">
-                <a16:creationId xmlns:a16="http://schemas.microsoft.com/office/drawing/2014/main" id="{CD5E0549-B833-462A-97AB-56659BF3E7B7}"/>
-              </a:ext>
-            </a:extLst>
-          </p:cNvPr>
-          <p:cNvSpPr>
-            <a:spLocks noGrp="1"/>
-          </p:cNvSpPr>
-          <p:nvPr>
-            <p:ph idx="1"/>
-          </p:nvPr>
-        </p:nvSpPr>
-        <p:spPr>
-          <a:xfrm>
-            <a:off x="838200" y="3012981"/>
-            <a:ext cx="10515600" cy="1463485"/>
-          </a:xfrm>
-        </p:spPr>
-        <p:txBody>
-          <a:bodyPr>
-            <a:normAutofit/>
-          </a:bodyPr>
-          <a:lstStyle/>
-          <a:p>
-            <a:pPr marL="0" indent="0" algn="ctr">
-              <a:lnSpc>
-                <a:spcPct val="150000"/>
-              </a:lnSpc>
-              <a:buNone/>
-            </a:pPr>
-            <a:r>
-              <a:rPr lang="de-DE" i="1" dirty="0"/>
-              <a:t>Können wir die Textsorten, ausgehend von einer Trainingsperiode, in anderen Zeitintervallen vorhersagen?</a:t>
-            </a:r>
-          </a:p>
-        </p:txBody>
-      </p:sp>
-      <p:sp>
-        <p:nvSpPr>
-          <p:cNvPr id="4" name="Foliennummernplatzhalter 3">
-            <a:extLst>
-              <a:ext uri="{FF2B5EF4-FFF2-40B4-BE49-F238E27FC236}">
-                <a16:creationId xmlns:a16="http://schemas.microsoft.com/office/drawing/2014/main" id="{966EC736-443B-47A4-8BA3-48DE1E3A23AA}"/>
-              </a:ext>
-            </a:extLst>
-          </p:cNvPr>
-          <p:cNvSpPr>
-            <a:spLocks noGrp="1"/>
-          </p:cNvSpPr>
-          <p:nvPr>
-            <p:ph type="sldNum" sz="quarter" idx="12"/>
-          </p:nvPr>
-        </p:nvSpPr>
-        <p:spPr/>
-        <p:txBody>
-          <a:bodyPr/>
-          <a:lstStyle/>
-          <a:p>
-            <a:fld id="{BCB32BD3-2004-4705-BEAB-9BF733917433}" type="slidenum">
-              <a:rPr lang="de-DE" smtClean="0"/>
-              <a:t>10</a:t>
-            </a:fld>
-            <a:endParaRPr lang="de-DE"/>
-          </a:p>
-        </p:txBody>
-      </p:sp>
-    </p:spTree>
-    <p:extLst>
-      <p:ext uri="{BB962C8B-B14F-4D97-AF65-F5344CB8AC3E}">
-        <p14:creationId xmlns:p14="http://schemas.microsoft.com/office/powerpoint/2010/main" val="2068376141"/>
-      </p:ext>
-    </p:extLst>
-  </p:cSld>
-  <p:clrMapOvr>
-    <a:masterClrMapping/>
-  </p:clrMapOvr>
-</p:sld>
-</file>
-
-<file path=ppt/slides/slide11.xml><?xml version="1.0" encoding="utf-8"?>
-<p:sld xmlns:a="http://schemas.openxmlformats.org/drawingml/2006/main" xmlns:r="http://schemas.openxmlformats.org/officeDocument/2006/relationships" xmlns:p="http://schemas.openxmlformats.org/presentationml/2006/main">
-  <p:cSld>
-    <p:spTree>
-      <p:nvGrpSpPr>
-        <p:cNvPr id="1" name=""/>
-        <p:cNvGrpSpPr/>
-        <p:nvPr/>
-      </p:nvGrpSpPr>
-      <p:grpSpPr>
-        <a:xfrm>
-          <a:off x="0" y="0"/>
-          <a:ext cx="0" cy="0"/>
-          <a:chOff x="0" y="0"/>
-          <a:chExt cx="0" cy="0"/>
-        </a:xfrm>
-      </p:grpSpPr>
-      <p:sp>
-        <p:nvSpPr>
-          <p:cNvPr id="2" name="Titel 1">
-            <a:extLst>
-              <a:ext uri="{FF2B5EF4-FFF2-40B4-BE49-F238E27FC236}">
-                <a16:creationId xmlns:a16="http://schemas.microsoft.com/office/drawing/2014/main" id="{E4A6647A-3620-4114-B32A-A376A2214CA0}"/>
-              </a:ext>
-            </a:extLst>
-          </p:cNvPr>
-          <p:cNvSpPr>
-            <a:spLocks noGrp="1"/>
-          </p:cNvSpPr>
-          <p:nvPr>
-            <p:ph type="title"/>
-          </p:nvPr>
-        </p:nvSpPr>
-        <p:spPr/>
-        <p:txBody>
-          <a:bodyPr/>
-          <a:lstStyle/>
-          <a:p>
-            <a:pPr algn="ctr"/>
-            <a:r>
-              <a:rPr lang="de-DE" dirty="0"/>
-              <a:t>Versuchsdesign</a:t>
-            </a:r>
-          </a:p>
-        </p:txBody>
-      </p:sp>
-      <p:sp>
-        <p:nvSpPr>
-          <p:cNvPr id="3" name="Inhaltsplatzhalter 2">
-            <a:extLst>
-              <a:ext uri="{FF2B5EF4-FFF2-40B4-BE49-F238E27FC236}">
-                <a16:creationId xmlns:a16="http://schemas.microsoft.com/office/drawing/2014/main" id="{85F0AC1B-153D-48DA-915B-EBBB9E44FECF}"/>
-              </a:ext>
-            </a:extLst>
-          </p:cNvPr>
-          <p:cNvSpPr>
-            <a:spLocks noGrp="1"/>
-          </p:cNvSpPr>
-          <p:nvPr>
-            <p:ph idx="1"/>
-          </p:nvPr>
-        </p:nvSpPr>
-        <p:spPr/>
-        <p:txBody>
-          <a:bodyPr/>
-          <a:lstStyle/>
-          <a:p>
-            <a:r>
-              <a:rPr lang="de-DE" dirty="0"/>
-              <a:t>Aufbereiten der Daten</a:t>
-            </a:r>
-          </a:p>
-          <a:p>
-            <a:r>
-              <a:rPr lang="de-DE" dirty="0"/>
-              <a:t>Trainingsdaten: Eine Periode (Periode 1)</a:t>
-            </a:r>
-          </a:p>
-          <a:p>
-            <a:r>
-              <a:rPr lang="de-DE" dirty="0"/>
-              <a:t>Testdaten: Restliche Perioden (Periode 2 – 6)</a:t>
-            </a:r>
-          </a:p>
-          <a:p>
-            <a:r>
-              <a:rPr lang="de-DE" dirty="0"/>
-              <a:t>Training der Modelle zur Textsorten-Klassifizierung</a:t>
-            </a:r>
-          </a:p>
-          <a:p>
-            <a:r>
-              <a:rPr lang="de-DE" dirty="0"/>
-              <a:t>Vorhersage der Textsorten auf alle anderen Perioden</a:t>
-            </a:r>
-          </a:p>
-          <a:p>
-            <a:r>
-              <a:rPr lang="de-DE" dirty="0"/>
-              <a:t>Metrik = F1-Score </a:t>
-            </a:r>
-            <a:r>
-              <a:rPr lang="de-DE" dirty="0" err="1"/>
-              <a:t>macro</a:t>
-            </a:r>
-            <a:endParaRPr lang="de-DE" dirty="0"/>
-          </a:p>
-          <a:p>
-            <a:r>
-              <a:rPr lang="de-DE" dirty="0"/>
-              <a:t>Textsorte </a:t>
-            </a:r>
-            <a:r>
-              <a:rPr lang="de-DE" i="1" dirty="0"/>
-              <a:t>News</a:t>
-            </a:r>
-            <a:r>
-              <a:rPr lang="de-DE" dirty="0"/>
-              <a:t> wurde entfernt</a:t>
-            </a:r>
-          </a:p>
-          <a:p>
-            <a:endParaRPr lang="de-DE" dirty="0"/>
-          </a:p>
-        </p:txBody>
-      </p:sp>
-      <p:sp>
-        <p:nvSpPr>
-          <p:cNvPr id="4" name="Foliennummernplatzhalter 3">
-            <a:extLst>
-              <a:ext uri="{FF2B5EF4-FFF2-40B4-BE49-F238E27FC236}">
-                <a16:creationId xmlns:a16="http://schemas.microsoft.com/office/drawing/2014/main" id="{20D4D9F1-E3A2-48D3-9A0E-87369F99CB1B}"/>
-              </a:ext>
-            </a:extLst>
-          </p:cNvPr>
-          <p:cNvSpPr>
-            <a:spLocks noGrp="1"/>
-          </p:cNvSpPr>
-          <p:nvPr>
-            <p:ph type="sldNum" sz="quarter" idx="12"/>
-          </p:nvPr>
-        </p:nvSpPr>
-        <p:spPr/>
-        <p:txBody>
-          <a:bodyPr/>
-          <a:lstStyle/>
-          <a:p>
-            <a:fld id="{BCB32BD3-2004-4705-BEAB-9BF733917433}" type="slidenum">
-              <a:rPr lang="de-DE" smtClean="0"/>
-              <a:t>11</a:t>
-            </a:fld>
-            <a:endParaRPr lang="de-DE"/>
-          </a:p>
-        </p:txBody>
-      </p:sp>
-    </p:spTree>
-    <p:extLst>
-      <p:ext uri="{BB962C8B-B14F-4D97-AF65-F5344CB8AC3E}">
-        <p14:creationId xmlns:p14="http://schemas.microsoft.com/office/powerpoint/2010/main" val="3929066626"/>
-      </p:ext>
-    </p:extLst>
-  </p:cSld>
-  <p:clrMapOvr>
-    <a:masterClrMapping/>
-  </p:clrMapOvr>
-</p:sld>
-</file>
-
-<file path=ppt/slides/slide12.xml><?xml version="1.0" encoding="utf-8"?>
-<p:sld xmlns:a="http://schemas.openxmlformats.org/drawingml/2006/main" xmlns:r="http://schemas.openxmlformats.org/officeDocument/2006/relationships" xmlns:p="http://schemas.openxmlformats.org/presentationml/2006/main">
-  <p:cSld>
-    <p:spTree>
-      <p:nvGrpSpPr>
-        <p:cNvPr id="1" name=""/>
-        <p:cNvGrpSpPr/>
-        <p:nvPr/>
-      </p:nvGrpSpPr>
-      <p:grpSpPr>
-        <a:xfrm>
-          <a:off x="0" y="0"/>
-          <a:ext cx="0" cy="0"/>
-          <a:chOff x="0" y="0"/>
-          <a:chExt cx="0" cy="0"/>
-        </a:xfrm>
-      </p:grpSpPr>
-      <p:sp>
-        <p:nvSpPr>
-          <p:cNvPr id="2" name="Titel 1">
-            <a:extLst>
-              <a:ext uri="{FF2B5EF4-FFF2-40B4-BE49-F238E27FC236}">
-                <a16:creationId xmlns:a16="http://schemas.microsoft.com/office/drawing/2014/main" id="{33C31535-2E54-41AC-8A74-1283CD8E2427}"/>
-              </a:ext>
-            </a:extLst>
-          </p:cNvPr>
-          <p:cNvSpPr>
-            <a:spLocks noGrp="1"/>
-          </p:cNvSpPr>
-          <p:nvPr>
-            <p:ph type="title"/>
-          </p:nvPr>
-        </p:nvSpPr>
-        <p:spPr/>
-        <p:txBody>
-          <a:bodyPr/>
-          <a:lstStyle/>
-          <a:p>
-            <a:pPr algn="ctr"/>
-            <a:r>
-              <a:rPr lang="de-DE" dirty="0"/>
-              <a:t>Features</a:t>
+              <a:t>Vorstellung des Datensatzes</a:t>
             </a:r>
           </a:p>
         </p:txBody>
@@ -4355,7 +4062,304 @@
           <p:cNvPr id="3" name="Foliennummernplatzhalter 2">
             <a:extLst>
               <a:ext uri="{FF2B5EF4-FFF2-40B4-BE49-F238E27FC236}">
-                <a16:creationId xmlns:a16="http://schemas.microsoft.com/office/drawing/2014/main" id="{395960BE-70FC-4DB4-AFBE-C223862E3B0E}"/>
+                <a16:creationId xmlns:a16="http://schemas.microsoft.com/office/drawing/2014/main" id="{755BDD0F-24BF-4BAF-B5D8-8E3D1076D0B6}"/>
+              </a:ext>
+            </a:extLst>
+          </p:cNvPr>
+          <p:cNvSpPr>
+            <a:spLocks noGrp="1"/>
+          </p:cNvSpPr>
+          <p:nvPr>
+            <p:ph type="sldNum" sz="quarter" idx="12"/>
+          </p:nvPr>
+        </p:nvSpPr>
+        <p:spPr/>
+        <p:txBody>
+          <a:bodyPr/>
+          <a:lstStyle/>
+          <a:p>
+            <a:fld id="{BCB32BD3-2004-4705-BEAB-9BF733917433}" type="slidenum">
+              <a:rPr lang="de-DE" smtClean="0"/>
+              <a:t>10</a:t>
+            </a:fld>
+            <a:endParaRPr lang="de-DE"/>
+          </a:p>
+        </p:txBody>
+      </p:sp>
+    </p:spTree>
+    <p:extLst>
+      <p:ext uri="{BB962C8B-B14F-4D97-AF65-F5344CB8AC3E}">
+        <p14:creationId xmlns:p14="http://schemas.microsoft.com/office/powerpoint/2010/main" val="504856519"/>
+      </p:ext>
+    </p:extLst>
+  </p:cSld>
+  <p:clrMapOvr>
+    <a:masterClrMapping/>
+  </p:clrMapOvr>
+</p:sld>
+</file>
+
+<file path=ppt/slides/slide11.xml><?xml version="1.0" encoding="utf-8"?>
+<p:sld xmlns:a="http://schemas.openxmlformats.org/drawingml/2006/main" xmlns:r="http://schemas.openxmlformats.org/officeDocument/2006/relationships" xmlns:p="http://schemas.openxmlformats.org/presentationml/2006/main">
+  <p:cSld>
+    <p:spTree>
+      <p:nvGrpSpPr>
+        <p:cNvPr id="1" name=""/>
+        <p:cNvGrpSpPr/>
+        <p:nvPr/>
+      </p:nvGrpSpPr>
+      <p:grpSpPr>
+        <a:xfrm>
+          <a:off x="0" y="0"/>
+          <a:ext cx="0" cy="0"/>
+          <a:chOff x="0" y="0"/>
+          <a:chExt cx="0" cy="0"/>
+        </a:xfrm>
+      </p:grpSpPr>
+      <p:sp>
+        <p:nvSpPr>
+          <p:cNvPr id="2" name="Titel 1">
+            <a:extLst>
+              <a:ext uri="{FF2B5EF4-FFF2-40B4-BE49-F238E27FC236}">
+                <a16:creationId xmlns:a16="http://schemas.microsoft.com/office/drawing/2014/main" id="{52EAA132-7573-41C7-BFEF-2F3836266536}"/>
+              </a:ext>
+            </a:extLst>
+          </p:cNvPr>
+          <p:cNvSpPr>
+            <a:spLocks noGrp="1"/>
+          </p:cNvSpPr>
+          <p:nvPr>
+            <p:ph type="title"/>
+          </p:nvPr>
+        </p:nvSpPr>
+        <p:spPr/>
+        <p:txBody>
+          <a:bodyPr/>
+          <a:lstStyle/>
+          <a:p>
+            <a:pPr algn="ctr"/>
+            <a:r>
+              <a:rPr lang="de-DE" dirty="0"/>
+              <a:t>Fragestellung</a:t>
+            </a:r>
+          </a:p>
+        </p:txBody>
+      </p:sp>
+      <p:sp>
+        <p:nvSpPr>
+          <p:cNvPr id="3" name="Inhaltsplatzhalter 2">
+            <a:extLst>
+              <a:ext uri="{FF2B5EF4-FFF2-40B4-BE49-F238E27FC236}">
+                <a16:creationId xmlns:a16="http://schemas.microsoft.com/office/drawing/2014/main" id="{CD5E0549-B833-462A-97AB-56659BF3E7B7}"/>
+              </a:ext>
+            </a:extLst>
+          </p:cNvPr>
+          <p:cNvSpPr>
+            <a:spLocks noGrp="1"/>
+          </p:cNvSpPr>
+          <p:nvPr>
+            <p:ph idx="1"/>
+          </p:nvPr>
+        </p:nvSpPr>
+        <p:spPr>
+          <a:xfrm>
+            <a:off x="838200" y="3012981"/>
+            <a:ext cx="10515600" cy="1463485"/>
+          </a:xfrm>
+        </p:spPr>
+        <p:txBody>
+          <a:bodyPr>
+            <a:normAutofit/>
+          </a:bodyPr>
+          <a:lstStyle/>
+          <a:p>
+            <a:pPr marL="0" indent="0" algn="ctr">
+              <a:lnSpc>
+                <a:spcPct val="150000"/>
+              </a:lnSpc>
+              <a:buNone/>
+            </a:pPr>
+            <a:r>
+              <a:rPr lang="de-DE" i="1" dirty="0"/>
+              <a:t>Können wir die Textsorten, ausgehend von einer Trainingsperiode, in anderen Zeitintervallen vorhersagen?</a:t>
+            </a:r>
+          </a:p>
+        </p:txBody>
+      </p:sp>
+      <p:sp>
+        <p:nvSpPr>
+          <p:cNvPr id="4" name="Foliennummernplatzhalter 3">
+            <a:extLst>
+              <a:ext uri="{FF2B5EF4-FFF2-40B4-BE49-F238E27FC236}">
+                <a16:creationId xmlns:a16="http://schemas.microsoft.com/office/drawing/2014/main" id="{966EC736-443B-47A4-8BA3-48DE1E3A23AA}"/>
+              </a:ext>
+            </a:extLst>
+          </p:cNvPr>
+          <p:cNvSpPr>
+            <a:spLocks noGrp="1"/>
+          </p:cNvSpPr>
+          <p:nvPr>
+            <p:ph type="sldNum" sz="quarter" idx="12"/>
+          </p:nvPr>
+        </p:nvSpPr>
+        <p:spPr/>
+        <p:txBody>
+          <a:bodyPr/>
+          <a:lstStyle/>
+          <a:p>
+            <a:fld id="{BCB32BD3-2004-4705-BEAB-9BF733917433}" type="slidenum">
+              <a:rPr lang="de-DE" smtClean="0"/>
+              <a:t>11</a:t>
+            </a:fld>
+            <a:endParaRPr lang="de-DE"/>
+          </a:p>
+        </p:txBody>
+      </p:sp>
+    </p:spTree>
+    <p:extLst>
+      <p:ext uri="{BB962C8B-B14F-4D97-AF65-F5344CB8AC3E}">
+        <p14:creationId xmlns:p14="http://schemas.microsoft.com/office/powerpoint/2010/main" val="2068376141"/>
+      </p:ext>
+    </p:extLst>
+  </p:cSld>
+  <p:clrMapOvr>
+    <a:masterClrMapping/>
+  </p:clrMapOvr>
+</p:sld>
+</file>
+
+<file path=ppt/slides/slide12.xml><?xml version="1.0" encoding="utf-8"?>
+<p:sld xmlns:a="http://schemas.openxmlformats.org/drawingml/2006/main" xmlns:r="http://schemas.openxmlformats.org/officeDocument/2006/relationships" xmlns:p="http://schemas.openxmlformats.org/presentationml/2006/main">
+  <p:cSld>
+    <p:spTree>
+      <p:nvGrpSpPr>
+        <p:cNvPr id="1" name=""/>
+        <p:cNvGrpSpPr/>
+        <p:nvPr/>
+      </p:nvGrpSpPr>
+      <p:grpSpPr>
+        <a:xfrm>
+          <a:off x="0" y="0"/>
+          <a:ext cx="0" cy="0"/>
+          <a:chOff x="0" y="0"/>
+          <a:chExt cx="0" cy="0"/>
+        </a:xfrm>
+      </p:grpSpPr>
+      <p:sp>
+        <p:nvSpPr>
+          <p:cNvPr id="2" name="Titel 1">
+            <a:extLst>
+              <a:ext uri="{FF2B5EF4-FFF2-40B4-BE49-F238E27FC236}">
+                <a16:creationId xmlns:a16="http://schemas.microsoft.com/office/drawing/2014/main" id="{E4A6647A-3620-4114-B32A-A376A2214CA0}"/>
+              </a:ext>
+            </a:extLst>
+          </p:cNvPr>
+          <p:cNvSpPr>
+            <a:spLocks noGrp="1"/>
+          </p:cNvSpPr>
+          <p:nvPr>
+            <p:ph type="title"/>
+          </p:nvPr>
+        </p:nvSpPr>
+        <p:spPr/>
+        <p:txBody>
+          <a:bodyPr/>
+          <a:lstStyle/>
+          <a:p>
+            <a:pPr algn="ctr"/>
+            <a:r>
+              <a:rPr lang="de-DE" dirty="0"/>
+              <a:t>Versuchsdesign</a:t>
+            </a:r>
+          </a:p>
+        </p:txBody>
+      </p:sp>
+      <p:sp>
+        <p:nvSpPr>
+          <p:cNvPr id="3" name="Inhaltsplatzhalter 2">
+            <a:extLst>
+              <a:ext uri="{FF2B5EF4-FFF2-40B4-BE49-F238E27FC236}">
+                <a16:creationId xmlns:a16="http://schemas.microsoft.com/office/drawing/2014/main" id="{85F0AC1B-153D-48DA-915B-EBBB9E44FECF}"/>
+              </a:ext>
+            </a:extLst>
+          </p:cNvPr>
+          <p:cNvSpPr>
+            <a:spLocks noGrp="1"/>
+          </p:cNvSpPr>
+          <p:nvPr>
+            <p:ph idx="1"/>
+          </p:nvPr>
+        </p:nvSpPr>
+        <p:spPr/>
+        <p:txBody>
+          <a:bodyPr/>
+          <a:lstStyle/>
+          <a:p>
+            <a:r>
+              <a:rPr lang="de-DE" dirty="0"/>
+              <a:t>Aufbereiten der Daten</a:t>
+            </a:r>
+          </a:p>
+          <a:p>
+            <a:r>
+              <a:rPr lang="de-DE" dirty="0"/>
+              <a:t>Trainingsdaten: Eine Periode (Periode 1)</a:t>
+            </a:r>
+          </a:p>
+          <a:p>
+            <a:r>
+              <a:rPr lang="de-DE" dirty="0"/>
+              <a:t>Testdaten: Restliche Perioden (Periode 2 – 6)</a:t>
+            </a:r>
+          </a:p>
+          <a:p>
+            <a:r>
+              <a:rPr lang="de-DE" dirty="0"/>
+              <a:t>Training der Modelle zur Textsorten-Klassifizierung</a:t>
+            </a:r>
+          </a:p>
+          <a:p>
+            <a:r>
+              <a:rPr lang="de-DE" dirty="0"/>
+              <a:t>Vorhersage der Textsorten auf alle anderen Perioden</a:t>
+            </a:r>
+          </a:p>
+          <a:p>
+            <a:r>
+              <a:rPr lang="de-DE" dirty="0"/>
+              <a:t>Metrik = F1-Score </a:t>
+            </a:r>
+            <a:r>
+              <a:rPr lang="de-DE" dirty="0" err="1"/>
+              <a:t>macro</a:t>
+            </a:r>
+            <a:endParaRPr lang="de-DE" dirty="0"/>
+          </a:p>
+          <a:p>
+            <a:r>
+              <a:rPr lang="de-DE" dirty="0"/>
+              <a:t>Textsorte </a:t>
+            </a:r>
+            <a:r>
+              <a:rPr lang="de-DE" i="1" dirty="0"/>
+              <a:t>News</a:t>
+            </a:r>
+            <a:r>
+              <a:rPr lang="de-DE" dirty="0"/>
+              <a:t> wurde entfernt</a:t>
+            </a:r>
+          </a:p>
+          <a:p>
+            <a:endParaRPr lang="de-DE" dirty="0"/>
+          </a:p>
+        </p:txBody>
+      </p:sp>
+      <p:sp>
+        <p:nvSpPr>
+          <p:cNvPr id="4" name="Foliennummernplatzhalter 3">
+            <a:extLst>
+              <a:ext uri="{FF2B5EF4-FFF2-40B4-BE49-F238E27FC236}">
+                <a16:creationId xmlns:a16="http://schemas.microsoft.com/office/drawing/2014/main" id="{20D4D9F1-E3A2-48D3-9A0E-87369F99CB1B}"/>
               </a:ext>
             </a:extLst>
           </p:cNvPr>
@@ -4382,7 +4386,7 @@
     </p:spTree>
     <p:extLst>
       <p:ext uri="{BB962C8B-B14F-4D97-AF65-F5344CB8AC3E}">
-        <p14:creationId xmlns:p14="http://schemas.microsoft.com/office/powerpoint/2010/main" val="1686934275"/>
+        <p14:creationId xmlns:p14="http://schemas.microsoft.com/office/powerpoint/2010/main" val="3929066626"/>
       </p:ext>
     </p:extLst>
   </p:cSld>
@@ -4414,7 +4418,7 @@
           <p:cNvPr id="2" name="Titel 1">
             <a:extLst>
               <a:ext uri="{FF2B5EF4-FFF2-40B4-BE49-F238E27FC236}">
-                <a16:creationId xmlns:a16="http://schemas.microsoft.com/office/drawing/2014/main" id="{3EAA998D-A8B9-481F-A5DF-B87A2FDC160F}"/>
+                <a16:creationId xmlns:a16="http://schemas.microsoft.com/office/drawing/2014/main" id="{33C31535-2E54-41AC-8A74-1283CD8E2427}"/>
               </a:ext>
             </a:extLst>
           </p:cNvPr>
@@ -4433,145 +4437,165 @@
             <a:pPr algn="ctr"/>
             <a:r>
               <a:rPr lang="de-DE" dirty="0"/>
-              <a:t>Normalisierung der Lemmata der beiden Korpora</a:t>
-            </a:r>
-          </a:p>
-        </p:txBody>
-      </p:sp>
-      <p:sp>
-        <p:nvSpPr>
-          <p:cNvPr id="3" name="Inhaltsplatzhalter 2">
-            <a:extLst>
-              <a:ext uri="{FF2B5EF4-FFF2-40B4-BE49-F238E27FC236}">
-                <a16:creationId xmlns:a16="http://schemas.microsoft.com/office/drawing/2014/main" id="{148B2243-B57A-4DA2-9D8D-44904CBC9658}"/>
-              </a:ext>
-            </a:extLst>
-          </p:cNvPr>
-          <p:cNvSpPr>
-            <a:spLocks noGrp="1"/>
-          </p:cNvSpPr>
-          <p:nvPr>
-            <p:ph idx="1"/>
-          </p:nvPr>
-        </p:nvSpPr>
-        <p:spPr/>
-        <p:txBody>
-          <a:bodyPr/>
-          <a:lstStyle/>
-          <a:p>
-            <a:r>
-              <a:rPr lang="de-DE" dirty="0" err="1"/>
-              <a:t>Stopwordlist</a:t>
-            </a:r>
-            <a:r>
-              <a:rPr lang="de-DE" dirty="0"/>
-              <a:t>: [@</a:t>
-            </a:r>
-            <a:r>
-              <a:rPr lang="de-DE" dirty="0" err="1"/>
-              <a:t>ord</a:t>
-            </a:r>
-            <a:r>
-              <a:rPr lang="de-DE" dirty="0"/>
-              <a:t>@, 1, 1st, …]</a:t>
-            </a:r>
-          </a:p>
-          <a:p>
-            <a:r>
-              <a:rPr lang="de-DE" dirty="0"/>
-              <a:t>Normalisierung beider Korpora:</a:t>
-            </a:r>
-          </a:p>
-          <a:p>
-            <a:pPr lvl="1"/>
-            <a:r>
-              <a:rPr lang="de-DE" dirty="0"/>
-              <a:t>{„</a:t>
-            </a:r>
-            <a:r>
-              <a:rPr lang="de-DE" dirty="0" err="1"/>
-              <a:t>von+die</a:t>
-            </a:r>
-            <a:r>
-              <a:rPr lang="de-DE" dirty="0"/>
-              <a:t>“ </a:t>
-            </a:r>
-            <a:r>
-              <a:rPr lang="de-DE" dirty="0">
-                <a:sym typeface="Wingdings" panose="05000000000000000000" pitchFamily="2" charset="2"/>
-              </a:rPr>
-              <a:t> „von die“,</a:t>
-            </a:r>
-          </a:p>
-          <a:p>
-            <a:pPr marL="457200" lvl="1" indent="0">
-              <a:buNone/>
-            </a:pPr>
-            <a:r>
-              <a:rPr lang="de-DE" dirty="0">
-                <a:sym typeface="Wingdings" panose="05000000000000000000" pitchFamily="2" charset="2"/>
-              </a:rPr>
-              <a:t>    „</a:t>
-            </a:r>
-            <a:r>
-              <a:rPr lang="de-DE" dirty="0" err="1">
-                <a:sym typeface="Wingdings" panose="05000000000000000000" pitchFamily="2" charset="2"/>
-              </a:rPr>
-              <a:t>seyn</a:t>
-            </a:r>
-            <a:r>
-              <a:rPr lang="de-DE" dirty="0">
-                <a:sym typeface="Wingdings" panose="05000000000000000000" pitchFamily="2" charset="2"/>
-              </a:rPr>
-              <a:t>“  „sein“, </a:t>
-            </a:r>
-            <a:br>
-              <a:rPr lang="de-DE" dirty="0">
-                <a:sym typeface="Wingdings" panose="05000000000000000000" pitchFamily="2" charset="2"/>
-              </a:rPr>
-            </a:br>
-            <a:r>
-              <a:rPr lang="de-DE" dirty="0">
-                <a:sym typeface="Wingdings" panose="05000000000000000000" pitchFamily="2" charset="2"/>
-              </a:rPr>
-              <a:t>    „d“  „die“, </a:t>
-            </a:r>
-            <a:br>
-              <a:rPr lang="de-DE" dirty="0">
-                <a:sym typeface="Wingdings" panose="05000000000000000000" pitchFamily="2" charset="2"/>
-              </a:rPr>
-            </a:br>
-            <a:r>
-              <a:rPr lang="de-DE" dirty="0">
-                <a:sym typeface="Wingdings" panose="05000000000000000000" pitchFamily="2" charset="2"/>
-              </a:rPr>
-              <a:t>    „</a:t>
-            </a:r>
-            <a:r>
-              <a:rPr lang="de-DE" dirty="0" err="1">
-                <a:sym typeface="Wingdings" panose="05000000000000000000" pitchFamily="2" charset="2"/>
-              </a:rPr>
-              <a:t>er|sie|es</a:t>
-            </a:r>
-            <a:r>
-              <a:rPr lang="de-DE" dirty="0">
-                <a:sym typeface="Wingdings" panose="05000000000000000000" pitchFamily="2" charset="2"/>
-              </a:rPr>
-              <a:t>“  „sich“</a:t>
-            </a:r>
-            <a:r>
-              <a:rPr lang="de-DE" dirty="0"/>
-              <a:t>}</a:t>
-            </a:r>
-          </a:p>
-        </p:txBody>
-      </p:sp>
-      <p:sp>
-        <p:nvSpPr>
-          <p:cNvPr id="4" name="Foliennummernplatzhalter 3">
-            <a:extLst>
-              <a:ext uri="{FF2B5EF4-FFF2-40B4-BE49-F238E27FC236}">
-                <a16:creationId xmlns:a16="http://schemas.microsoft.com/office/drawing/2014/main" id="{BC0E85B9-FE6B-4829-B3C4-D434E05DE89B}"/>
+              <a:t>Features</a:t>
+            </a:r>
+          </a:p>
+        </p:txBody>
+      </p:sp>
+      <p:pic>
+        <p:nvPicPr>
+          <p:cNvPr id="5" name="Grafik 4" descr="Ein Bild, das Screenshot enthält.&#10;&#10;Automatisch generierte Beschreibung">
+            <a:extLst>
+              <a:ext uri="{FF2B5EF4-FFF2-40B4-BE49-F238E27FC236}">
+                <a16:creationId xmlns:a16="http://schemas.microsoft.com/office/drawing/2014/main" id="{98093623-09AF-4C0F-9903-668245437642}"/>
+              </a:ext>
+            </a:extLst>
+          </p:cNvPr>
+          <p:cNvPicPr>
+            <a:picLocks noChangeAspect="1"/>
+          </p:cNvPicPr>
+          <p:nvPr/>
+        </p:nvPicPr>
+        <p:blipFill>
+          <a:blip r:embed="rId2">
+            <a:extLst>
+              <a:ext uri="{28A0092B-C50C-407E-A947-70E740481C1C}">
+                <a14:useLocalDpi xmlns:a14="http://schemas.microsoft.com/office/drawing/2010/main" val="0"/>
+              </a:ext>
+            </a:extLst>
+          </a:blip>
+          <a:stretch>
+            <a:fillRect/>
+          </a:stretch>
+        </p:blipFill>
+        <p:spPr>
+          <a:xfrm>
+            <a:off x="371722" y="1690688"/>
+            <a:ext cx="11448556" cy="4459150"/>
+          </a:xfrm>
+          <a:prstGeom prst="rect">
+            <a:avLst/>
+          </a:prstGeom>
+        </p:spPr>
+      </p:pic>
+      <p:sp>
+        <p:nvSpPr>
+          <p:cNvPr id="4" name="Ellipse 3">
+            <a:extLst>
+              <a:ext uri="{FF2B5EF4-FFF2-40B4-BE49-F238E27FC236}">
+                <a16:creationId xmlns:a16="http://schemas.microsoft.com/office/drawing/2014/main" id="{E139BD37-E420-4E8F-9C16-9E39A58D1884}"/>
+              </a:ext>
+            </a:extLst>
+          </p:cNvPr>
+          <p:cNvSpPr/>
+          <p:nvPr/>
+        </p:nvSpPr>
+        <p:spPr>
+          <a:xfrm>
+            <a:off x="2921431" y="1914041"/>
+            <a:ext cx="92990" cy="92990"/>
+          </a:xfrm>
+          <a:prstGeom prst="ellipse">
+            <a:avLst/>
+          </a:prstGeom>
+          <a:solidFill>
+            <a:srgbClr val="FF0000"/>
+          </a:solidFill>
+          <a:ln>
+            <a:noFill/>
+          </a:ln>
+        </p:spPr>
+        <p:style>
+          <a:lnRef idx="2">
+            <a:schemeClr val="accent1">
+              <a:shade val="50000"/>
+            </a:schemeClr>
+          </a:lnRef>
+          <a:fillRef idx="1">
+            <a:schemeClr val="accent1"/>
+          </a:fillRef>
+          <a:effectRef idx="0">
+            <a:schemeClr val="accent1"/>
+          </a:effectRef>
+          <a:fontRef idx="minor">
+            <a:schemeClr val="lt1"/>
+          </a:fontRef>
+        </p:style>
+        <p:txBody>
+          <a:bodyPr rtlCol="0" anchor="ctr"/>
+          <a:lstStyle/>
+          <a:p>
+            <a:pPr algn="ctr"/>
+            <a:endParaRPr lang="de-DE">
+              <a:solidFill>
+                <a:srgbClr val="FF0000"/>
+              </a:solidFill>
+            </a:endParaRPr>
+          </a:p>
+        </p:txBody>
+      </p:sp>
+      <p:sp>
+        <p:nvSpPr>
+          <p:cNvPr id="6" name="Ellipse 5">
+            <a:extLst>
+              <a:ext uri="{FF2B5EF4-FFF2-40B4-BE49-F238E27FC236}">
+                <a16:creationId xmlns:a16="http://schemas.microsoft.com/office/drawing/2014/main" id="{CF67522E-2D75-4537-A97D-0502A6EA2B03}"/>
+              </a:ext>
+            </a:extLst>
+          </p:cNvPr>
+          <p:cNvSpPr/>
+          <p:nvPr/>
+        </p:nvSpPr>
+        <p:spPr>
+          <a:xfrm>
+            <a:off x="7002651" y="1914041"/>
+            <a:ext cx="92990" cy="92990"/>
+          </a:xfrm>
+          <a:prstGeom prst="ellipse">
+            <a:avLst/>
+          </a:prstGeom>
+          <a:solidFill>
+            <a:srgbClr val="FF0000"/>
+          </a:solidFill>
+          <a:ln>
+            <a:noFill/>
+          </a:ln>
+        </p:spPr>
+        <p:style>
+          <a:lnRef idx="2">
+            <a:schemeClr val="accent1">
+              <a:shade val="50000"/>
+            </a:schemeClr>
+          </a:lnRef>
+          <a:fillRef idx="1">
+            <a:schemeClr val="accent1"/>
+          </a:fillRef>
+          <a:effectRef idx="0">
+            <a:schemeClr val="accent1"/>
+          </a:effectRef>
+          <a:fontRef idx="minor">
+            <a:schemeClr val="lt1"/>
+          </a:fontRef>
+        </p:style>
+        <p:txBody>
+          <a:bodyPr rtlCol="0" anchor="ctr"/>
+          <a:lstStyle/>
+          <a:p>
+            <a:pPr algn="ctr"/>
+            <a:endParaRPr lang="de-DE">
+              <a:solidFill>
+                <a:srgbClr val="FF0000"/>
+              </a:solidFill>
+            </a:endParaRPr>
+          </a:p>
+        </p:txBody>
+      </p:sp>
+      <p:sp>
+        <p:nvSpPr>
+          <p:cNvPr id="3" name="Foliennummernplatzhalter 2">
+            <a:extLst>
+              <a:ext uri="{FF2B5EF4-FFF2-40B4-BE49-F238E27FC236}">
+                <a16:creationId xmlns:a16="http://schemas.microsoft.com/office/drawing/2014/main" id="{395960BE-70FC-4DB4-AFBE-C223862E3B0E}"/>
               </a:ext>
             </a:extLst>
           </p:cNvPr>
@@ -4598,7 +4622,7 @@
     </p:spTree>
     <p:extLst>
       <p:ext uri="{BB962C8B-B14F-4D97-AF65-F5344CB8AC3E}">
-        <p14:creationId xmlns:p14="http://schemas.microsoft.com/office/powerpoint/2010/main" val="3047513301"/>
+        <p14:creationId xmlns:p14="http://schemas.microsoft.com/office/powerpoint/2010/main" val="1686934275"/>
       </p:ext>
     </p:extLst>
   </p:cSld>
@@ -4630,7 +4654,7 @@
           <p:cNvPr id="2" name="Titel 1">
             <a:extLst>
               <a:ext uri="{FF2B5EF4-FFF2-40B4-BE49-F238E27FC236}">
-                <a16:creationId xmlns:a16="http://schemas.microsoft.com/office/drawing/2014/main" id="{83393BDD-60BB-42B7-8DC9-3CB4F32D4009}"/>
+                <a16:creationId xmlns:a16="http://schemas.microsoft.com/office/drawing/2014/main" id="{3EAA998D-A8B9-481F-A5DF-B87A2FDC160F}"/>
               </a:ext>
             </a:extLst>
           </p:cNvPr>
@@ -4649,7 +4673,7 @@
             <a:pPr algn="ctr"/>
             <a:r>
               <a:rPr lang="de-DE" dirty="0"/>
-              <a:t>Verwendete Features</a:t>
+              <a:t>Normalisierung der Lemmata der beiden Korpora</a:t>
             </a:r>
           </a:p>
         </p:txBody>
@@ -4659,7 +4683,7 @@
           <p:cNvPr id="3" name="Inhaltsplatzhalter 2">
             <a:extLst>
               <a:ext uri="{FF2B5EF4-FFF2-40B4-BE49-F238E27FC236}">
-                <a16:creationId xmlns:a16="http://schemas.microsoft.com/office/drawing/2014/main" id="{2B03616F-8A3E-477D-A52D-A4D1C6764D65}"/>
+                <a16:creationId xmlns:a16="http://schemas.microsoft.com/office/drawing/2014/main" id="{148B2243-B57A-4DA2-9D8D-44904CBC9658}"/>
               </a:ext>
             </a:extLst>
           </p:cNvPr>
@@ -4676,109 +4700,108 @@
           <a:lstStyle/>
           <a:p>
             <a:r>
+              <a:rPr lang="de-DE" dirty="0" err="1"/>
+              <a:t>Stopwordlist</a:t>
+            </a:r>
+            <a:r>
               <a:rPr lang="de-DE" dirty="0"/>
-              <a:t>Ermittelt durch Cross-Validation auf Periode 1 (</a:t>
+              <a:t>: [@</a:t>
             </a:r>
             <a:r>
               <a:rPr lang="de-DE" dirty="0" err="1"/>
-              <a:t>LinearSVC</a:t>
+              <a:t>ord</a:t>
             </a:r>
             <a:r>
               <a:rPr lang="de-DE" dirty="0"/>
-              <a:t>, 5-fold, F1-Score </a:t>
+              <a:t>@, 1, 1st, …]</a:t>
+            </a:r>
+          </a:p>
+          <a:p>
+            <a:r>
+              <a:rPr lang="de-DE" dirty="0"/>
+              <a:t>Normalisierung beider Korpora:</a:t>
+            </a:r>
+          </a:p>
+          <a:p>
+            <a:pPr lvl="1"/>
+            <a:r>
+              <a:rPr lang="de-DE" dirty="0"/>
+              <a:t>{„</a:t>
             </a:r>
             <a:r>
               <a:rPr lang="de-DE" dirty="0" err="1"/>
-              <a:t>macro</a:t>
+              <a:t>von+die</a:t>
             </a:r>
             <a:r>
               <a:rPr lang="de-DE" dirty="0"/>
-              <a:t>)*</a:t>
-            </a:r>
-          </a:p>
-          <a:p>
+              <a:t>“ </a:t>
+            </a:r>
+            <a:r>
+              <a:rPr lang="de-DE" dirty="0">
+                <a:sym typeface="Wingdings" panose="05000000000000000000" pitchFamily="2" charset="2"/>
+              </a:rPr>
+              <a:t> „von die“,</a:t>
+            </a:r>
+          </a:p>
+          <a:p>
+            <a:pPr marL="457200" lvl="1" indent="0">
+              <a:buNone/>
+            </a:pPr>
+            <a:r>
+              <a:rPr lang="de-DE" dirty="0">
+                <a:sym typeface="Wingdings" panose="05000000000000000000" pitchFamily="2" charset="2"/>
+              </a:rPr>
+              <a:t>    „</a:t>
+            </a:r>
+            <a:r>
+              <a:rPr lang="de-DE" dirty="0" err="1">
+                <a:sym typeface="Wingdings" panose="05000000000000000000" pitchFamily="2" charset="2"/>
+              </a:rPr>
+              <a:t>seyn</a:t>
+            </a:r>
+            <a:r>
+              <a:rPr lang="de-DE" dirty="0">
+                <a:sym typeface="Wingdings" panose="05000000000000000000" pitchFamily="2" charset="2"/>
+              </a:rPr>
+              <a:t>“  „sein“, </a:t>
+            </a:r>
+            <a:br>
+              <a:rPr lang="de-DE" dirty="0">
+                <a:sym typeface="Wingdings" panose="05000000000000000000" pitchFamily="2" charset="2"/>
+              </a:rPr>
+            </a:br>
+            <a:r>
+              <a:rPr lang="de-DE" dirty="0">
+                <a:sym typeface="Wingdings" panose="05000000000000000000" pitchFamily="2" charset="2"/>
+              </a:rPr>
+              <a:t>    „d“  „die“, </a:t>
+            </a:r>
+            <a:br>
+              <a:rPr lang="de-DE" dirty="0">
+                <a:sym typeface="Wingdings" panose="05000000000000000000" pitchFamily="2" charset="2"/>
+              </a:rPr>
+            </a:br>
+            <a:r>
+              <a:rPr lang="de-DE" dirty="0">
+                <a:sym typeface="Wingdings" panose="05000000000000000000" pitchFamily="2" charset="2"/>
+              </a:rPr>
+              <a:t>    „</a:t>
+            </a:r>
+            <a:r>
+              <a:rPr lang="de-DE" dirty="0" err="1">
+                <a:sym typeface="Wingdings" panose="05000000000000000000" pitchFamily="2" charset="2"/>
+              </a:rPr>
+              <a:t>er|sie|es</a:t>
+            </a:r>
+            <a:r>
+              <a:rPr lang="de-DE" dirty="0">
+                <a:sym typeface="Wingdings" panose="05000000000000000000" pitchFamily="2" charset="2"/>
+              </a:rPr>
+              <a:t>“  „sich“</a:t>
+            </a:r>
             <a:r>
               <a:rPr lang="de-DE" dirty="0"/>
-              <a:t>Plus </a:t>
-            </a:r>
-            <a:r>
-              <a:rPr lang="de-DE" dirty="0" err="1"/>
-              <a:t>Stopwords</a:t>
-            </a:r>
-            <a:endParaRPr lang="de-DE" dirty="0"/>
-          </a:p>
-          <a:p>
-            <a:endParaRPr lang="de-DE" dirty="0"/>
-          </a:p>
-        </p:txBody>
-      </p:sp>
-      <p:pic>
-        <p:nvPicPr>
-          <p:cNvPr id="6" name="Grafik 5" descr="Ein Bild, das Screenshot enthält.&#10;&#10;Automatisch generierte Beschreibung">
-            <a:extLst>
-              <a:ext uri="{FF2B5EF4-FFF2-40B4-BE49-F238E27FC236}">
-                <a16:creationId xmlns:a16="http://schemas.microsoft.com/office/drawing/2014/main" id="{86460E45-8C7F-4F73-A662-654923515F3B}"/>
-              </a:ext>
-            </a:extLst>
-          </p:cNvPr>
-          <p:cNvPicPr>
-            <a:picLocks noChangeAspect="1"/>
-          </p:cNvPicPr>
-          <p:nvPr/>
-        </p:nvPicPr>
-        <p:blipFill>
-          <a:blip r:embed="rId2">
-            <a:extLst>
-              <a:ext uri="{28A0092B-C50C-407E-A947-70E740481C1C}">
-                <a14:useLocalDpi xmlns:a14="http://schemas.microsoft.com/office/drawing/2010/main" val="0"/>
-              </a:ext>
-            </a:extLst>
-          </a:blip>
-          <a:stretch>
-            <a:fillRect/>
-          </a:stretch>
-        </p:blipFill>
-        <p:spPr>
-          <a:xfrm>
-            <a:off x="399238" y="3361877"/>
-            <a:ext cx="11393523" cy="1978343"/>
-          </a:xfrm>
-          <a:prstGeom prst="rect">
-            <a:avLst/>
-          </a:prstGeom>
-        </p:spPr>
-      </p:pic>
-      <p:sp>
-        <p:nvSpPr>
-          <p:cNvPr id="7" name="Textfeld 6">
-            <a:extLst>
-              <a:ext uri="{FF2B5EF4-FFF2-40B4-BE49-F238E27FC236}">
-                <a16:creationId xmlns:a16="http://schemas.microsoft.com/office/drawing/2014/main" id="{B2DB3377-92AF-45F7-AD41-171E293523EF}"/>
-              </a:ext>
-            </a:extLst>
-          </p:cNvPr>
-          <p:cNvSpPr txBox="1"/>
-          <p:nvPr/>
-        </p:nvSpPr>
-        <p:spPr>
-          <a:xfrm>
-            <a:off x="8388626" y="6029392"/>
-            <a:ext cx="3466031" cy="584775"/>
-          </a:xfrm>
-          <a:prstGeom prst="rect">
-            <a:avLst/>
-          </a:prstGeom>
-          <a:noFill/>
-        </p:spPr>
-        <p:txBody>
-          <a:bodyPr wrap="square" rtlCol="0">
-            <a:spAutoFit/>
-          </a:bodyPr>
-          <a:lstStyle/>
-          <a:p>
-            <a:r>
-              <a:rPr lang="de-DE" sz="1600" dirty="0"/>
-              <a:t>*Die besten drei und die schlechteste Parameterkombination</a:t>
+              <a:t>}</a:t>
             </a:r>
           </a:p>
         </p:txBody>
@@ -4788,7 +4811,7 @@
           <p:cNvPr id="4" name="Foliennummernplatzhalter 3">
             <a:extLst>
               <a:ext uri="{FF2B5EF4-FFF2-40B4-BE49-F238E27FC236}">
-                <a16:creationId xmlns:a16="http://schemas.microsoft.com/office/drawing/2014/main" id="{D8851BC5-DCDF-4216-86FA-59314BF62B88}"/>
+                <a16:creationId xmlns:a16="http://schemas.microsoft.com/office/drawing/2014/main" id="{BC0E85B9-FE6B-4829-B3C4-D434E05DE89B}"/>
               </a:ext>
             </a:extLst>
           </p:cNvPr>
@@ -4815,7 +4838,7 @@
     </p:spTree>
     <p:extLst>
       <p:ext uri="{BB962C8B-B14F-4D97-AF65-F5344CB8AC3E}">
-        <p14:creationId xmlns:p14="http://schemas.microsoft.com/office/powerpoint/2010/main" val="274365235"/>
+        <p14:creationId xmlns:p14="http://schemas.microsoft.com/office/powerpoint/2010/main" val="3047513301"/>
       </p:ext>
     </p:extLst>
   </p:cSld>
@@ -4847,7 +4870,7 @@
           <p:cNvPr id="2" name="Titel 1">
             <a:extLst>
               <a:ext uri="{FF2B5EF4-FFF2-40B4-BE49-F238E27FC236}">
-                <a16:creationId xmlns:a16="http://schemas.microsoft.com/office/drawing/2014/main" id="{6B3CA7DC-8A48-486D-9974-2F3D270DF298}"/>
+                <a16:creationId xmlns:a16="http://schemas.microsoft.com/office/drawing/2014/main" id="{83393BDD-60BB-42B7-8DC9-3CB4F32D4009}"/>
               </a:ext>
             </a:extLst>
           </p:cNvPr>
@@ -4866,7 +4889,7 @@
             <a:pPr algn="ctr"/>
             <a:r>
               <a:rPr lang="de-DE" dirty="0"/>
-              <a:t>Verwendete Modelle</a:t>
+              <a:t>Verwendete Features</a:t>
             </a:r>
           </a:p>
         </p:txBody>
@@ -4876,7 +4899,7 @@
           <p:cNvPr id="3" name="Inhaltsplatzhalter 2">
             <a:extLst>
               <a:ext uri="{FF2B5EF4-FFF2-40B4-BE49-F238E27FC236}">
-                <a16:creationId xmlns:a16="http://schemas.microsoft.com/office/drawing/2014/main" id="{61C01026-62BE-44C1-9B74-448D5C43F5F1}"/>
+                <a16:creationId xmlns:a16="http://schemas.microsoft.com/office/drawing/2014/main" id="{2B03616F-8A3E-477D-A52D-A4D1C6764D65}"/>
               </a:ext>
             </a:extLst>
           </p:cNvPr>
@@ -4894,50 +4917,108 @@
           <a:p>
             <a:r>
               <a:rPr lang="de-DE" dirty="0"/>
-              <a:t>Logistische Regression</a:t>
-            </a:r>
-          </a:p>
-          <a:p>
+              <a:t>Ermittelt durch Cross-Validation auf Periode 1 (</a:t>
+            </a:r>
             <a:r>
               <a:rPr lang="de-DE" dirty="0" err="1"/>
-              <a:t>Multinomial</a:t>
+              <a:t>LinearSVC</a:t>
             </a:r>
             <a:r>
               <a:rPr lang="de-DE" dirty="0"/>
-              <a:t> Naive Bayes</a:t>
-            </a:r>
-          </a:p>
-          <a:p>
+              <a:t>, 5-fold, F1-Score </a:t>
+            </a:r>
+            <a:r>
+              <a:rPr lang="de-DE" dirty="0" err="1"/>
+              <a:t>macro</a:t>
+            </a:r>
             <a:r>
               <a:rPr lang="de-DE" dirty="0"/>
-              <a:t>SVM (linearer Kernel)</a:t>
-            </a:r>
-          </a:p>
-          <a:p>
+              <a:t>)*</a:t>
+            </a:r>
+          </a:p>
+          <a:p>
+            <a:r>
+              <a:rPr lang="de-DE" dirty="0"/>
+              <a:t>Plus </a:t>
+            </a:r>
             <a:r>
               <a:rPr lang="de-DE" dirty="0" err="1"/>
-              <a:t>Decision</a:t>
-            </a:r>
-            <a:r>
-              <a:rPr lang="de-DE" dirty="0"/>
-              <a:t> </a:t>
-            </a:r>
-            <a:r>
-              <a:rPr lang="de-DE" dirty="0" err="1"/>
-              <a:t>Trees</a:t>
+              <a:t>Stopwords</a:t>
             </a:r>
             <a:endParaRPr lang="de-DE" dirty="0"/>
           </a:p>
           <a:p>
-            <a:r>
-              <a:rPr lang="de-DE" dirty="0"/>
-              <a:t>Random Forest</a:t>
-            </a:r>
-          </a:p>
-          <a:p>
-            <a:r>
-              <a:rPr lang="de-DE" dirty="0"/>
-              <a:t>(Neuronale Netzwerke)</a:t>
+            <a:endParaRPr lang="de-DE" dirty="0"/>
+          </a:p>
+        </p:txBody>
+      </p:sp>
+      <p:pic>
+        <p:nvPicPr>
+          <p:cNvPr id="6" name="Grafik 5" descr="Ein Bild, das Screenshot enthält.&#10;&#10;Automatisch generierte Beschreibung">
+            <a:extLst>
+              <a:ext uri="{FF2B5EF4-FFF2-40B4-BE49-F238E27FC236}">
+                <a16:creationId xmlns:a16="http://schemas.microsoft.com/office/drawing/2014/main" id="{86460E45-8C7F-4F73-A662-654923515F3B}"/>
+              </a:ext>
+            </a:extLst>
+          </p:cNvPr>
+          <p:cNvPicPr>
+            <a:picLocks noChangeAspect="1"/>
+          </p:cNvPicPr>
+          <p:nvPr/>
+        </p:nvPicPr>
+        <p:blipFill>
+          <a:blip r:embed="rId2">
+            <a:extLst>
+              <a:ext uri="{28A0092B-C50C-407E-A947-70E740481C1C}">
+                <a14:useLocalDpi xmlns:a14="http://schemas.microsoft.com/office/drawing/2010/main" val="0"/>
+              </a:ext>
+            </a:extLst>
+          </a:blip>
+          <a:stretch>
+            <a:fillRect/>
+          </a:stretch>
+        </p:blipFill>
+        <p:spPr>
+          <a:xfrm>
+            <a:off x="399238" y="3361877"/>
+            <a:ext cx="11393523" cy="1978343"/>
+          </a:xfrm>
+          <a:prstGeom prst="rect">
+            <a:avLst/>
+          </a:prstGeom>
+        </p:spPr>
+      </p:pic>
+      <p:sp>
+        <p:nvSpPr>
+          <p:cNvPr id="7" name="Textfeld 6">
+            <a:extLst>
+              <a:ext uri="{FF2B5EF4-FFF2-40B4-BE49-F238E27FC236}">
+                <a16:creationId xmlns:a16="http://schemas.microsoft.com/office/drawing/2014/main" id="{B2DB3377-92AF-45F7-AD41-171E293523EF}"/>
+              </a:ext>
+            </a:extLst>
+          </p:cNvPr>
+          <p:cNvSpPr txBox="1"/>
+          <p:nvPr/>
+        </p:nvSpPr>
+        <p:spPr>
+          <a:xfrm>
+            <a:off x="8388626" y="6029392"/>
+            <a:ext cx="3466031" cy="584775"/>
+          </a:xfrm>
+          <a:prstGeom prst="rect">
+            <a:avLst/>
+          </a:prstGeom>
+          <a:noFill/>
+        </p:spPr>
+        <p:txBody>
+          <a:bodyPr wrap="square" rtlCol="0">
+            <a:spAutoFit/>
+          </a:bodyPr>
+          <a:lstStyle/>
+          <a:p>
+            <a:r>
+              <a:rPr lang="de-DE" sz="1600" dirty="0"/>
+              <a:t>*Die besten drei und die schlechteste Parameterkombination</a:t>
             </a:r>
           </a:p>
         </p:txBody>
@@ -4947,7 +5028,7 @@
           <p:cNvPr id="4" name="Foliennummernplatzhalter 3">
             <a:extLst>
               <a:ext uri="{FF2B5EF4-FFF2-40B4-BE49-F238E27FC236}">
-                <a16:creationId xmlns:a16="http://schemas.microsoft.com/office/drawing/2014/main" id="{9EAE7CD1-1371-4500-ABD5-0D722F30EF4F}"/>
+                <a16:creationId xmlns:a16="http://schemas.microsoft.com/office/drawing/2014/main" id="{D8851BC5-DCDF-4216-86FA-59314BF62B88}"/>
               </a:ext>
             </a:extLst>
           </p:cNvPr>
@@ -4974,7 +5055,7 @@
     </p:spTree>
     <p:extLst>
       <p:ext uri="{BB962C8B-B14F-4D97-AF65-F5344CB8AC3E}">
-        <p14:creationId xmlns:p14="http://schemas.microsoft.com/office/powerpoint/2010/main" val="3946842755"/>
+        <p14:creationId xmlns:p14="http://schemas.microsoft.com/office/powerpoint/2010/main" val="274365235"/>
       </p:ext>
     </p:extLst>
   </p:cSld>
@@ -5006,7 +5087,7 @@
           <p:cNvPr id="2" name="Titel 1">
             <a:extLst>
               <a:ext uri="{FF2B5EF4-FFF2-40B4-BE49-F238E27FC236}">
-                <a16:creationId xmlns:a16="http://schemas.microsoft.com/office/drawing/2014/main" id="{977666BF-9CD3-5143-B68E-93EC3649CE87}"/>
+                <a16:creationId xmlns:a16="http://schemas.microsoft.com/office/drawing/2014/main" id="{6B3CA7DC-8A48-486D-9974-2F3D270DF298}"/>
               </a:ext>
             </a:extLst>
           </p:cNvPr>
@@ -5022,9 +5103,10 @@
           <a:bodyPr/>
           <a:lstStyle/>
           <a:p>
+            <a:pPr algn="ctr"/>
             <a:r>
               <a:rPr lang="de-DE" dirty="0"/>
-              <a:t>Schwierigkeit</a:t>
+              <a:t>Verwendete Modelle</a:t>
             </a:r>
           </a:p>
         </p:txBody>
@@ -5034,7 +5116,7 @@
           <p:cNvPr id="3" name="Inhaltsplatzhalter 2">
             <a:extLst>
               <a:ext uri="{FF2B5EF4-FFF2-40B4-BE49-F238E27FC236}">
-                <a16:creationId xmlns:a16="http://schemas.microsoft.com/office/drawing/2014/main" id="{37804E4B-6B73-6D47-BD50-6B54D3748976}"/>
+                <a16:creationId xmlns:a16="http://schemas.microsoft.com/office/drawing/2014/main" id="{61C01026-62BE-44C1-9B74-448D5C43F5F1}"/>
               </a:ext>
             </a:extLst>
           </p:cNvPr>
@@ -5052,26 +5134,52 @@
           <a:p>
             <a:r>
               <a:rPr lang="de-DE" dirty="0"/>
-              <a:t>“Größe“ des Datensatzes </a:t>
-            </a:r>
-          </a:p>
-          <a:p>
-            <a:pPr lvl="1"/>
+              <a:t>Logistische Regression</a:t>
+            </a:r>
+          </a:p>
+          <a:p>
+            <a:r>
+              <a:rPr lang="de-DE" dirty="0" err="1"/>
+              <a:t>Multinomial</a:t>
+            </a:r>
             <a:r>
               <a:rPr lang="de-DE" dirty="0"/>
-              <a:t>Insgesamt 660 Instanzen</a:t>
-            </a:r>
-          </a:p>
-          <a:p>
-            <a:pPr lvl="1"/>
+              <a:t> Naive Bayes</a:t>
+            </a:r>
+          </a:p>
+          <a:p>
             <a:r>
               <a:rPr lang="de-DE" dirty="0"/>
-              <a:t>Trainingsperiode P1: 90 Instanzen (15 pro Textsorte)</a:t>
-            </a:r>
-          </a:p>
-          <a:p>
+              <a:t>SVM (linearer Kernel)</a:t>
+            </a:r>
+          </a:p>
+          <a:p>
+            <a:r>
+              <a:rPr lang="de-DE" dirty="0" err="1"/>
+              <a:t>Decision</a:t>
+            </a:r>
+            <a:r>
+              <a:rPr lang="de-DE" dirty="0"/>
+              <a:t> </a:t>
+            </a:r>
+            <a:r>
+              <a:rPr lang="de-DE" dirty="0" err="1"/>
+              <a:t>Trees</a:t>
+            </a:r>
             <a:endParaRPr lang="de-DE" dirty="0"/>
           </a:p>
+          <a:p>
+            <a:r>
+              <a:rPr lang="de-DE" dirty="0"/>
+              <a:t>Random Forest</a:t>
+            </a:r>
+          </a:p>
+          <a:p>
+            <a:r>
+              <a:rPr lang="de-DE" dirty="0"/>
+              <a:t>(Neuronale Netzwerke)</a:t>
+            </a:r>
+          </a:p>
         </p:txBody>
       </p:sp>
       <p:sp>
@@ -5079,7 +5187,7 @@
           <p:cNvPr id="4" name="Foliennummernplatzhalter 3">
             <a:extLst>
               <a:ext uri="{FF2B5EF4-FFF2-40B4-BE49-F238E27FC236}">
-                <a16:creationId xmlns:a16="http://schemas.microsoft.com/office/drawing/2014/main" id="{4F9DF1E6-EDC3-394A-ACE4-F05689A5C114}"/>
+                <a16:creationId xmlns:a16="http://schemas.microsoft.com/office/drawing/2014/main" id="{9EAE7CD1-1371-4500-ABD5-0D722F30EF4F}"/>
               </a:ext>
             </a:extLst>
           </p:cNvPr>
@@ -5106,7 +5214,7 @@
     </p:spTree>
     <p:extLst>
       <p:ext uri="{BB962C8B-B14F-4D97-AF65-F5344CB8AC3E}">
-        <p14:creationId xmlns:p14="http://schemas.microsoft.com/office/powerpoint/2010/main" val="1259098898"/>
+        <p14:creationId xmlns:p14="http://schemas.microsoft.com/office/powerpoint/2010/main" val="3946842755"/>
       </p:ext>
     </p:extLst>
   </p:cSld>
@@ -5138,7 +5246,7 @@
           <p:cNvPr id="2" name="Titel 1">
             <a:extLst>
               <a:ext uri="{FF2B5EF4-FFF2-40B4-BE49-F238E27FC236}">
-                <a16:creationId xmlns:a16="http://schemas.microsoft.com/office/drawing/2014/main" id="{EB856B7C-1E75-764F-A424-A5C68B2734D5}"/>
+                <a16:creationId xmlns:a16="http://schemas.microsoft.com/office/drawing/2014/main" id="{977666BF-9CD3-5143-B68E-93EC3649CE87}"/>
               </a:ext>
             </a:extLst>
           </p:cNvPr>
@@ -5154,10 +5262,9 @@
           <a:bodyPr/>
           <a:lstStyle/>
           <a:p>
-            <a:pPr algn="ctr"/>
             <a:r>
               <a:rPr lang="de-DE" dirty="0"/>
-              <a:t>Verwendete Hyperparameter</a:t>
+              <a:t>Schwierigkeit</a:t>
             </a:r>
           </a:p>
         </p:txBody>
@@ -5167,7 +5274,7 @@
           <p:cNvPr id="3" name="Inhaltsplatzhalter 2">
             <a:extLst>
               <a:ext uri="{FF2B5EF4-FFF2-40B4-BE49-F238E27FC236}">
-                <a16:creationId xmlns:a16="http://schemas.microsoft.com/office/drawing/2014/main" id="{C8736E0C-16E0-C84C-B66F-C3CB683AAD03}"/>
+                <a16:creationId xmlns:a16="http://schemas.microsoft.com/office/drawing/2014/main" id="{37804E4B-6B73-6D47-BD50-6B54D3748976}"/>
               </a:ext>
             </a:extLst>
           </p:cNvPr>
@@ -5185,16 +5292,25 @@
           <a:p>
             <a:r>
               <a:rPr lang="de-DE" dirty="0"/>
-              <a:t>Ermittelt durch Cross-Validation auf Periode 1 (5-fold, F1-Score </a:t>
-            </a:r>
-            <a:r>
-              <a:rPr lang="de-DE" dirty="0" err="1"/>
-              <a:t>macro</a:t>
-            </a:r>
+              <a:t>“Größe“ des Datensatzes </a:t>
+            </a:r>
+          </a:p>
+          <a:p>
+            <a:pPr lvl="1"/>
             <a:r>
               <a:rPr lang="de-DE" dirty="0"/>
-              <a:t>)*</a:t>
-            </a:r>
+              <a:t>Insgesamt 660 Instanzen</a:t>
+            </a:r>
+          </a:p>
+          <a:p>
+            <a:pPr lvl="1"/>
+            <a:r>
+              <a:rPr lang="de-DE" dirty="0"/>
+              <a:t>Trainingsperiode P1: 90 Instanzen (15 pro Textsorte)</a:t>
+            </a:r>
+          </a:p>
+          <a:p>
+            <a:endParaRPr lang="de-DE" dirty="0"/>
           </a:p>
         </p:txBody>
       </p:sp>
@@ -5203,7 +5319,7 @@
           <p:cNvPr id="4" name="Foliennummernplatzhalter 3">
             <a:extLst>
               <a:ext uri="{FF2B5EF4-FFF2-40B4-BE49-F238E27FC236}">
-                <a16:creationId xmlns:a16="http://schemas.microsoft.com/office/drawing/2014/main" id="{83277126-5E9D-C049-8AFE-837A45E05022}"/>
+                <a16:creationId xmlns:a16="http://schemas.microsoft.com/office/drawing/2014/main" id="{4F9DF1E6-EDC3-394A-ACE4-F05689A5C114}"/>
               </a:ext>
             </a:extLst>
           </p:cNvPr>
@@ -5230,7 +5346,7 @@
     </p:spTree>
     <p:extLst>
       <p:ext uri="{BB962C8B-B14F-4D97-AF65-F5344CB8AC3E}">
-        <p14:creationId xmlns:p14="http://schemas.microsoft.com/office/powerpoint/2010/main" val="2785784253"/>
+        <p14:creationId xmlns:p14="http://schemas.microsoft.com/office/powerpoint/2010/main" val="1259098898"/>
       </p:ext>
     </p:extLst>
   </p:cSld>
@@ -5262,7 +5378,7 @@
           <p:cNvPr id="2" name="Titel 1">
             <a:extLst>
               <a:ext uri="{FF2B5EF4-FFF2-40B4-BE49-F238E27FC236}">
-                <a16:creationId xmlns:a16="http://schemas.microsoft.com/office/drawing/2014/main" id="{6C9FDB74-CFF0-4E59-A497-A91D8D715F93}"/>
+                <a16:creationId xmlns:a16="http://schemas.microsoft.com/office/drawing/2014/main" id="{EB856B7C-1E75-764F-A424-A5C68B2734D5}"/>
               </a:ext>
             </a:extLst>
           </p:cNvPr>
@@ -5286,201 +5402,48 @@
           </a:p>
         </p:txBody>
       </p:sp>
-      <p:pic>
-        <p:nvPicPr>
-          <p:cNvPr id="4" name="Grafik 3">
-            <a:extLst>
-              <a:ext uri="{FF2B5EF4-FFF2-40B4-BE49-F238E27FC236}">
-                <a16:creationId xmlns:a16="http://schemas.microsoft.com/office/drawing/2014/main" id="{63C95384-4940-45B8-9B94-9787CA81DA86}"/>
-              </a:ext>
-            </a:extLst>
-          </p:cNvPr>
-          <p:cNvPicPr>
-            <a:picLocks noChangeAspect="1"/>
-          </p:cNvPicPr>
-          <p:nvPr/>
-        </p:nvPicPr>
-        <p:blipFill>
-          <a:blip r:embed="rId2">
-            <a:extLst>
-              <a:ext uri="{28A0092B-C50C-407E-A947-70E740481C1C}">
-                <a14:useLocalDpi xmlns:a14="http://schemas.microsoft.com/office/drawing/2010/main" val="0"/>
-              </a:ext>
-            </a:extLst>
-          </a:blip>
-          <a:stretch>
-            <a:fillRect/>
-          </a:stretch>
-        </p:blipFill>
-        <p:spPr>
-          <a:xfrm>
-            <a:off x="337343" y="2433255"/>
-            <a:ext cx="8553450" cy="1352550"/>
-          </a:xfrm>
-          <a:prstGeom prst="rect">
-            <a:avLst/>
-          </a:prstGeom>
-        </p:spPr>
-      </p:pic>
-      <p:pic>
-        <p:nvPicPr>
-          <p:cNvPr id="5" name="Grafik 4">
-            <a:extLst>
-              <a:ext uri="{FF2B5EF4-FFF2-40B4-BE49-F238E27FC236}">
-                <a16:creationId xmlns:a16="http://schemas.microsoft.com/office/drawing/2014/main" id="{62E0F356-5176-40A0-BA66-9C7E7D671EFC}"/>
-              </a:ext>
-            </a:extLst>
-          </p:cNvPr>
-          <p:cNvPicPr>
-            <a:picLocks noChangeAspect="1"/>
-          </p:cNvPicPr>
-          <p:nvPr/>
-        </p:nvPicPr>
-        <p:blipFill>
-          <a:blip r:embed="rId3">
-            <a:extLst>
-              <a:ext uri="{28A0092B-C50C-407E-A947-70E740481C1C}">
-                <a14:useLocalDpi xmlns:a14="http://schemas.microsoft.com/office/drawing/2010/main" val="0"/>
-              </a:ext>
-            </a:extLst>
-          </a:blip>
-          <a:stretch>
-            <a:fillRect/>
-          </a:stretch>
-        </p:blipFill>
-        <p:spPr>
-          <a:xfrm>
-            <a:off x="337343" y="4706616"/>
-            <a:ext cx="6477000" cy="1323975"/>
-          </a:xfrm>
-          <a:prstGeom prst="rect">
-            <a:avLst/>
-          </a:prstGeom>
-        </p:spPr>
-      </p:pic>
-      <p:sp>
-        <p:nvSpPr>
-          <p:cNvPr id="6" name="Textfeld 5">
-            <a:extLst>
-              <a:ext uri="{FF2B5EF4-FFF2-40B4-BE49-F238E27FC236}">
-                <a16:creationId xmlns:a16="http://schemas.microsoft.com/office/drawing/2014/main" id="{EF73194B-CCA2-4A87-8DBC-D1633A5B670E}"/>
-              </a:ext>
-            </a:extLst>
-          </p:cNvPr>
-          <p:cNvSpPr txBox="1"/>
-          <p:nvPr/>
-        </p:nvSpPr>
-        <p:spPr>
-          <a:xfrm>
-            <a:off x="337343" y="1800361"/>
-            <a:ext cx="3273287" cy="523220"/>
-          </a:xfrm>
-          <a:prstGeom prst="rect">
-            <a:avLst/>
-          </a:prstGeom>
-          <a:noFill/>
-        </p:spPr>
-        <p:txBody>
-          <a:bodyPr wrap="square" rtlCol="0">
-            <a:spAutoFit/>
-          </a:bodyPr>
-          <a:lstStyle/>
-          <a:p>
-            <a:r>
-              <a:rPr lang="de-DE" sz="2800" dirty="0" err="1"/>
-              <a:t>Decision</a:t>
-            </a:r>
-            <a:r>
-              <a:rPr lang="de-DE" sz="2800" dirty="0"/>
-              <a:t> </a:t>
-            </a:r>
-            <a:r>
-              <a:rPr lang="de-DE" sz="2800" dirty="0" err="1"/>
-              <a:t>Trees</a:t>
-            </a:r>
-            <a:r>
-              <a:rPr lang="de-DE" sz="2800" dirty="0"/>
-              <a:t>*</a:t>
-            </a:r>
-          </a:p>
-        </p:txBody>
-      </p:sp>
-      <p:sp>
-        <p:nvSpPr>
-          <p:cNvPr id="8" name="Textfeld 7">
-            <a:extLst>
-              <a:ext uri="{FF2B5EF4-FFF2-40B4-BE49-F238E27FC236}">
-                <a16:creationId xmlns:a16="http://schemas.microsoft.com/office/drawing/2014/main" id="{1C31A5EC-67FE-45AC-9545-ABE2B6D8D139}"/>
-              </a:ext>
-            </a:extLst>
-          </p:cNvPr>
-          <p:cNvSpPr txBox="1"/>
-          <p:nvPr/>
-        </p:nvSpPr>
-        <p:spPr>
-          <a:xfrm>
-            <a:off x="337343" y="4037622"/>
-            <a:ext cx="3664814" cy="523220"/>
-          </a:xfrm>
-          <a:prstGeom prst="rect">
-            <a:avLst/>
-          </a:prstGeom>
-          <a:noFill/>
-        </p:spPr>
-        <p:txBody>
-          <a:bodyPr wrap="square" rtlCol="0">
-            <a:spAutoFit/>
-          </a:bodyPr>
-          <a:lstStyle/>
-          <a:p>
-            <a:r>
-              <a:rPr lang="de-DE" sz="2800" dirty="0"/>
-              <a:t>Logistische Regression*</a:t>
-            </a:r>
-          </a:p>
-        </p:txBody>
-      </p:sp>
-      <p:sp>
-        <p:nvSpPr>
-          <p:cNvPr id="9" name="Textfeld 8">
-            <a:extLst>
-              <a:ext uri="{FF2B5EF4-FFF2-40B4-BE49-F238E27FC236}">
-                <a16:creationId xmlns:a16="http://schemas.microsoft.com/office/drawing/2014/main" id="{45C61808-840B-45E1-A882-3B36D5C48E11}"/>
-              </a:ext>
-            </a:extLst>
-          </p:cNvPr>
-          <p:cNvSpPr txBox="1"/>
-          <p:nvPr/>
-        </p:nvSpPr>
-        <p:spPr>
-          <a:xfrm>
-            <a:off x="8388626" y="6030591"/>
-            <a:ext cx="3466031" cy="584775"/>
-          </a:xfrm>
-          <a:prstGeom prst="rect">
-            <a:avLst/>
-          </a:prstGeom>
-          <a:noFill/>
-        </p:spPr>
-        <p:txBody>
-          <a:bodyPr wrap="square" rtlCol="0">
-            <a:spAutoFit/>
-          </a:bodyPr>
-          <a:lstStyle/>
-          <a:p>
-            <a:r>
-              <a:rPr lang="de-DE" sz="1600" dirty="0"/>
-              <a:t>*Die besten drei und die schlechteste Parameterkombination</a:t>
-            </a:r>
-          </a:p>
-        </p:txBody>
-      </p:sp>
-      <p:sp>
-        <p:nvSpPr>
-          <p:cNvPr id="3" name="Foliennummernplatzhalter 2">
-            <a:extLst>
-              <a:ext uri="{FF2B5EF4-FFF2-40B4-BE49-F238E27FC236}">
-                <a16:creationId xmlns:a16="http://schemas.microsoft.com/office/drawing/2014/main" id="{E319B800-BAD9-47C8-8632-ACDD9666E88E}"/>
+      <p:sp>
+        <p:nvSpPr>
+          <p:cNvPr id="3" name="Inhaltsplatzhalter 2">
+            <a:extLst>
+              <a:ext uri="{FF2B5EF4-FFF2-40B4-BE49-F238E27FC236}">
+                <a16:creationId xmlns:a16="http://schemas.microsoft.com/office/drawing/2014/main" id="{C8736E0C-16E0-C84C-B66F-C3CB683AAD03}"/>
+              </a:ext>
+            </a:extLst>
+          </p:cNvPr>
+          <p:cNvSpPr>
+            <a:spLocks noGrp="1"/>
+          </p:cNvSpPr>
+          <p:nvPr>
+            <p:ph idx="1"/>
+          </p:nvPr>
+        </p:nvSpPr>
+        <p:spPr/>
+        <p:txBody>
+          <a:bodyPr/>
+          <a:lstStyle/>
+          <a:p>
+            <a:r>
+              <a:rPr lang="de-DE" dirty="0"/>
+              <a:t>Ermittelt durch Cross-Validation auf Periode 1 (5-fold, F1-Score </a:t>
+            </a:r>
+            <a:r>
+              <a:rPr lang="de-DE" dirty="0" err="1"/>
+              <a:t>macro</a:t>
+            </a:r>
+            <a:r>
+              <a:rPr lang="de-DE" dirty="0"/>
+              <a:t>)*</a:t>
+            </a:r>
+          </a:p>
+        </p:txBody>
+      </p:sp>
+      <p:sp>
+        <p:nvSpPr>
+          <p:cNvPr id="4" name="Foliennummernplatzhalter 3">
+            <a:extLst>
+              <a:ext uri="{FF2B5EF4-FFF2-40B4-BE49-F238E27FC236}">
+                <a16:creationId xmlns:a16="http://schemas.microsoft.com/office/drawing/2014/main" id="{83277126-5E9D-C049-8AFE-837A45E05022}"/>
               </a:ext>
             </a:extLst>
           </p:cNvPr>
@@ -5507,7 +5470,7 @@
     </p:spTree>
     <p:extLst>
       <p:ext uri="{BB962C8B-B14F-4D97-AF65-F5344CB8AC3E}">
-        <p14:creationId xmlns:p14="http://schemas.microsoft.com/office/powerpoint/2010/main" val="2365557486"/>
+        <p14:creationId xmlns:p14="http://schemas.microsoft.com/office/powerpoint/2010/main" val="2785784253"/>
       </p:ext>
     </p:extLst>
   </p:cSld>
@@ -5539,7 +5502,7 @@
           <p:cNvPr id="2" name="Titel 1">
             <a:extLst>
               <a:ext uri="{FF2B5EF4-FFF2-40B4-BE49-F238E27FC236}">
-                <a16:creationId xmlns:a16="http://schemas.microsoft.com/office/drawing/2014/main" id="{A65C7E1E-36AD-4F6B-8C66-BC474F2CE9CC}"/>
+                <a16:creationId xmlns:a16="http://schemas.microsoft.com/office/drawing/2014/main" id="{6C9FDB74-CFF0-4E59-A497-A91D8D715F93}"/>
               </a:ext>
             </a:extLst>
           </p:cNvPr>
@@ -5565,10 +5528,10 @@
       </p:sp>
       <p:pic>
         <p:nvPicPr>
-          <p:cNvPr id="11" name="Grafik 10" descr="Ein Bild, das Screenshot enthält.&#10;&#10;Automatisch generierte Beschreibung">
-            <a:extLst>
-              <a:ext uri="{FF2B5EF4-FFF2-40B4-BE49-F238E27FC236}">
-                <a16:creationId xmlns:a16="http://schemas.microsoft.com/office/drawing/2014/main" id="{9A4A772C-67F4-4E74-8A88-E4EE23863015}"/>
+          <p:cNvPr id="4" name="Grafik 3">
+            <a:extLst>
+              <a:ext uri="{FF2B5EF4-FFF2-40B4-BE49-F238E27FC236}">
+                <a16:creationId xmlns:a16="http://schemas.microsoft.com/office/drawing/2014/main" id="{63C95384-4940-45B8-9B94-9787CA81DA86}"/>
               </a:ext>
             </a:extLst>
           </p:cNvPr>
@@ -5591,8 +5554,8 @@
         </p:blipFill>
         <p:spPr>
           <a:xfrm>
-            <a:off x="5274365" y="3217545"/>
-            <a:ext cx="3678066" cy="1323975"/>
+            <a:off x="337343" y="2433255"/>
+            <a:ext cx="8553450" cy="1352550"/>
           </a:xfrm>
           <a:prstGeom prst="rect">
             <a:avLst/>
@@ -5601,10 +5564,10 @@
       </p:pic>
       <p:pic>
         <p:nvPicPr>
-          <p:cNvPr id="13" name="Grafik 12" descr="Ein Bild, das Screenshot enthält.&#10;&#10;Automatisch generierte Beschreibung">
-            <a:extLst>
-              <a:ext uri="{FF2B5EF4-FFF2-40B4-BE49-F238E27FC236}">
-                <a16:creationId xmlns:a16="http://schemas.microsoft.com/office/drawing/2014/main" id="{5C90FDEA-A13F-4875-8E9A-1A53F0E41360}"/>
+          <p:cNvPr id="5" name="Grafik 4">
+            <a:extLst>
+              <a:ext uri="{FF2B5EF4-FFF2-40B4-BE49-F238E27FC236}">
+                <a16:creationId xmlns:a16="http://schemas.microsoft.com/office/drawing/2014/main" id="{62E0F356-5176-40A0-BA66-9C7E7D671EFC}"/>
               </a:ext>
             </a:extLst>
           </p:cNvPr>
@@ -5627,65 +5590,29 @@
         </p:blipFill>
         <p:spPr>
           <a:xfrm>
-            <a:off x="5161481" y="1570274"/>
-            <a:ext cx="3790950" cy="1419225"/>
+            <a:off x="337343" y="4706616"/>
+            <a:ext cx="6477000" cy="1323975"/>
           </a:xfrm>
           <a:prstGeom prst="rect">
             <a:avLst/>
           </a:prstGeom>
         </p:spPr>
       </p:pic>
-      <p:pic>
-        <p:nvPicPr>
-          <p:cNvPr id="17" name="Grafik 16" descr="Ein Bild, das Screenshot enthält.&#10;&#10;Automatisch generierte Beschreibung">
-            <a:extLst>
-              <a:ext uri="{FF2B5EF4-FFF2-40B4-BE49-F238E27FC236}">
-                <a16:creationId xmlns:a16="http://schemas.microsoft.com/office/drawing/2014/main" id="{A13ACF54-090E-44EA-933A-F6675A8641F5}"/>
-              </a:ext>
-            </a:extLst>
-          </p:cNvPr>
-          <p:cNvPicPr>
-            <a:picLocks noChangeAspect="1"/>
-          </p:cNvPicPr>
+      <p:sp>
+        <p:nvSpPr>
+          <p:cNvPr id="6" name="Textfeld 5">
+            <a:extLst>
+              <a:ext uri="{FF2B5EF4-FFF2-40B4-BE49-F238E27FC236}">
+                <a16:creationId xmlns:a16="http://schemas.microsoft.com/office/drawing/2014/main" id="{EF73194B-CCA2-4A87-8DBC-D1633A5B670E}"/>
+              </a:ext>
+            </a:extLst>
+          </p:cNvPr>
+          <p:cNvSpPr txBox="1"/>
           <p:nvPr/>
-        </p:nvPicPr>
-        <p:blipFill>
-          <a:blip r:embed="rId4">
-            <a:extLst>
-              <a:ext uri="{28A0092B-C50C-407E-A947-70E740481C1C}">
-                <a14:useLocalDpi xmlns:a14="http://schemas.microsoft.com/office/drawing/2010/main" val="0"/>
-              </a:ext>
-            </a:extLst>
-          </a:blip>
-          <a:stretch>
-            <a:fillRect/>
-          </a:stretch>
-        </p:blipFill>
+        </p:nvSpPr>
         <p:spPr>
           <a:xfrm>
-            <a:off x="5037656" y="4572678"/>
-            <a:ext cx="3914775" cy="1514475"/>
-          </a:xfrm>
-          <a:prstGeom prst="rect">
-            <a:avLst/>
-          </a:prstGeom>
-        </p:spPr>
-      </p:pic>
-      <p:sp>
-        <p:nvSpPr>
-          <p:cNvPr id="20" name="Textfeld 19">
-            <a:extLst>
-              <a:ext uri="{FF2B5EF4-FFF2-40B4-BE49-F238E27FC236}">
-                <a16:creationId xmlns:a16="http://schemas.microsoft.com/office/drawing/2014/main" id="{3E0BD986-9E74-4348-8CA7-F0C5DE5FDDFB}"/>
-              </a:ext>
-            </a:extLst>
-          </p:cNvPr>
-          <p:cNvSpPr txBox="1"/>
-          <p:nvPr/>
-        </p:nvSpPr>
-        <p:spPr>
-          <a:xfrm>
-            <a:off x="337343" y="1970434"/>
+            <a:off x="337343" y="1800361"/>
             <a:ext cx="3273287" cy="523220"/>
           </a:xfrm>
           <a:prstGeom prst="rect">
@@ -5700,18 +5627,30 @@
           <a:lstStyle/>
           <a:p>
             <a:r>
+              <a:rPr lang="de-DE" sz="2800" dirty="0" err="1"/>
+              <a:t>Decision</a:t>
+            </a:r>
+            <a:r>
               <a:rPr lang="de-DE" sz="2800" dirty="0"/>
-              <a:t>Random Forest*</a:t>
-            </a:r>
-          </a:p>
-        </p:txBody>
-      </p:sp>
-      <p:sp>
-        <p:nvSpPr>
-          <p:cNvPr id="21" name="Textfeld 20">
-            <a:extLst>
-              <a:ext uri="{FF2B5EF4-FFF2-40B4-BE49-F238E27FC236}">
-                <a16:creationId xmlns:a16="http://schemas.microsoft.com/office/drawing/2014/main" id="{00B9525A-F03B-483B-AFBF-2343ADEC7874}"/>
+              <a:t> </a:t>
+            </a:r>
+            <a:r>
+              <a:rPr lang="de-DE" sz="2800" dirty="0" err="1"/>
+              <a:t>Trees</a:t>
+            </a:r>
+            <a:r>
+              <a:rPr lang="de-DE" sz="2800" dirty="0"/>
+              <a:t>*</a:t>
+            </a:r>
+          </a:p>
+        </p:txBody>
+      </p:sp>
+      <p:sp>
+        <p:nvSpPr>
+          <p:cNvPr id="8" name="Textfeld 7">
+            <a:extLst>
+              <a:ext uri="{FF2B5EF4-FFF2-40B4-BE49-F238E27FC236}">
+                <a16:creationId xmlns:a16="http://schemas.microsoft.com/office/drawing/2014/main" id="{1C31A5EC-67FE-45AC-9545-ABE2B6D8D139}"/>
               </a:ext>
             </a:extLst>
           </p:cNvPr>
@@ -5720,8 +5659,8 @@
         </p:nvSpPr>
         <p:spPr>
           <a:xfrm>
-            <a:off x="337343" y="3553912"/>
-            <a:ext cx="3273287" cy="523220"/>
+            <a:off x="337343" y="4037622"/>
+            <a:ext cx="3664814" cy="523220"/>
           </a:xfrm>
           <a:prstGeom prst="rect">
             <a:avLst/>
@@ -5736,17 +5675,17 @@
           <a:p>
             <a:r>
               <a:rPr lang="de-DE" sz="2800" dirty="0"/>
-              <a:t>Linear SVC*</a:t>
-            </a:r>
-          </a:p>
-        </p:txBody>
-      </p:sp>
-      <p:sp>
-        <p:nvSpPr>
-          <p:cNvPr id="22" name="Textfeld 21">
-            <a:extLst>
-              <a:ext uri="{FF2B5EF4-FFF2-40B4-BE49-F238E27FC236}">
-                <a16:creationId xmlns:a16="http://schemas.microsoft.com/office/drawing/2014/main" id="{CB1A2703-CEB6-4334-9E59-1853C07201A4}"/>
+              <a:t>Logistische Regression*</a:t>
+            </a:r>
+          </a:p>
+        </p:txBody>
+      </p:sp>
+      <p:sp>
+        <p:nvSpPr>
+          <p:cNvPr id="9" name="Textfeld 8">
+            <a:extLst>
+              <a:ext uri="{FF2B5EF4-FFF2-40B4-BE49-F238E27FC236}">
+                <a16:creationId xmlns:a16="http://schemas.microsoft.com/office/drawing/2014/main" id="{45C61808-840B-45E1-A882-3B36D5C48E11}"/>
               </a:ext>
             </a:extLst>
           </p:cNvPr>
@@ -5755,46 +5694,7 @@
         </p:nvSpPr>
         <p:spPr>
           <a:xfrm>
-            <a:off x="337343" y="5235573"/>
-            <a:ext cx="4062032" cy="523220"/>
-          </a:xfrm>
-          <a:prstGeom prst="rect">
-            <a:avLst/>
-          </a:prstGeom>
-          <a:noFill/>
-        </p:spPr>
-        <p:txBody>
-          <a:bodyPr wrap="square" rtlCol="0">
-            <a:spAutoFit/>
-          </a:bodyPr>
-          <a:lstStyle/>
-          <a:p>
-            <a:r>
-              <a:rPr lang="de-DE" sz="2800" dirty="0" err="1"/>
-              <a:t>Multinomial</a:t>
-            </a:r>
-            <a:r>
-              <a:rPr lang="de-DE" sz="2800" dirty="0"/>
-              <a:t> Naive Bayes*</a:t>
-            </a:r>
-          </a:p>
-        </p:txBody>
-      </p:sp>
-      <p:sp>
-        <p:nvSpPr>
-          <p:cNvPr id="23" name="Textfeld 22">
-            <a:extLst>
-              <a:ext uri="{FF2B5EF4-FFF2-40B4-BE49-F238E27FC236}">
-                <a16:creationId xmlns:a16="http://schemas.microsoft.com/office/drawing/2014/main" id="{5B3C4E72-50D6-42FD-8BF8-31F2866E8EE7}"/>
-              </a:ext>
-            </a:extLst>
-          </p:cNvPr>
-          <p:cNvSpPr txBox="1"/>
-          <p:nvPr/>
-        </p:nvSpPr>
-        <p:spPr>
-          <a:xfrm>
-            <a:off x="8388626" y="6125657"/>
+            <a:off x="8388626" y="6030591"/>
             <a:ext cx="3466031" cy="584775"/>
           </a:xfrm>
           <a:prstGeom prst="rect">
@@ -5820,7 +5720,7 @@
           <p:cNvPr id="3" name="Foliennummernplatzhalter 2">
             <a:extLst>
               <a:ext uri="{FF2B5EF4-FFF2-40B4-BE49-F238E27FC236}">
-                <a16:creationId xmlns:a16="http://schemas.microsoft.com/office/drawing/2014/main" id="{4BAF2269-EB7D-4DF2-9199-69D7B190FBB1}"/>
+                <a16:creationId xmlns:a16="http://schemas.microsoft.com/office/drawing/2014/main" id="{E319B800-BAD9-47C8-8632-ACDD9666E88E}"/>
               </a:ext>
             </a:extLst>
           </p:cNvPr>
@@ -5847,7 +5747,7 @@
     </p:spTree>
     <p:extLst>
       <p:ext uri="{BB962C8B-B14F-4D97-AF65-F5344CB8AC3E}">
-        <p14:creationId xmlns:p14="http://schemas.microsoft.com/office/powerpoint/2010/main" val="1654103409"/>
+        <p14:creationId xmlns:p14="http://schemas.microsoft.com/office/powerpoint/2010/main" val="2365557486"/>
       </p:ext>
     </p:extLst>
   </p:cSld>
@@ -6037,7 +5937,7 @@
           <p:cNvPr id="2" name="Titel 1">
             <a:extLst>
               <a:ext uri="{FF2B5EF4-FFF2-40B4-BE49-F238E27FC236}">
-                <a16:creationId xmlns:a16="http://schemas.microsoft.com/office/drawing/2014/main" id="{8FCDB097-9307-4A3A-904C-D49106B56B1D}"/>
+                <a16:creationId xmlns:a16="http://schemas.microsoft.com/office/drawing/2014/main" id="{A65C7E1E-36AD-4F6B-8C66-BC474F2CE9CC}"/>
               </a:ext>
             </a:extLst>
           </p:cNvPr>
@@ -6056,17 +5956,17 @@
             <a:pPr algn="ctr"/>
             <a:r>
               <a:rPr lang="de-DE" dirty="0"/>
-              <a:t>Ergebnisse</a:t>
+              <a:t>Verwendete Hyperparameter</a:t>
             </a:r>
           </a:p>
         </p:txBody>
       </p:sp>
       <p:pic>
         <p:nvPicPr>
-          <p:cNvPr id="9" name="Grafik 8" descr="Ein Bild, das Text, Karte enthält.&#10;&#10;Automatisch generierte Beschreibung">
-            <a:extLst>
-              <a:ext uri="{FF2B5EF4-FFF2-40B4-BE49-F238E27FC236}">
-                <a16:creationId xmlns:a16="http://schemas.microsoft.com/office/drawing/2014/main" id="{F2D9EA87-4BE1-4598-83F4-9AB7E6552917}"/>
+          <p:cNvPr id="11" name="Grafik 10" descr="Ein Bild, das Screenshot enthält.&#10;&#10;Automatisch generierte Beschreibung">
+            <a:extLst>
+              <a:ext uri="{FF2B5EF4-FFF2-40B4-BE49-F238E27FC236}">
+                <a16:creationId xmlns:a16="http://schemas.microsoft.com/office/drawing/2014/main" id="{9A4A772C-67F4-4E74-8A88-E4EE23863015}"/>
               </a:ext>
             </a:extLst>
           </p:cNvPr>
@@ -6089,8 +5989,8 @@
         </p:blipFill>
         <p:spPr>
           <a:xfrm>
-            <a:off x="0" y="1949018"/>
-            <a:ext cx="6261403" cy="4174268"/>
+            <a:off x="5274365" y="3217545"/>
+            <a:ext cx="3678066" cy="1323975"/>
           </a:xfrm>
           <a:prstGeom prst="rect">
             <a:avLst/>
@@ -6099,10 +5999,10 @@
       </p:pic>
       <p:pic>
         <p:nvPicPr>
-          <p:cNvPr id="11" name="Grafik 10" descr="Ein Bild, das Text, Karte enthält.&#10;&#10;Automatisch generierte Beschreibung">
-            <a:extLst>
-              <a:ext uri="{FF2B5EF4-FFF2-40B4-BE49-F238E27FC236}">
-                <a16:creationId xmlns:a16="http://schemas.microsoft.com/office/drawing/2014/main" id="{08E2EAE5-8D07-480A-8946-9820FC260AAA}"/>
+          <p:cNvPr id="13" name="Grafik 12" descr="Ein Bild, das Screenshot enthält.&#10;&#10;Automatisch generierte Beschreibung">
+            <a:extLst>
+              <a:ext uri="{FF2B5EF4-FFF2-40B4-BE49-F238E27FC236}">
+                <a16:creationId xmlns:a16="http://schemas.microsoft.com/office/drawing/2014/main" id="{5C90FDEA-A13F-4875-8E9A-1A53F0E41360}"/>
               </a:ext>
             </a:extLst>
           </p:cNvPr>
@@ -6125,20 +6025,200 @@
         </p:blipFill>
         <p:spPr>
           <a:xfrm>
-            <a:off x="6096000" y="1949018"/>
-            <a:ext cx="6261404" cy="4174268"/>
+            <a:off x="5161481" y="1570274"/>
+            <a:ext cx="3790950" cy="1419225"/>
           </a:xfrm>
           <a:prstGeom prst="rect">
             <a:avLst/>
           </a:prstGeom>
         </p:spPr>
       </p:pic>
+      <p:pic>
+        <p:nvPicPr>
+          <p:cNvPr id="17" name="Grafik 16" descr="Ein Bild, das Screenshot enthält.&#10;&#10;Automatisch generierte Beschreibung">
+            <a:extLst>
+              <a:ext uri="{FF2B5EF4-FFF2-40B4-BE49-F238E27FC236}">
+                <a16:creationId xmlns:a16="http://schemas.microsoft.com/office/drawing/2014/main" id="{A13ACF54-090E-44EA-933A-F6675A8641F5}"/>
+              </a:ext>
+            </a:extLst>
+          </p:cNvPr>
+          <p:cNvPicPr>
+            <a:picLocks noChangeAspect="1"/>
+          </p:cNvPicPr>
+          <p:nvPr/>
+        </p:nvPicPr>
+        <p:blipFill>
+          <a:blip r:embed="rId4">
+            <a:extLst>
+              <a:ext uri="{28A0092B-C50C-407E-A947-70E740481C1C}">
+                <a14:useLocalDpi xmlns:a14="http://schemas.microsoft.com/office/drawing/2010/main" val="0"/>
+              </a:ext>
+            </a:extLst>
+          </a:blip>
+          <a:stretch>
+            <a:fillRect/>
+          </a:stretch>
+        </p:blipFill>
+        <p:spPr>
+          <a:xfrm>
+            <a:off x="5037656" y="4572678"/>
+            <a:ext cx="3914775" cy="1514475"/>
+          </a:xfrm>
+          <a:prstGeom prst="rect">
+            <a:avLst/>
+          </a:prstGeom>
+        </p:spPr>
+      </p:pic>
+      <p:sp>
+        <p:nvSpPr>
+          <p:cNvPr id="20" name="Textfeld 19">
+            <a:extLst>
+              <a:ext uri="{FF2B5EF4-FFF2-40B4-BE49-F238E27FC236}">
+                <a16:creationId xmlns:a16="http://schemas.microsoft.com/office/drawing/2014/main" id="{3E0BD986-9E74-4348-8CA7-F0C5DE5FDDFB}"/>
+              </a:ext>
+            </a:extLst>
+          </p:cNvPr>
+          <p:cNvSpPr txBox="1"/>
+          <p:nvPr/>
+        </p:nvSpPr>
+        <p:spPr>
+          <a:xfrm>
+            <a:off x="337343" y="1970434"/>
+            <a:ext cx="3273287" cy="523220"/>
+          </a:xfrm>
+          <a:prstGeom prst="rect">
+            <a:avLst/>
+          </a:prstGeom>
+          <a:noFill/>
+        </p:spPr>
+        <p:txBody>
+          <a:bodyPr wrap="square" rtlCol="0">
+            <a:spAutoFit/>
+          </a:bodyPr>
+          <a:lstStyle/>
+          <a:p>
+            <a:r>
+              <a:rPr lang="de-DE" sz="2800" dirty="0"/>
+              <a:t>Random Forest*</a:t>
+            </a:r>
+          </a:p>
+        </p:txBody>
+      </p:sp>
+      <p:sp>
+        <p:nvSpPr>
+          <p:cNvPr id="21" name="Textfeld 20">
+            <a:extLst>
+              <a:ext uri="{FF2B5EF4-FFF2-40B4-BE49-F238E27FC236}">
+                <a16:creationId xmlns:a16="http://schemas.microsoft.com/office/drawing/2014/main" id="{00B9525A-F03B-483B-AFBF-2343ADEC7874}"/>
+              </a:ext>
+            </a:extLst>
+          </p:cNvPr>
+          <p:cNvSpPr txBox="1"/>
+          <p:nvPr/>
+        </p:nvSpPr>
+        <p:spPr>
+          <a:xfrm>
+            <a:off x="337343" y="3553912"/>
+            <a:ext cx="3273287" cy="523220"/>
+          </a:xfrm>
+          <a:prstGeom prst="rect">
+            <a:avLst/>
+          </a:prstGeom>
+          <a:noFill/>
+        </p:spPr>
+        <p:txBody>
+          <a:bodyPr wrap="square" rtlCol="0">
+            <a:spAutoFit/>
+          </a:bodyPr>
+          <a:lstStyle/>
+          <a:p>
+            <a:r>
+              <a:rPr lang="de-DE" sz="2800" dirty="0"/>
+              <a:t>Linear SVC*</a:t>
+            </a:r>
+          </a:p>
+        </p:txBody>
+      </p:sp>
+      <p:sp>
+        <p:nvSpPr>
+          <p:cNvPr id="22" name="Textfeld 21">
+            <a:extLst>
+              <a:ext uri="{FF2B5EF4-FFF2-40B4-BE49-F238E27FC236}">
+                <a16:creationId xmlns:a16="http://schemas.microsoft.com/office/drawing/2014/main" id="{CB1A2703-CEB6-4334-9E59-1853C07201A4}"/>
+              </a:ext>
+            </a:extLst>
+          </p:cNvPr>
+          <p:cNvSpPr txBox="1"/>
+          <p:nvPr/>
+        </p:nvSpPr>
+        <p:spPr>
+          <a:xfrm>
+            <a:off x="337343" y="5235573"/>
+            <a:ext cx="4062032" cy="523220"/>
+          </a:xfrm>
+          <a:prstGeom prst="rect">
+            <a:avLst/>
+          </a:prstGeom>
+          <a:noFill/>
+        </p:spPr>
+        <p:txBody>
+          <a:bodyPr wrap="square" rtlCol="0">
+            <a:spAutoFit/>
+          </a:bodyPr>
+          <a:lstStyle/>
+          <a:p>
+            <a:r>
+              <a:rPr lang="de-DE" sz="2800" dirty="0" err="1"/>
+              <a:t>Multinomial</a:t>
+            </a:r>
+            <a:r>
+              <a:rPr lang="de-DE" sz="2800" dirty="0"/>
+              <a:t> Naive Bayes*</a:t>
+            </a:r>
+          </a:p>
+        </p:txBody>
+      </p:sp>
+      <p:sp>
+        <p:nvSpPr>
+          <p:cNvPr id="23" name="Textfeld 22">
+            <a:extLst>
+              <a:ext uri="{FF2B5EF4-FFF2-40B4-BE49-F238E27FC236}">
+                <a16:creationId xmlns:a16="http://schemas.microsoft.com/office/drawing/2014/main" id="{5B3C4E72-50D6-42FD-8BF8-31F2866E8EE7}"/>
+              </a:ext>
+            </a:extLst>
+          </p:cNvPr>
+          <p:cNvSpPr txBox="1"/>
+          <p:nvPr/>
+        </p:nvSpPr>
+        <p:spPr>
+          <a:xfrm>
+            <a:off x="8388626" y="6125657"/>
+            <a:ext cx="3466031" cy="584775"/>
+          </a:xfrm>
+          <a:prstGeom prst="rect">
+            <a:avLst/>
+          </a:prstGeom>
+          <a:noFill/>
+        </p:spPr>
+        <p:txBody>
+          <a:bodyPr wrap="square" rtlCol="0">
+            <a:spAutoFit/>
+          </a:bodyPr>
+          <a:lstStyle/>
+          <a:p>
+            <a:r>
+              <a:rPr lang="de-DE" sz="1600" dirty="0"/>
+              <a:t>*Die besten drei und die schlechteste Parameterkombination</a:t>
+            </a:r>
+          </a:p>
+        </p:txBody>
+      </p:sp>
       <p:sp>
         <p:nvSpPr>
           <p:cNvPr id="3" name="Foliennummernplatzhalter 2">
             <a:extLst>
               <a:ext uri="{FF2B5EF4-FFF2-40B4-BE49-F238E27FC236}">
-                <a16:creationId xmlns:a16="http://schemas.microsoft.com/office/drawing/2014/main" id="{B97B19AC-9833-4067-BF5B-6C84BD770922}"/>
+                <a16:creationId xmlns:a16="http://schemas.microsoft.com/office/drawing/2014/main" id="{4BAF2269-EB7D-4DF2-9199-69D7B190FBB1}"/>
               </a:ext>
             </a:extLst>
           </p:cNvPr>
@@ -6165,7 +6245,7 @@
     </p:spTree>
     <p:extLst>
       <p:ext uri="{BB962C8B-B14F-4D97-AF65-F5344CB8AC3E}">
-        <p14:creationId xmlns:p14="http://schemas.microsoft.com/office/powerpoint/2010/main" val="2422262105"/>
+        <p14:creationId xmlns:p14="http://schemas.microsoft.com/office/powerpoint/2010/main" val="1654103409"/>
       </p:ext>
     </p:extLst>
   </p:cSld>
@@ -6197,7 +6277,7 @@
           <p:cNvPr id="2" name="Titel 1">
             <a:extLst>
               <a:ext uri="{FF2B5EF4-FFF2-40B4-BE49-F238E27FC236}">
-                <a16:creationId xmlns:a16="http://schemas.microsoft.com/office/drawing/2014/main" id="{B54C5851-D7EA-4AD2-9863-DF928872C66A}"/>
+                <a16:creationId xmlns:a16="http://schemas.microsoft.com/office/drawing/2014/main" id="{8FCDB097-9307-4A3A-904C-D49106B56B1D}"/>
               </a:ext>
             </a:extLst>
           </p:cNvPr>
@@ -6223,10 +6303,10 @@
       </p:sp>
       <p:pic>
         <p:nvPicPr>
-          <p:cNvPr id="5" name="Grafik 4" descr="Ein Bild, das Text, Karte enthält.&#10;&#10;Automatisch generierte Beschreibung">
-            <a:extLst>
-              <a:ext uri="{FF2B5EF4-FFF2-40B4-BE49-F238E27FC236}">
-                <a16:creationId xmlns:a16="http://schemas.microsoft.com/office/drawing/2014/main" id="{CD413344-5E27-42A2-8712-547B1BF6AF0B}"/>
+          <p:cNvPr id="9" name="Grafik 8" descr="Ein Bild, das Text, Karte enthält.&#10;&#10;Automatisch generierte Beschreibung">
+            <a:extLst>
+              <a:ext uri="{FF2B5EF4-FFF2-40B4-BE49-F238E27FC236}">
+                <a16:creationId xmlns:a16="http://schemas.microsoft.com/office/drawing/2014/main" id="{F2D9EA87-4BE1-4598-83F4-9AB7E6552917}"/>
               </a:ext>
             </a:extLst>
           </p:cNvPr>
@@ -6249,8 +6329,8 @@
         </p:blipFill>
         <p:spPr>
           <a:xfrm>
-            <a:off x="0" y="1690688"/>
-            <a:ext cx="6347791" cy="4231860"/>
+            <a:off x="0" y="1949018"/>
+            <a:ext cx="6261403" cy="4174268"/>
           </a:xfrm>
           <a:prstGeom prst="rect">
             <a:avLst/>
@@ -6259,10 +6339,10 @@
       </p:pic>
       <p:pic>
         <p:nvPicPr>
-          <p:cNvPr id="7" name="Grafik 6" descr="Ein Bild, das Text, Karte enthält.&#10;&#10;Automatisch generierte Beschreibung">
-            <a:extLst>
-              <a:ext uri="{FF2B5EF4-FFF2-40B4-BE49-F238E27FC236}">
-                <a16:creationId xmlns:a16="http://schemas.microsoft.com/office/drawing/2014/main" id="{DC7E2F2A-E47D-4774-9976-5ED921DAA5C7}"/>
+          <p:cNvPr id="11" name="Grafik 10" descr="Ein Bild, das Text, Karte enthält.&#10;&#10;Automatisch generierte Beschreibung">
+            <a:extLst>
+              <a:ext uri="{FF2B5EF4-FFF2-40B4-BE49-F238E27FC236}">
+                <a16:creationId xmlns:a16="http://schemas.microsoft.com/office/drawing/2014/main" id="{08E2EAE5-8D07-480A-8946-9820FC260AAA}"/>
               </a:ext>
             </a:extLst>
           </p:cNvPr>
@@ -6285,8 +6365,8 @@
         </p:blipFill>
         <p:spPr>
           <a:xfrm>
-            <a:off x="6096000" y="1690688"/>
-            <a:ext cx="6347791" cy="4231860"/>
+            <a:off x="6096000" y="1949018"/>
+            <a:ext cx="6261404" cy="4174268"/>
           </a:xfrm>
           <a:prstGeom prst="rect">
             <a:avLst/>
@@ -6298,7 +6378,7 @@
           <p:cNvPr id="3" name="Foliennummernplatzhalter 2">
             <a:extLst>
               <a:ext uri="{FF2B5EF4-FFF2-40B4-BE49-F238E27FC236}">
-                <a16:creationId xmlns:a16="http://schemas.microsoft.com/office/drawing/2014/main" id="{FE4B1C70-46EA-4ED9-AF71-A5223EB6BFE8}"/>
+                <a16:creationId xmlns:a16="http://schemas.microsoft.com/office/drawing/2014/main" id="{B97B19AC-9833-4067-BF5B-6C84BD770922}"/>
               </a:ext>
             </a:extLst>
           </p:cNvPr>
@@ -6325,7 +6405,7 @@
     </p:spTree>
     <p:extLst>
       <p:ext uri="{BB962C8B-B14F-4D97-AF65-F5344CB8AC3E}">
-        <p14:creationId xmlns:p14="http://schemas.microsoft.com/office/powerpoint/2010/main" val="1977637954"/>
+        <p14:creationId xmlns:p14="http://schemas.microsoft.com/office/powerpoint/2010/main" val="2422262105"/>
       </p:ext>
     </p:extLst>
   </p:cSld>
@@ -6383,10 +6463,10 @@
       </p:sp>
       <p:pic>
         <p:nvPicPr>
-          <p:cNvPr id="4" name="Grafik 3" descr="Ein Bild, das Text, Karte enthält.&#10;&#10;Automatisch generierte Beschreibung">
-            <a:extLst>
-              <a:ext uri="{FF2B5EF4-FFF2-40B4-BE49-F238E27FC236}">
-                <a16:creationId xmlns:a16="http://schemas.microsoft.com/office/drawing/2014/main" id="{EBCC54CA-728D-49B0-A8C9-FF3CD3420F8F}"/>
+          <p:cNvPr id="5" name="Grafik 4" descr="Ein Bild, das Text, Karte enthält.&#10;&#10;Automatisch generierte Beschreibung">
+            <a:extLst>
+              <a:ext uri="{FF2B5EF4-FFF2-40B4-BE49-F238E27FC236}">
+                <a16:creationId xmlns:a16="http://schemas.microsoft.com/office/drawing/2014/main" id="{CD413344-5E27-42A2-8712-547B1BF6AF0B}"/>
               </a:ext>
             </a:extLst>
           </p:cNvPr>
@@ -6410,7 +6490,7 @@
         <p:spPr>
           <a:xfrm>
             <a:off x="0" y="1690688"/>
-            <a:ext cx="6215270" cy="4143513"/>
+            <a:ext cx="6347791" cy="4231860"/>
           </a:xfrm>
           <a:prstGeom prst="rect">
             <a:avLst/>
@@ -6419,10 +6499,10 @@
       </p:pic>
       <p:pic>
         <p:nvPicPr>
-          <p:cNvPr id="6" name="Grafik 5" descr="Ein Bild, das Text, Karte enthält.&#10;&#10;Automatisch generierte Beschreibung">
-            <a:extLst>
-              <a:ext uri="{FF2B5EF4-FFF2-40B4-BE49-F238E27FC236}">
-                <a16:creationId xmlns:a16="http://schemas.microsoft.com/office/drawing/2014/main" id="{42A3A93A-6C09-4F63-93D4-236921BF04B5}"/>
+          <p:cNvPr id="7" name="Grafik 6" descr="Ein Bild, das Text, Karte enthält.&#10;&#10;Automatisch generierte Beschreibung">
+            <a:extLst>
+              <a:ext uri="{FF2B5EF4-FFF2-40B4-BE49-F238E27FC236}">
+                <a16:creationId xmlns:a16="http://schemas.microsoft.com/office/drawing/2014/main" id="{DC7E2F2A-E47D-4774-9976-5ED921DAA5C7}"/>
               </a:ext>
             </a:extLst>
           </p:cNvPr>
@@ -6446,7 +6526,7 @@
         <p:spPr>
           <a:xfrm>
             <a:off x="6096000" y="1690688"/>
-            <a:ext cx="6215271" cy="4143513"/>
+            <a:ext cx="6347791" cy="4231860"/>
           </a:xfrm>
           <a:prstGeom prst="rect">
             <a:avLst/>
@@ -6458,7 +6538,7 @@
           <p:cNvPr id="3" name="Foliennummernplatzhalter 2">
             <a:extLst>
               <a:ext uri="{FF2B5EF4-FFF2-40B4-BE49-F238E27FC236}">
-                <a16:creationId xmlns:a16="http://schemas.microsoft.com/office/drawing/2014/main" id="{9BB46D99-E44D-40D8-AEF8-712DF699C40F}"/>
+                <a16:creationId xmlns:a16="http://schemas.microsoft.com/office/drawing/2014/main" id="{FE4B1C70-46EA-4ED9-AF71-A5223EB6BFE8}"/>
               </a:ext>
             </a:extLst>
           </p:cNvPr>
@@ -6485,7 +6565,7 @@
     </p:spTree>
     <p:extLst>
       <p:ext uri="{BB962C8B-B14F-4D97-AF65-F5344CB8AC3E}">
-        <p14:creationId xmlns:p14="http://schemas.microsoft.com/office/powerpoint/2010/main" val="340867511"/>
+        <p14:creationId xmlns:p14="http://schemas.microsoft.com/office/powerpoint/2010/main" val="1977637954"/>
       </p:ext>
     </p:extLst>
   </p:cSld>
@@ -6517,7 +6597,7 @@
           <p:cNvPr id="2" name="Titel 1">
             <a:extLst>
               <a:ext uri="{FF2B5EF4-FFF2-40B4-BE49-F238E27FC236}">
-                <a16:creationId xmlns:a16="http://schemas.microsoft.com/office/drawing/2014/main" id="{63042F54-0F2E-C34E-8322-4F3EB594388D}"/>
+                <a16:creationId xmlns:a16="http://schemas.microsoft.com/office/drawing/2014/main" id="{B54C5851-D7EA-4AD2-9863-DF928872C66A}"/>
               </a:ext>
             </a:extLst>
           </p:cNvPr>
@@ -6536,106 +6616,89 @@
             <a:pPr algn="ctr"/>
             <a:r>
               <a:rPr lang="de-DE" dirty="0"/>
-              <a:t>Neuronale Netzwerke</a:t>
-            </a:r>
-          </a:p>
-        </p:txBody>
-      </p:sp>
-      <p:sp>
-        <p:nvSpPr>
-          <p:cNvPr id="3" name="Inhaltsplatzhalter 2">
-            <a:extLst>
-              <a:ext uri="{FF2B5EF4-FFF2-40B4-BE49-F238E27FC236}">
-                <a16:creationId xmlns:a16="http://schemas.microsoft.com/office/drawing/2014/main" id="{625B5006-E5BB-2E41-884E-D61AD3297672}"/>
-              </a:ext>
-            </a:extLst>
-          </p:cNvPr>
-          <p:cNvSpPr>
-            <a:spLocks noGrp="1"/>
-          </p:cNvSpPr>
-          <p:nvPr>
-            <p:ph idx="1"/>
-          </p:nvPr>
-        </p:nvSpPr>
-        <p:spPr/>
-        <p:txBody>
-          <a:bodyPr/>
-          <a:lstStyle/>
-          <a:p>
-            <a:r>
-              <a:rPr lang="de-DE" dirty="0"/>
-              <a:t>Problem: Zu wenig Daten für neuronale Netzwerke?</a:t>
-            </a:r>
-          </a:p>
-          <a:p>
-            <a:r>
-              <a:rPr lang="de-DE" dirty="0"/>
-              <a:t>Lösungsideen:</a:t>
-            </a:r>
-          </a:p>
-          <a:p>
-            <a:pPr lvl="1"/>
-            <a:r>
-              <a:rPr lang="de-DE" dirty="0"/>
-              <a:t>Transfer-Learning: BERT (</a:t>
-            </a:r>
-            <a:r>
-              <a:rPr lang="de-DE" dirty="0" err="1"/>
-              <a:t>Ktrain</a:t>
-            </a:r>
-            <a:r>
-              <a:rPr lang="de-DE" dirty="0"/>
-              <a:t>)</a:t>
-            </a:r>
-          </a:p>
-          <a:p>
-            <a:pPr lvl="1"/>
-            <a:r>
-              <a:rPr lang="de-DE" dirty="0"/>
-              <a:t>Verwendung von vortrainierten </a:t>
-            </a:r>
-            <a:r>
-              <a:rPr lang="de-DE" dirty="0" err="1"/>
-              <a:t>Wordembeddings</a:t>
-            </a:r>
-            <a:r>
-              <a:rPr lang="de-DE" dirty="0"/>
-              <a:t> </a:t>
-            </a:r>
-          </a:p>
-          <a:p>
-            <a:r>
-              <a:rPr lang="de-DE" dirty="0"/>
-              <a:t>Fazit:</a:t>
-            </a:r>
-          </a:p>
-          <a:p>
-            <a:pPr lvl="1"/>
-            <a:r>
-              <a:rPr lang="de-DE" dirty="0"/>
-              <a:t>BERT funktioniert nicht</a:t>
-            </a:r>
-          </a:p>
-          <a:p>
-            <a:pPr lvl="1"/>
-            <a:r>
-              <a:rPr lang="de-DE" dirty="0"/>
-              <a:t>Beste Ergebnisse: </a:t>
-            </a:r>
-            <a:r>
-              <a:rPr lang="de-DE" dirty="0" err="1"/>
-              <a:t>FastText-Embeddings+CNN+LSTM</a:t>
-            </a:r>
-            <a:endParaRPr lang="de-DE" dirty="0"/>
-          </a:p>
-        </p:txBody>
-      </p:sp>
-      <p:sp>
-        <p:nvSpPr>
-          <p:cNvPr id="4" name="Foliennummernplatzhalter 3">
-            <a:extLst>
-              <a:ext uri="{FF2B5EF4-FFF2-40B4-BE49-F238E27FC236}">
-                <a16:creationId xmlns:a16="http://schemas.microsoft.com/office/drawing/2014/main" id="{86F32C1D-A0A5-D647-8F6A-35F494C1FD8E}"/>
+              <a:t>Ergebnisse</a:t>
+            </a:r>
+          </a:p>
+        </p:txBody>
+      </p:sp>
+      <p:pic>
+        <p:nvPicPr>
+          <p:cNvPr id="4" name="Grafik 3" descr="Ein Bild, das Text, Karte enthält.&#10;&#10;Automatisch generierte Beschreibung">
+            <a:extLst>
+              <a:ext uri="{FF2B5EF4-FFF2-40B4-BE49-F238E27FC236}">
+                <a16:creationId xmlns:a16="http://schemas.microsoft.com/office/drawing/2014/main" id="{EBCC54CA-728D-49B0-A8C9-FF3CD3420F8F}"/>
+              </a:ext>
+            </a:extLst>
+          </p:cNvPr>
+          <p:cNvPicPr>
+            <a:picLocks noChangeAspect="1"/>
+          </p:cNvPicPr>
+          <p:nvPr/>
+        </p:nvPicPr>
+        <p:blipFill>
+          <a:blip r:embed="rId2">
+            <a:extLst>
+              <a:ext uri="{28A0092B-C50C-407E-A947-70E740481C1C}">
+                <a14:useLocalDpi xmlns:a14="http://schemas.microsoft.com/office/drawing/2010/main" val="0"/>
+              </a:ext>
+            </a:extLst>
+          </a:blip>
+          <a:stretch>
+            <a:fillRect/>
+          </a:stretch>
+        </p:blipFill>
+        <p:spPr>
+          <a:xfrm>
+            <a:off x="0" y="1690688"/>
+            <a:ext cx="6215270" cy="4143513"/>
+          </a:xfrm>
+          <a:prstGeom prst="rect">
+            <a:avLst/>
+          </a:prstGeom>
+        </p:spPr>
+      </p:pic>
+      <p:pic>
+        <p:nvPicPr>
+          <p:cNvPr id="6" name="Grafik 5" descr="Ein Bild, das Text, Karte enthält.&#10;&#10;Automatisch generierte Beschreibung">
+            <a:extLst>
+              <a:ext uri="{FF2B5EF4-FFF2-40B4-BE49-F238E27FC236}">
+                <a16:creationId xmlns:a16="http://schemas.microsoft.com/office/drawing/2014/main" id="{42A3A93A-6C09-4F63-93D4-236921BF04B5}"/>
+              </a:ext>
+            </a:extLst>
+          </p:cNvPr>
+          <p:cNvPicPr>
+            <a:picLocks noChangeAspect="1"/>
+          </p:cNvPicPr>
+          <p:nvPr/>
+        </p:nvPicPr>
+        <p:blipFill>
+          <a:blip r:embed="rId3">
+            <a:extLst>
+              <a:ext uri="{28A0092B-C50C-407E-A947-70E740481C1C}">
+                <a14:useLocalDpi xmlns:a14="http://schemas.microsoft.com/office/drawing/2010/main" val="0"/>
+              </a:ext>
+            </a:extLst>
+          </a:blip>
+          <a:stretch>
+            <a:fillRect/>
+          </a:stretch>
+        </p:blipFill>
+        <p:spPr>
+          <a:xfrm>
+            <a:off x="6096000" y="1690688"/>
+            <a:ext cx="6215271" cy="4143513"/>
+          </a:xfrm>
+          <a:prstGeom prst="rect">
+            <a:avLst/>
+          </a:prstGeom>
+        </p:spPr>
+      </p:pic>
+      <p:sp>
+        <p:nvSpPr>
+          <p:cNvPr id="3" name="Foliennummernplatzhalter 2">
+            <a:extLst>
+              <a:ext uri="{FF2B5EF4-FFF2-40B4-BE49-F238E27FC236}">
+                <a16:creationId xmlns:a16="http://schemas.microsoft.com/office/drawing/2014/main" id="{9BB46D99-E44D-40D8-AEF8-712DF699C40F}"/>
               </a:ext>
             </a:extLst>
           </p:cNvPr>
@@ -6662,7 +6725,7 @@
     </p:spTree>
     <p:extLst>
       <p:ext uri="{BB962C8B-B14F-4D97-AF65-F5344CB8AC3E}">
-        <p14:creationId xmlns:p14="http://schemas.microsoft.com/office/powerpoint/2010/main" val="2357120689"/>
+        <p14:creationId xmlns:p14="http://schemas.microsoft.com/office/powerpoint/2010/main" val="340867511"/>
       </p:ext>
     </p:extLst>
   </p:cSld>
@@ -6694,7 +6757,7 @@
           <p:cNvPr id="2" name="Titel 1">
             <a:extLst>
               <a:ext uri="{FF2B5EF4-FFF2-40B4-BE49-F238E27FC236}">
-                <a16:creationId xmlns:a16="http://schemas.microsoft.com/office/drawing/2014/main" id="{A0175B9A-81D9-CE41-9369-6155D8BB3F09}"/>
+                <a16:creationId xmlns:a16="http://schemas.microsoft.com/office/drawing/2014/main" id="{D0B64763-D815-8C4F-890E-E15C5859BC14}"/>
               </a:ext>
             </a:extLst>
           </p:cNvPr>
@@ -6710,11 +6773,69 @@
           <a:bodyPr/>
           <a:lstStyle/>
           <a:p>
-            <a:pPr algn="ctr"/>
             <a:r>
               <a:rPr lang="de-DE" dirty="0"/>
-              <a:t>Neuronales Netzwerk Architektur</a:t>
-            </a:r>
+              <a:t>Fazit</a:t>
+            </a:r>
+          </a:p>
+        </p:txBody>
+      </p:sp>
+      <p:sp>
+        <p:nvSpPr>
+          <p:cNvPr id="3" name="Inhaltsplatzhalter 2">
+            <a:extLst>
+              <a:ext uri="{FF2B5EF4-FFF2-40B4-BE49-F238E27FC236}">
+                <a16:creationId xmlns:a16="http://schemas.microsoft.com/office/drawing/2014/main" id="{828DD119-2C5D-3248-A36B-093654DDDA8A}"/>
+              </a:ext>
+            </a:extLst>
+          </p:cNvPr>
+          <p:cNvSpPr>
+            <a:spLocks noGrp="1"/>
+          </p:cNvSpPr>
+          <p:nvPr>
+            <p:ph idx="1"/>
+          </p:nvPr>
+        </p:nvSpPr>
+        <p:spPr/>
+        <p:txBody>
+          <a:bodyPr/>
+          <a:lstStyle/>
+          <a:p>
+            <a:r>
+              <a:rPr lang="de-DE" dirty="0"/>
+              <a:t>Narrative Texte (NARR) und humanwissenschaftliche Texte (HUMA) lassen sich am schlechtesten vorhersagen</a:t>
+            </a:r>
+          </a:p>
+          <a:p>
+            <a:pPr lvl="1"/>
+            <a:r>
+              <a:rPr lang="de-DE" dirty="0"/>
+              <a:t>→ Hier ist die Varianz der Texte am größten</a:t>
+            </a:r>
+          </a:p>
+          <a:p>
+            <a:r>
+              <a:rPr lang="de-DE" dirty="0"/>
+              <a:t>Juristische/ wissenschaftliche Texte und Predigten weisen relativ konsistente Erkennungsraten über alle Perioden auf</a:t>
+            </a:r>
+          </a:p>
+          <a:p>
+            <a:r>
+              <a:rPr lang="de-DE" dirty="0"/>
+              <a:t>Dramen werden gut erkannt aber die Erkennungsrate sinkt </a:t>
+            </a:r>
+            <a:r>
+              <a:rPr lang="de-DE" i="1" dirty="0"/>
+              <a:t>linear</a:t>
+            </a:r>
+            <a:r>
+              <a:rPr lang="de-DE" dirty="0"/>
+              <a:t> zum Zeitverlauf</a:t>
+            </a:r>
+            <a:br>
+              <a:rPr lang="de-DE" dirty="0"/>
+            </a:br>
+            <a:endParaRPr lang="de-DE" dirty="0"/>
           </a:p>
         </p:txBody>
       </p:sp>
@@ -6723,7 +6844,7 @@
           <p:cNvPr id="4" name="Foliennummernplatzhalter 3">
             <a:extLst>
               <a:ext uri="{FF2B5EF4-FFF2-40B4-BE49-F238E27FC236}">
-                <a16:creationId xmlns:a16="http://schemas.microsoft.com/office/drawing/2014/main" id="{447D3E56-F29A-A740-B781-2E9CE8F65280}"/>
+                <a16:creationId xmlns:a16="http://schemas.microsoft.com/office/drawing/2014/main" id="{61397FC1-D5C1-9F49-A8EF-6E61C6BFC75D}"/>
               </a:ext>
             </a:extLst>
           </p:cNvPr>
@@ -6747,45 +6868,10 @@
           </a:p>
         </p:txBody>
       </p:sp>
-      <p:pic>
-        <p:nvPicPr>
-          <p:cNvPr id="10" name="Inhaltsplatzhalter 9" descr="Ein Bild, das Text, Karte enthält.&#10;&#10;Automatisch generierte Beschreibung">
-            <a:extLst>
-              <a:ext uri="{FF2B5EF4-FFF2-40B4-BE49-F238E27FC236}">
-                <a16:creationId xmlns:a16="http://schemas.microsoft.com/office/drawing/2014/main" id="{7BFBE67C-E4E0-9847-9461-6A8CEC6C06BD}"/>
-              </a:ext>
-            </a:extLst>
-          </p:cNvPr>
-          <p:cNvPicPr>
-            <a:picLocks noGrp="1" noChangeAspect="1"/>
-          </p:cNvPicPr>
-          <p:nvPr>
-            <p:ph idx="1"/>
-          </p:nvPr>
-        </p:nvPicPr>
-        <p:blipFill>
-          <a:blip r:embed="rId2">
-            <a:extLst>
-              <a:ext uri="{28A0092B-C50C-407E-A947-70E740481C1C}">
-                <a14:useLocalDpi xmlns:a14="http://schemas.microsoft.com/office/drawing/2010/main" val="0"/>
-              </a:ext>
-            </a:extLst>
-          </a:blip>
-          <a:stretch>
-            <a:fillRect/>
-          </a:stretch>
-        </p:blipFill>
-        <p:spPr>
-          <a:xfrm>
-            <a:off x="2804618" y="1361728"/>
-            <a:ext cx="6060249" cy="4994622"/>
-          </a:xfrm>
-        </p:spPr>
-      </p:pic>
     </p:spTree>
     <p:extLst>
       <p:ext uri="{BB962C8B-B14F-4D97-AF65-F5344CB8AC3E}">
-        <p14:creationId xmlns:p14="http://schemas.microsoft.com/office/powerpoint/2010/main" val="1505145835"/>
+        <p14:creationId xmlns:p14="http://schemas.microsoft.com/office/powerpoint/2010/main" val="4122537731"/>
       </p:ext>
     </p:extLst>
   </p:cSld>
@@ -6817,7 +6903,7 @@
           <p:cNvPr id="2" name="Titel 1">
             <a:extLst>
               <a:ext uri="{FF2B5EF4-FFF2-40B4-BE49-F238E27FC236}">
-                <a16:creationId xmlns:a16="http://schemas.microsoft.com/office/drawing/2014/main" id="{4A79F5DD-87B5-8B49-875D-79D0A45D866C}"/>
+                <a16:creationId xmlns:a16="http://schemas.microsoft.com/office/drawing/2014/main" id="{63042F54-0F2E-C34E-8322-4F3EB594388D}"/>
               </a:ext>
             </a:extLst>
           </p:cNvPr>
@@ -6836,8 +6922,97 @@
             <a:pPr algn="ctr"/>
             <a:r>
               <a:rPr lang="de-DE" dirty="0"/>
-              <a:t>Neuronales Netzwerk Training</a:t>
-            </a:r>
+              <a:t>Neuronale Netzwerke</a:t>
+            </a:r>
+          </a:p>
+        </p:txBody>
+      </p:sp>
+      <p:sp>
+        <p:nvSpPr>
+          <p:cNvPr id="3" name="Inhaltsplatzhalter 2">
+            <a:extLst>
+              <a:ext uri="{FF2B5EF4-FFF2-40B4-BE49-F238E27FC236}">
+                <a16:creationId xmlns:a16="http://schemas.microsoft.com/office/drawing/2014/main" id="{625B5006-E5BB-2E41-884E-D61AD3297672}"/>
+              </a:ext>
+            </a:extLst>
+          </p:cNvPr>
+          <p:cNvSpPr>
+            <a:spLocks noGrp="1"/>
+          </p:cNvSpPr>
+          <p:nvPr>
+            <p:ph idx="1"/>
+          </p:nvPr>
+        </p:nvSpPr>
+        <p:spPr/>
+        <p:txBody>
+          <a:bodyPr/>
+          <a:lstStyle/>
+          <a:p>
+            <a:r>
+              <a:rPr lang="de-DE" dirty="0"/>
+              <a:t>Problem: Zu wenig Daten für neuronale Netzwerke?</a:t>
+            </a:r>
+          </a:p>
+          <a:p>
+            <a:r>
+              <a:rPr lang="de-DE" dirty="0"/>
+              <a:t>Lösungsideen:</a:t>
+            </a:r>
+          </a:p>
+          <a:p>
+            <a:pPr lvl="1"/>
+            <a:r>
+              <a:rPr lang="de-DE" dirty="0"/>
+              <a:t>Transfer-Learning: BERT (</a:t>
+            </a:r>
+            <a:r>
+              <a:rPr lang="de-DE" dirty="0" err="1"/>
+              <a:t>Ktrain</a:t>
+            </a:r>
+            <a:r>
+              <a:rPr lang="de-DE" dirty="0"/>
+              <a:t>)</a:t>
+            </a:r>
+          </a:p>
+          <a:p>
+            <a:pPr lvl="1"/>
+            <a:r>
+              <a:rPr lang="de-DE" dirty="0"/>
+              <a:t>Verwendung von vortrainierten Word-</a:t>
+            </a:r>
+            <a:r>
+              <a:rPr lang="de-DE" dirty="0" err="1"/>
+              <a:t>Embeddings</a:t>
+            </a:r>
+            <a:r>
+              <a:rPr lang="de-DE" dirty="0"/>
+              <a:t> </a:t>
+            </a:r>
+          </a:p>
+          <a:p>
+            <a:r>
+              <a:rPr lang="de-DE" dirty="0"/>
+              <a:t>Fazit:</a:t>
+            </a:r>
+          </a:p>
+          <a:p>
+            <a:pPr lvl="1"/>
+            <a:r>
+              <a:rPr lang="de-DE" dirty="0"/>
+              <a:t>BERT funktioniert nicht</a:t>
+            </a:r>
+          </a:p>
+          <a:p>
+            <a:pPr lvl="1"/>
+            <a:r>
+              <a:rPr lang="de-DE" dirty="0"/>
+              <a:t>Beste Ergebnisse: </a:t>
+            </a:r>
+            <a:r>
+              <a:rPr lang="de-DE" dirty="0" err="1"/>
+              <a:t>FastText-Embeddings+CNN+LSTM</a:t>
+            </a:r>
+            <a:endParaRPr lang="de-DE" dirty="0"/>
           </a:p>
         </p:txBody>
       </p:sp>
@@ -6846,7 +7021,7 @@
           <p:cNvPr id="4" name="Foliennummernplatzhalter 3">
             <a:extLst>
               <a:ext uri="{FF2B5EF4-FFF2-40B4-BE49-F238E27FC236}">
-                <a16:creationId xmlns:a16="http://schemas.microsoft.com/office/drawing/2014/main" id="{114AD019-82E5-6A44-92D3-48D1DA1845B3}"/>
+                <a16:creationId xmlns:a16="http://schemas.microsoft.com/office/drawing/2014/main" id="{86F32C1D-A0A5-D647-8F6A-35F494C1FD8E}"/>
               </a:ext>
             </a:extLst>
           </p:cNvPr>
@@ -6870,213 +7045,10 @@
           </a:p>
         </p:txBody>
       </p:sp>
-      <p:pic>
-        <p:nvPicPr>
-          <p:cNvPr id="5" name="Grafik 4" descr="Ein Bild, das Karte, Screenshot enthält.&#10;&#10;Automatisch generierte Beschreibung">
-            <a:extLst>
-              <a:ext uri="{FF2B5EF4-FFF2-40B4-BE49-F238E27FC236}">
-                <a16:creationId xmlns:a16="http://schemas.microsoft.com/office/drawing/2014/main" id="{4059F048-0576-5C44-BF10-E20AC71D6A42}"/>
-              </a:ext>
-            </a:extLst>
-          </p:cNvPr>
-          <p:cNvPicPr>
-            <a:picLocks noChangeAspect="1"/>
-          </p:cNvPicPr>
-          <p:nvPr/>
-        </p:nvPicPr>
-        <p:blipFill>
-          <a:blip r:embed="rId2">
-            <a:extLst>
-              <a:ext uri="{28A0092B-C50C-407E-A947-70E740481C1C}">
-                <a14:useLocalDpi xmlns:a14="http://schemas.microsoft.com/office/drawing/2010/main" val="0"/>
-              </a:ext>
-            </a:extLst>
-          </a:blip>
-          <a:stretch>
-            <a:fillRect/>
-          </a:stretch>
-        </p:blipFill>
-        <p:spPr>
-          <a:xfrm>
-            <a:off x="569736" y="1690688"/>
-            <a:ext cx="3741007" cy="2722513"/>
-          </a:xfrm>
-          <a:prstGeom prst="rect">
-            <a:avLst/>
-          </a:prstGeom>
-        </p:spPr>
-      </p:pic>
-      <p:pic>
-        <p:nvPicPr>
-          <p:cNvPr id="13" name="Grafik 12" descr="Ein Bild, das Karte, Text enthält.&#10;&#10;Automatisch generierte Beschreibung">
-            <a:extLst>
-              <a:ext uri="{FF2B5EF4-FFF2-40B4-BE49-F238E27FC236}">
-                <a16:creationId xmlns:a16="http://schemas.microsoft.com/office/drawing/2014/main" id="{1FF1E0AA-C0B2-5146-A213-A5138F872E43}"/>
-              </a:ext>
-            </a:extLst>
-          </p:cNvPr>
-          <p:cNvPicPr>
-            <a:picLocks noChangeAspect="1"/>
-          </p:cNvPicPr>
-          <p:nvPr/>
-        </p:nvPicPr>
-        <p:blipFill>
-          <a:blip r:embed="rId3">
-            <a:extLst>
-              <a:ext uri="{28A0092B-C50C-407E-A947-70E740481C1C}">
-                <a14:useLocalDpi xmlns:a14="http://schemas.microsoft.com/office/drawing/2010/main" val="0"/>
-              </a:ext>
-            </a:extLst>
-          </a:blip>
-          <a:stretch>
-            <a:fillRect/>
-          </a:stretch>
-        </p:blipFill>
-        <p:spPr>
-          <a:xfrm>
-            <a:off x="8051750" y="1690688"/>
-            <a:ext cx="3780180" cy="2722513"/>
-          </a:xfrm>
-          <a:prstGeom prst="rect">
-            <a:avLst/>
-          </a:prstGeom>
-        </p:spPr>
-      </p:pic>
-      <p:pic>
-        <p:nvPicPr>
-          <p:cNvPr id="7" name="Grafik 6" descr="Ein Bild, das Text, Karte enthält.&#10;&#10;Automatisch generierte Beschreibung">
-            <a:extLst>
-              <a:ext uri="{FF2B5EF4-FFF2-40B4-BE49-F238E27FC236}">
-                <a16:creationId xmlns:a16="http://schemas.microsoft.com/office/drawing/2014/main" id="{F7E518A1-729B-D14A-BB01-754B1E50C006}"/>
-              </a:ext>
-            </a:extLst>
-          </p:cNvPr>
-          <p:cNvPicPr>
-            <a:picLocks noChangeAspect="1"/>
-          </p:cNvPicPr>
-          <p:nvPr/>
-        </p:nvPicPr>
-        <p:blipFill>
-          <a:blip r:embed="rId4">
-            <a:extLst>
-              <a:ext uri="{28A0092B-C50C-407E-A947-70E740481C1C}">
-                <a14:useLocalDpi xmlns:a14="http://schemas.microsoft.com/office/drawing/2010/main" val="0"/>
-              </a:ext>
-            </a:extLst>
-          </a:blip>
-          <a:stretch>
-            <a:fillRect/>
-          </a:stretch>
-        </p:blipFill>
-        <p:spPr>
-          <a:xfrm>
-            <a:off x="4310743" y="1690688"/>
-            <a:ext cx="3780180" cy="2722513"/>
-          </a:xfrm>
-          <a:prstGeom prst="rect">
-            <a:avLst/>
-          </a:prstGeom>
-        </p:spPr>
-      </p:pic>
-      <p:sp>
-        <p:nvSpPr>
-          <p:cNvPr id="8" name="Textfeld 7">
-            <a:extLst>
-              <a:ext uri="{FF2B5EF4-FFF2-40B4-BE49-F238E27FC236}">
-                <a16:creationId xmlns:a16="http://schemas.microsoft.com/office/drawing/2014/main" id="{D7880648-927C-4644-BA39-0A712887D658}"/>
-              </a:ext>
-            </a:extLst>
-          </p:cNvPr>
-          <p:cNvSpPr txBox="1"/>
-          <p:nvPr/>
-        </p:nvSpPr>
-        <p:spPr>
-          <a:xfrm>
-            <a:off x="1187532" y="4809506"/>
-            <a:ext cx="10166268" cy="1477328"/>
-          </a:xfrm>
-          <a:prstGeom prst="rect">
-            <a:avLst/>
-          </a:prstGeom>
-          <a:noFill/>
-        </p:spPr>
-        <p:txBody>
-          <a:bodyPr wrap="square" rtlCol="0">
-            <a:spAutoFit/>
-          </a:bodyPr>
-          <a:lstStyle/>
-          <a:p>
-            <a:r>
-              <a:rPr lang="de-DE" dirty="0"/>
-              <a:t>Fazit:</a:t>
-            </a:r>
-          </a:p>
-          <a:p>
-            <a:pPr marL="285750" indent="-285750">
-              <a:buFont typeface="Arial" panose="020B0604020202020204" pitchFamily="34" charset="0"/>
-              <a:buChar char="•"/>
-            </a:pPr>
-            <a:r>
-              <a:rPr lang="de-DE" dirty="0"/>
-              <a:t>Das Netz ist extrem sensitiv für alle Hyperparameter</a:t>
-            </a:r>
-          </a:p>
-          <a:p>
-            <a:pPr marL="285750" indent="-285750">
-              <a:buFont typeface="Arial" panose="020B0604020202020204" pitchFamily="34" charset="0"/>
-              <a:buChar char="•"/>
-            </a:pPr>
-            <a:r>
-              <a:rPr lang="de-DE" dirty="0"/>
-              <a:t>Dropout führt im allgemeinen zu schlechteren Ergebnissen</a:t>
-            </a:r>
-          </a:p>
-          <a:p>
-            <a:pPr marL="285750" indent="-285750">
-              <a:buFont typeface="Arial" panose="020B0604020202020204" pitchFamily="34" charset="0"/>
-              <a:buChar char="•"/>
-            </a:pPr>
-            <a:r>
-              <a:rPr lang="de-DE" dirty="0"/>
-              <a:t>L2-Regularisierung der </a:t>
-            </a:r>
-            <a:r>
-              <a:rPr lang="de-DE" dirty="0" err="1"/>
-              <a:t>Convolutional</a:t>
-            </a:r>
-            <a:r>
-              <a:rPr lang="de-DE"/>
-              <a:t>-Layer </a:t>
-            </a:r>
-            <a:r>
-              <a:rPr lang="de-DE" dirty="0"/>
-              <a:t>verbessert die Performance</a:t>
-            </a:r>
-          </a:p>
-          <a:p>
-            <a:pPr marL="285750" indent="-285750">
-              <a:buFont typeface="Arial" panose="020B0604020202020204" pitchFamily="34" charset="0"/>
-              <a:buChar char="•"/>
-            </a:pPr>
-            <a:r>
-              <a:rPr lang="de-DE" dirty="0"/>
-              <a:t>Verschiedene </a:t>
-            </a:r>
-            <a:r>
-              <a:rPr lang="de-DE" dirty="0" err="1"/>
-              <a:t>Optimizer</a:t>
-            </a:r>
-            <a:r>
-              <a:rPr lang="de-DE" dirty="0"/>
-              <a:t> haben starken Einfluss auf die Performance</a:t>
-            </a:r>
-          </a:p>
-        </p:txBody>
-      </p:sp>
     </p:spTree>
     <p:extLst>
       <p:ext uri="{BB962C8B-B14F-4D97-AF65-F5344CB8AC3E}">
-        <p14:creationId xmlns:p14="http://schemas.microsoft.com/office/powerpoint/2010/main" val="396180263"/>
+        <p14:creationId xmlns:p14="http://schemas.microsoft.com/office/powerpoint/2010/main" val="2357120689"/>
       </p:ext>
     </p:extLst>
   </p:cSld>
@@ -7108,6 +7080,420 @@
           <p:cNvPr id="2" name="Titel 1">
             <a:extLst>
               <a:ext uri="{FF2B5EF4-FFF2-40B4-BE49-F238E27FC236}">
+                <a16:creationId xmlns:a16="http://schemas.microsoft.com/office/drawing/2014/main" id="{A0175B9A-81D9-CE41-9369-6155D8BB3F09}"/>
+              </a:ext>
+            </a:extLst>
+          </p:cNvPr>
+          <p:cNvSpPr>
+            <a:spLocks noGrp="1"/>
+          </p:cNvSpPr>
+          <p:nvPr>
+            <p:ph type="title"/>
+          </p:nvPr>
+        </p:nvSpPr>
+        <p:spPr/>
+        <p:txBody>
+          <a:bodyPr/>
+          <a:lstStyle/>
+          <a:p>
+            <a:pPr algn="ctr"/>
+            <a:r>
+              <a:rPr lang="de-DE" dirty="0"/>
+              <a:t>Neuronales Netzwerk Architektur</a:t>
+            </a:r>
+          </a:p>
+        </p:txBody>
+      </p:sp>
+      <p:sp>
+        <p:nvSpPr>
+          <p:cNvPr id="4" name="Foliennummernplatzhalter 3">
+            <a:extLst>
+              <a:ext uri="{FF2B5EF4-FFF2-40B4-BE49-F238E27FC236}">
+                <a16:creationId xmlns:a16="http://schemas.microsoft.com/office/drawing/2014/main" id="{447D3E56-F29A-A740-B781-2E9CE8F65280}"/>
+              </a:ext>
+            </a:extLst>
+          </p:cNvPr>
+          <p:cNvSpPr>
+            <a:spLocks noGrp="1"/>
+          </p:cNvSpPr>
+          <p:nvPr>
+            <p:ph type="sldNum" sz="quarter" idx="12"/>
+          </p:nvPr>
+        </p:nvSpPr>
+        <p:spPr/>
+        <p:txBody>
+          <a:bodyPr/>
+          <a:lstStyle/>
+          <a:p>
+            <a:fld id="{BCB32BD3-2004-4705-BEAB-9BF733917433}" type="slidenum">
+              <a:rPr lang="de-DE" smtClean="0"/>
+              <a:t>26</a:t>
+            </a:fld>
+            <a:endParaRPr lang="de-DE"/>
+          </a:p>
+        </p:txBody>
+      </p:sp>
+      <p:pic>
+        <p:nvPicPr>
+          <p:cNvPr id="10" name="Inhaltsplatzhalter 9" descr="Ein Bild, das Text, Karte enthält.&#10;&#10;Automatisch generierte Beschreibung">
+            <a:extLst>
+              <a:ext uri="{FF2B5EF4-FFF2-40B4-BE49-F238E27FC236}">
+                <a16:creationId xmlns:a16="http://schemas.microsoft.com/office/drawing/2014/main" id="{7BFBE67C-E4E0-9847-9461-6A8CEC6C06BD}"/>
+              </a:ext>
+            </a:extLst>
+          </p:cNvPr>
+          <p:cNvPicPr>
+            <a:picLocks noGrp="1" noChangeAspect="1"/>
+          </p:cNvPicPr>
+          <p:nvPr>
+            <p:ph idx="1"/>
+          </p:nvPr>
+        </p:nvPicPr>
+        <p:blipFill>
+          <a:blip r:embed="rId2">
+            <a:extLst>
+              <a:ext uri="{28A0092B-C50C-407E-A947-70E740481C1C}">
+                <a14:useLocalDpi xmlns:a14="http://schemas.microsoft.com/office/drawing/2010/main" val="0"/>
+              </a:ext>
+            </a:extLst>
+          </a:blip>
+          <a:stretch>
+            <a:fillRect/>
+          </a:stretch>
+        </p:blipFill>
+        <p:spPr>
+          <a:xfrm>
+            <a:off x="2804618" y="1361728"/>
+            <a:ext cx="6060249" cy="4994622"/>
+          </a:xfrm>
+        </p:spPr>
+      </p:pic>
+    </p:spTree>
+    <p:extLst>
+      <p:ext uri="{BB962C8B-B14F-4D97-AF65-F5344CB8AC3E}">
+        <p14:creationId xmlns:p14="http://schemas.microsoft.com/office/powerpoint/2010/main" val="1505145835"/>
+      </p:ext>
+    </p:extLst>
+  </p:cSld>
+  <p:clrMapOvr>
+    <a:masterClrMapping/>
+  </p:clrMapOvr>
+</p:sld>
+</file>
+
+<file path=ppt/slides/slide27.xml><?xml version="1.0" encoding="utf-8"?>
+<p:sld xmlns:a="http://schemas.openxmlformats.org/drawingml/2006/main" xmlns:r="http://schemas.openxmlformats.org/officeDocument/2006/relationships" xmlns:p="http://schemas.openxmlformats.org/presentationml/2006/main">
+  <p:cSld>
+    <p:spTree>
+      <p:nvGrpSpPr>
+        <p:cNvPr id="1" name=""/>
+        <p:cNvGrpSpPr/>
+        <p:nvPr/>
+      </p:nvGrpSpPr>
+      <p:grpSpPr>
+        <a:xfrm>
+          <a:off x="0" y="0"/>
+          <a:ext cx="0" cy="0"/>
+          <a:chOff x="0" y="0"/>
+          <a:chExt cx="0" cy="0"/>
+        </a:xfrm>
+      </p:grpSpPr>
+      <p:sp>
+        <p:nvSpPr>
+          <p:cNvPr id="2" name="Titel 1">
+            <a:extLst>
+              <a:ext uri="{FF2B5EF4-FFF2-40B4-BE49-F238E27FC236}">
+                <a16:creationId xmlns:a16="http://schemas.microsoft.com/office/drawing/2014/main" id="{4A79F5DD-87B5-8B49-875D-79D0A45D866C}"/>
+              </a:ext>
+            </a:extLst>
+          </p:cNvPr>
+          <p:cNvSpPr>
+            <a:spLocks noGrp="1"/>
+          </p:cNvSpPr>
+          <p:nvPr>
+            <p:ph type="title"/>
+          </p:nvPr>
+        </p:nvSpPr>
+        <p:spPr/>
+        <p:txBody>
+          <a:bodyPr/>
+          <a:lstStyle/>
+          <a:p>
+            <a:pPr algn="ctr"/>
+            <a:r>
+              <a:rPr lang="de-DE" dirty="0"/>
+              <a:t>Neuronales Netzwerk Training</a:t>
+            </a:r>
+          </a:p>
+        </p:txBody>
+      </p:sp>
+      <p:sp>
+        <p:nvSpPr>
+          <p:cNvPr id="4" name="Foliennummernplatzhalter 3">
+            <a:extLst>
+              <a:ext uri="{FF2B5EF4-FFF2-40B4-BE49-F238E27FC236}">
+                <a16:creationId xmlns:a16="http://schemas.microsoft.com/office/drawing/2014/main" id="{114AD019-82E5-6A44-92D3-48D1DA1845B3}"/>
+              </a:ext>
+            </a:extLst>
+          </p:cNvPr>
+          <p:cNvSpPr>
+            <a:spLocks noGrp="1"/>
+          </p:cNvSpPr>
+          <p:nvPr>
+            <p:ph type="sldNum" sz="quarter" idx="12"/>
+          </p:nvPr>
+        </p:nvSpPr>
+        <p:spPr/>
+        <p:txBody>
+          <a:bodyPr/>
+          <a:lstStyle/>
+          <a:p>
+            <a:fld id="{BCB32BD3-2004-4705-BEAB-9BF733917433}" type="slidenum">
+              <a:rPr lang="de-DE" smtClean="0"/>
+              <a:t>27</a:t>
+            </a:fld>
+            <a:endParaRPr lang="de-DE"/>
+          </a:p>
+        </p:txBody>
+      </p:sp>
+      <p:pic>
+        <p:nvPicPr>
+          <p:cNvPr id="5" name="Grafik 4" descr="Ein Bild, das Karte, Screenshot enthält.&#10;&#10;Automatisch generierte Beschreibung">
+            <a:extLst>
+              <a:ext uri="{FF2B5EF4-FFF2-40B4-BE49-F238E27FC236}">
+                <a16:creationId xmlns:a16="http://schemas.microsoft.com/office/drawing/2014/main" id="{4059F048-0576-5C44-BF10-E20AC71D6A42}"/>
+              </a:ext>
+            </a:extLst>
+          </p:cNvPr>
+          <p:cNvPicPr>
+            <a:picLocks noChangeAspect="1"/>
+          </p:cNvPicPr>
+          <p:nvPr/>
+        </p:nvPicPr>
+        <p:blipFill>
+          <a:blip r:embed="rId2">
+            <a:extLst>
+              <a:ext uri="{28A0092B-C50C-407E-A947-70E740481C1C}">
+                <a14:useLocalDpi xmlns:a14="http://schemas.microsoft.com/office/drawing/2010/main" val="0"/>
+              </a:ext>
+            </a:extLst>
+          </a:blip>
+          <a:stretch>
+            <a:fillRect/>
+          </a:stretch>
+        </p:blipFill>
+        <p:spPr>
+          <a:xfrm>
+            <a:off x="569736" y="1690688"/>
+            <a:ext cx="3741007" cy="2722513"/>
+          </a:xfrm>
+          <a:prstGeom prst="rect">
+            <a:avLst/>
+          </a:prstGeom>
+        </p:spPr>
+      </p:pic>
+      <p:pic>
+        <p:nvPicPr>
+          <p:cNvPr id="13" name="Grafik 12" descr="Ein Bild, das Karte, Text enthält.&#10;&#10;Automatisch generierte Beschreibung">
+            <a:extLst>
+              <a:ext uri="{FF2B5EF4-FFF2-40B4-BE49-F238E27FC236}">
+                <a16:creationId xmlns:a16="http://schemas.microsoft.com/office/drawing/2014/main" id="{1FF1E0AA-C0B2-5146-A213-A5138F872E43}"/>
+              </a:ext>
+            </a:extLst>
+          </p:cNvPr>
+          <p:cNvPicPr>
+            <a:picLocks noChangeAspect="1"/>
+          </p:cNvPicPr>
+          <p:nvPr/>
+        </p:nvPicPr>
+        <p:blipFill>
+          <a:blip r:embed="rId3">
+            <a:extLst>
+              <a:ext uri="{28A0092B-C50C-407E-A947-70E740481C1C}">
+                <a14:useLocalDpi xmlns:a14="http://schemas.microsoft.com/office/drawing/2010/main" val="0"/>
+              </a:ext>
+            </a:extLst>
+          </a:blip>
+          <a:stretch>
+            <a:fillRect/>
+          </a:stretch>
+        </p:blipFill>
+        <p:spPr>
+          <a:xfrm>
+            <a:off x="8051750" y="1690688"/>
+            <a:ext cx="3780180" cy="2722513"/>
+          </a:xfrm>
+          <a:prstGeom prst="rect">
+            <a:avLst/>
+          </a:prstGeom>
+        </p:spPr>
+      </p:pic>
+      <p:pic>
+        <p:nvPicPr>
+          <p:cNvPr id="7" name="Grafik 6" descr="Ein Bild, das Text, Karte enthält.&#10;&#10;Automatisch generierte Beschreibung">
+            <a:extLst>
+              <a:ext uri="{FF2B5EF4-FFF2-40B4-BE49-F238E27FC236}">
+                <a16:creationId xmlns:a16="http://schemas.microsoft.com/office/drawing/2014/main" id="{F7E518A1-729B-D14A-BB01-754B1E50C006}"/>
+              </a:ext>
+            </a:extLst>
+          </p:cNvPr>
+          <p:cNvPicPr>
+            <a:picLocks noChangeAspect="1"/>
+          </p:cNvPicPr>
+          <p:nvPr/>
+        </p:nvPicPr>
+        <p:blipFill>
+          <a:blip r:embed="rId4">
+            <a:extLst>
+              <a:ext uri="{28A0092B-C50C-407E-A947-70E740481C1C}">
+                <a14:useLocalDpi xmlns:a14="http://schemas.microsoft.com/office/drawing/2010/main" val="0"/>
+              </a:ext>
+            </a:extLst>
+          </a:blip>
+          <a:stretch>
+            <a:fillRect/>
+          </a:stretch>
+        </p:blipFill>
+        <p:spPr>
+          <a:xfrm>
+            <a:off x="4310743" y="1690688"/>
+            <a:ext cx="3780180" cy="2722513"/>
+          </a:xfrm>
+          <a:prstGeom prst="rect">
+            <a:avLst/>
+          </a:prstGeom>
+        </p:spPr>
+      </p:pic>
+      <p:sp>
+        <p:nvSpPr>
+          <p:cNvPr id="8" name="Textfeld 7">
+            <a:extLst>
+              <a:ext uri="{FF2B5EF4-FFF2-40B4-BE49-F238E27FC236}">
+                <a16:creationId xmlns:a16="http://schemas.microsoft.com/office/drawing/2014/main" id="{D7880648-927C-4644-BA39-0A712887D658}"/>
+              </a:ext>
+            </a:extLst>
+          </p:cNvPr>
+          <p:cNvSpPr txBox="1"/>
+          <p:nvPr/>
+        </p:nvSpPr>
+        <p:spPr>
+          <a:xfrm>
+            <a:off x="1187532" y="4809506"/>
+            <a:ext cx="10166268" cy="1477328"/>
+          </a:xfrm>
+          <a:prstGeom prst="rect">
+            <a:avLst/>
+          </a:prstGeom>
+          <a:noFill/>
+        </p:spPr>
+        <p:txBody>
+          <a:bodyPr wrap="square" rtlCol="0">
+            <a:spAutoFit/>
+          </a:bodyPr>
+          <a:lstStyle/>
+          <a:p>
+            <a:r>
+              <a:rPr lang="de-DE" dirty="0"/>
+              <a:t>Fazit:</a:t>
+            </a:r>
+          </a:p>
+          <a:p>
+            <a:pPr marL="285750" indent="-285750">
+              <a:buFont typeface="Arial" panose="020B0604020202020204" pitchFamily="34" charset="0"/>
+              <a:buChar char="•"/>
+            </a:pPr>
+            <a:r>
+              <a:rPr lang="de-DE" dirty="0"/>
+              <a:t>Das Netz ist extrem sensitiv für alle Hyperparameter</a:t>
+            </a:r>
+          </a:p>
+          <a:p>
+            <a:pPr marL="285750" indent="-285750">
+              <a:buFont typeface="Arial" panose="020B0604020202020204" pitchFamily="34" charset="0"/>
+              <a:buChar char="•"/>
+            </a:pPr>
+            <a:r>
+              <a:rPr lang="de-DE" dirty="0"/>
+              <a:t>Dropout führt im allgemeinen zu schlechteren Ergebnissen</a:t>
+            </a:r>
+          </a:p>
+          <a:p>
+            <a:pPr marL="285750" indent="-285750">
+              <a:buFont typeface="Arial" panose="020B0604020202020204" pitchFamily="34" charset="0"/>
+              <a:buChar char="•"/>
+            </a:pPr>
+            <a:r>
+              <a:rPr lang="de-DE" dirty="0"/>
+              <a:t>L2-Regularisierung der </a:t>
+            </a:r>
+            <a:r>
+              <a:rPr lang="de-DE" dirty="0" err="1"/>
+              <a:t>Convolutional</a:t>
+            </a:r>
+            <a:r>
+              <a:rPr lang="de-DE"/>
+              <a:t>-Layer </a:t>
+            </a:r>
+            <a:r>
+              <a:rPr lang="de-DE" dirty="0"/>
+              <a:t>verbessert die Performance</a:t>
+            </a:r>
+          </a:p>
+          <a:p>
+            <a:pPr marL="285750" indent="-285750">
+              <a:buFont typeface="Arial" panose="020B0604020202020204" pitchFamily="34" charset="0"/>
+              <a:buChar char="•"/>
+            </a:pPr>
+            <a:r>
+              <a:rPr lang="de-DE" dirty="0"/>
+              <a:t>Verschiedene </a:t>
+            </a:r>
+            <a:r>
+              <a:rPr lang="de-DE" dirty="0" err="1"/>
+              <a:t>Optimizer</a:t>
+            </a:r>
+            <a:r>
+              <a:rPr lang="de-DE" dirty="0"/>
+              <a:t> haben starken Einfluss auf die Performance</a:t>
+            </a:r>
+          </a:p>
+        </p:txBody>
+      </p:sp>
+    </p:spTree>
+    <p:extLst>
+      <p:ext uri="{BB962C8B-B14F-4D97-AF65-F5344CB8AC3E}">
+        <p14:creationId xmlns:p14="http://schemas.microsoft.com/office/powerpoint/2010/main" val="396180263"/>
+      </p:ext>
+    </p:extLst>
+  </p:cSld>
+  <p:clrMapOvr>
+    <a:masterClrMapping/>
+  </p:clrMapOvr>
+</p:sld>
+</file>
+
+<file path=ppt/slides/slide28.xml><?xml version="1.0" encoding="utf-8"?>
+<p:sld xmlns:a="http://schemas.openxmlformats.org/drawingml/2006/main" xmlns:r="http://schemas.openxmlformats.org/officeDocument/2006/relationships" xmlns:p="http://schemas.openxmlformats.org/presentationml/2006/main">
+  <p:cSld>
+    <p:spTree>
+      <p:nvGrpSpPr>
+        <p:cNvPr id="1" name=""/>
+        <p:cNvGrpSpPr/>
+        <p:nvPr/>
+      </p:nvGrpSpPr>
+      <p:grpSpPr>
+        <a:xfrm>
+          <a:off x="0" y="0"/>
+          <a:ext cx="0" cy="0"/>
+          <a:chOff x="0" y="0"/>
+          <a:chExt cx="0" cy="0"/>
+        </a:xfrm>
+      </p:grpSpPr>
+      <p:sp>
+        <p:nvSpPr>
+          <p:cNvPr id="2" name="Titel 1">
+            <a:extLst>
+              <a:ext uri="{FF2B5EF4-FFF2-40B4-BE49-F238E27FC236}">
                 <a16:creationId xmlns:a16="http://schemas.microsoft.com/office/drawing/2014/main" id="{552BCA59-EDDE-3045-81F1-A3B878CEB93D}"/>
               </a:ext>
             </a:extLst>
@@ -7160,7 +7546,7 @@
           <a:p>
             <a:fld id="{BCB32BD3-2004-4705-BEAB-9BF733917433}" type="slidenum">
               <a:rPr lang="de-DE" smtClean="0"/>
-              <a:t>26</a:t>
+              <a:t>28</a:t>
             </a:fld>
             <a:endParaRPr lang="de-DE"/>
           </a:p>
@@ -7395,335 +7781,6 @@
 </p:sld>
 </file>
 
-<file path=ppt/slides/slide27.xml><?xml version="1.0" encoding="utf-8"?>
-<p:sld xmlns:a="http://schemas.openxmlformats.org/drawingml/2006/main" xmlns:r="http://schemas.openxmlformats.org/officeDocument/2006/relationships" xmlns:p="http://schemas.openxmlformats.org/presentationml/2006/main">
-  <p:cSld>
-    <p:spTree>
-      <p:nvGrpSpPr>
-        <p:cNvPr id="1" name=""/>
-        <p:cNvGrpSpPr/>
-        <p:nvPr/>
-      </p:nvGrpSpPr>
-      <p:grpSpPr>
-        <a:xfrm>
-          <a:off x="0" y="0"/>
-          <a:ext cx="0" cy="0"/>
-          <a:chOff x="0" y="0"/>
-          <a:chExt cx="0" cy="0"/>
-        </a:xfrm>
-      </p:grpSpPr>
-      <p:sp>
-        <p:nvSpPr>
-          <p:cNvPr id="2" name="Titel 1">
-            <a:extLst>
-              <a:ext uri="{FF2B5EF4-FFF2-40B4-BE49-F238E27FC236}">
-                <a16:creationId xmlns:a16="http://schemas.microsoft.com/office/drawing/2014/main" id="{F1B4F7C5-DF8C-4E02-8E4A-423EC3481167}"/>
-              </a:ext>
-            </a:extLst>
-          </p:cNvPr>
-          <p:cNvSpPr>
-            <a:spLocks noGrp="1"/>
-          </p:cNvSpPr>
-          <p:nvPr>
-            <p:ph type="title"/>
-          </p:nvPr>
-        </p:nvSpPr>
-        <p:spPr/>
-        <p:txBody>
-          <a:bodyPr/>
-          <a:lstStyle/>
-          <a:p>
-            <a:pPr algn="ctr"/>
-            <a:r>
-              <a:rPr lang="de-DE" dirty="0"/>
-              <a:t>Quellen</a:t>
-            </a:r>
-          </a:p>
-        </p:txBody>
-      </p:sp>
-      <p:sp>
-        <p:nvSpPr>
-          <p:cNvPr id="3" name="Inhaltsplatzhalter 2">
-            <a:extLst>
-              <a:ext uri="{FF2B5EF4-FFF2-40B4-BE49-F238E27FC236}">
-                <a16:creationId xmlns:a16="http://schemas.microsoft.com/office/drawing/2014/main" id="{E9613B1C-4527-465B-9C84-BC2842568639}"/>
-              </a:ext>
-            </a:extLst>
-          </p:cNvPr>
-          <p:cNvSpPr>
-            <a:spLocks noGrp="1"/>
-          </p:cNvSpPr>
-          <p:nvPr>
-            <p:ph idx="1"/>
-          </p:nvPr>
-        </p:nvSpPr>
-        <p:spPr/>
-        <p:txBody>
-          <a:bodyPr/>
-          <a:lstStyle/>
-          <a:p>
-            <a:r>
-              <a:rPr lang="de-DE" dirty="0"/>
-              <a:t>Niehaus, Konstantin. (2019). German Innsbruck Corpus (</a:t>
-            </a:r>
-            <a:r>
-              <a:rPr lang="de-DE" dirty="0" err="1"/>
-              <a:t>GermInnC</a:t>
-            </a:r>
-            <a:r>
-              <a:rPr lang="de-DE" dirty="0"/>
-              <a:t>) 1800-1950 (Version 1.0) [Data </a:t>
-            </a:r>
-            <a:r>
-              <a:rPr lang="de-DE" dirty="0" err="1"/>
-              <a:t>set</a:t>
-            </a:r>
-            <a:r>
-              <a:rPr lang="de-DE" dirty="0"/>
-              <a:t>]. </a:t>
-            </a:r>
-            <a:r>
-              <a:rPr lang="de-DE" dirty="0" err="1"/>
-              <a:t>Zenodo</a:t>
-            </a:r>
-            <a:r>
-              <a:rPr lang="de-DE" dirty="0"/>
-              <a:t>. </a:t>
-            </a:r>
-            <a:r>
-              <a:rPr lang="de-DE" dirty="0">
-                <a:hlinkClick r:id="rId2"/>
-              </a:rPr>
-              <a:t>http://doi.org/10.5281/zenodo.3457917</a:t>
-            </a:r>
-            <a:r>
-              <a:rPr lang="de-DE" dirty="0"/>
-              <a:t>.</a:t>
-            </a:r>
-          </a:p>
-          <a:p>
-            <a:r>
-              <a:rPr lang="de-DE" dirty="0"/>
-              <a:t>Martin Durrell; Paul Bennett; Silke Scheible; et al. (2012).German Manchester Corpus (</a:t>
-            </a:r>
-            <a:r>
-              <a:rPr lang="de-DE" i="1" dirty="0" err="1"/>
-              <a:t>GerManC</a:t>
-            </a:r>
-            <a:r>
-              <a:rPr lang="de-DE" i="1" dirty="0"/>
-              <a:t>) </a:t>
-            </a:r>
-            <a:r>
-              <a:rPr lang="de-DE" dirty="0"/>
-              <a:t>1650 – 1800. Oxford Text Archive. </a:t>
-            </a:r>
-            <a:r>
-              <a:rPr lang="de-DE" dirty="0">
-                <a:hlinkClick r:id="rId3"/>
-              </a:rPr>
-              <a:t>http://hdl.handle.net/20.500.12024/2544</a:t>
-            </a:r>
-            <a:r>
-              <a:rPr lang="de-DE" dirty="0"/>
-              <a:t>. </a:t>
-            </a:r>
-          </a:p>
-          <a:p>
-            <a:pPr marL="0" indent="0">
-              <a:buNone/>
-            </a:pPr>
-            <a:endParaRPr lang="de-DE" u="sng" dirty="0"/>
-          </a:p>
-          <a:p>
-            <a:pPr marL="0" indent="0">
-              <a:buNone/>
-            </a:pPr>
-            <a:r>
-              <a:rPr lang="de-DE" u="sng" dirty="0"/>
-              <a:t>Code zum Projekt:</a:t>
-            </a:r>
-          </a:p>
-          <a:p>
-            <a:r>
-              <a:rPr lang="de-DE" dirty="0"/>
-              <a:t>https://github.com/LennartKeller/TextklassifikationsProjekt2019</a:t>
-            </a:r>
-          </a:p>
-        </p:txBody>
-      </p:sp>
-      <p:sp>
-        <p:nvSpPr>
-          <p:cNvPr id="4" name="Foliennummernplatzhalter 3">
-            <a:extLst>
-              <a:ext uri="{FF2B5EF4-FFF2-40B4-BE49-F238E27FC236}">
-                <a16:creationId xmlns:a16="http://schemas.microsoft.com/office/drawing/2014/main" id="{F1E5D37C-60EF-410B-9E62-EDB3D89BB593}"/>
-              </a:ext>
-            </a:extLst>
-          </p:cNvPr>
-          <p:cNvSpPr>
-            <a:spLocks noGrp="1"/>
-          </p:cNvSpPr>
-          <p:nvPr>
-            <p:ph type="sldNum" sz="quarter" idx="12"/>
-          </p:nvPr>
-        </p:nvSpPr>
-        <p:spPr/>
-        <p:txBody>
-          <a:bodyPr/>
-          <a:lstStyle/>
-          <a:p>
-            <a:fld id="{BCB32BD3-2004-4705-BEAB-9BF733917433}" type="slidenum">
-              <a:rPr lang="de-DE" smtClean="0"/>
-              <a:t>27</a:t>
-            </a:fld>
-            <a:endParaRPr lang="de-DE"/>
-          </a:p>
-        </p:txBody>
-      </p:sp>
-    </p:spTree>
-    <p:extLst>
-      <p:ext uri="{BB962C8B-B14F-4D97-AF65-F5344CB8AC3E}">
-        <p14:creationId xmlns:p14="http://schemas.microsoft.com/office/powerpoint/2010/main" val="3205957287"/>
-      </p:ext>
-    </p:extLst>
-  </p:cSld>
-  <p:clrMapOvr>
-    <a:masterClrMapping/>
-  </p:clrMapOvr>
-</p:sld>
-</file>
-
-<file path=ppt/slides/slide28.xml><?xml version="1.0" encoding="utf-8"?>
-<p:sld xmlns:a="http://schemas.openxmlformats.org/drawingml/2006/main" xmlns:r="http://schemas.openxmlformats.org/officeDocument/2006/relationships" xmlns:p="http://schemas.openxmlformats.org/presentationml/2006/main">
-  <p:cSld>
-    <p:spTree>
-      <p:nvGrpSpPr>
-        <p:cNvPr id="1" name=""/>
-        <p:cNvGrpSpPr/>
-        <p:nvPr/>
-      </p:nvGrpSpPr>
-      <p:grpSpPr>
-        <a:xfrm>
-          <a:off x="0" y="0"/>
-          <a:ext cx="0" cy="0"/>
-          <a:chOff x="0" y="0"/>
-          <a:chExt cx="0" cy="0"/>
-        </a:xfrm>
-      </p:grpSpPr>
-      <p:pic>
-        <p:nvPicPr>
-          <p:cNvPr id="5" name="Grafik 4" descr="Ein Bild, das Screenshot enthält.&#10;&#10;Automatisch generierte Beschreibung">
-            <a:extLst>
-              <a:ext uri="{FF2B5EF4-FFF2-40B4-BE49-F238E27FC236}">
-                <a16:creationId xmlns:a16="http://schemas.microsoft.com/office/drawing/2014/main" id="{D372FEEB-9C7D-4B05-A834-933926B871DC}"/>
-              </a:ext>
-            </a:extLst>
-          </p:cNvPr>
-          <p:cNvPicPr>
-            <a:picLocks noChangeAspect="1"/>
-          </p:cNvPicPr>
-          <p:nvPr/>
-        </p:nvPicPr>
-        <p:blipFill>
-          <a:blip r:embed="rId2">
-            <a:extLst>
-              <a:ext uri="{28A0092B-C50C-407E-A947-70E740481C1C}">
-                <a14:useLocalDpi xmlns:a14="http://schemas.microsoft.com/office/drawing/2010/main" val="0"/>
-              </a:ext>
-            </a:extLst>
-          </a:blip>
-          <a:stretch>
-            <a:fillRect/>
-          </a:stretch>
-        </p:blipFill>
-        <p:spPr>
-          <a:xfrm>
-            <a:off x="4839432" y="0"/>
-            <a:ext cx="2513135" cy="6858000"/>
-          </a:xfrm>
-          <a:prstGeom prst="rect">
-            <a:avLst/>
-          </a:prstGeom>
-        </p:spPr>
-      </p:pic>
-      <p:sp>
-        <p:nvSpPr>
-          <p:cNvPr id="6" name="Textfeld 5">
-            <a:extLst>
-              <a:ext uri="{FF2B5EF4-FFF2-40B4-BE49-F238E27FC236}">
-                <a16:creationId xmlns:a16="http://schemas.microsoft.com/office/drawing/2014/main" id="{F68BA897-F14A-49FE-8777-1FD495AF4CB3}"/>
-              </a:ext>
-            </a:extLst>
-          </p:cNvPr>
-          <p:cNvSpPr txBox="1"/>
-          <p:nvPr/>
-        </p:nvSpPr>
-        <p:spPr>
-          <a:xfrm flipH="1">
-            <a:off x="1264918" y="2782669"/>
-            <a:ext cx="2392681" cy="646331"/>
-          </a:xfrm>
-          <a:prstGeom prst="rect">
-            <a:avLst/>
-          </a:prstGeom>
-          <a:noFill/>
-        </p:spPr>
-        <p:txBody>
-          <a:bodyPr wrap="square" rtlCol="0">
-            <a:spAutoFit/>
-          </a:bodyPr>
-          <a:lstStyle/>
-          <a:p>
-            <a:r>
-              <a:rPr lang="de-DE" dirty="0"/>
-              <a:t>Modellarchitektur Neuronales Netzwerk</a:t>
-            </a:r>
-          </a:p>
-        </p:txBody>
-      </p:sp>
-      <p:sp>
-        <p:nvSpPr>
-          <p:cNvPr id="2" name="Foliennummernplatzhalter 1">
-            <a:extLst>
-              <a:ext uri="{FF2B5EF4-FFF2-40B4-BE49-F238E27FC236}">
-                <a16:creationId xmlns:a16="http://schemas.microsoft.com/office/drawing/2014/main" id="{337BDC37-66A6-40CE-BA68-1184B6F7C909}"/>
-              </a:ext>
-            </a:extLst>
-          </p:cNvPr>
-          <p:cNvSpPr>
-            <a:spLocks noGrp="1"/>
-          </p:cNvSpPr>
-          <p:nvPr>
-            <p:ph type="sldNum" sz="quarter" idx="12"/>
-          </p:nvPr>
-        </p:nvSpPr>
-        <p:spPr/>
-        <p:txBody>
-          <a:bodyPr/>
-          <a:lstStyle/>
-          <a:p>
-            <a:fld id="{BCB32BD3-2004-4705-BEAB-9BF733917433}" type="slidenum">
-              <a:rPr lang="de-DE" smtClean="0"/>
-              <a:t>28</a:t>
-            </a:fld>
-            <a:endParaRPr lang="de-DE"/>
-          </a:p>
-        </p:txBody>
-      </p:sp>
-    </p:spTree>
-    <p:extLst>
-      <p:ext uri="{BB962C8B-B14F-4D97-AF65-F5344CB8AC3E}">
-        <p14:creationId xmlns:p14="http://schemas.microsoft.com/office/powerpoint/2010/main" val="2869770221"/>
-      </p:ext>
-    </p:extLst>
-  </p:cSld>
-  <p:clrMapOvr>
-    <a:masterClrMapping/>
-  </p:clrMapOvr>
-</p:sld>
-</file>
-
 <file path=ppt/slides/slide29.xml><?xml version="1.0" encoding="utf-8"?>
 <p:sld xmlns:a="http://schemas.openxmlformats.org/drawingml/2006/main" xmlns:r="http://schemas.openxmlformats.org/officeDocument/2006/relationships" xmlns:p="http://schemas.openxmlformats.org/presentationml/2006/main">
   <p:cSld>
@@ -7741,84 +7798,152 @@
           <a:chExt cx="0" cy="0"/>
         </a:xfrm>
       </p:grpSpPr>
-      <p:pic>
-        <p:nvPicPr>
-          <p:cNvPr id="5" name="Grafik 4" descr="Ein Bild, das Screenshot enthält.&#10;&#10;Automatisch generierte Beschreibung">
-            <a:extLst>
-              <a:ext uri="{FF2B5EF4-FFF2-40B4-BE49-F238E27FC236}">
-                <a16:creationId xmlns:a16="http://schemas.microsoft.com/office/drawing/2014/main" id="{BB29E306-F18F-4814-A2C6-009AF17B3101}"/>
-              </a:ext>
-            </a:extLst>
-          </p:cNvPr>
-          <p:cNvPicPr>
-            <a:picLocks noChangeAspect="1"/>
-          </p:cNvPicPr>
-          <p:nvPr/>
-        </p:nvPicPr>
-        <p:blipFill>
-          <a:blip r:embed="rId2">
-            <a:extLst>
-              <a:ext uri="{28A0092B-C50C-407E-A947-70E740481C1C}">
-                <a14:useLocalDpi xmlns:a14="http://schemas.microsoft.com/office/drawing/2010/main" val="0"/>
-              </a:ext>
-            </a:extLst>
-          </a:blip>
-          <a:stretch>
-            <a:fillRect/>
-          </a:stretch>
-        </p:blipFill>
-        <p:spPr>
-          <a:xfrm>
-            <a:off x="6203659" y="1663296"/>
-            <a:ext cx="4979534" cy="3531405"/>
-          </a:xfrm>
-          <a:prstGeom prst="rect">
-            <a:avLst/>
-          </a:prstGeom>
-        </p:spPr>
-      </p:pic>
-      <p:pic>
-        <p:nvPicPr>
-          <p:cNvPr id="7" name="Grafik 6" descr="Ein Bild, das Karte, Text enthält.&#10;&#10;Automatisch generierte Beschreibung">
-            <a:extLst>
-              <a:ext uri="{FF2B5EF4-FFF2-40B4-BE49-F238E27FC236}">
-                <a16:creationId xmlns:a16="http://schemas.microsoft.com/office/drawing/2014/main" id="{6E0CA567-D193-4B22-BACD-3E6D56613C88}"/>
-              </a:ext>
-            </a:extLst>
-          </p:cNvPr>
-          <p:cNvPicPr>
-            <a:picLocks noChangeAspect="1"/>
-          </p:cNvPicPr>
-          <p:nvPr/>
-        </p:nvPicPr>
-        <p:blipFill>
-          <a:blip r:embed="rId3">
-            <a:extLst>
-              <a:ext uri="{28A0092B-C50C-407E-A947-70E740481C1C}">
-                <a14:useLocalDpi xmlns:a14="http://schemas.microsoft.com/office/drawing/2010/main" val="0"/>
-              </a:ext>
-            </a:extLst>
-          </a:blip>
-          <a:stretch>
-            <a:fillRect/>
-          </a:stretch>
-        </p:blipFill>
-        <p:spPr>
-          <a:xfrm>
-            <a:off x="624494" y="1663297"/>
-            <a:ext cx="4979534" cy="3531405"/>
-          </a:xfrm>
-          <a:prstGeom prst="rect">
-            <a:avLst/>
-          </a:prstGeom>
-        </p:spPr>
-      </p:pic>
-      <p:sp>
-        <p:nvSpPr>
-          <p:cNvPr id="2" name="Foliennummernplatzhalter 1">
-            <a:extLst>
-              <a:ext uri="{FF2B5EF4-FFF2-40B4-BE49-F238E27FC236}">
-                <a16:creationId xmlns:a16="http://schemas.microsoft.com/office/drawing/2014/main" id="{CC1D4C56-BEA1-4944-8F03-E0FA8B00F2A4}"/>
+      <p:sp>
+        <p:nvSpPr>
+          <p:cNvPr id="2" name="Titel 1">
+            <a:extLst>
+              <a:ext uri="{FF2B5EF4-FFF2-40B4-BE49-F238E27FC236}">
+                <a16:creationId xmlns:a16="http://schemas.microsoft.com/office/drawing/2014/main" id="{F1B4F7C5-DF8C-4E02-8E4A-423EC3481167}"/>
+              </a:ext>
+            </a:extLst>
+          </p:cNvPr>
+          <p:cNvSpPr>
+            <a:spLocks noGrp="1"/>
+          </p:cNvSpPr>
+          <p:nvPr>
+            <p:ph type="title"/>
+          </p:nvPr>
+        </p:nvSpPr>
+        <p:spPr/>
+        <p:txBody>
+          <a:bodyPr/>
+          <a:lstStyle/>
+          <a:p>
+            <a:pPr algn="ctr"/>
+            <a:r>
+              <a:rPr lang="de-DE" dirty="0"/>
+              <a:t>Quellen</a:t>
+            </a:r>
+          </a:p>
+        </p:txBody>
+      </p:sp>
+      <p:sp>
+        <p:nvSpPr>
+          <p:cNvPr id="3" name="Inhaltsplatzhalter 2">
+            <a:extLst>
+              <a:ext uri="{FF2B5EF4-FFF2-40B4-BE49-F238E27FC236}">
+                <a16:creationId xmlns:a16="http://schemas.microsoft.com/office/drawing/2014/main" id="{E9613B1C-4527-465B-9C84-BC2842568639}"/>
+              </a:ext>
+            </a:extLst>
+          </p:cNvPr>
+          <p:cNvSpPr>
+            <a:spLocks noGrp="1"/>
+          </p:cNvSpPr>
+          <p:nvPr>
+            <p:ph idx="1"/>
+          </p:nvPr>
+        </p:nvSpPr>
+        <p:spPr/>
+        <p:txBody>
+          <a:bodyPr/>
+          <a:lstStyle/>
+          <a:p>
+            <a:r>
+              <a:rPr lang="de-DE" dirty="0"/>
+              <a:t>Niehaus, Konstantin. (2019). German Innsbruck Corpus (</a:t>
+            </a:r>
+            <a:r>
+              <a:rPr lang="de-DE" dirty="0" err="1"/>
+              <a:t>GermInnC</a:t>
+            </a:r>
+            <a:r>
+              <a:rPr lang="de-DE" dirty="0"/>
+              <a:t>) 1800-1950 (Version 1.0) [Data </a:t>
+            </a:r>
+            <a:r>
+              <a:rPr lang="de-DE" dirty="0" err="1"/>
+              <a:t>set</a:t>
+            </a:r>
+            <a:r>
+              <a:rPr lang="de-DE" dirty="0"/>
+              <a:t>]. </a:t>
+            </a:r>
+            <a:r>
+              <a:rPr lang="de-DE" dirty="0" err="1"/>
+              <a:t>Zenodo</a:t>
+            </a:r>
+            <a:r>
+              <a:rPr lang="de-DE" dirty="0"/>
+              <a:t>. </a:t>
+            </a:r>
+            <a:r>
+              <a:rPr lang="de-DE" dirty="0">
+                <a:hlinkClick r:id="rId2"/>
+              </a:rPr>
+              <a:t>http://doi.org/10.5281/zenodo.3457917</a:t>
+            </a:r>
+            <a:r>
+              <a:rPr lang="de-DE" dirty="0"/>
+              <a:t>.</a:t>
+            </a:r>
+          </a:p>
+          <a:p>
+            <a:r>
+              <a:rPr lang="de-DE" dirty="0"/>
+              <a:t>Martin Durrell; Paul Bennett; Silke Scheible; et al. (2012).German Manchester Corpus (</a:t>
+            </a:r>
+            <a:r>
+              <a:rPr lang="de-DE" i="1" dirty="0" err="1"/>
+              <a:t>GerManC</a:t>
+            </a:r>
+            <a:r>
+              <a:rPr lang="de-DE" i="1" dirty="0"/>
+              <a:t>) </a:t>
+            </a:r>
+            <a:r>
+              <a:rPr lang="de-DE" dirty="0"/>
+              <a:t>1650 – 1800. Oxford Text Archive. </a:t>
+            </a:r>
+            <a:r>
+              <a:rPr lang="de-DE" dirty="0">
+                <a:hlinkClick r:id="rId3"/>
+              </a:rPr>
+              <a:t>http://hdl.handle.net/20.500.12024/2544</a:t>
+            </a:r>
+            <a:r>
+              <a:rPr lang="de-DE" dirty="0"/>
+              <a:t>. </a:t>
+            </a:r>
+          </a:p>
+          <a:p>
+            <a:pPr marL="0" indent="0">
+              <a:buNone/>
+            </a:pPr>
+            <a:endParaRPr lang="de-DE" u="sng" dirty="0"/>
+          </a:p>
+          <a:p>
+            <a:pPr marL="0" indent="0">
+              <a:buNone/>
+            </a:pPr>
+            <a:r>
+              <a:rPr lang="de-DE" u="sng" dirty="0"/>
+              <a:t>Code zum Projekt:</a:t>
+            </a:r>
+          </a:p>
+          <a:p>
+            <a:r>
+              <a:rPr lang="de-DE" dirty="0"/>
+              <a:t>https://github.com/LennartKeller/TextklassifikationsProjekt2019</a:t>
+            </a:r>
+          </a:p>
+        </p:txBody>
+      </p:sp>
+      <p:sp>
+        <p:nvSpPr>
+          <p:cNvPr id="4" name="Foliennummernplatzhalter 3">
+            <a:extLst>
+              <a:ext uri="{FF2B5EF4-FFF2-40B4-BE49-F238E27FC236}">
+                <a16:creationId xmlns:a16="http://schemas.microsoft.com/office/drawing/2014/main" id="{F1E5D37C-60EF-410B-9E62-EDB3D89BB593}"/>
               </a:ext>
             </a:extLst>
           </p:cNvPr>
@@ -7845,7 +7970,7 @@
     </p:spTree>
     <p:extLst>
       <p:ext uri="{BB962C8B-B14F-4D97-AF65-F5344CB8AC3E}">
-        <p14:creationId xmlns:p14="http://schemas.microsoft.com/office/powerpoint/2010/main" val="2945526055"/>
+        <p14:creationId xmlns:p14="http://schemas.microsoft.com/office/powerpoint/2010/main" val="3205957287"/>
       </p:ext>
     </p:extLst>
   </p:cSld>
@@ -7993,6 +8118,267 @@
       </p:grpSpPr>
       <p:pic>
         <p:nvPicPr>
+          <p:cNvPr id="5" name="Grafik 4" descr="Ein Bild, das Screenshot enthält.&#10;&#10;Automatisch generierte Beschreibung">
+            <a:extLst>
+              <a:ext uri="{FF2B5EF4-FFF2-40B4-BE49-F238E27FC236}">
+                <a16:creationId xmlns:a16="http://schemas.microsoft.com/office/drawing/2014/main" id="{D372FEEB-9C7D-4B05-A834-933926B871DC}"/>
+              </a:ext>
+            </a:extLst>
+          </p:cNvPr>
+          <p:cNvPicPr>
+            <a:picLocks noChangeAspect="1"/>
+          </p:cNvPicPr>
+          <p:nvPr/>
+        </p:nvPicPr>
+        <p:blipFill>
+          <a:blip r:embed="rId2">
+            <a:extLst>
+              <a:ext uri="{28A0092B-C50C-407E-A947-70E740481C1C}">
+                <a14:useLocalDpi xmlns:a14="http://schemas.microsoft.com/office/drawing/2010/main" val="0"/>
+              </a:ext>
+            </a:extLst>
+          </a:blip>
+          <a:stretch>
+            <a:fillRect/>
+          </a:stretch>
+        </p:blipFill>
+        <p:spPr>
+          <a:xfrm>
+            <a:off x="4839432" y="0"/>
+            <a:ext cx="2513135" cy="6858000"/>
+          </a:xfrm>
+          <a:prstGeom prst="rect">
+            <a:avLst/>
+          </a:prstGeom>
+        </p:spPr>
+      </p:pic>
+      <p:sp>
+        <p:nvSpPr>
+          <p:cNvPr id="6" name="Textfeld 5">
+            <a:extLst>
+              <a:ext uri="{FF2B5EF4-FFF2-40B4-BE49-F238E27FC236}">
+                <a16:creationId xmlns:a16="http://schemas.microsoft.com/office/drawing/2014/main" id="{F68BA897-F14A-49FE-8777-1FD495AF4CB3}"/>
+              </a:ext>
+            </a:extLst>
+          </p:cNvPr>
+          <p:cNvSpPr txBox="1"/>
+          <p:nvPr/>
+        </p:nvSpPr>
+        <p:spPr>
+          <a:xfrm flipH="1">
+            <a:off x="1264918" y="2782669"/>
+            <a:ext cx="2392681" cy="646331"/>
+          </a:xfrm>
+          <a:prstGeom prst="rect">
+            <a:avLst/>
+          </a:prstGeom>
+          <a:noFill/>
+        </p:spPr>
+        <p:txBody>
+          <a:bodyPr wrap="square" rtlCol="0">
+            <a:spAutoFit/>
+          </a:bodyPr>
+          <a:lstStyle/>
+          <a:p>
+            <a:r>
+              <a:rPr lang="de-DE" dirty="0"/>
+              <a:t>Modellarchitektur Neuronales Netzwerk</a:t>
+            </a:r>
+          </a:p>
+        </p:txBody>
+      </p:sp>
+      <p:sp>
+        <p:nvSpPr>
+          <p:cNvPr id="2" name="Foliennummernplatzhalter 1">
+            <a:extLst>
+              <a:ext uri="{FF2B5EF4-FFF2-40B4-BE49-F238E27FC236}">
+                <a16:creationId xmlns:a16="http://schemas.microsoft.com/office/drawing/2014/main" id="{337BDC37-66A6-40CE-BA68-1184B6F7C909}"/>
+              </a:ext>
+            </a:extLst>
+          </p:cNvPr>
+          <p:cNvSpPr>
+            <a:spLocks noGrp="1"/>
+          </p:cNvSpPr>
+          <p:nvPr>
+            <p:ph type="sldNum" sz="quarter" idx="12"/>
+          </p:nvPr>
+        </p:nvSpPr>
+        <p:spPr/>
+        <p:txBody>
+          <a:bodyPr/>
+          <a:lstStyle/>
+          <a:p>
+            <a:fld id="{BCB32BD3-2004-4705-BEAB-9BF733917433}" type="slidenum">
+              <a:rPr lang="de-DE" smtClean="0"/>
+              <a:t>30</a:t>
+            </a:fld>
+            <a:endParaRPr lang="de-DE"/>
+          </a:p>
+        </p:txBody>
+      </p:sp>
+    </p:spTree>
+    <p:extLst>
+      <p:ext uri="{BB962C8B-B14F-4D97-AF65-F5344CB8AC3E}">
+        <p14:creationId xmlns:p14="http://schemas.microsoft.com/office/powerpoint/2010/main" val="2869770221"/>
+      </p:ext>
+    </p:extLst>
+  </p:cSld>
+  <p:clrMapOvr>
+    <a:masterClrMapping/>
+  </p:clrMapOvr>
+</p:sld>
+</file>
+
+<file path=ppt/slides/slide31.xml><?xml version="1.0" encoding="utf-8"?>
+<p:sld xmlns:a="http://schemas.openxmlformats.org/drawingml/2006/main" xmlns:r="http://schemas.openxmlformats.org/officeDocument/2006/relationships" xmlns:p="http://schemas.openxmlformats.org/presentationml/2006/main">
+  <p:cSld>
+    <p:spTree>
+      <p:nvGrpSpPr>
+        <p:cNvPr id="1" name=""/>
+        <p:cNvGrpSpPr/>
+        <p:nvPr/>
+      </p:nvGrpSpPr>
+      <p:grpSpPr>
+        <a:xfrm>
+          <a:off x="0" y="0"/>
+          <a:ext cx="0" cy="0"/>
+          <a:chOff x="0" y="0"/>
+          <a:chExt cx="0" cy="0"/>
+        </a:xfrm>
+      </p:grpSpPr>
+      <p:pic>
+        <p:nvPicPr>
+          <p:cNvPr id="5" name="Grafik 4" descr="Ein Bild, das Screenshot enthält.&#10;&#10;Automatisch generierte Beschreibung">
+            <a:extLst>
+              <a:ext uri="{FF2B5EF4-FFF2-40B4-BE49-F238E27FC236}">
+                <a16:creationId xmlns:a16="http://schemas.microsoft.com/office/drawing/2014/main" id="{BB29E306-F18F-4814-A2C6-009AF17B3101}"/>
+              </a:ext>
+            </a:extLst>
+          </p:cNvPr>
+          <p:cNvPicPr>
+            <a:picLocks noChangeAspect="1"/>
+          </p:cNvPicPr>
+          <p:nvPr/>
+        </p:nvPicPr>
+        <p:blipFill>
+          <a:blip r:embed="rId2">
+            <a:extLst>
+              <a:ext uri="{28A0092B-C50C-407E-A947-70E740481C1C}">
+                <a14:useLocalDpi xmlns:a14="http://schemas.microsoft.com/office/drawing/2010/main" val="0"/>
+              </a:ext>
+            </a:extLst>
+          </a:blip>
+          <a:stretch>
+            <a:fillRect/>
+          </a:stretch>
+        </p:blipFill>
+        <p:spPr>
+          <a:xfrm>
+            <a:off x="6203659" y="1663296"/>
+            <a:ext cx="4979534" cy="3531405"/>
+          </a:xfrm>
+          <a:prstGeom prst="rect">
+            <a:avLst/>
+          </a:prstGeom>
+        </p:spPr>
+      </p:pic>
+      <p:pic>
+        <p:nvPicPr>
+          <p:cNvPr id="7" name="Grafik 6" descr="Ein Bild, das Karte, Text enthält.&#10;&#10;Automatisch generierte Beschreibung">
+            <a:extLst>
+              <a:ext uri="{FF2B5EF4-FFF2-40B4-BE49-F238E27FC236}">
+                <a16:creationId xmlns:a16="http://schemas.microsoft.com/office/drawing/2014/main" id="{6E0CA567-D193-4B22-BACD-3E6D56613C88}"/>
+              </a:ext>
+            </a:extLst>
+          </p:cNvPr>
+          <p:cNvPicPr>
+            <a:picLocks noChangeAspect="1"/>
+          </p:cNvPicPr>
+          <p:nvPr/>
+        </p:nvPicPr>
+        <p:blipFill>
+          <a:blip r:embed="rId3">
+            <a:extLst>
+              <a:ext uri="{28A0092B-C50C-407E-A947-70E740481C1C}">
+                <a14:useLocalDpi xmlns:a14="http://schemas.microsoft.com/office/drawing/2010/main" val="0"/>
+              </a:ext>
+            </a:extLst>
+          </a:blip>
+          <a:stretch>
+            <a:fillRect/>
+          </a:stretch>
+        </p:blipFill>
+        <p:spPr>
+          <a:xfrm>
+            <a:off x="624494" y="1663297"/>
+            <a:ext cx="4979534" cy="3531405"/>
+          </a:xfrm>
+          <a:prstGeom prst="rect">
+            <a:avLst/>
+          </a:prstGeom>
+        </p:spPr>
+      </p:pic>
+      <p:sp>
+        <p:nvSpPr>
+          <p:cNvPr id="2" name="Foliennummernplatzhalter 1">
+            <a:extLst>
+              <a:ext uri="{FF2B5EF4-FFF2-40B4-BE49-F238E27FC236}">
+                <a16:creationId xmlns:a16="http://schemas.microsoft.com/office/drawing/2014/main" id="{CC1D4C56-BEA1-4944-8F03-E0FA8B00F2A4}"/>
+              </a:ext>
+            </a:extLst>
+          </p:cNvPr>
+          <p:cNvSpPr>
+            <a:spLocks noGrp="1"/>
+          </p:cNvSpPr>
+          <p:nvPr>
+            <p:ph type="sldNum" sz="quarter" idx="12"/>
+          </p:nvPr>
+        </p:nvSpPr>
+        <p:spPr/>
+        <p:txBody>
+          <a:bodyPr/>
+          <a:lstStyle/>
+          <a:p>
+            <a:fld id="{BCB32BD3-2004-4705-BEAB-9BF733917433}" type="slidenum">
+              <a:rPr lang="de-DE" smtClean="0"/>
+              <a:t>31</a:t>
+            </a:fld>
+            <a:endParaRPr lang="de-DE"/>
+          </a:p>
+        </p:txBody>
+      </p:sp>
+    </p:spTree>
+    <p:extLst>
+      <p:ext uri="{BB962C8B-B14F-4D97-AF65-F5344CB8AC3E}">
+        <p14:creationId xmlns:p14="http://schemas.microsoft.com/office/powerpoint/2010/main" val="2945526055"/>
+      </p:ext>
+    </p:extLst>
+  </p:cSld>
+  <p:clrMapOvr>
+    <a:masterClrMapping/>
+  </p:clrMapOvr>
+</p:sld>
+</file>
+
+<file path=ppt/slides/slide32.xml><?xml version="1.0" encoding="utf-8"?>
+<p:sld xmlns:a="http://schemas.openxmlformats.org/drawingml/2006/main" xmlns:r="http://schemas.openxmlformats.org/officeDocument/2006/relationships" xmlns:p="http://schemas.openxmlformats.org/presentationml/2006/main">
+  <p:cSld>
+    <p:spTree>
+      <p:nvGrpSpPr>
+        <p:cNvPr id="1" name=""/>
+        <p:cNvGrpSpPr/>
+        <p:nvPr/>
+      </p:nvGrpSpPr>
+      <p:grpSpPr>
+        <a:xfrm>
+          <a:off x="0" y="0"/>
+          <a:ext cx="0" cy="0"/>
+          <a:chOff x="0" y="0"/>
+          <a:chExt cx="0" cy="0"/>
+        </a:xfrm>
+      </p:grpSpPr>
+      <p:pic>
+        <p:nvPicPr>
           <p:cNvPr id="5" name="Grafik 4">
             <a:extLst>
               <a:ext uri="{FF2B5EF4-FFF2-40B4-BE49-F238E27FC236}">
@@ -8093,7 +8479,7 @@
           <a:p>
             <a:fld id="{BCB32BD3-2004-4705-BEAB-9BF733917433}" type="slidenum">
               <a:rPr lang="de-DE" smtClean="0"/>
-              <a:t>30</a:t>
+              <a:t>32</a:t>
             </a:fld>
             <a:endParaRPr lang="de-DE"/>
           </a:p>
@@ -8495,6 +8881,130 @@
 </file>
 
 <file path=ppt/slides/slide6.xml><?xml version="1.0" encoding="utf-8"?>
+<p:sld xmlns:a="http://schemas.openxmlformats.org/drawingml/2006/main" xmlns:r="http://schemas.openxmlformats.org/officeDocument/2006/relationships" xmlns:p="http://schemas.openxmlformats.org/presentationml/2006/main">
+  <p:cSld>
+    <p:spTree>
+      <p:nvGrpSpPr>
+        <p:cNvPr id="1" name=""/>
+        <p:cNvGrpSpPr/>
+        <p:nvPr/>
+      </p:nvGrpSpPr>
+      <p:grpSpPr>
+        <a:xfrm>
+          <a:off x="0" y="0"/>
+          <a:ext cx="0" cy="0"/>
+          <a:chOff x="0" y="0"/>
+          <a:chExt cx="0" cy="0"/>
+        </a:xfrm>
+      </p:grpSpPr>
+      <p:sp>
+        <p:nvSpPr>
+          <p:cNvPr id="2" name="Titel 1">
+            <a:extLst>
+              <a:ext uri="{FF2B5EF4-FFF2-40B4-BE49-F238E27FC236}">
+                <a16:creationId xmlns:a16="http://schemas.microsoft.com/office/drawing/2014/main" id="{3CF5C7D2-251E-BA4C-83B1-53F57A870764}"/>
+              </a:ext>
+            </a:extLst>
+          </p:cNvPr>
+          <p:cNvSpPr>
+            <a:spLocks noGrp="1"/>
+          </p:cNvSpPr>
+          <p:nvPr>
+            <p:ph type="title"/>
+          </p:nvPr>
+        </p:nvSpPr>
+        <p:spPr/>
+        <p:txBody>
+          <a:bodyPr/>
+          <a:lstStyle/>
+          <a:p>
+            <a:pPr algn="ctr"/>
+            <a:r>
+              <a:rPr lang="de-DE" dirty="0"/>
+              <a:t>Vorstellung des Datensatzes</a:t>
+            </a:r>
+          </a:p>
+        </p:txBody>
+      </p:sp>
+      <p:sp>
+        <p:nvSpPr>
+          <p:cNvPr id="4" name="Foliennummernplatzhalter 3">
+            <a:extLst>
+              <a:ext uri="{FF2B5EF4-FFF2-40B4-BE49-F238E27FC236}">
+                <a16:creationId xmlns:a16="http://schemas.microsoft.com/office/drawing/2014/main" id="{19D7E62F-2556-D64E-A98B-83BBE8A1EF67}"/>
+              </a:ext>
+            </a:extLst>
+          </p:cNvPr>
+          <p:cNvSpPr>
+            <a:spLocks noGrp="1"/>
+          </p:cNvSpPr>
+          <p:nvPr>
+            <p:ph type="sldNum" sz="quarter" idx="12"/>
+          </p:nvPr>
+        </p:nvSpPr>
+        <p:spPr/>
+        <p:txBody>
+          <a:bodyPr/>
+          <a:lstStyle/>
+          <a:p>
+            <a:fld id="{BCB32BD3-2004-4705-BEAB-9BF733917433}" type="slidenum">
+              <a:rPr lang="de-DE" smtClean="0"/>
+              <a:t>6</a:t>
+            </a:fld>
+            <a:endParaRPr lang="de-DE"/>
+          </a:p>
+        </p:txBody>
+      </p:sp>
+      <p:pic>
+        <p:nvPicPr>
+          <p:cNvPr id="11" name="Grafik 10" descr="Ein Bild, das Briefpapier, Bleistift enthält.&#10;&#10;Automatisch generierte Beschreibung">
+            <a:extLst>
+              <a:ext uri="{FF2B5EF4-FFF2-40B4-BE49-F238E27FC236}">
+                <a16:creationId xmlns:a16="http://schemas.microsoft.com/office/drawing/2014/main" id="{2AF50385-7E38-284D-AB44-4CBCB0D85B4E}"/>
+              </a:ext>
+            </a:extLst>
+          </p:cNvPr>
+          <p:cNvPicPr>
+            <a:picLocks noChangeAspect="1"/>
+          </p:cNvPicPr>
+          <p:nvPr/>
+        </p:nvPicPr>
+        <p:blipFill>
+          <a:blip r:embed="rId2">
+            <a:extLst>
+              <a:ext uri="{28A0092B-C50C-407E-A947-70E740481C1C}">
+                <a14:useLocalDpi xmlns:a14="http://schemas.microsoft.com/office/drawing/2010/main" val="0"/>
+              </a:ext>
+            </a:extLst>
+          </a:blip>
+          <a:stretch>
+            <a:fillRect/>
+          </a:stretch>
+        </p:blipFill>
+        <p:spPr>
+          <a:xfrm>
+            <a:off x="2911893" y="1389857"/>
+            <a:ext cx="6368213" cy="5267325"/>
+          </a:xfrm>
+          <a:prstGeom prst="rect">
+            <a:avLst/>
+          </a:prstGeom>
+        </p:spPr>
+      </p:pic>
+    </p:spTree>
+    <p:extLst>
+      <p:ext uri="{BB962C8B-B14F-4D97-AF65-F5344CB8AC3E}">
+        <p14:creationId xmlns:p14="http://schemas.microsoft.com/office/powerpoint/2010/main" val="2386281781"/>
+      </p:ext>
+    </p:extLst>
+  </p:cSld>
+  <p:clrMapOvr>
+    <a:masterClrMapping/>
+  </p:clrMapOvr>
+</p:sld>
+</file>
+
+<file path=ppt/slides/slide7.xml><?xml version="1.0" encoding="utf-8"?>
 <p:sld xmlns:a="http://schemas.openxmlformats.org/drawingml/2006/main" xmlns:r="http://schemas.openxmlformats.org/officeDocument/2006/relationships" xmlns:p="http://schemas.openxmlformats.org/presentationml/2006/main">
   <p:cSld>
     <p:spTree>
@@ -8655,7 +9165,7 @@
           <a:p>
             <a:fld id="{BCB32BD3-2004-4705-BEAB-9BF733917433}" type="slidenum">
               <a:rPr lang="de-DE" smtClean="0"/>
-              <a:t>6</a:t>
+              <a:t>7</a:t>
             </a:fld>
             <a:endParaRPr lang="de-DE"/>
           </a:p>
@@ -8665,274 +9175,6 @@
     <p:extLst>
       <p:ext uri="{BB962C8B-B14F-4D97-AF65-F5344CB8AC3E}">
         <p14:creationId xmlns:p14="http://schemas.microsoft.com/office/powerpoint/2010/main" val="1481519776"/>
-      </p:ext>
-    </p:extLst>
-  </p:cSld>
-  <p:clrMapOvr>
-    <a:masterClrMapping/>
-  </p:clrMapOvr>
-</p:sld>
-</file>
-
-<file path=ppt/slides/slide7.xml><?xml version="1.0" encoding="utf-8"?>
-<p:sld xmlns:a="http://schemas.openxmlformats.org/drawingml/2006/main" xmlns:r="http://schemas.openxmlformats.org/officeDocument/2006/relationships" xmlns:p="http://schemas.openxmlformats.org/presentationml/2006/main">
-  <p:cSld>
-    <p:spTree>
-      <p:nvGrpSpPr>
-        <p:cNvPr id="1" name=""/>
-        <p:cNvGrpSpPr/>
-        <p:nvPr/>
-      </p:nvGrpSpPr>
-      <p:grpSpPr>
-        <a:xfrm>
-          <a:off x="0" y="0"/>
-          <a:ext cx="0" cy="0"/>
-          <a:chOff x="0" y="0"/>
-          <a:chExt cx="0" cy="0"/>
-        </a:xfrm>
-      </p:grpSpPr>
-      <p:sp>
-        <p:nvSpPr>
-          <p:cNvPr id="2" name="Titel 1">
-            <a:extLst>
-              <a:ext uri="{FF2B5EF4-FFF2-40B4-BE49-F238E27FC236}">
-                <a16:creationId xmlns:a16="http://schemas.microsoft.com/office/drawing/2014/main" id="{3FD6CABD-23CA-4810-9D0F-724EADD8529A}"/>
-              </a:ext>
-            </a:extLst>
-          </p:cNvPr>
-          <p:cNvSpPr>
-            <a:spLocks noGrp="1"/>
-          </p:cNvSpPr>
-          <p:nvPr>
-            <p:ph type="title"/>
-          </p:nvPr>
-        </p:nvSpPr>
-        <p:spPr/>
-        <p:txBody>
-          <a:bodyPr/>
-          <a:lstStyle/>
-          <a:p>
-            <a:pPr algn="ctr"/>
-            <a:r>
-              <a:rPr lang="de-DE" dirty="0"/>
-              <a:t>Vorstellung des Datensatzes</a:t>
-            </a:r>
-          </a:p>
-        </p:txBody>
-      </p:sp>
-      <p:pic>
-        <p:nvPicPr>
-          <p:cNvPr id="4" name="Grafik 3" descr="Ein Bild, das Zeichnung enthält.&#10;&#10;Automatisch generierte Beschreibung">
-            <a:extLst>
-              <a:ext uri="{FF2B5EF4-FFF2-40B4-BE49-F238E27FC236}">
-                <a16:creationId xmlns:a16="http://schemas.microsoft.com/office/drawing/2014/main" id="{83382519-A708-4C6B-83F7-841E8CDF1B08}"/>
-              </a:ext>
-            </a:extLst>
-          </p:cNvPr>
-          <p:cNvPicPr>
-            <a:picLocks noChangeAspect="1"/>
-          </p:cNvPicPr>
-          <p:nvPr/>
-        </p:nvPicPr>
-        <p:blipFill>
-          <a:blip r:embed="rId2">
-            <a:extLst>
-              <a:ext uri="{28A0092B-C50C-407E-A947-70E740481C1C}">
-                <a14:useLocalDpi xmlns:a14="http://schemas.microsoft.com/office/drawing/2010/main" val="0"/>
-              </a:ext>
-            </a:extLst>
-          </a:blip>
-          <a:stretch>
-            <a:fillRect/>
-          </a:stretch>
-        </p:blipFill>
-        <p:spPr>
-          <a:xfrm>
-            <a:off x="4693676" y="2684001"/>
-            <a:ext cx="2804647" cy="1986625"/>
-          </a:xfrm>
-          <a:prstGeom prst="rect">
-            <a:avLst/>
-          </a:prstGeom>
-        </p:spPr>
-      </p:pic>
-      <p:pic>
-        <p:nvPicPr>
-          <p:cNvPr id="8" name="Grafik 7" descr="Ein Bild, das Zeichnung enthält.&#10;&#10;Automatisch generierte Beschreibung">
-            <a:extLst>
-              <a:ext uri="{FF2B5EF4-FFF2-40B4-BE49-F238E27FC236}">
-                <a16:creationId xmlns:a16="http://schemas.microsoft.com/office/drawing/2014/main" id="{D187611C-AE0E-4C62-8188-916CECDD872C}"/>
-              </a:ext>
-            </a:extLst>
-          </p:cNvPr>
-          <p:cNvPicPr>
-            <a:picLocks noChangeAspect="1"/>
-          </p:cNvPicPr>
-          <p:nvPr/>
-        </p:nvPicPr>
-        <p:blipFill>
-          <a:blip r:embed="rId3">
-            <a:extLst>
-              <a:ext uri="{28A0092B-C50C-407E-A947-70E740481C1C}">
-                <a14:useLocalDpi xmlns:a14="http://schemas.microsoft.com/office/drawing/2010/main" val="0"/>
-              </a:ext>
-            </a:extLst>
-          </a:blip>
-          <a:stretch>
-            <a:fillRect/>
-          </a:stretch>
-        </p:blipFill>
-        <p:spPr>
-          <a:xfrm>
-            <a:off x="8610955" y="4352735"/>
-            <a:ext cx="2752370" cy="2035366"/>
-          </a:xfrm>
-          <a:prstGeom prst="rect">
-            <a:avLst/>
-          </a:prstGeom>
-        </p:spPr>
-      </p:pic>
-      <p:pic>
-        <p:nvPicPr>
-          <p:cNvPr id="12" name="Grafik 11" descr="Ein Bild, das Zeichnung enthält.&#10;&#10;Automatisch generierte Beschreibung">
-            <a:extLst>
-              <a:ext uri="{FF2B5EF4-FFF2-40B4-BE49-F238E27FC236}">
-                <a16:creationId xmlns:a16="http://schemas.microsoft.com/office/drawing/2014/main" id="{414D5B90-6052-4030-9549-E301BE3DE5A6}"/>
-              </a:ext>
-            </a:extLst>
-          </p:cNvPr>
-          <p:cNvPicPr>
-            <a:picLocks noChangeAspect="1"/>
-          </p:cNvPicPr>
-          <p:nvPr/>
-        </p:nvPicPr>
-        <p:blipFill>
-          <a:blip r:embed="rId4">
-            <a:extLst>
-              <a:ext uri="{28A0092B-C50C-407E-A947-70E740481C1C}">
-                <a14:useLocalDpi xmlns:a14="http://schemas.microsoft.com/office/drawing/2010/main" val="0"/>
-              </a:ext>
-            </a:extLst>
-          </a:blip>
-          <a:stretch>
-            <a:fillRect/>
-          </a:stretch>
-        </p:blipFill>
-        <p:spPr>
-          <a:xfrm>
-            <a:off x="8577482" y="1690688"/>
-            <a:ext cx="2785843" cy="2049091"/>
-          </a:xfrm>
-          <a:prstGeom prst="rect">
-            <a:avLst/>
-          </a:prstGeom>
-        </p:spPr>
-      </p:pic>
-      <p:pic>
-        <p:nvPicPr>
-          <p:cNvPr id="16" name="Grafik 15" descr="Ein Bild, das Zeichnung enthält.&#10;&#10;Automatisch generierte Beschreibung">
-            <a:extLst>
-              <a:ext uri="{FF2B5EF4-FFF2-40B4-BE49-F238E27FC236}">
-                <a16:creationId xmlns:a16="http://schemas.microsoft.com/office/drawing/2014/main" id="{94C0CD60-5041-49B3-B115-F4FAC716CB5F}"/>
-              </a:ext>
-            </a:extLst>
-          </p:cNvPr>
-          <p:cNvPicPr>
-            <a:picLocks noChangeAspect="1"/>
-          </p:cNvPicPr>
-          <p:nvPr/>
-        </p:nvPicPr>
-        <p:blipFill>
-          <a:blip r:embed="rId5">
-            <a:extLst>
-              <a:ext uri="{28A0092B-C50C-407E-A947-70E740481C1C}">
-                <a14:useLocalDpi xmlns:a14="http://schemas.microsoft.com/office/drawing/2010/main" val="0"/>
-              </a:ext>
-            </a:extLst>
-          </a:blip>
-          <a:stretch>
-            <a:fillRect/>
-          </a:stretch>
-        </p:blipFill>
-        <p:spPr>
-          <a:xfrm>
-            <a:off x="357407" y="4352735"/>
-            <a:ext cx="2747744" cy="2035366"/>
-          </a:xfrm>
-          <a:prstGeom prst="rect">
-            <a:avLst/>
-          </a:prstGeom>
-        </p:spPr>
-      </p:pic>
-      <p:pic>
-        <p:nvPicPr>
-          <p:cNvPr id="18" name="Grafik 17" descr="Ein Bild, das Screenshot, Zeichnung enthält.&#10;&#10;Automatisch generierte Beschreibung">
-            <a:extLst>
-              <a:ext uri="{FF2B5EF4-FFF2-40B4-BE49-F238E27FC236}">
-                <a16:creationId xmlns:a16="http://schemas.microsoft.com/office/drawing/2014/main" id="{1C0F9F1B-3C6C-430F-A443-D6F66D8C9E8D}"/>
-              </a:ext>
-            </a:extLst>
-          </p:cNvPr>
-          <p:cNvPicPr>
-            <a:picLocks noChangeAspect="1"/>
-          </p:cNvPicPr>
-          <p:nvPr/>
-        </p:nvPicPr>
-        <p:blipFill>
-          <a:blip r:embed="rId6">
-            <a:extLst>
-              <a:ext uri="{28A0092B-C50C-407E-A947-70E740481C1C}">
-                <a14:useLocalDpi xmlns:a14="http://schemas.microsoft.com/office/drawing/2010/main" val="0"/>
-              </a:ext>
-            </a:extLst>
-          </a:blip>
-          <a:stretch>
-            <a:fillRect/>
-          </a:stretch>
-        </p:blipFill>
-        <p:spPr>
-          <a:xfrm>
-            <a:off x="347881" y="1690688"/>
-            <a:ext cx="2785843" cy="1986626"/>
-          </a:xfrm>
-          <a:prstGeom prst="rect">
-            <a:avLst/>
-          </a:prstGeom>
-        </p:spPr>
-      </p:pic>
-      <p:sp>
-        <p:nvSpPr>
-          <p:cNvPr id="3" name="Foliennummernplatzhalter 2">
-            <a:extLst>
-              <a:ext uri="{FF2B5EF4-FFF2-40B4-BE49-F238E27FC236}">
-                <a16:creationId xmlns:a16="http://schemas.microsoft.com/office/drawing/2014/main" id="{9EBE743A-4003-4786-B1F7-BF2B31D14F5E}"/>
-              </a:ext>
-            </a:extLst>
-          </p:cNvPr>
-          <p:cNvSpPr>
-            <a:spLocks noGrp="1"/>
-          </p:cNvSpPr>
-          <p:nvPr>
-            <p:ph type="sldNum" sz="quarter" idx="12"/>
-          </p:nvPr>
-        </p:nvSpPr>
-        <p:spPr/>
-        <p:txBody>
-          <a:bodyPr/>
-          <a:lstStyle/>
-          <a:p>
-            <a:fld id="{BCB32BD3-2004-4705-BEAB-9BF733917433}" type="slidenum">
-              <a:rPr lang="de-DE" smtClean="0"/>
-              <a:t>7</a:t>
-            </a:fld>
-            <a:endParaRPr lang="de-DE"/>
-          </a:p>
-        </p:txBody>
-      </p:sp>
-    </p:spTree>
-    <p:extLst>
-      <p:ext uri="{BB962C8B-B14F-4D97-AF65-F5344CB8AC3E}">
-        <p14:creationId xmlns:p14="http://schemas.microsoft.com/office/powerpoint/2010/main" val="1963655558"/>
       </p:ext>
     </p:extLst>
   </p:cSld>
@@ -8964,7 +9206,7 @@
           <p:cNvPr id="2" name="Titel 1">
             <a:extLst>
               <a:ext uri="{FF2B5EF4-FFF2-40B4-BE49-F238E27FC236}">
-                <a16:creationId xmlns:a16="http://schemas.microsoft.com/office/drawing/2014/main" id="{0C763103-F59B-4BDB-94E8-75FE7EDE978F}"/>
+                <a16:creationId xmlns:a16="http://schemas.microsoft.com/office/drawing/2014/main" id="{3FD6CABD-23CA-4810-9D0F-724EADD8529A}"/>
               </a:ext>
             </a:extLst>
           </p:cNvPr>
@@ -8993,7 +9235,7 @@
           <p:cNvPr id="4" name="Grafik 3" descr="Ein Bild, das Zeichnung enthält.&#10;&#10;Automatisch generierte Beschreibung">
             <a:extLst>
               <a:ext uri="{FF2B5EF4-FFF2-40B4-BE49-F238E27FC236}">
-                <a16:creationId xmlns:a16="http://schemas.microsoft.com/office/drawing/2014/main" id="{CCD938F4-8393-47A4-9E68-E3D0A1D0FB0D}"/>
+                <a16:creationId xmlns:a16="http://schemas.microsoft.com/office/drawing/2014/main" id="{83382519-A708-4C6B-83F7-841E8CDF1B08}"/>
               </a:ext>
             </a:extLst>
           </p:cNvPr>
@@ -9016,8 +9258,8 @@
         </p:blipFill>
         <p:spPr>
           <a:xfrm>
-            <a:off x="343496" y="4207697"/>
-            <a:ext cx="2764399" cy="1738312"/>
+            <a:off x="4693676" y="2684001"/>
+            <a:ext cx="2804647" cy="1986625"/>
           </a:xfrm>
           <a:prstGeom prst="rect">
             <a:avLst/>
@@ -9026,10 +9268,10 @@
       </p:pic>
       <p:pic>
         <p:nvPicPr>
-          <p:cNvPr id="7" name="Grafik 6" descr="Ein Bild, das Zeichnung enthält.&#10;&#10;Automatisch generierte Beschreibung">
-            <a:extLst>
-              <a:ext uri="{FF2B5EF4-FFF2-40B4-BE49-F238E27FC236}">
-                <a16:creationId xmlns:a16="http://schemas.microsoft.com/office/drawing/2014/main" id="{42AA59A8-FCB8-4115-8413-EDB335CED1DA}"/>
+          <p:cNvPr id="8" name="Grafik 7" descr="Ein Bild, das Zeichnung enthält.&#10;&#10;Automatisch generierte Beschreibung">
+            <a:extLst>
+              <a:ext uri="{FF2B5EF4-FFF2-40B4-BE49-F238E27FC236}">
+                <a16:creationId xmlns:a16="http://schemas.microsoft.com/office/drawing/2014/main" id="{D187611C-AE0E-4C62-8188-916CECDD872C}"/>
               </a:ext>
             </a:extLst>
           </p:cNvPr>
@@ -9052,8 +9294,8 @@
         </p:blipFill>
         <p:spPr>
           <a:xfrm>
-            <a:off x="8071085" y="1705485"/>
-            <a:ext cx="2635872" cy="1738312"/>
+            <a:off x="8610955" y="4352735"/>
+            <a:ext cx="2752370" cy="2035366"/>
           </a:xfrm>
           <a:prstGeom prst="rect">
             <a:avLst/>
@@ -9062,10 +9304,10 @@
       </p:pic>
       <p:pic>
         <p:nvPicPr>
-          <p:cNvPr id="9" name="Grafik 8" descr="Ein Bild, das Zeichnung enthält.&#10;&#10;Automatisch generierte Beschreibung">
-            <a:extLst>
-              <a:ext uri="{FF2B5EF4-FFF2-40B4-BE49-F238E27FC236}">
-                <a16:creationId xmlns:a16="http://schemas.microsoft.com/office/drawing/2014/main" id="{EBB95CB5-726B-4ECA-BEA6-C3047CCE5998}"/>
+          <p:cNvPr id="12" name="Grafik 11" descr="Ein Bild, das Zeichnung enthält.&#10;&#10;Automatisch generierte Beschreibung">
+            <a:extLst>
+              <a:ext uri="{FF2B5EF4-FFF2-40B4-BE49-F238E27FC236}">
+                <a16:creationId xmlns:a16="http://schemas.microsoft.com/office/drawing/2014/main" id="{414D5B90-6052-4030-9549-E301BE3DE5A6}"/>
               </a:ext>
             </a:extLst>
           </p:cNvPr>
@@ -9088,80 +9330,8 @@
         </p:blipFill>
         <p:spPr>
           <a:xfrm>
-            <a:off x="4452224" y="1639525"/>
-            <a:ext cx="2548643" cy="1747323"/>
-          </a:xfrm>
-          <a:prstGeom prst="rect">
-            <a:avLst/>
-          </a:prstGeom>
-        </p:spPr>
-      </p:pic>
-      <p:pic>
-        <p:nvPicPr>
-          <p:cNvPr id="11" name="Grafik 10" descr="Ein Bild, das Zeichnung enthält.&#10;&#10;Automatisch generierte Beschreibung">
-            <a:extLst>
-              <a:ext uri="{FF2B5EF4-FFF2-40B4-BE49-F238E27FC236}">
-                <a16:creationId xmlns:a16="http://schemas.microsoft.com/office/drawing/2014/main" id="{882706C1-DFA2-457B-B8E2-02E0E7F64824}"/>
-              </a:ext>
-            </a:extLst>
-          </p:cNvPr>
-          <p:cNvPicPr>
-            <a:picLocks noChangeAspect="1"/>
-          </p:cNvPicPr>
-          <p:nvPr/>
-        </p:nvPicPr>
-        <p:blipFill>
-          <a:blip r:embed="rId5">
-            <a:extLst>
-              <a:ext uri="{28A0092B-C50C-407E-A947-70E740481C1C}">
-                <a14:useLocalDpi xmlns:a14="http://schemas.microsoft.com/office/drawing/2010/main" val="0"/>
-              </a:ext>
-            </a:extLst>
-          </a:blip>
-          <a:stretch>
-            <a:fillRect/>
-          </a:stretch>
-        </p:blipFill>
-        <p:spPr>
-          <a:xfrm>
-            <a:off x="400489" y="1681677"/>
-            <a:ext cx="2626695" cy="1747323"/>
-          </a:xfrm>
-          <a:prstGeom prst="rect">
-            <a:avLst/>
-          </a:prstGeom>
-        </p:spPr>
-      </p:pic>
-      <p:pic>
-        <p:nvPicPr>
-          <p:cNvPr id="13" name="Grafik 12" descr="Ein Bild, das Screenshot, Zeichnung enthält.&#10;&#10;Automatisch generierte Beschreibung">
-            <a:extLst>
-              <a:ext uri="{FF2B5EF4-FFF2-40B4-BE49-F238E27FC236}">
-                <a16:creationId xmlns:a16="http://schemas.microsoft.com/office/drawing/2014/main" id="{936FF6F7-7877-4A56-A126-4A6D4B146DC6}"/>
-              </a:ext>
-            </a:extLst>
-          </p:cNvPr>
-          <p:cNvPicPr>
-            <a:picLocks noChangeAspect="1"/>
-          </p:cNvPicPr>
-          <p:nvPr/>
-        </p:nvPicPr>
-        <p:blipFill>
-          <a:blip r:embed="rId6">
-            <a:extLst>
-              <a:ext uri="{28A0092B-C50C-407E-A947-70E740481C1C}">
-                <a14:useLocalDpi xmlns:a14="http://schemas.microsoft.com/office/drawing/2010/main" val="0"/>
-              </a:ext>
-            </a:extLst>
-          </a:blip>
-          <a:stretch>
-            <a:fillRect/>
-          </a:stretch>
-        </p:blipFill>
-        <p:spPr>
-          <a:xfrm>
-            <a:off x="8173069" y="4261147"/>
-            <a:ext cx="2664649" cy="1738312"/>
+            <a:off x="8577482" y="1690688"/>
+            <a:ext cx="2785843" cy="2049091"/>
           </a:xfrm>
           <a:prstGeom prst="rect">
             <a:avLst/>
@@ -9173,7 +9343,7 @@
           <p:cNvPr id="16" name="Grafik 15" descr="Ein Bild, das Zeichnung enthält.&#10;&#10;Automatisch generierte Beschreibung">
             <a:extLst>
               <a:ext uri="{FF2B5EF4-FFF2-40B4-BE49-F238E27FC236}">
-                <a16:creationId xmlns:a16="http://schemas.microsoft.com/office/drawing/2014/main" id="{4626F4A4-438F-45D9-8C4D-8676CB635C42}"/>
+                <a16:creationId xmlns:a16="http://schemas.microsoft.com/office/drawing/2014/main" id="{94C0CD60-5041-49B3-B115-F4FAC716CB5F}"/>
               </a:ext>
             </a:extLst>
           </p:cNvPr>
@@ -9183,7 +9353,7 @@
           <p:nvPr/>
         </p:nvPicPr>
         <p:blipFill>
-          <a:blip r:embed="rId7">
+          <a:blip r:embed="rId5">
             <a:extLst>
               <a:ext uri="{28A0092B-C50C-407E-A947-70E740481C1C}">
                 <a14:useLocalDpi xmlns:a14="http://schemas.microsoft.com/office/drawing/2010/main" val="0"/>
@@ -9196,230 +9366,56 @@
         </p:blipFill>
         <p:spPr>
           <a:xfrm>
-            <a:off x="4452224" y="4307515"/>
-            <a:ext cx="2567195" cy="1639838"/>
+            <a:off x="357407" y="4352735"/>
+            <a:ext cx="2747744" cy="2035366"/>
           </a:xfrm>
           <a:prstGeom prst="rect">
             <a:avLst/>
           </a:prstGeom>
         </p:spPr>
       </p:pic>
-      <p:sp>
-        <p:nvSpPr>
-          <p:cNvPr id="18" name="Textfeld 17">
-            <a:extLst>
-              <a:ext uri="{FF2B5EF4-FFF2-40B4-BE49-F238E27FC236}">
-                <a16:creationId xmlns:a16="http://schemas.microsoft.com/office/drawing/2014/main" id="{29EF19E8-CFB2-4CCB-8DE3-46D3C4A7669A}"/>
-              </a:ext>
-            </a:extLst>
-          </p:cNvPr>
-          <p:cNvSpPr txBox="1"/>
+      <p:pic>
+        <p:nvPicPr>
+          <p:cNvPr id="18" name="Grafik 17" descr="Ein Bild, das Screenshot, Zeichnung enthält.&#10;&#10;Automatisch generierte Beschreibung">
+            <a:extLst>
+              <a:ext uri="{FF2B5EF4-FFF2-40B4-BE49-F238E27FC236}">
+                <a16:creationId xmlns:a16="http://schemas.microsoft.com/office/drawing/2014/main" id="{1C0F9F1B-3C6C-430F-A443-D6F66D8C9E8D}"/>
+              </a:ext>
+            </a:extLst>
+          </p:cNvPr>
+          <p:cNvPicPr>
+            <a:picLocks noChangeAspect="1"/>
+          </p:cNvPicPr>
           <p:nvPr/>
-        </p:nvSpPr>
+        </p:nvPicPr>
+        <p:blipFill>
+          <a:blip r:embed="rId6">
+            <a:extLst>
+              <a:ext uri="{28A0092B-C50C-407E-A947-70E740481C1C}">
+                <a14:useLocalDpi xmlns:a14="http://schemas.microsoft.com/office/drawing/2010/main" val="0"/>
+              </a:ext>
+            </a:extLst>
+          </a:blip>
+          <a:stretch>
+            <a:fillRect/>
+          </a:stretch>
+        </p:blipFill>
         <p:spPr>
           <a:xfrm>
-            <a:off x="2913658" y="1650662"/>
-            <a:ext cx="1048742" cy="276999"/>
+            <a:off x="347881" y="1690688"/>
+            <a:ext cx="2785843" cy="1986626"/>
           </a:xfrm>
           <a:prstGeom prst="rect">
             <a:avLst/>
           </a:prstGeom>
-          <a:noFill/>
         </p:spPr>
-        <p:txBody>
-          <a:bodyPr wrap="square" rtlCol="0">
-            <a:spAutoFit/>
-          </a:bodyPr>
-          <a:lstStyle/>
-          <a:p>
-            <a:r>
-              <a:rPr lang="de-DE" sz="1200" dirty="0"/>
-              <a:t>(1650 – 1700)</a:t>
-            </a:r>
-          </a:p>
-        </p:txBody>
-      </p:sp>
-      <p:sp>
-        <p:nvSpPr>
-          <p:cNvPr id="22" name="Textfeld 21">
-            <a:extLst>
-              <a:ext uri="{FF2B5EF4-FFF2-40B4-BE49-F238E27FC236}">
-                <a16:creationId xmlns:a16="http://schemas.microsoft.com/office/drawing/2014/main" id="{508050CA-8168-4F2F-9127-9467BFAD5C76}"/>
-              </a:ext>
-            </a:extLst>
-          </p:cNvPr>
-          <p:cNvSpPr txBox="1"/>
-          <p:nvPr/>
-        </p:nvSpPr>
-        <p:spPr>
-          <a:xfrm>
-            <a:off x="6919578" y="1673257"/>
-            <a:ext cx="1048742" cy="276999"/>
-          </a:xfrm>
-          <a:prstGeom prst="rect">
-            <a:avLst/>
-          </a:prstGeom>
-          <a:noFill/>
-        </p:spPr>
-        <p:txBody>
-          <a:bodyPr wrap="square" rtlCol="0">
-            <a:spAutoFit/>
-          </a:bodyPr>
-          <a:lstStyle/>
-          <a:p>
-            <a:r>
-              <a:rPr lang="de-DE" sz="1200" dirty="0"/>
-              <a:t>(1700 – 1750)</a:t>
-            </a:r>
-          </a:p>
-        </p:txBody>
-      </p:sp>
-      <p:sp>
-        <p:nvSpPr>
-          <p:cNvPr id="23" name="Textfeld 22">
-            <a:extLst>
-              <a:ext uri="{FF2B5EF4-FFF2-40B4-BE49-F238E27FC236}">
-                <a16:creationId xmlns:a16="http://schemas.microsoft.com/office/drawing/2014/main" id="{353C5F3E-85ED-47E0-9972-62E66AF19335}"/>
-              </a:ext>
-            </a:extLst>
-          </p:cNvPr>
-          <p:cNvSpPr txBox="1"/>
-          <p:nvPr/>
-        </p:nvSpPr>
-        <p:spPr>
-          <a:xfrm>
-            <a:off x="10706957" y="1690688"/>
-            <a:ext cx="1048742" cy="276999"/>
-          </a:xfrm>
-          <a:prstGeom prst="rect">
-            <a:avLst/>
-          </a:prstGeom>
-          <a:noFill/>
-        </p:spPr>
-        <p:txBody>
-          <a:bodyPr wrap="square" rtlCol="0">
-            <a:spAutoFit/>
-          </a:bodyPr>
-          <a:lstStyle/>
-          <a:p>
-            <a:r>
-              <a:rPr lang="de-DE" sz="1200" dirty="0"/>
-              <a:t>(1750 – 1800)</a:t>
-            </a:r>
-          </a:p>
-        </p:txBody>
-      </p:sp>
-      <p:sp>
-        <p:nvSpPr>
-          <p:cNvPr id="24" name="Textfeld 23">
-            <a:extLst>
-              <a:ext uri="{FF2B5EF4-FFF2-40B4-BE49-F238E27FC236}">
-                <a16:creationId xmlns:a16="http://schemas.microsoft.com/office/drawing/2014/main" id="{A8E663E0-07B9-4657-999A-4EB9750EA9C4}"/>
-              </a:ext>
-            </a:extLst>
-          </p:cNvPr>
-          <p:cNvSpPr txBox="1"/>
-          <p:nvPr/>
-        </p:nvSpPr>
-        <p:spPr>
-          <a:xfrm>
-            <a:off x="2970191" y="4207697"/>
-            <a:ext cx="1048742" cy="276999"/>
-          </a:xfrm>
-          <a:prstGeom prst="rect">
-            <a:avLst/>
-          </a:prstGeom>
-          <a:noFill/>
-        </p:spPr>
-        <p:txBody>
-          <a:bodyPr wrap="square" rtlCol="0">
-            <a:spAutoFit/>
-          </a:bodyPr>
-          <a:lstStyle/>
-          <a:p>
-            <a:r>
-              <a:rPr lang="de-DE" sz="1200" dirty="0"/>
-              <a:t>(1800 – 1850)</a:t>
-            </a:r>
-          </a:p>
-        </p:txBody>
-      </p:sp>
-      <p:sp>
-        <p:nvSpPr>
-          <p:cNvPr id="25" name="Textfeld 24">
-            <a:extLst>
-              <a:ext uri="{FF2B5EF4-FFF2-40B4-BE49-F238E27FC236}">
-                <a16:creationId xmlns:a16="http://schemas.microsoft.com/office/drawing/2014/main" id="{A2C8E358-536A-4987-8F7A-C65C244F082C}"/>
-              </a:ext>
-            </a:extLst>
-          </p:cNvPr>
-          <p:cNvSpPr txBox="1"/>
-          <p:nvPr/>
-        </p:nvSpPr>
-        <p:spPr>
-          <a:xfrm>
-            <a:off x="6990247" y="4247694"/>
-            <a:ext cx="1048742" cy="276999"/>
-          </a:xfrm>
-          <a:prstGeom prst="rect">
-            <a:avLst/>
-          </a:prstGeom>
-          <a:noFill/>
-        </p:spPr>
-        <p:txBody>
-          <a:bodyPr wrap="square" rtlCol="0">
-            <a:spAutoFit/>
-          </a:bodyPr>
-          <a:lstStyle/>
-          <a:p>
-            <a:r>
-              <a:rPr lang="de-DE" sz="1200" dirty="0"/>
-              <a:t>(1850 – 1900)</a:t>
-            </a:r>
-          </a:p>
-        </p:txBody>
-      </p:sp>
-      <p:sp>
-        <p:nvSpPr>
-          <p:cNvPr id="26" name="Textfeld 25">
-            <a:extLst>
-              <a:ext uri="{FF2B5EF4-FFF2-40B4-BE49-F238E27FC236}">
-                <a16:creationId xmlns:a16="http://schemas.microsoft.com/office/drawing/2014/main" id="{CCBC308A-510F-4481-9C67-C05FBD81B850}"/>
-              </a:ext>
-            </a:extLst>
-          </p:cNvPr>
-          <p:cNvSpPr txBox="1"/>
-          <p:nvPr/>
-        </p:nvSpPr>
-        <p:spPr>
-          <a:xfrm>
-            <a:off x="10673006" y="4261147"/>
-            <a:ext cx="1048742" cy="276999"/>
-          </a:xfrm>
-          <a:prstGeom prst="rect">
-            <a:avLst/>
-          </a:prstGeom>
-          <a:noFill/>
-        </p:spPr>
-        <p:txBody>
-          <a:bodyPr wrap="square" rtlCol="0">
-            <a:spAutoFit/>
-          </a:bodyPr>
-          <a:lstStyle/>
-          <a:p>
-            <a:r>
-              <a:rPr lang="de-DE" sz="1200" dirty="0"/>
-              <a:t>(1900 – 1950)</a:t>
-            </a:r>
-          </a:p>
-        </p:txBody>
-      </p:sp>
+      </p:pic>
       <p:sp>
         <p:nvSpPr>
           <p:cNvPr id="3" name="Foliennummernplatzhalter 2">
             <a:extLst>
               <a:ext uri="{FF2B5EF4-FFF2-40B4-BE49-F238E27FC236}">
-                <a16:creationId xmlns:a16="http://schemas.microsoft.com/office/drawing/2014/main" id="{027C56F9-DCC1-404C-852F-E3A065AC3E95}"/>
+                <a16:creationId xmlns:a16="http://schemas.microsoft.com/office/drawing/2014/main" id="{9EBE743A-4003-4786-B1F7-BF2B31D14F5E}"/>
               </a:ext>
             </a:extLst>
           </p:cNvPr>
@@ -9430,12 +9426,7 @@
             <p:ph type="sldNum" sz="quarter" idx="12"/>
           </p:nvPr>
         </p:nvSpPr>
-        <p:spPr>
-          <a:xfrm>
-            <a:off x="9167377" y="6310312"/>
-            <a:ext cx="2743200" cy="365125"/>
-          </a:xfrm>
-        </p:spPr>
+        <p:spPr/>
         <p:txBody>
           <a:bodyPr/>
           <a:lstStyle/>
@@ -9444,14 +9435,14 @@
               <a:rPr lang="de-DE" smtClean="0"/>
               <a:t>8</a:t>
             </a:fld>
-            <a:endParaRPr lang="de-DE" dirty="0"/>
+            <a:endParaRPr lang="de-DE"/>
           </a:p>
         </p:txBody>
       </p:sp>
     </p:spTree>
     <p:extLst>
       <p:ext uri="{BB962C8B-B14F-4D97-AF65-F5344CB8AC3E}">
-        <p14:creationId xmlns:p14="http://schemas.microsoft.com/office/powerpoint/2010/main" val="3936301919"/>
+        <p14:creationId xmlns:p14="http://schemas.microsoft.com/office/powerpoint/2010/main" val="1963655558"/>
       </p:ext>
     </p:extLst>
   </p:cSld>
@@ -9483,7 +9474,7 @@
           <p:cNvPr id="2" name="Titel 1">
             <a:extLst>
               <a:ext uri="{FF2B5EF4-FFF2-40B4-BE49-F238E27FC236}">
-                <a16:creationId xmlns:a16="http://schemas.microsoft.com/office/drawing/2014/main" id="{33C31535-2E54-41AC-8A74-1283CD8E2427}"/>
+                <a16:creationId xmlns:a16="http://schemas.microsoft.com/office/drawing/2014/main" id="{0C763103-F59B-4BDB-94E8-75FE7EDE978F}"/>
               </a:ext>
             </a:extLst>
           </p:cNvPr>
@@ -9509,10 +9500,10 @@
       </p:sp>
       <p:pic>
         <p:nvPicPr>
-          <p:cNvPr id="5" name="Grafik 4" descr="Ein Bild, das Screenshot enthält.&#10;&#10;Automatisch generierte Beschreibung">
-            <a:extLst>
-              <a:ext uri="{FF2B5EF4-FFF2-40B4-BE49-F238E27FC236}">
-                <a16:creationId xmlns:a16="http://schemas.microsoft.com/office/drawing/2014/main" id="{98093623-09AF-4C0F-9903-668245437642}"/>
+          <p:cNvPr id="4" name="Grafik 3" descr="Ein Bild, das Zeichnung enthält.&#10;&#10;Automatisch generierte Beschreibung">
+            <a:extLst>
+              <a:ext uri="{FF2B5EF4-FFF2-40B4-BE49-F238E27FC236}">
+                <a16:creationId xmlns:a16="http://schemas.microsoft.com/office/drawing/2014/main" id="{CCD938F4-8393-47A4-9E68-E3D0A1D0FB0D}"/>
               </a:ext>
             </a:extLst>
           </p:cNvPr>
@@ -9535,123 +9526,401 @@
         </p:blipFill>
         <p:spPr>
           <a:xfrm>
-            <a:off x="371722" y="1690688"/>
-            <a:ext cx="11448556" cy="4459150"/>
+            <a:off x="343496" y="4207697"/>
+            <a:ext cx="2764399" cy="1738312"/>
           </a:xfrm>
           <a:prstGeom prst="rect">
             <a:avLst/>
           </a:prstGeom>
         </p:spPr>
       </p:pic>
-      <p:sp>
-        <p:nvSpPr>
-          <p:cNvPr id="4" name="Ellipse 3">
-            <a:extLst>
-              <a:ext uri="{FF2B5EF4-FFF2-40B4-BE49-F238E27FC236}">
-                <a16:creationId xmlns:a16="http://schemas.microsoft.com/office/drawing/2014/main" id="{E139BD37-E420-4E8F-9C16-9E39A58D1884}"/>
-              </a:ext>
-            </a:extLst>
-          </p:cNvPr>
-          <p:cNvSpPr/>
+      <p:pic>
+        <p:nvPicPr>
+          <p:cNvPr id="7" name="Grafik 6" descr="Ein Bild, das Zeichnung enthält.&#10;&#10;Automatisch generierte Beschreibung">
+            <a:extLst>
+              <a:ext uri="{FF2B5EF4-FFF2-40B4-BE49-F238E27FC236}">
+                <a16:creationId xmlns:a16="http://schemas.microsoft.com/office/drawing/2014/main" id="{42AA59A8-FCB8-4115-8413-EDB335CED1DA}"/>
+              </a:ext>
+            </a:extLst>
+          </p:cNvPr>
+          <p:cNvPicPr>
+            <a:picLocks noChangeAspect="1"/>
+          </p:cNvPicPr>
           <p:nvPr/>
-        </p:nvSpPr>
+        </p:nvPicPr>
+        <p:blipFill>
+          <a:blip r:embed="rId3">
+            <a:extLst>
+              <a:ext uri="{28A0092B-C50C-407E-A947-70E740481C1C}">
+                <a14:useLocalDpi xmlns:a14="http://schemas.microsoft.com/office/drawing/2010/main" val="0"/>
+              </a:ext>
+            </a:extLst>
+          </a:blip>
+          <a:stretch>
+            <a:fillRect/>
+          </a:stretch>
+        </p:blipFill>
         <p:spPr>
           <a:xfrm>
-            <a:off x="2921431" y="1914041"/>
-            <a:ext cx="92990" cy="92990"/>
+            <a:off x="8071085" y="1705485"/>
+            <a:ext cx="2635872" cy="1738312"/>
           </a:xfrm>
-          <a:prstGeom prst="ellipse">
+          <a:prstGeom prst="rect">
             <a:avLst/>
           </a:prstGeom>
-          <a:solidFill>
-            <a:srgbClr val="FF0000"/>
-          </a:solidFill>
-          <a:ln>
-            <a:noFill/>
-          </a:ln>
         </p:spPr>
-        <p:style>
-          <a:lnRef idx="2">
-            <a:schemeClr val="accent1">
-              <a:shade val="50000"/>
-            </a:schemeClr>
-          </a:lnRef>
-          <a:fillRef idx="1">
-            <a:schemeClr val="accent1"/>
-          </a:fillRef>
-          <a:effectRef idx="0">
-            <a:schemeClr val="accent1"/>
-          </a:effectRef>
-          <a:fontRef idx="minor">
-            <a:schemeClr val="lt1"/>
-          </a:fontRef>
-        </p:style>
-        <p:txBody>
-          <a:bodyPr rtlCol="0" anchor="ctr"/>
-          <a:lstStyle/>
-          <a:p>
-            <a:pPr algn="ctr"/>
-            <a:endParaRPr lang="de-DE">
-              <a:solidFill>
-                <a:srgbClr val="FF0000"/>
-              </a:solidFill>
-            </a:endParaRPr>
-          </a:p>
-        </p:txBody>
-      </p:sp>
-      <p:sp>
-        <p:nvSpPr>
-          <p:cNvPr id="6" name="Ellipse 5">
-            <a:extLst>
-              <a:ext uri="{FF2B5EF4-FFF2-40B4-BE49-F238E27FC236}">
-                <a16:creationId xmlns:a16="http://schemas.microsoft.com/office/drawing/2014/main" id="{CF67522E-2D75-4537-A97D-0502A6EA2B03}"/>
-              </a:ext>
-            </a:extLst>
-          </p:cNvPr>
-          <p:cNvSpPr/>
+      </p:pic>
+      <p:pic>
+        <p:nvPicPr>
+          <p:cNvPr id="9" name="Grafik 8" descr="Ein Bild, das Zeichnung enthält.&#10;&#10;Automatisch generierte Beschreibung">
+            <a:extLst>
+              <a:ext uri="{FF2B5EF4-FFF2-40B4-BE49-F238E27FC236}">
+                <a16:creationId xmlns:a16="http://schemas.microsoft.com/office/drawing/2014/main" id="{EBB95CB5-726B-4ECA-BEA6-C3047CCE5998}"/>
+              </a:ext>
+            </a:extLst>
+          </p:cNvPr>
+          <p:cNvPicPr>
+            <a:picLocks noChangeAspect="1"/>
+          </p:cNvPicPr>
           <p:nvPr/>
-        </p:nvSpPr>
+        </p:nvPicPr>
+        <p:blipFill>
+          <a:blip r:embed="rId4">
+            <a:extLst>
+              <a:ext uri="{28A0092B-C50C-407E-A947-70E740481C1C}">
+                <a14:useLocalDpi xmlns:a14="http://schemas.microsoft.com/office/drawing/2010/main" val="0"/>
+              </a:ext>
+            </a:extLst>
+          </a:blip>
+          <a:stretch>
+            <a:fillRect/>
+          </a:stretch>
+        </p:blipFill>
         <p:spPr>
           <a:xfrm>
-            <a:off x="7002651" y="1914041"/>
-            <a:ext cx="92990" cy="92990"/>
+            <a:off x="4452224" y="1639525"/>
+            <a:ext cx="2548643" cy="1747323"/>
           </a:xfrm>
-          <a:prstGeom prst="ellipse">
+          <a:prstGeom prst="rect">
             <a:avLst/>
           </a:prstGeom>
-          <a:solidFill>
-            <a:srgbClr val="FF0000"/>
-          </a:solidFill>
-          <a:ln>
-            <a:noFill/>
-          </a:ln>
         </p:spPr>
-        <p:style>
-          <a:lnRef idx="2">
-            <a:schemeClr val="accent1">
-              <a:shade val="50000"/>
-            </a:schemeClr>
-          </a:lnRef>
-          <a:fillRef idx="1">
-            <a:schemeClr val="accent1"/>
-          </a:fillRef>
-          <a:effectRef idx="0">
-            <a:schemeClr val="accent1"/>
-          </a:effectRef>
-          <a:fontRef idx="minor">
-            <a:schemeClr val="lt1"/>
-          </a:fontRef>
-        </p:style>
-        <p:txBody>
-          <a:bodyPr rtlCol="0" anchor="ctr"/>
-          <a:lstStyle/>
-          <a:p>
-            <a:pPr algn="ctr"/>
-            <a:endParaRPr lang="de-DE">
-              <a:solidFill>
-                <a:srgbClr val="FF0000"/>
-              </a:solidFill>
-            </a:endParaRPr>
+      </p:pic>
+      <p:pic>
+        <p:nvPicPr>
+          <p:cNvPr id="11" name="Grafik 10" descr="Ein Bild, das Zeichnung enthält.&#10;&#10;Automatisch generierte Beschreibung">
+            <a:extLst>
+              <a:ext uri="{FF2B5EF4-FFF2-40B4-BE49-F238E27FC236}">
+                <a16:creationId xmlns:a16="http://schemas.microsoft.com/office/drawing/2014/main" id="{882706C1-DFA2-457B-B8E2-02E0E7F64824}"/>
+              </a:ext>
+            </a:extLst>
+          </p:cNvPr>
+          <p:cNvPicPr>
+            <a:picLocks noChangeAspect="1"/>
+          </p:cNvPicPr>
+          <p:nvPr/>
+        </p:nvPicPr>
+        <p:blipFill>
+          <a:blip r:embed="rId5">
+            <a:extLst>
+              <a:ext uri="{28A0092B-C50C-407E-A947-70E740481C1C}">
+                <a14:useLocalDpi xmlns:a14="http://schemas.microsoft.com/office/drawing/2010/main" val="0"/>
+              </a:ext>
+            </a:extLst>
+          </a:blip>
+          <a:stretch>
+            <a:fillRect/>
+          </a:stretch>
+        </p:blipFill>
+        <p:spPr>
+          <a:xfrm>
+            <a:off x="400489" y="1681677"/>
+            <a:ext cx="2626695" cy="1747323"/>
+          </a:xfrm>
+          <a:prstGeom prst="rect">
+            <a:avLst/>
+          </a:prstGeom>
+        </p:spPr>
+      </p:pic>
+      <p:pic>
+        <p:nvPicPr>
+          <p:cNvPr id="13" name="Grafik 12" descr="Ein Bild, das Screenshot, Zeichnung enthält.&#10;&#10;Automatisch generierte Beschreibung">
+            <a:extLst>
+              <a:ext uri="{FF2B5EF4-FFF2-40B4-BE49-F238E27FC236}">
+                <a16:creationId xmlns:a16="http://schemas.microsoft.com/office/drawing/2014/main" id="{936FF6F7-7877-4A56-A126-4A6D4B146DC6}"/>
+              </a:ext>
+            </a:extLst>
+          </p:cNvPr>
+          <p:cNvPicPr>
+            <a:picLocks noChangeAspect="1"/>
+          </p:cNvPicPr>
+          <p:nvPr/>
+        </p:nvPicPr>
+        <p:blipFill>
+          <a:blip r:embed="rId6">
+            <a:extLst>
+              <a:ext uri="{28A0092B-C50C-407E-A947-70E740481C1C}">
+                <a14:useLocalDpi xmlns:a14="http://schemas.microsoft.com/office/drawing/2010/main" val="0"/>
+              </a:ext>
+            </a:extLst>
+          </a:blip>
+          <a:stretch>
+            <a:fillRect/>
+          </a:stretch>
+        </p:blipFill>
+        <p:spPr>
+          <a:xfrm>
+            <a:off x="8173069" y="4261147"/>
+            <a:ext cx="2664649" cy="1738312"/>
+          </a:xfrm>
+          <a:prstGeom prst="rect">
+            <a:avLst/>
+          </a:prstGeom>
+        </p:spPr>
+      </p:pic>
+      <p:pic>
+        <p:nvPicPr>
+          <p:cNvPr id="16" name="Grafik 15" descr="Ein Bild, das Zeichnung enthält.&#10;&#10;Automatisch generierte Beschreibung">
+            <a:extLst>
+              <a:ext uri="{FF2B5EF4-FFF2-40B4-BE49-F238E27FC236}">
+                <a16:creationId xmlns:a16="http://schemas.microsoft.com/office/drawing/2014/main" id="{4626F4A4-438F-45D9-8C4D-8676CB635C42}"/>
+              </a:ext>
+            </a:extLst>
+          </p:cNvPr>
+          <p:cNvPicPr>
+            <a:picLocks noChangeAspect="1"/>
+          </p:cNvPicPr>
+          <p:nvPr/>
+        </p:nvPicPr>
+        <p:blipFill>
+          <a:blip r:embed="rId7">
+            <a:extLst>
+              <a:ext uri="{28A0092B-C50C-407E-A947-70E740481C1C}">
+                <a14:useLocalDpi xmlns:a14="http://schemas.microsoft.com/office/drawing/2010/main" val="0"/>
+              </a:ext>
+            </a:extLst>
+          </a:blip>
+          <a:stretch>
+            <a:fillRect/>
+          </a:stretch>
+        </p:blipFill>
+        <p:spPr>
+          <a:xfrm>
+            <a:off x="4452224" y="4307515"/>
+            <a:ext cx="2567195" cy="1639838"/>
+          </a:xfrm>
+          <a:prstGeom prst="rect">
+            <a:avLst/>
+          </a:prstGeom>
+        </p:spPr>
+      </p:pic>
+      <p:sp>
+        <p:nvSpPr>
+          <p:cNvPr id="18" name="Textfeld 17">
+            <a:extLst>
+              <a:ext uri="{FF2B5EF4-FFF2-40B4-BE49-F238E27FC236}">
+                <a16:creationId xmlns:a16="http://schemas.microsoft.com/office/drawing/2014/main" id="{29EF19E8-CFB2-4CCB-8DE3-46D3C4A7669A}"/>
+              </a:ext>
+            </a:extLst>
+          </p:cNvPr>
+          <p:cNvSpPr txBox="1"/>
+          <p:nvPr/>
+        </p:nvSpPr>
+        <p:spPr>
+          <a:xfrm>
+            <a:off x="2913658" y="1650662"/>
+            <a:ext cx="1048742" cy="276999"/>
+          </a:xfrm>
+          <a:prstGeom prst="rect">
+            <a:avLst/>
+          </a:prstGeom>
+          <a:noFill/>
+        </p:spPr>
+        <p:txBody>
+          <a:bodyPr wrap="square" rtlCol="0">
+            <a:spAutoFit/>
+          </a:bodyPr>
+          <a:lstStyle/>
+          <a:p>
+            <a:r>
+              <a:rPr lang="de-DE" sz="1200" dirty="0"/>
+              <a:t>(1650 – 1700)</a:t>
+            </a:r>
+          </a:p>
+        </p:txBody>
+      </p:sp>
+      <p:sp>
+        <p:nvSpPr>
+          <p:cNvPr id="22" name="Textfeld 21">
+            <a:extLst>
+              <a:ext uri="{FF2B5EF4-FFF2-40B4-BE49-F238E27FC236}">
+                <a16:creationId xmlns:a16="http://schemas.microsoft.com/office/drawing/2014/main" id="{508050CA-8168-4F2F-9127-9467BFAD5C76}"/>
+              </a:ext>
+            </a:extLst>
+          </p:cNvPr>
+          <p:cNvSpPr txBox="1"/>
+          <p:nvPr/>
+        </p:nvSpPr>
+        <p:spPr>
+          <a:xfrm>
+            <a:off x="6919578" y="1673257"/>
+            <a:ext cx="1048742" cy="276999"/>
+          </a:xfrm>
+          <a:prstGeom prst="rect">
+            <a:avLst/>
+          </a:prstGeom>
+          <a:noFill/>
+        </p:spPr>
+        <p:txBody>
+          <a:bodyPr wrap="square" rtlCol="0">
+            <a:spAutoFit/>
+          </a:bodyPr>
+          <a:lstStyle/>
+          <a:p>
+            <a:r>
+              <a:rPr lang="de-DE" sz="1200" dirty="0"/>
+              <a:t>(1700 – 1750)</a:t>
+            </a:r>
+          </a:p>
+        </p:txBody>
+      </p:sp>
+      <p:sp>
+        <p:nvSpPr>
+          <p:cNvPr id="23" name="Textfeld 22">
+            <a:extLst>
+              <a:ext uri="{FF2B5EF4-FFF2-40B4-BE49-F238E27FC236}">
+                <a16:creationId xmlns:a16="http://schemas.microsoft.com/office/drawing/2014/main" id="{353C5F3E-85ED-47E0-9972-62E66AF19335}"/>
+              </a:ext>
+            </a:extLst>
+          </p:cNvPr>
+          <p:cNvSpPr txBox="1"/>
+          <p:nvPr/>
+        </p:nvSpPr>
+        <p:spPr>
+          <a:xfrm>
+            <a:off x="10706957" y="1690688"/>
+            <a:ext cx="1048742" cy="276999"/>
+          </a:xfrm>
+          <a:prstGeom prst="rect">
+            <a:avLst/>
+          </a:prstGeom>
+          <a:noFill/>
+        </p:spPr>
+        <p:txBody>
+          <a:bodyPr wrap="square" rtlCol="0">
+            <a:spAutoFit/>
+          </a:bodyPr>
+          <a:lstStyle/>
+          <a:p>
+            <a:r>
+              <a:rPr lang="de-DE" sz="1200" dirty="0"/>
+              <a:t>(1750 – 1800)</a:t>
+            </a:r>
+          </a:p>
+        </p:txBody>
+      </p:sp>
+      <p:sp>
+        <p:nvSpPr>
+          <p:cNvPr id="24" name="Textfeld 23">
+            <a:extLst>
+              <a:ext uri="{FF2B5EF4-FFF2-40B4-BE49-F238E27FC236}">
+                <a16:creationId xmlns:a16="http://schemas.microsoft.com/office/drawing/2014/main" id="{A8E663E0-07B9-4657-999A-4EB9750EA9C4}"/>
+              </a:ext>
+            </a:extLst>
+          </p:cNvPr>
+          <p:cNvSpPr txBox="1"/>
+          <p:nvPr/>
+        </p:nvSpPr>
+        <p:spPr>
+          <a:xfrm>
+            <a:off x="2970191" y="4207697"/>
+            <a:ext cx="1048742" cy="276999"/>
+          </a:xfrm>
+          <a:prstGeom prst="rect">
+            <a:avLst/>
+          </a:prstGeom>
+          <a:noFill/>
+        </p:spPr>
+        <p:txBody>
+          <a:bodyPr wrap="square" rtlCol="0">
+            <a:spAutoFit/>
+          </a:bodyPr>
+          <a:lstStyle/>
+          <a:p>
+            <a:r>
+              <a:rPr lang="de-DE" sz="1200" dirty="0"/>
+              <a:t>(1800 – 1850)</a:t>
+            </a:r>
+          </a:p>
+        </p:txBody>
+      </p:sp>
+      <p:sp>
+        <p:nvSpPr>
+          <p:cNvPr id="25" name="Textfeld 24">
+            <a:extLst>
+              <a:ext uri="{FF2B5EF4-FFF2-40B4-BE49-F238E27FC236}">
+                <a16:creationId xmlns:a16="http://schemas.microsoft.com/office/drawing/2014/main" id="{A2C8E358-536A-4987-8F7A-C65C244F082C}"/>
+              </a:ext>
+            </a:extLst>
+          </p:cNvPr>
+          <p:cNvSpPr txBox="1"/>
+          <p:nvPr/>
+        </p:nvSpPr>
+        <p:spPr>
+          <a:xfrm>
+            <a:off x="6990247" y="4247694"/>
+            <a:ext cx="1048742" cy="276999"/>
+          </a:xfrm>
+          <a:prstGeom prst="rect">
+            <a:avLst/>
+          </a:prstGeom>
+          <a:noFill/>
+        </p:spPr>
+        <p:txBody>
+          <a:bodyPr wrap="square" rtlCol="0">
+            <a:spAutoFit/>
+          </a:bodyPr>
+          <a:lstStyle/>
+          <a:p>
+            <a:r>
+              <a:rPr lang="de-DE" sz="1200" dirty="0"/>
+              <a:t>(1850 – 1900)</a:t>
+            </a:r>
+          </a:p>
+        </p:txBody>
+      </p:sp>
+      <p:sp>
+        <p:nvSpPr>
+          <p:cNvPr id="26" name="Textfeld 25">
+            <a:extLst>
+              <a:ext uri="{FF2B5EF4-FFF2-40B4-BE49-F238E27FC236}">
+                <a16:creationId xmlns:a16="http://schemas.microsoft.com/office/drawing/2014/main" id="{CCBC308A-510F-4481-9C67-C05FBD81B850}"/>
+              </a:ext>
+            </a:extLst>
+          </p:cNvPr>
+          <p:cNvSpPr txBox="1"/>
+          <p:nvPr/>
+        </p:nvSpPr>
+        <p:spPr>
+          <a:xfrm>
+            <a:off x="10673006" y="4261147"/>
+            <a:ext cx="1048742" cy="276999"/>
+          </a:xfrm>
+          <a:prstGeom prst="rect">
+            <a:avLst/>
+          </a:prstGeom>
+          <a:noFill/>
+        </p:spPr>
+        <p:txBody>
+          <a:bodyPr wrap="square" rtlCol="0">
+            <a:spAutoFit/>
+          </a:bodyPr>
+          <a:lstStyle/>
+          <a:p>
+            <a:r>
+              <a:rPr lang="de-DE" sz="1200" dirty="0"/>
+              <a:t>(1900 – 1950)</a:t>
+            </a:r>
           </a:p>
         </p:txBody>
       </p:sp>
@@ -9660,7 +9929,7 @@
           <p:cNvPr id="3" name="Foliennummernplatzhalter 2">
             <a:extLst>
               <a:ext uri="{FF2B5EF4-FFF2-40B4-BE49-F238E27FC236}">
-                <a16:creationId xmlns:a16="http://schemas.microsoft.com/office/drawing/2014/main" id="{755BDD0F-24BF-4BAF-B5D8-8E3D1076D0B6}"/>
+                <a16:creationId xmlns:a16="http://schemas.microsoft.com/office/drawing/2014/main" id="{027C56F9-DCC1-404C-852F-E3A065AC3E95}"/>
               </a:ext>
             </a:extLst>
           </p:cNvPr>
@@ -9671,7 +9940,12 @@
             <p:ph type="sldNum" sz="quarter" idx="12"/>
           </p:nvPr>
         </p:nvSpPr>
-        <p:spPr/>
+        <p:spPr>
+          <a:xfrm>
+            <a:off x="9167377" y="6310312"/>
+            <a:ext cx="2743200" cy="365125"/>
+          </a:xfrm>
+        </p:spPr>
         <p:txBody>
           <a:bodyPr/>
           <a:lstStyle/>
@@ -9680,14 +9954,14 @@
               <a:rPr lang="de-DE" smtClean="0"/>
               <a:t>9</a:t>
             </a:fld>
-            <a:endParaRPr lang="de-DE"/>
+            <a:endParaRPr lang="de-DE" dirty="0"/>
           </a:p>
         </p:txBody>
       </p:sp>
     </p:spTree>
     <p:extLst>
       <p:ext uri="{BB962C8B-B14F-4D97-AF65-F5344CB8AC3E}">
-        <p14:creationId xmlns:p14="http://schemas.microsoft.com/office/powerpoint/2010/main" val="504856519"/>
+        <p14:creationId xmlns:p14="http://schemas.microsoft.com/office/powerpoint/2010/main" val="3936301919"/>
       </p:ext>
     </p:extLst>
   </p:cSld>

--- a/Projektgruppenpräsention.pptx
+++ b/Projektgruppenpräsention.pptx
@@ -7414,7 +7414,15 @@
             </a:pPr>
             <a:r>
               <a:rPr lang="de-DE" dirty="0"/>
-              <a:t>Dropout führt im allgemeinen zu schlechteren Ergebnissen</a:t>
+              <a:t>Dropout führt </a:t>
+            </a:r>
+            <a:r>
+              <a:rPr lang="de-DE"/>
+              <a:t>im Allgemeinen </a:t>
+            </a:r>
+            <a:r>
+              <a:rPr lang="de-DE" dirty="0"/>
+              <a:t>zu schlechteren Ergebnissen</a:t>
             </a:r>
           </a:p>
           <a:p>
@@ -7431,12 +7439,8 @@
               <a:t>Convolutional</a:t>
             </a:r>
             <a:r>
-              <a:rPr lang="de-DE"/>
-              <a:t>-Layer </a:t>
-            </a:r>
-            <a:r>
               <a:rPr lang="de-DE" dirty="0"/>
-              <a:t>verbessert die Performance</a:t>
+              <a:t>-Layer verbessert die Performance</a:t>
             </a:r>
           </a:p>
           <a:p>

--- a/Projektgruppenpräsention.pptx
+++ b/Projektgruppenpräsention.pptx
@@ -268,7 +268,7 @@
           <a:p>
             <a:fld id="{9970A952-D182-47D0-BB0B-66E803D379DF}" type="datetimeFigureOut">
               <a:rPr lang="de-DE" smtClean="0"/>
-              <a:t>29.01.20</a:t>
+              <a:t>29.01.2020</a:t>
             </a:fld>
             <a:endParaRPr lang="de-DE"/>
           </a:p>
@@ -682,7 +682,7 @@
           <a:p>
             <a:fld id="{83AF5F3A-173E-41A1-88E4-D9283F7CF961}" type="datetime1">
               <a:rPr lang="de-DE" smtClean="0"/>
-              <a:t>29.01.20</a:t>
+              <a:t>29.01.2020</a:t>
             </a:fld>
             <a:endParaRPr lang="de-DE"/>
           </a:p>
@@ -880,7 +880,7 @@
           <a:p>
             <a:fld id="{67136FAB-3524-46F8-90EF-15FD34B1A103}" type="datetime1">
               <a:rPr lang="de-DE" smtClean="0"/>
-              <a:t>29.01.20</a:t>
+              <a:t>29.01.2020</a:t>
             </a:fld>
             <a:endParaRPr lang="de-DE"/>
           </a:p>
@@ -1088,7 +1088,7 @@
           <a:p>
             <a:fld id="{4D0EDC95-51A4-4EBF-8097-2751D169EA21}" type="datetime1">
               <a:rPr lang="de-DE" smtClean="0"/>
-              <a:t>29.01.20</a:t>
+              <a:t>29.01.2020</a:t>
             </a:fld>
             <a:endParaRPr lang="de-DE"/>
           </a:p>
@@ -1286,7 +1286,7 @@
           <a:p>
             <a:fld id="{243046D3-AE70-4445-9A51-18A4544EB06C}" type="datetime1">
               <a:rPr lang="de-DE" smtClean="0"/>
-              <a:t>29.01.20</a:t>
+              <a:t>29.01.2020</a:t>
             </a:fld>
             <a:endParaRPr lang="de-DE"/>
           </a:p>
@@ -1561,7 +1561,7 @@
           <a:p>
             <a:fld id="{31BFE2A4-EEDC-498F-9D43-72C906198079}" type="datetime1">
               <a:rPr lang="de-DE" smtClean="0"/>
-              <a:t>29.01.20</a:t>
+              <a:t>29.01.2020</a:t>
             </a:fld>
             <a:endParaRPr lang="de-DE"/>
           </a:p>
@@ -1826,7 +1826,7 @@
           <a:p>
             <a:fld id="{2C39E429-31BA-464B-AABA-32BF99730EE4}" type="datetime1">
               <a:rPr lang="de-DE" smtClean="0"/>
-              <a:t>29.01.20</a:t>
+              <a:t>29.01.2020</a:t>
             </a:fld>
             <a:endParaRPr lang="de-DE"/>
           </a:p>
@@ -2238,7 +2238,7 @@
           <a:p>
             <a:fld id="{42717186-E222-499D-884B-B2FBD6E3BDFA}" type="datetime1">
               <a:rPr lang="de-DE" smtClean="0"/>
-              <a:t>29.01.20</a:t>
+              <a:t>29.01.2020</a:t>
             </a:fld>
             <a:endParaRPr lang="de-DE"/>
           </a:p>
@@ -2379,7 +2379,7 @@
           <a:p>
             <a:fld id="{3CC83454-F47A-4696-A976-75ECB430CB87}" type="datetime1">
               <a:rPr lang="de-DE" smtClean="0"/>
-              <a:t>29.01.20</a:t>
+              <a:t>29.01.2020</a:t>
             </a:fld>
             <a:endParaRPr lang="de-DE"/>
           </a:p>
@@ -2492,7 +2492,7 @@
           <a:p>
             <a:fld id="{19533CB7-914E-416A-8972-D5E7F4407A62}" type="datetime1">
               <a:rPr lang="de-DE" smtClean="0"/>
-              <a:t>29.01.20</a:t>
+              <a:t>29.01.2020</a:t>
             </a:fld>
             <a:endParaRPr lang="de-DE"/>
           </a:p>
@@ -2803,7 +2803,7 @@
           <a:p>
             <a:fld id="{BEA7EBBF-56F2-4788-AB42-14CC33E031AC}" type="datetime1">
               <a:rPr lang="de-DE" smtClean="0"/>
-              <a:t>29.01.20</a:t>
+              <a:t>29.01.2020</a:t>
             </a:fld>
             <a:endParaRPr lang="de-DE"/>
           </a:p>
@@ -3091,7 +3091,7 @@
           <a:p>
             <a:fld id="{6990326C-0FF1-4B7F-B3C4-D2EA2B3EE3DE}" type="datetime1">
               <a:rPr lang="de-DE" smtClean="0"/>
-              <a:t>29.01.20</a:t>
+              <a:t>29.01.2020</a:t>
             </a:fld>
             <a:endParaRPr lang="de-DE"/>
           </a:p>
@@ -3332,7 +3332,7 @@
           <a:p>
             <a:fld id="{024C4B1E-96E9-4E99-A2B7-F535D5C9B736}" type="datetime1">
               <a:rPr lang="de-DE" smtClean="0"/>
-              <a:t>29.01.20</a:t>
+              <a:t>29.01.2020</a:t>
             </a:fld>
             <a:endParaRPr lang="de-DE"/>
           </a:p>
@@ -5176,8 +5176,12 @@
           </a:p>
           <a:p>
             <a:r>
+              <a:rPr lang="de-DE"/>
+              <a:t>Neuronale </a:t>
+            </a:r>
+            <a:r>
               <a:rPr lang="de-DE" dirty="0"/>
-              <a:t>(Neuronale Netzwerke)</a:t>
+              <a:t>Netzwerke</a:t>
             </a:r>
           </a:p>
         </p:txBody>

--- a/Projektgruppenpräsention.pptx
+++ b/Projektgruppenpräsention.pptx
@@ -5177,12 +5177,9 @@
           <a:p>
             <a:r>
               <a:rPr lang="de-DE"/>
-              <a:t>Neuronale </a:t>
-            </a:r>
-            <a:r>
-              <a:rPr lang="de-DE" dirty="0"/>
-              <a:t>Netzwerke</a:t>
-            </a:r>
+              <a:t>(Neuronale Netzwerke)</a:t>
+            </a:r>
+            <a:endParaRPr lang="de-DE" dirty="0"/>
           </a:p>
         </p:txBody>
       </p:sp>
